--- a/cisco-opus-optimization.pptx
+++ b/cisco-opus-optimization.pptx
@@ -5,7 +5,7 @@
     <p:sldMasterId id="2147483648" r:id="rId1"/>
   </p:sldMasterIdLst>
   <p:notesMasterIdLst>
-    <p:notesMasterId r:id="rId11"/>
+    <p:notesMasterId r:id="rId12"/>
   </p:notesMasterIdLst>
   <p:sldIdLst>
     <p:sldId id="256" r:id="rId2"/>
@@ -13,10 +13,11 @@
     <p:sldId id="261" r:id="rId4"/>
     <p:sldId id="260" r:id="rId5"/>
     <p:sldId id="262" r:id="rId6"/>
-    <p:sldId id="263" r:id="rId7"/>
-    <p:sldId id="265" r:id="rId8"/>
-    <p:sldId id="267" r:id="rId9"/>
+    <p:sldId id="266" r:id="rId7"/>
+    <p:sldId id="263" r:id="rId8"/>
+    <p:sldId id="265" r:id="rId9"/>
     <p:sldId id="264" r:id="rId10"/>
+    <p:sldId id="258" r:id="rId11"/>
   </p:sldIdLst>
   <p:sldSz cx="9144000" cy="6858000" type="screen4x3"/>
   <p:notesSz cx="6858000" cy="9144000"/>
@@ -200,7 +201,7 @@
           <a:p>
             <a:fld id="{35C14960-BC79-4600-8BBA-F2FA64467932}" type="datetimeFigureOut">
               <a:rPr lang="zh-CN" altLang="en-US" smtClean="0"/>
-              <a:t>2014/5/2</a:t>
+              <a:t>2014/5/22</a:t>
             </a:fld>
             <a:endParaRPr lang="zh-CN" altLang="en-US"/>
           </a:p>
@@ -512,6 +513,463 @@
           <a:bodyPr/>
           <a:lstStyle/>
           <a:p>
+            <a:r>
+              <a:rPr lang="zh-CN" altLang="en-US" sz="1200" b="0" i="0" u="none" strike="noStrike" kern="1200" dirty="0" smtClean="0">
+                <a:solidFill>
+                  <a:schemeClr val="tx1"/>
+                </a:solidFill>
+                <a:effectLst/>
+                <a:latin typeface="+mn-lt"/>
+                <a:ea typeface="+mn-ea"/>
+                <a:cs typeface="+mn-cs"/>
+                <a:hlinkClick r:id="rId3" tooltip="采样"/>
+              </a:rPr>
+              <a:t>采样</a:t>
+            </a:r>
+            <a:r>
+              <a:rPr lang="zh-CN" altLang="en-US" sz="1200" b="0" i="0" kern="1200" dirty="0" smtClean="0">
+                <a:solidFill>
+                  <a:schemeClr val="tx1"/>
+                </a:solidFill>
+                <a:effectLst/>
+                <a:latin typeface="+mn-lt"/>
+                <a:ea typeface="+mn-ea"/>
+                <a:cs typeface="+mn-cs"/>
+              </a:rPr>
+              <a:t>是将一个信号（即时间或空间上的连续函数）转换成一个数值序列（即时间或空间上的离散函数）。</a:t>
+            </a:r>
+            <a:endParaRPr lang="en-US" altLang="zh-CN" sz="1200" b="0" i="0" kern="1200" dirty="0" smtClean="0">
+              <a:solidFill>
+                <a:schemeClr val="tx1"/>
+              </a:solidFill>
+              <a:effectLst/>
+              <a:latin typeface="+mn-lt"/>
+              <a:ea typeface="+mn-ea"/>
+              <a:cs typeface="+mn-cs"/>
+            </a:endParaRPr>
+          </a:p>
+          <a:p>
+            <a:r>
+              <a:rPr lang="zh-CN" altLang="en-US" dirty="0" smtClean="0"/>
+              <a:t>如果信号是</a:t>
+            </a:r>
+            <a:r>
+              <a:rPr lang="zh-CN" altLang="en-US" sz="1200" u="none" strike="noStrike" kern="1200" dirty="0" smtClean="0">
+                <a:solidFill>
+                  <a:schemeClr val="tx1"/>
+                </a:solidFill>
+                <a:effectLst/>
+                <a:latin typeface="+mn-lt"/>
+                <a:ea typeface="+mn-ea"/>
+                <a:cs typeface="+mn-cs"/>
+                <a:hlinkClick r:id="rId4" tooltip="带限（页面不存在）"/>
+              </a:rPr>
+              <a:t>带限</a:t>
+            </a:r>
+            <a:r>
+              <a:rPr lang="zh-CN" altLang="en-US" dirty="0" smtClean="0"/>
+              <a:t>的，并且</a:t>
+            </a:r>
+            <a:r>
+              <a:rPr lang="zh-CN" altLang="en-US" sz="1200" u="none" strike="noStrike" kern="1200" dirty="0" smtClean="0">
+                <a:solidFill>
+                  <a:schemeClr val="tx1"/>
+                </a:solidFill>
+                <a:effectLst/>
+                <a:latin typeface="+mn-lt"/>
+                <a:ea typeface="+mn-ea"/>
+                <a:cs typeface="+mn-cs"/>
+                <a:hlinkClick r:id="rId5" tooltip="采样频率"/>
+              </a:rPr>
+              <a:t>采样频率</a:t>
+            </a:r>
+            <a:r>
+              <a:rPr lang="zh-CN" altLang="en-US" dirty="0" smtClean="0"/>
+              <a:t>大于信号</a:t>
+            </a:r>
+            <a:r>
+              <a:rPr lang="zh-CN" altLang="en-US" sz="1200" u="none" strike="noStrike" kern="1200" dirty="0" smtClean="0">
+                <a:solidFill>
+                  <a:schemeClr val="tx1"/>
+                </a:solidFill>
+                <a:effectLst/>
+                <a:latin typeface="+mn-lt"/>
+                <a:ea typeface="+mn-ea"/>
+                <a:cs typeface="+mn-cs"/>
+                <a:hlinkClick r:id="rId6" tooltip="带宽"/>
+              </a:rPr>
+              <a:t>带宽</a:t>
+            </a:r>
+            <a:r>
+              <a:rPr lang="zh-CN" altLang="en-US" dirty="0" smtClean="0"/>
+              <a:t>的</a:t>
+            </a:r>
+            <a:r>
+              <a:rPr lang="en-US" altLang="zh-CN" dirty="0" smtClean="0"/>
+              <a:t>2</a:t>
+            </a:r>
+            <a:r>
+              <a:rPr lang="zh-CN" altLang="en-US" dirty="0" smtClean="0"/>
+              <a:t>倍，那么，原来的连续信号可以从采样样本中完全重建出来</a:t>
+            </a:r>
+            <a:r>
+              <a:rPr lang="en-US" altLang="zh-CN" dirty="0" smtClean="0"/>
+              <a:t>(</a:t>
+            </a:r>
+            <a:r>
+              <a:rPr lang="zh-CN" altLang="en-US" dirty="0" smtClean="0"/>
+              <a:t>如人的声音频率范围是</a:t>
+            </a:r>
+            <a:r>
+              <a:rPr lang="en-US" altLang="zh-CN" dirty="0" smtClean="0"/>
+              <a:t>)</a:t>
+            </a:r>
+            <a:r>
+              <a:rPr lang="zh-CN" altLang="en-US" dirty="0" smtClean="0"/>
+              <a:t>。</a:t>
+            </a:r>
+            <a:endParaRPr lang="en-US" altLang="zh-CN" dirty="0" smtClean="0"/>
+          </a:p>
+          <a:p>
+            <a:r>
+              <a:rPr lang="zh-CN" altLang="zh-CN" sz="1200" kern="1200" dirty="0" smtClean="0">
+                <a:solidFill>
+                  <a:schemeClr val="tx1"/>
+                </a:solidFill>
+                <a:effectLst/>
+                <a:latin typeface="+mn-lt"/>
+                <a:ea typeface="+mn-ea"/>
+                <a:cs typeface="+mn-cs"/>
+              </a:rPr>
+              <a:t>有损和无损：根据采样率和采样大小可以得知，相对自然界的信号，音频编码最多只能做到无限接近，至少目前的技术只能这样了，相对自然界的信号，任何数字音频编码方案都是有损的，因为无法完全还原。</a:t>
+            </a:r>
+            <a:r>
+              <a:rPr lang="zh-CN" altLang="zh-CN" sz="1200" b="1" kern="1200" dirty="0" smtClean="0">
+                <a:solidFill>
+                  <a:schemeClr val="tx1"/>
+                </a:solidFill>
+                <a:effectLst/>
+                <a:latin typeface="+mn-lt"/>
+                <a:ea typeface="+mn-ea"/>
+                <a:cs typeface="+mn-cs"/>
+              </a:rPr>
+              <a:t>在计算机应用中，能够达到最高保真水平的就是</a:t>
+            </a:r>
+            <a:r>
+              <a:rPr lang="en-US" altLang="zh-CN" sz="1200" b="1" kern="1200" dirty="0" smtClean="0">
+                <a:solidFill>
+                  <a:schemeClr val="tx1"/>
+                </a:solidFill>
+                <a:effectLst/>
+                <a:latin typeface="+mn-lt"/>
+                <a:ea typeface="+mn-ea"/>
+                <a:cs typeface="+mn-cs"/>
+              </a:rPr>
+              <a:t>PCM</a:t>
+            </a:r>
+            <a:r>
+              <a:rPr lang="zh-CN" altLang="zh-CN" sz="1200" b="1" kern="1200" dirty="0" smtClean="0">
+                <a:solidFill>
+                  <a:schemeClr val="tx1"/>
+                </a:solidFill>
+                <a:effectLst/>
+                <a:latin typeface="+mn-lt"/>
+                <a:ea typeface="+mn-ea"/>
+                <a:cs typeface="+mn-cs"/>
+              </a:rPr>
+              <a:t>编码</a:t>
+            </a:r>
+            <a:r>
+              <a:rPr lang="zh-CN" altLang="zh-CN" sz="1200" kern="1200" dirty="0" smtClean="0">
+                <a:solidFill>
+                  <a:schemeClr val="tx1"/>
+                </a:solidFill>
+                <a:effectLst/>
+                <a:latin typeface="+mn-lt"/>
+                <a:ea typeface="+mn-ea"/>
+                <a:cs typeface="+mn-cs"/>
+              </a:rPr>
+              <a:t>，</a:t>
+            </a:r>
+            <a:r>
+              <a:rPr lang="en-US" altLang="zh-CN" sz="1200" b="1" kern="1200" dirty="0" smtClean="0">
+                <a:solidFill>
+                  <a:schemeClr val="tx1"/>
+                </a:solidFill>
+                <a:effectLst/>
+                <a:latin typeface="+mn-lt"/>
+                <a:ea typeface="+mn-ea"/>
+                <a:cs typeface="+mn-cs"/>
+              </a:rPr>
+              <a:t>PCM</a:t>
+            </a:r>
+            <a:r>
+              <a:rPr lang="zh-CN" altLang="zh-CN" sz="1200" b="1" kern="1200" dirty="0" smtClean="0">
+                <a:solidFill>
+                  <a:schemeClr val="tx1"/>
+                </a:solidFill>
+                <a:effectLst/>
+                <a:latin typeface="+mn-lt"/>
+                <a:ea typeface="+mn-ea"/>
+                <a:cs typeface="+mn-cs"/>
+              </a:rPr>
+              <a:t>约定俗成了无损编码，因为</a:t>
+            </a:r>
+            <a:r>
+              <a:rPr lang="en-US" altLang="zh-CN" sz="1200" b="1" kern="1200" dirty="0" smtClean="0">
+                <a:solidFill>
+                  <a:schemeClr val="tx1"/>
+                </a:solidFill>
+                <a:effectLst/>
+                <a:latin typeface="+mn-lt"/>
+                <a:ea typeface="+mn-ea"/>
+                <a:cs typeface="+mn-cs"/>
+              </a:rPr>
+              <a:t>PCM</a:t>
+            </a:r>
+            <a:r>
+              <a:rPr lang="zh-CN" altLang="zh-CN" sz="1200" b="1" kern="1200" dirty="0" smtClean="0">
+                <a:solidFill>
+                  <a:schemeClr val="tx1"/>
+                </a:solidFill>
+                <a:effectLst/>
+                <a:latin typeface="+mn-lt"/>
+                <a:ea typeface="+mn-ea"/>
+                <a:cs typeface="+mn-cs"/>
+              </a:rPr>
+              <a:t>代表了数字音频中最佳的保真水准，并不意味着</a:t>
+            </a:r>
+            <a:r>
+              <a:rPr lang="en-US" altLang="zh-CN" sz="1200" b="1" kern="1200" dirty="0" smtClean="0">
+                <a:solidFill>
+                  <a:schemeClr val="tx1"/>
+                </a:solidFill>
+                <a:effectLst/>
+                <a:latin typeface="+mn-lt"/>
+                <a:ea typeface="+mn-ea"/>
+                <a:cs typeface="+mn-cs"/>
+              </a:rPr>
+              <a:t>PCM</a:t>
+            </a:r>
+            <a:r>
+              <a:rPr lang="zh-CN" altLang="zh-CN" sz="1200" b="1" kern="1200" dirty="0" smtClean="0">
+                <a:solidFill>
+                  <a:schemeClr val="tx1"/>
+                </a:solidFill>
+                <a:effectLst/>
+                <a:latin typeface="+mn-lt"/>
+                <a:ea typeface="+mn-ea"/>
+                <a:cs typeface="+mn-cs"/>
+              </a:rPr>
+              <a:t>就能够确保信号绝对保真，</a:t>
+            </a:r>
+            <a:r>
+              <a:rPr lang="en-US" altLang="zh-CN" sz="1200" b="1" kern="1200" dirty="0" smtClean="0">
+                <a:solidFill>
+                  <a:schemeClr val="tx1"/>
+                </a:solidFill>
+                <a:effectLst/>
+                <a:latin typeface="+mn-lt"/>
+                <a:ea typeface="+mn-ea"/>
+                <a:cs typeface="+mn-cs"/>
+              </a:rPr>
+              <a:t>PCM</a:t>
+            </a:r>
+            <a:r>
+              <a:rPr lang="zh-CN" altLang="zh-CN" sz="1200" b="1" kern="1200" dirty="0" smtClean="0">
+                <a:solidFill>
+                  <a:schemeClr val="tx1"/>
+                </a:solidFill>
+                <a:effectLst/>
+                <a:latin typeface="+mn-lt"/>
+                <a:ea typeface="+mn-ea"/>
+                <a:cs typeface="+mn-cs"/>
+              </a:rPr>
+              <a:t>也只能做到最大程度的无限接近</a:t>
+            </a:r>
+            <a:r>
+              <a:rPr lang="zh-CN" altLang="zh-CN" sz="1200" kern="1200" dirty="0" smtClean="0">
+                <a:solidFill>
+                  <a:schemeClr val="tx1"/>
+                </a:solidFill>
+                <a:effectLst/>
+                <a:latin typeface="+mn-lt"/>
+                <a:ea typeface="+mn-ea"/>
+                <a:cs typeface="+mn-cs"/>
+              </a:rPr>
+              <a:t>。被广泛用于素材保存及音乐欣赏，</a:t>
+            </a:r>
+            <a:r>
+              <a:rPr lang="en-US" altLang="zh-CN" sz="1200" kern="1200" dirty="0" smtClean="0">
+                <a:solidFill>
+                  <a:schemeClr val="tx1"/>
+                </a:solidFill>
+                <a:effectLst/>
+                <a:latin typeface="+mn-lt"/>
+                <a:ea typeface="+mn-ea"/>
+                <a:cs typeface="+mn-cs"/>
+              </a:rPr>
+              <a:t>CD</a:t>
+            </a:r>
+            <a:r>
+              <a:rPr lang="zh-CN" altLang="zh-CN" sz="1200" kern="1200" dirty="0" smtClean="0">
+                <a:solidFill>
+                  <a:schemeClr val="tx1"/>
+                </a:solidFill>
+                <a:effectLst/>
+                <a:latin typeface="+mn-lt"/>
+                <a:ea typeface="+mn-ea"/>
+                <a:cs typeface="+mn-cs"/>
+              </a:rPr>
+              <a:t>、</a:t>
+            </a:r>
+            <a:r>
+              <a:rPr lang="en-US" altLang="zh-CN" sz="1200" kern="1200" dirty="0" smtClean="0">
+                <a:solidFill>
+                  <a:schemeClr val="tx1"/>
+                </a:solidFill>
+                <a:effectLst/>
+                <a:latin typeface="+mn-lt"/>
+                <a:ea typeface="+mn-ea"/>
+                <a:cs typeface="+mn-cs"/>
+              </a:rPr>
+              <a:t>DVD</a:t>
+            </a:r>
+            <a:r>
+              <a:rPr lang="zh-CN" altLang="zh-CN" sz="1200" kern="1200" dirty="0" smtClean="0">
+                <a:solidFill>
+                  <a:schemeClr val="tx1"/>
+                </a:solidFill>
+                <a:effectLst/>
+                <a:latin typeface="+mn-lt"/>
+                <a:ea typeface="+mn-ea"/>
+                <a:cs typeface="+mn-cs"/>
+              </a:rPr>
+              <a:t>以及我们常见的</a:t>
+            </a:r>
+            <a:r>
+              <a:rPr lang="en-US" altLang="zh-CN" sz="1200" kern="1200" dirty="0" smtClean="0">
+                <a:solidFill>
+                  <a:schemeClr val="tx1"/>
+                </a:solidFill>
+                <a:effectLst/>
+                <a:latin typeface="+mn-lt"/>
+                <a:ea typeface="+mn-ea"/>
+                <a:cs typeface="+mn-cs"/>
+              </a:rPr>
+              <a:t>WAV </a:t>
+            </a:r>
+            <a:r>
+              <a:rPr lang="zh-CN" altLang="zh-CN" sz="1200" kern="1200" dirty="0" smtClean="0">
+                <a:solidFill>
+                  <a:schemeClr val="tx1"/>
+                </a:solidFill>
+                <a:effectLst/>
+                <a:latin typeface="+mn-lt"/>
+                <a:ea typeface="+mn-ea"/>
+                <a:cs typeface="+mn-cs"/>
+              </a:rPr>
+              <a:t>文件中均有应用。因此，</a:t>
+            </a:r>
+            <a:r>
+              <a:rPr lang="en-US" altLang="zh-CN" sz="1200" kern="1200" dirty="0" smtClean="0">
+                <a:solidFill>
+                  <a:schemeClr val="tx1"/>
+                </a:solidFill>
+                <a:effectLst/>
+                <a:latin typeface="+mn-lt"/>
+                <a:ea typeface="+mn-ea"/>
+                <a:cs typeface="+mn-cs"/>
+              </a:rPr>
+              <a:t>PCM</a:t>
+            </a:r>
+            <a:r>
+              <a:rPr lang="zh-CN" altLang="zh-CN" sz="1200" kern="1200" dirty="0" smtClean="0">
+                <a:solidFill>
+                  <a:schemeClr val="tx1"/>
+                </a:solidFill>
+                <a:effectLst/>
+                <a:latin typeface="+mn-lt"/>
+                <a:ea typeface="+mn-ea"/>
+                <a:cs typeface="+mn-cs"/>
+              </a:rPr>
+              <a:t>约定俗成了无损编码，因为</a:t>
+            </a:r>
+            <a:r>
+              <a:rPr lang="en-US" altLang="zh-CN" sz="1200" kern="1200" dirty="0" smtClean="0">
+                <a:solidFill>
+                  <a:schemeClr val="tx1"/>
+                </a:solidFill>
+                <a:effectLst/>
+                <a:latin typeface="+mn-lt"/>
+                <a:ea typeface="+mn-ea"/>
+                <a:cs typeface="+mn-cs"/>
+              </a:rPr>
+              <a:t>PCM</a:t>
+            </a:r>
+            <a:r>
+              <a:rPr lang="zh-CN" altLang="zh-CN" sz="1200" kern="1200" dirty="0" smtClean="0">
+                <a:solidFill>
+                  <a:schemeClr val="tx1"/>
+                </a:solidFill>
+                <a:effectLst/>
+                <a:latin typeface="+mn-lt"/>
+                <a:ea typeface="+mn-ea"/>
+                <a:cs typeface="+mn-cs"/>
+              </a:rPr>
+              <a:t>代表了数字音频中最佳的保真水准，并不意味着</a:t>
+            </a:r>
+            <a:r>
+              <a:rPr lang="en-US" altLang="zh-CN" sz="1200" kern="1200" dirty="0" smtClean="0">
+                <a:solidFill>
+                  <a:schemeClr val="tx1"/>
+                </a:solidFill>
+                <a:effectLst/>
+                <a:latin typeface="+mn-lt"/>
+                <a:ea typeface="+mn-ea"/>
+                <a:cs typeface="+mn-cs"/>
+              </a:rPr>
+              <a:t>PCM</a:t>
+            </a:r>
+            <a:r>
+              <a:rPr lang="zh-CN" altLang="zh-CN" sz="1200" kern="1200" dirty="0" smtClean="0">
+                <a:solidFill>
+                  <a:schemeClr val="tx1"/>
+                </a:solidFill>
+                <a:effectLst/>
+                <a:latin typeface="+mn-lt"/>
+                <a:ea typeface="+mn-ea"/>
+                <a:cs typeface="+mn-cs"/>
+              </a:rPr>
+              <a:t>就能够确保信号绝对保真，</a:t>
+            </a:r>
+            <a:r>
+              <a:rPr lang="en-US" altLang="zh-CN" sz="1200" kern="1200" dirty="0" smtClean="0">
+                <a:solidFill>
+                  <a:schemeClr val="tx1"/>
+                </a:solidFill>
+                <a:effectLst/>
+                <a:latin typeface="+mn-lt"/>
+                <a:ea typeface="+mn-ea"/>
+                <a:cs typeface="+mn-cs"/>
+              </a:rPr>
+              <a:t>PCM</a:t>
+            </a:r>
+            <a:r>
+              <a:rPr lang="zh-CN" altLang="zh-CN" sz="1200" kern="1200" dirty="0" smtClean="0">
+                <a:solidFill>
+                  <a:schemeClr val="tx1"/>
+                </a:solidFill>
+                <a:effectLst/>
+                <a:latin typeface="+mn-lt"/>
+                <a:ea typeface="+mn-ea"/>
+                <a:cs typeface="+mn-cs"/>
+              </a:rPr>
+              <a:t>也只能做到最大程度的无限接近。</a:t>
+            </a:r>
+            <a:endParaRPr lang="zh-CN" altLang="en-US" dirty="0" smtClean="0"/>
+          </a:p>
+          <a:p>
             <a:endParaRPr lang="zh-CN" altLang="en-US" dirty="0"/>
           </a:p>
         </p:txBody>
@@ -596,6 +1054,463 @@
           <a:bodyPr/>
           <a:lstStyle/>
           <a:p>
+            <a:r>
+              <a:rPr lang="zh-CN" altLang="en-US" sz="1200" b="0" i="0" u="none" strike="noStrike" kern="1200" dirty="0" smtClean="0">
+                <a:solidFill>
+                  <a:schemeClr val="tx1"/>
+                </a:solidFill>
+                <a:effectLst/>
+                <a:latin typeface="+mn-lt"/>
+                <a:ea typeface="+mn-ea"/>
+                <a:cs typeface="+mn-cs"/>
+                <a:hlinkClick r:id="rId3" tooltip="采样"/>
+              </a:rPr>
+              <a:t>采样</a:t>
+            </a:r>
+            <a:r>
+              <a:rPr lang="zh-CN" altLang="en-US" sz="1200" b="0" i="0" kern="1200" dirty="0" smtClean="0">
+                <a:solidFill>
+                  <a:schemeClr val="tx1"/>
+                </a:solidFill>
+                <a:effectLst/>
+                <a:latin typeface="+mn-lt"/>
+                <a:ea typeface="+mn-ea"/>
+                <a:cs typeface="+mn-cs"/>
+              </a:rPr>
+              <a:t>是将一个信号（即时间或空间上的连续函数）转换成一个数值序列（即时间或空间上的离散函数）。</a:t>
+            </a:r>
+            <a:endParaRPr lang="en-US" altLang="zh-CN" sz="1200" b="0" i="0" kern="1200" dirty="0" smtClean="0">
+              <a:solidFill>
+                <a:schemeClr val="tx1"/>
+              </a:solidFill>
+              <a:effectLst/>
+              <a:latin typeface="+mn-lt"/>
+              <a:ea typeface="+mn-ea"/>
+              <a:cs typeface="+mn-cs"/>
+            </a:endParaRPr>
+          </a:p>
+          <a:p>
+            <a:r>
+              <a:rPr lang="zh-CN" altLang="en-US" dirty="0" smtClean="0"/>
+              <a:t>如果信号是</a:t>
+            </a:r>
+            <a:r>
+              <a:rPr lang="zh-CN" altLang="en-US" sz="1200" u="none" strike="noStrike" kern="1200" dirty="0" smtClean="0">
+                <a:solidFill>
+                  <a:schemeClr val="tx1"/>
+                </a:solidFill>
+                <a:effectLst/>
+                <a:latin typeface="+mn-lt"/>
+                <a:ea typeface="+mn-ea"/>
+                <a:cs typeface="+mn-cs"/>
+                <a:hlinkClick r:id="rId4" tooltip="带限（页面不存在）"/>
+              </a:rPr>
+              <a:t>带限</a:t>
+            </a:r>
+            <a:r>
+              <a:rPr lang="zh-CN" altLang="en-US" dirty="0" smtClean="0"/>
+              <a:t>的，并且</a:t>
+            </a:r>
+            <a:r>
+              <a:rPr lang="zh-CN" altLang="en-US" sz="1200" u="none" strike="noStrike" kern="1200" dirty="0" smtClean="0">
+                <a:solidFill>
+                  <a:schemeClr val="tx1"/>
+                </a:solidFill>
+                <a:effectLst/>
+                <a:latin typeface="+mn-lt"/>
+                <a:ea typeface="+mn-ea"/>
+                <a:cs typeface="+mn-cs"/>
+                <a:hlinkClick r:id="rId5" tooltip="采样频率"/>
+              </a:rPr>
+              <a:t>采样频率</a:t>
+            </a:r>
+            <a:r>
+              <a:rPr lang="zh-CN" altLang="en-US" dirty="0" smtClean="0"/>
+              <a:t>大于信号</a:t>
+            </a:r>
+            <a:r>
+              <a:rPr lang="zh-CN" altLang="en-US" sz="1200" u="none" strike="noStrike" kern="1200" dirty="0" smtClean="0">
+                <a:solidFill>
+                  <a:schemeClr val="tx1"/>
+                </a:solidFill>
+                <a:effectLst/>
+                <a:latin typeface="+mn-lt"/>
+                <a:ea typeface="+mn-ea"/>
+                <a:cs typeface="+mn-cs"/>
+                <a:hlinkClick r:id="rId6" tooltip="带宽"/>
+              </a:rPr>
+              <a:t>带宽</a:t>
+            </a:r>
+            <a:r>
+              <a:rPr lang="zh-CN" altLang="en-US" dirty="0" smtClean="0"/>
+              <a:t>的</a:t>
+            </a:r>
+            <a:r>
+              <a:rPr lang="en-US" altLang="zh-CN" dirty="0" smtClean="0"/>
+              <a:t>2</a:t>
+            </a:r>
+            <a:r>
+              <a:rPr lang="zh-CN" altLang="en-US" dirty="0" smtClean="0"/>
+              <a:t>倍，那么，原来的连续信号可以从采样样本中完全重建出来</a:t>
+            </a:r>
+            <a:r>
+              <a:rPr lang="en-US" altLang="zh-CN" dirty="0" smtClean="0"/>
+              <a:t>(</a:t>
+            </a:r>
+            <a:r>
+              <a:rPr lang="zh-CN" altLang="en-US" dirty="0" smtClean="0"/>
+              <a:t>如人的声音频率范围是</a:t>
+            </a:r>
+            <a:r>
+              <a:rPr lang="en-US" altLang="zh-CN" dirty="0" smtClean="0"/>
+              <a:t>)</a:t>
+            </a:r>
+            <a:r>
+              <a:rPr lang="zh-CN" altLang="en-US" dirty="0" smtClean="0"/>
+              <a:t>。</a:t>
+            </a:r>
+            <a:endParaRPr lang="en-US" altLang="zh-CN" dirty="0" smtClean="0"/>
+          </a:p>
+          <a:p>
+            <a:r>
+              <a:rPr lang="zh-CN" altLang="zh-CN" sz="1200" kern="1200" dirty="0" smtClean="0">
+                <a:solidFill>
+                  <a:schemeClr val="tx1"/>
+                </a:solidFill>
+                <a:effectLst/>
+                <a:latin typeface="+mn-lt"/>
+                <a:ea typeface="+mn-ea"/>
+                <a:cs typeface="+mn-cs"/>
+              </a:rPr>
+              <a:t>有损和无损：根据采样率和采样大小可以得知，相对自然界的信号，音频编码最多只能做到无限接近，至少目前的技术只能这样了，相对自然界的信号，任何数字音频编码方案都是有损的，因为无法完全还原。</a:t>
+            </a:r>
+            <a:r>
+              <a:rPr lang="zh-CN" altLang="zh-CN" sz="1200" b="1" kern="1200" dirty="0" smtClean="0">
+                <a:solidFill>
+                  <a:schemeClr val="tx1"/>
+                </a:solidFill>
+                <a:effectLst/>
+                <a:latin typeface="+mn-lt"/>
+                <a:ea typeface="+mn-ea"/>
+                <a:cs typeface="+mn-cs"/>
+              </a:rPr>
+              <a:t>在计算机应用中，能够达到最高保真水平的就是</a:t>
+            </a:r>
+            <a:r>
+              <a:rPr lang="en-US" altLang="zh-CN" sz="1200" b="1" kern="1200" dirty="0" smtClean="0">
+                <a:solidFill>
+                  <a:schemeClr val="tx1"/>
+                </a:solidFill>
+                <a:effectLst/>
+                <a:latin typeface="+mn-lt"/>
+                <a:ea typeface="+mn-ea"/>
+                <a:cs typeface="+mn-cs"/>
+              </a:rPr>
+              <a:t>PCM</a:t>
+            </a:r>
+            <a:r>
+              <a:rPr lang="zh-CN" altLang="zh-CN" sz="1200" b="1" kern="1200" dirty="0" smtClean="0">
+                <a:solidFill>
+                  <a:schemeClr val="tx1"/>
+                </a:solidFill>
+                <a:effectLst/>
+                <a:latin typeface="+mn-lt"/>
+                <a:ea typeface="+mn-ea"/>
+                <a:cs typeface="+mn-cs"/>
+              </a:rPr>
+              <a:t>编码</a:t>
+            </a:r>
+            <a:r>
+              <a:rPr lang="zh-CN" altLang="zh-CN" sz="1200" kern="1200" dirty="0" smtClean="0">
+                <a:solidFill>
+                  <a:schemeClr val="tx1"/>
+                </a:solidFill>
+                <a:effectLst/>
+                <a:latin typeface="+mn-lt"/>
+                <a:ea typeface="+mn-ea"/>
+                <a:cs typeface="+mn-cs"/>
+              </a:rPr>
+              <a:t>，</a:t>
+            </a:r>
+            <a:r>
+              <a:rPr lang="en-US" altLang="zh-CN" sz="1200" b="1" kern="1200" dirty="0" smtClean="0">
+                <a:solidFill>
+                  <a:schemeClr val="tx1"/>
+                </a:solidFill>
+                <a:effectLst/>
+                <a:latin typeface="+mn-lt"/>
+                <a:ea typeface="+mn-ea"/>
+                <a:cs typeface="+mn-cs"/>
+              </a:rPr>
+              <a:t>PCM</a:t>
+            </a:r>
+            <a:r>
+              <a:rPr lang="zh-CN" altLang="zh-CN" sz="1200" b="1" kern="1200" dirty="0" smtClean="0">
+                <a:solidFill>
+                  <a:schemeClr val="tx1"/>
+                </a:solidFill>
+                <a:effectLst/>
+                <a:latin typeface="+mn-lt"/>
+                <a:ea typeface="+mn-ea"/>
+                <a:cs typeface="+mn-cs"/>
+              </a:rPr>
+              <a:t>约定俗成了无损编码，因为</a:t>
+            </a:r>
+            <a:r>
+              <a:rPr lang="en-US" altLang="zh-CN" sz="1200" b="1" kern="1200" dirty="0" smtClean="0">
+                <a:solidFill>
+                  <a:schemeClr val="tx1"/>
+                </a:solidFill>
+                <a:effectLst/>
+                <a:latin typeface="+mn-lt"/>
+                <a:ea typeface="+mn-ea"/>
+                <a:cs typeface="+mn-cs"/>
+              </a:rPr>
+              <a:t>PCM</a:t>
+            </a:r>
+            <a:r>
+              <a:rPr lang="zh-CN" altLang="zh-CN" sz="1200" b="1" kern="1200" dirty="0" smtClean="0">
+                <a:solidFill>
+                  <a:schemeClr val="tx1"/>
+                </a:solidFill>
+                <a:effectLst/>
+                <a:latin typeface="+mn-lt"/>
+                <a:ea typeface="+mn-ea"/>
+                <a:cs typeface="+mn-cs"/>
+              </a:rPr>
+              <a:t>代表了数字音频中最佳的保真水准，并不意味着</a:t>
+            </a:r>
+            <a:r>
+              <a:rPr lang="en-US" altLang="zh-CN" sz="1200" b="1" kern="1200" dirty="0" smtClean="0">
+                <a:solidFill>
+                  <a:schemeClr val="tx1"/>
+                </a:solidFill>
+                <a:effectLst/>
+                <a:latin typeface="+mn-lt"/>
+                <a:ea typeface="+mn-ea"/>
+                <a:cs typeface="+mn-cs"/>
+              </a:rPr>
+              <a:t>PCM</a:t>
+            </a:r>
+            <a:r>
+              <a:rPr lang="zh-CN" altLang="zh-CN" sz="1200" b="1" kern="1200" dirty="0" smtClean="0">
+                <a:solidFill>
+                  <a:schemeClr val="tx1"/>
+                </a:solidFill>
+                <a:effectLst/>
+                <a:latin typeface="+mn-lt"/>
+                <a:ea typeface="+mn-ea"/>
+                <a:cs typeface="+mn-cs"/>
+              </a:rPr>
+              <a:t>就能够确保信号绝对保真，</a:t>
+            </a:r>
+            <a:r>
+              <a:rPr lang="en-US" altLang="zh-CN" sz="1200" b="1" kern="1200" dirty="0" smtClean="0">
+                <a:solidFill>
+                  <a:schemeClr val="tx1"/>
+                </a:solidFill>
+                <a:effectLst/>
+                <a:latin typeface="+mn-lt"/>
+                <a:ea typeface="+mn-ea"/>
+                <a:cs typeface="+mn-cs"/>
+              </a:rPr>
+              <a:t>PCM</a:t>
+            </a:r>
+            <a:r>
+              <a:rPr lang="zh-CN" altLang="zh-CN" sz="1200" b="1" kern="1200" dirty="0" smtClean="0">
+                <a:solidFill>
+                  <a:schemeClr val="tx1"/>
+                </a:solidFill>
+                <a:effectLst/>
+                <a:latin typeface="+mn-lt"/>
+                <a:ea typeface="+mn-ea"/>
+                <a:cs typeface="+mn-cs"/>
+              </a:rPr>
+              <a:t>也只能做到最大程度的无限接近</a:t>
+            </a:r>
+            <a:r>
+              <a:rPr lang="zh-CN" altLang="zh-CN" sz="1200" kern="1200" dirty="0" smtClean="0">
+                <a:solidFill>
+                  <a:schemeClr val="tx1"/>
+                </a:solidFill>
+                <a:effectLst/>
+                <a:latin typeface="+mn-lt"/>
+                <a:ea typeface="+mn-ea"/>
+                <a:cs typeface="+mn-cs"/>
+              </a:rPr>
+              <a:t>。被广泛用于素材保存及音乐欣赏，</a:t>
+            </a:r>
+            <a:r>
+              <a:rPr lang="en-US" altLang="zh-CN" sz="1200" kern="1200" dirty="0" smtClean="0">
+                <a:solidFill>
+                  <a:schemeClr val="tx1"/>
+                </a:solidFill>
+                <a:effectLst/>
+                <a:latin typeface="+mn-lt"/>
+                <a:ea typeface="+mn-ea"/>
+                <a:cs typeface="+mn-cs"/>
+              </a:rPr>
+              <a:t>CD</a:t>
+            </a:r>
+            <a:r>
+              <a:rPr lang="zh-CN" altLang="zh-CN" sz="1200" kern="1200" dirty="0" smtClean="0">
+                <a:solidFill>
+                  <a:schemeClr val="tx1"/>
+                </a:solidFill>
+                <a:effectLst/>
+                <a:latin typeface="+mn-lt"/>
+                <a:ea typeface="+mn-ea"/>
+                <a:cs typeface="+mn-cs"/>
+              </a:rPr>
+              <a:t>、</a:t>
+            </a:r>
+            <a:r>
+              <a:rPr lang="en-US" altLang="zh-CN" sz="1200" kern="1200" dirty="0" smtClean="0">
+                <a:solidFill>
+                  <a:schemeClr val="tx1"/>
+                </a:solidFill>
+                <a:effectLst/>
+                <a:latin typeface="+mn-lt"/>
+                <a:ea typeface="+mn-ea"/>
+                <a:cs typeface="+mn-cs"/>
+              </a:rPr>
+              <a:t>DVD</a:t>
+            </a:r>
+            <a:r>
+              <a:rPr lang="zh-CN" altLang="zh-CN" sz="1200" kern="1200" dirty="0" smtClean="0">
+                <a:solidFill>
+                  <a:schemeClr val="tx1"/>
+                </a:solidFill>
+                <a:effectLst/>
+                <a:latin typeface="+mn-lt"/>
+                <a:ea typeface="+mn-ea"/>
+                <a:cs typeface="+mn-cs"/>
+              </a:rPr>
+              <a:t>以及我们常见的</a:t>
+            </a:r>
+            <a:r>
+              <a:rPr lang="en-US" altLang="zh-CN" sz="1200" kern="1200" dirty="0" smtClean="0">
+                <a:solidFill>
+                  <a:schemeClr val="tx1"/>
+                </a:solidFill>
+                <a:effectLst/>
+                <a:latin typeface="+mn-lt"/>
+                <a:ea typeface="+mn-ea"/>
+                <a:cs typeface="+mn-cs"/>
+              </a:rPr>
+              <a:t>WAV </a:t>
+            </a:r>
+            <a:r>
+              <a:rPr lang="zh-CN" altLang="zh-CN" sz="1200" kern="1200" dirty="0" smtClean="0">
+                <a:solidFill>
+                  <a:schemeClr val="tx1"/>
+                </a:solidFill>
+                <a:effectLst/>
+                <a:latin typeface="+mn-lt"/>
+                <a:ea typeface="+mn-ea"/>
+                <a:cs typeface="+mn-cs"/>
+              </a:rPr>
+              <a:t>文件中均有应用。因此，</a:t>
+            </a:r>
+            <a:r>
+              <a:rPr lang="en-US" altLang="zh-CN" sz="1200" kern="1200" dirty="0" smtClean="0">
+                <a:solidFill>
+                  <a:schemeClr val="tx1"/>
+                </a:solidFill>
+                <a:effectLst/>
+                <a:latin typeface="+mn-lt"/>
+                <a:ea typeface="+mn-ea"/>
+                <a:cs typeface="+mn-cs"/>
+              </a:rPr>
+              <a:t>PCM</a:t>
+            </a:r>
+            <a:r>
+              <a:rPr lang="zh-CN" altLang="zh-CN" sz="1200" kern="1200" dirty="0" smtClean="0">
+                <a:solidFill>
+                  <a:schemeClr val="tx1"/>
+                </a:solidFill>
+                <a:effectLst/>
+                <a:latin typeface="+mn-lt"/>
+                <a:ea typeface="+mn-ea"/>
+                <a:cs typeface="+mn-cs"/>
+              </a:rPr>
+              <a:t>约定俗成了无损编码，因为</a:t>
+            </a:r>
+            <a:r>
+              <a:rPr lang="en-US" altLang="zh-CN" sz="1200" kern="1200" dirty="0" smtClean="0">
+                <a:solidFill>
+                  <a:schemeClr val="tx1"/>
+                </a:solidFill>
+                <a:effectLst/>
+                <a:latin typeface="+mn-lt"/>
+                <a:ea typeface="+mn-ea"/>
+                <a:cs typeface="+mn-cs"/>
+              </a:rPr>
+              <a:t>PCM</a:t>
+            </a:r>
+            <a:r>
+              <a:rPr lang="zh-CN" altLang="zh-CN" sz="1200" kern="1200" dirty="0" smtClean="0">
+                <a:solidFill>
+                  <a:schemeClr val="tx1"/>
+                </a:solidFill>
+                <a:effectLst/>
+                <a:latin typeface="+mn-lt"/>
+                <a:ea typeface="+mn-ea"/>
+                <a:cs typeface="+mn-cs"/>
+              </a:rPr>
+              <a:t>代表了数字音频中最佳的保真水准，并不意味着</a:t>
+            </a:r>
+            <a:r>
+              <a:rPr lang="en-US" altLang="zh-CN" sz="1200" kern="1200" dirty="0" smtClean="0">
+                <a:solidFill>
+                  <a:schemeClr val="tx1"/>
+                </a:solidFill>
+                <a:effectLst/>
+                <a:latin typeface="+mn-lt"/>
+                <a:ea typeface="+mn-ea"/>
+                <a:cs typeface="+mn-cs"/>
+              </a:rPr>
+              <a:t>PCM</a:t>
+            </a:r>
+            <a:r>
+              <a:rPr lang="zh-CN" altLang="zh-CN" sz="1200" kern="1200" dirty="0" smtClean="0">
+                <a:solidFill>
+                  <a:schemeClr val="tx1"/>
+                </a:solidFill>
+                <a:effectLst/>
+                <a:latin typeface="+mn-lt"/>
+                <a:ea typeface="+mn-ea"/>
+                <a:cs typeface="+mn-cs"/>
+              </a:rPr>
+              <a:t>就能够确保信号绝对保真，</a:t>
+            </a:r>
+            <a:r>
+              <a:rPr lang="en-US" altLang="zh-CN" sz="1200" kern="1200" dirty="0" smtClean="0">
+                <a:solidFill>
+                  <a:schemeClr val="tx1"/>
+                </a:solidFill>
+                <a:effectLst/>
+                <a:latin typeface="+mn-lt"/>
+                <a:ea typeface="+mn-ea"/>
+                <a:cs typeface="+mn-cs"/>
+              </a:rPr>
+              <a:t>PCM</a:t>
+            </a:r>
+            <a:r>
+              <a:rPr lang="zh-CN" altLang="zh-CN" sz="1200" kern="1200" dirty="0" smtClean="0">
+                <a:solidFill>
+                  <a:schemeClr val="tx1"/>
+                </a:solidFill>
+                <a:effectLst/>
+                <a:latin typeface="+mn-lt"/>
+                <a:ea typeface="+mn-ea"/>
+                <a:cs typeface="+mn-cs"/>
+              </a:rPr>
+              <a:t>也只能做到最大程度的无限接近。</a:t>
+            </a:r>
+            <a:endParaRPr lang="zh-CN" altLang="en-US" dirty="0" smtClean="0"/>
+          </a:p>
+          <a:p>
             <a:endParaRPr lang="zh-CN" altLang="en-US" dirty="0"/>
           </a:p>
         </p:txBody>
@@ -680,6 +1595,463 @@
           <a:bodyPr/>
           <a:lstStyle/>
           <a:p>
+            <a:r>
+              <a:rPr lang="zh-CN" altLang="en-US" sz="1200" b="0" i="0" u="none" strike="noStrike" kern="1200" dirty="0" smtClean="0">
+                <a:solidFill>
+                  <a:schemeClr val="tx1"/>
+                </a:solidFill>
+                <a:effectLst/>
+                <a:latin typeface="+mn-lt"/>
+                <a:ea typeface="+mn-ea"/>
+                <a:cs typeface="+mn-cs"/>
+                <a:hlinkClick r:id="rId3" tooltip="采样"/>
+              </a:rPr>
+              <a:t>采样</a:t>
+            </a:r>
+            <a:r>
+              <a:rPr lang="zh-CN" altLang="en-US" sz="1200" b="0" i="0" kern="1200" dirty="0" smtClean="0">
+                <a:solidFill>
+                  <a:schemeClr val="tx1"/>
+                </a:solidFill>
+                <a:effectLst/>
+                <a:latin typeface="+mn-lt"/>
+                <a:ea typeface="+mn-ea"/>
+                <a:cs typeface="+mn-cs"/>
+              </a:rPr>
+              <a:t>是将一个信号（即时间或空间上的连续函数）转换成一个数值序列（即时间或空间上的离散函数）。</a:t>
+            </a:r>
+            <a:endParaRPr lang="en-US" altLang="zh-CN" sz="1200" b="0" i="0" kern="1200" dirty="0" smtClean="0">
+              <a:solidFill>
+                <a:schemeClr val="tx1"/>
+              </a:solidFill>
+              <a:effectLst/>
+              <a:latin typeface="+mn-lt"/>
+              <a:ea typeface="+mn-ea"/>
+              <a:cs typeface="+mn-cs"/>
+            </a:endParaRPr>
+          </a:p>
+          <a:p>
+            <a:r>
+              <a:rPr lang="zh-CN" altLang="en-US" dirty="0" smtClean="0"/>
+              <a:t>如果信号是</a:t>
+            </a:r>
+            <a:r>
+              <a:rPr lang="zh-CN" altLang="en-US" sz="1200" u="none" strike="noStrike" kern="1200" dirty="0" smtClean="0">
+                <a:solidFill>
+                  <a:schemeClr val="tx1"/>
+                </a:solidFill>
+                <a:effectLst/>
+                <a:latin typeface="+mn-lt"/>
+                <a:ea typeface="+mn-ea"/>
+                <a:cs typeface="+mn-cs"/>
+                <a:hlinkClick r:id="rId4" tooltip="带限（页面不存在）"/>
+              </a:rPr>
+              <a:t>带限</a:t>
+            </a:r>
+            <a:r>
+              <a:rPr lang="zh-CN" altLang="en-US" dirty="0" smtClean="0"/>
+              <a:t>的，并且</a:t>
+            </a:r>
+            <a:r>
+              <a:rPr lang="zh-CN" altLang="en-US" sz="1200" u="none" strike="noStrike" kern="1200" dirty="0" smtClean="0">
+                <a:solidFill>
+                  <a:schemeClr val="tx1"/>
+                </a:solidFill>
+                <a:effectLst/>
+                <a:latin typeface="+mn-lt"/>
+                <a:ea typeface="+mn-ea"/>
+                <a:cs typeface="+mn-cs"/>
+                <a:hlinkClick r:id="rId5" tooltip="采样频率"/>
+              </a:rPr>
+              <a:t>采样频率</a:t>
+            </a:r>
+            <a:r>
+              <a:rPr lang="zh-CN" altLang="en-US" dirty="0" smtClean="0"/>
+              <a:t>大于信号</a:t>
+            </a:r>
+            <a:r>
+              <a:rPr lang="zh-CN" altLang="en-US" sz="1200" u="none" strike="noStrike" kern="1200" dirty="0" smtClean="0">
+                <a:solidFill>
+                  <a:schemeClr val="tx1"/>
+                </a:solidFill>
+                <a:effectLst/>
+                <a:latin typeface="+mn-lt"/>
+                <a:ea typeface="+mn-ea"/>
+                <a:cs typeface="+mn-cs"/>
+                <a:hlinkClick r:id="rId6" tooltip="带宽"/>
+              </a:rPr>
+              <a:t>带宽</a:t>
+            </a:r>
+            <a:r>
+              <a:rPr lang="zh-CN" altLang="en-US" dirty="0" smtClean="0"/>
+              <a:t>的</a:t>
+            </a:r>
+            <a:r>
+              <a:rPr lang="en-US" altLang="zh-CN" dirty="0" smtClean="0"/>
+              <a:t>2</a:t>
+            </a:r>
+            <a:r>
+              <a:rPr lang="zh-CN" altLang="en-US" dirty="0" smtClean="0"/>
+              <a:t>倍，那么，原来的连续信号可以从采样样本中完全重建出来</a:t>
+            </a:r>
+            <a:r>
+              <a:rPr lang="en-US" altLang="zh-CN" dirty="0" smtClean="0"/>
+              <a:t>(</a:t>
+            </a:r>
+            <a:r>
+              <a:rPr lang="zh-CN" altLang="en-US" dirty="0" smtClean="0"/>
+              <a:t>如人的声音频率范围是</a:t>
+            </a:r>
+            <a:r>
+              <a:rPr lang="en-US" altLang="zh-CN" dirty="0" smtClean="0"/>
+              <a:t>)</a:t>
+            </a:r>
+            <a:r>
+              <a:rPr lang="zh-CN" altLang="en-US" dirty="0" smtClean="0"/>
+              <a:t>。</a:t>
+            </a:r>
+            <a:endParaRPr lang="en-US" altLang="zh-CN" dirty="0" smtClean="0"/>
+          </a:p>
+          <a:p>
+            <a:r>
+              <a:rPr lang="zh-CN" altLang="zh-CN" sz="1200" kern="1200" dirty="0" smtClean="0">
+                <a:solidFill>
+                  <a:schemeClr val="tx1"/>
+                </a:solidFill>
+                <a:effectLst/>
+                <a:latin typeface="+mn-lt"/>
+                <a:ea typeface="+mn-ea"/>
+                <a:cs typeface="+mn-cs"/>
+              </a:rPr>
+              <a:t>有损和无损：根据采样率和采样大小可以得知，相对自然界的信号，音频编码最多只能做到无限接近，至少目前的技术只能这样了，相对自然界的信号，任何数字音频编码方案都是有损的，因为无法完全还原。</a:t>
+            </a:r>
+            <a:r>
+              <a:rPr lang="zh-CN" altLang="zh-CN" sz="1200" b="1" kern="1200" dirty="0" smtClean="0">
+                <a:solidFill>
+                  <a:schemeClr val="tx1"/>
+                </a:solidFill>
+                <a:effectLst/>
+                <a:latin typeface="+mn-lt"/>
+                <a:ea typeface="+mn-ea"/>
+                <a:cs typeface="+mn-cs"/>
+              </a:rPr>
+              <a:t>在计算机应用中，能够达到最高保真水平的就是</a:t>
+            </a:r>
+            <a:r>
+              <a:rPr lang="en-US" altLang="zh-CN" sz="1200" b="1" kern="1200" dirty="0" smtClean="0">
+                <a:solidFill>
+                  <a:schemeClr val="tx1"/>
+                </a:solidFill>
+                <a:effectLst/>
+                <a:latin typeface="+mn-lt"/>
+                <a:ea typeface="+mn-ea"/>
+                <a:cs typeface="+mn-cs"/>
+              </a:rPr>
+              <a:t>PCM</a:t>
+            </a:r>
+            <a:r>
+              <a:rPr lang="zh-CN" altLang="zh-CN" sz="1200" b="1" kern="1200" dirty="0" smtClean="0">
+                <a:solidFill>
+                  <a:schemeClr val="tx1"/>
+                </a:solidFill>
+                <a:effectLst/>
+                <a:latin typeface="+mn-lt"/>
+                <a:ea typeface="+mn-ea"/>
+                <a:cs typeface="+mn-cs"/>
+              </a:rPr>
+              <a:t>编码</a:t>
+            </a:r>
+            <a:r>
+              <a:rPr lang="zh-CN" altLang="zh-CN" sz="1200" kern="1200" dirty="0" smtClean="0">
+                <a:solidFill>
+                  <a:schemeClr val="tx1"/>
+                </a:solidFill>
+                <a:effectLst/>
+                <a:latin typeface="+mn-lt"/>
+                <a:ea typeface="+mn-ea"/>
+                <a:cs typeface="+mn-cs"/>
+              </a:rPr>
+              <a:t>，</a:t>
+            </a:r>
+            <a:r>
+              <a:rPr lang="en-US" altLang="zh-CN" sz="1200" b="1" kern="1200" dirty="0" smtClean="0">
+                <a:solidFill>
+                  <a:schemeClr val="tx1"/>
+                </a:solidFill>
+                <a:effectLst/>
+                <a:latin typeface="+mn-lt"/>
+                <a:ea typeface="+mn-ea"/>
+                <a:cs typeface="+mn-cs"/>
+              </a:rPr>
+              <a:t>PCM</a:t>
+            </a:r>
+            <a:r>
+              <a:rPr lang="zh-CN" altLang="zh-CN" sz="1200" b="1" kern="1200" dirty="0" smtClean="0">
+                <a:solidFill>
+                  <a:schemeClr val="tx1"/>
+                </a:solidFill>
+                <a:effectLst/>
+                <a:latin typeface="+mn-lt"/>
+                <a:ea typeface="+mn-ea"/>
+                <a:cs typeface="+mn-cs"/>
+              </a:rPr>
+              <a:t>约定俗成了无损编码，因为</a:t>
+            </a:r>
+            <a:r>
+              <a:rPr lang="en-US" altLang="zh-CN" sz="1200" b="1" kern="1200" dirty="0" smtClean="0">
+                <a:solidFill>
+                  <a:schemeClr val="tx1"/>
+                </a:solidFill>
+                <a:effectLst/>
+                <a:latin typeface="+mn-lt"/>
+                <a:ea typeface="+mn-ea"/>
+                <a:cs typeface="+mn-cs"/>
+              </a:rPr>
+              <a:t>PCM</a:t>
+            </a:r>
+            <a:r>
+              <a:rPr lang="zh-CN" altLang="zh-CN" sz="1200" b="1" kern="1200" dirty="0" smtClean="0">
+                <a:solidFill>
+                  <a:schemeClr val="tx1"/>
+                </a:solidFill>
+                <a:effectLst/>
+                <a:latin typeface="+mn-lt"/>
+                <a:ea typeface="+mn-ea"/>
+                <a:cs typeface="+mn-cs"/>
+              </a:rPr>
+              <a:t>代表了数字音频中最佳的保真水准，并不意味着</a:t>
+            </a:r>
+            <a:r>
+              <a:rPr lang="en-US" altLang="zh-CN" sz="1200" b="1" kern="1200" dirty="0" smtClean="0">
+                <a:solidFill>
+                  <a:schemeClr val="tx1"/>
+                </a:solidFill>
+                <a:effectLst/>
+                <a:latin typeface="+mn-lt"/>
+                <a:ea typeface="+mn-ea"/>
+                <a:cs typeface="+mn-cs"/>
+              </a:rPr>
+              <a:t>PCM</a:t>
+            </a:r>
+            <a:r>
+              <a:rPr lang="zh-CN" altLang="zh-CN" sz="1200" b="1" kern="1200" dirty="0" smtClean="0">
+                <a:solidFill>
+                  <a:schemeClr val="tx1"/>
+                </a:solidFill>
+                <a:effectLst/>
+                <a:latin typeface="+mn-lt"/>
+                <a:ea typeface="+mn-ea"/>
+                <a:cs typeface="+mn-cs"/>
+              </a:rPr>
+              <a:t>就能够确保信号绝对保真，</a:t>
+            </a:r>
+            <a:r>
+              <a:rPr lang="en-US" altLang="zh-CN" sz="1200" b="1" kern="1200" dirty="0" smtClean="0">
+                <a:solidFill>
+                  <a:schemeClr val="tx1"/>
+                </a:solidFill>
+                <a:effectLst/>
+                <a:latin typeface="+mn-lt"/>
+                <a:ea typeface="+mn-ea"/>
+                <a:cs typeface="+mn-cs"/>
+              </a:rPr>
+              <a:t>PCM</a:t>
+            </a:r>
+            <a:r>
+              <a:rPr lang="zh-CN" altLang="zh-CN" sz="1200" b="1" kern="1200" dirty="0" smtClean="0">
+                <a:solidFill>
+                  <a:schemeClr val="tx1"/>
+                </a:solidFill>
+                <a:effectLst/>
+                <a:latin typeface="+mn-lt"/>
+                <a:ea typeface="+mn-ea"/>
+                <a:cs typeface="+mn-cs"/>
+              </a:rPr>
+              <a:t>也只能做到最大程度的无限接近</a:t>
+            </a:r>
+            <a:r>
+              <a:rPr lang="zh-CN" altLang="zh-CN" sz="1200" kern="1200" dirty="0" smtClean="0">
+                <a:solidFill>
+                  <a:schemeClr val="tx1"/>
+                </a:solidFill>
+                <a:effectLst/>
+                <a:latin typeface="+mn-lt"/>
+                <a:ea typeface="+mn-ea"/>
+                <a:cs typeface="+mn-cs"/>
+              </a:rPr>
+              <a:t>。被广泛用于素材保存及音乐欣赏，</a:t>
+            </a:r>
+            <a:r>
+              <a:rPr lang="en-US" altLang="zh-CN" sz="1200" kern="1200" dirty="0" smtClean="0">
+                <a:solidFill>
+                  <a:schemeClr val="tx1"/>
+                </a:solidFill>
+                <a:effectLst/>
+                <a:latin typeface="+mn-lt"/>
+                <a:ea typeface="+mn-ea"/>
+                <a:cs typeface="+mn-cs"/>
+              </a:rPr>
+              <a:t>CD</a:t>
+            </a:r>
+            <a:r>
+              <a:rPr lang="zh-CN" altLang="zh-CN" sz="1200" kern="1200" dirty="0" smtClean="0">
+                <a:solidFill>
+                  <a:schemeClr val="tx1"/>
+                </a:solidFill>
+                <a:effectLst/>
+                <a:latin typeface="+mn-lt"/>
+                <a:ea typeface="+mn-ea"/>
+                <a:cs typeface="+mn-cs"/>
+              </a:rPr>
+              <a:t>、</a:t>
+            </a:r>
+            <a:r>
+              <a:rPr lang="en-US" altLang="zh-CN" sz="1200" kern="1200" dirty="0" smtClean="0">
+                <a:solidFill>
+                  <a:schemeClr val="tx1"/>
+                </a:solidFill>
+                <a:effectLst/>
+                <a:latin typeface="+mn-lt"/>
+                <a:ea typeface="+mn-ea"/>
+                <a:cs typeface="+mn-cs"/>
+              </a:rPr>
+              <a:t>DVD</a:t>
+            </a:r>
+            <a:r>
+              <a:rPr lang="zh-CN" altLang="zh-CN" sz="1200" kern="1200" dirty="0" smtClean="0">
+                <a:solidFill>
+                  <a:schemeClr val="tx1"/>
+                </a:solidFill>
+                <a:effectLst/>
+                <a:latin typeface="+mn-lt"/>
+                <a:ea typeface="+mn-ea"/>
+                <a:cs typeface="+mn-cs"/>
+              </a:rPr>
+              <a:t>以及我们常见的</a:t>
+            </a:r>
+            <a:r>
+              <a:rPr lang="en-US" altLang="zh-CN" sz="1200" kern="1200" dirty="0" smtClean="0">
+                <a:solidFill>
+                  <a:schemeClr val="tx1"/>
+                </a:solidFill>
+                <a:effectLst/>
+                <a:latin typeface="+mn-lt"/>
+                <a:ea typeface="+mn-ea"/>
+                <a:cs typeface="+mn-cs"/>
+              </a:rPr>
+              <a:t>WAV </a:t>
+            </a:r>
+            <a:r>
+              <a:rPr lang="zh-CN" altLang="zh-CN" sz="1200" kern="1200" dirty="0" smtClean="0">
+                <a:solidFill>
+                  <a:schemeClr val="tx1"/>
+                </a:solidFill>
+                <a:effectLst/>
+                <a:latin typeface="+mn-lt"/>
+                <a:ea typeface="+mn-ea"/>
+                <a:cs typeface="+mn-cs"/>
+              </a:rPr>
+              <a:t>文件中均有应用。因此，</a:t>
+            </a:r>
+            <a:r>
+              <a:rPr lang="en-US" altLang="zh-CN" sz="1200" kern="1200" dirty="0" smtClean="0">
+                <a:solidFill>
+                  <a:schemeClr val="tx1"/>
+                </a:solidFill>
+                <a:effectLst/>
+                <a:latin typeface="+mn-lt"/>
+                <a:ea typeface="+mn-ea"/>
+                <a:cs typeface="+mn-cs"/>
+              </a:rPr>
+              <a:t>PCM</a:t>
+            </a:r>
+            <a:r>
+              <a:rPr lang="zh-CN" altLang="zh-CN" sz="1200" kern="1200" dirty="0" smtClean="0">
+                <a:solidFill>
+                  <a:schemeClr val="tx1"/>
+                </a:solidFill>
+                <a:effectLst/>
+                <a:latin typeface="+mn-lt"/>
+                <a:ea typeface="+mn-ea"/>
+                <a:cs typeface="+mn-cs"/>
+              </a:rPr>
+              <a:t>约定俗成了无损编码，因为</a:t>
+            </a:r>
+            <a:r>
+              <a:rPr lang="en-US" altLang="zh-CN" sz="1200" kern="1200" dirty="0" smtClean="0">
+                <a:solidFill>
+                  <a:schemeClr val="tx1"/>
+                </a:solidFill>
+                <a:effectLst/>
+                <a:latin typeface="+mn-lt"/>
+                <a:ea typeface="+mn-ea"/>
+                <a:cs typeface="+mn-cs"/>
+              </a:rPr>
+              <a:t>PCM</a:t>
+            </a:r>
+            <a:r>
+              <a:rPr lang="zh-CN" altLang="zh-CN" sz="1200" kern="1200" dirty="0" smtClean="0">
+                <a:solidFill>
+                  <a:schemeClr val="tx1"/>
+                </a:solidFill>
+                <a:effectLst/>
+                <a:latin typeface="+mn-lt"/>
+                <a:ea typeface="+mn-ea"/>
+                <a:cs typeface="+mn-cs"/>
+              </a:rPr>
+              <a:t>代表了数字音频中最佳的保真水准，并不意味着</a:t>
+            </a:r>
+            <a:r>
+              <a:rPr lang="en-US" altLang="zh-CN" sz="1200" kern="1200" dirty="0" smtClean="0">
+                <a:solidFill>
+                  <a:schemeClr val="tx1"/>
+                </a:solidFill>
+                <a:effectLst/>
+                <a:latin typeface="+mn-lt"/>
+                <a:ea typeface="+mn-ea"/>
+                <a:cs typeface="+mn-cs"/>
+              </a:rPr>
+              <a:t>PCM</a:t>
+            </a:r>
+            <a:r>
+              <a:rPr lang="zh-CN" altLang="zh-CN" sz="1200" kern="1200" dirty="0" smtClean="0">
+                <a:solidFill>
+                  <a:schemeClr val="tx1"/>
+                </a:solidFill>
+                <a:effectLst/>
+                <a:latin typeface="+mn-lt"/>
+                <a:ea typeface="+mn-ea"/>
+                <a:cs typeface="+mn-cs"/>
+              </a:rPr>
+              <a:t>就能够确保信号绝对保真，</a:t>
+            </a:r>
+            <a:r>
+              <a:rPr lang="en-US" altLang="zh-CN" sz="1200" kern="1200" dirty="0" smtClean="0">
+                <a:solidFill>
+                  <a:schemeClr val="tx1"/>
+                </a:solidFill>
+                <a:effectLst/>
+                <a:latin typeface="+mn-lt"/>
+                <a:ea typeface="+mn-ea"/>
+                <a:cs typeface="+mn-cs"/>
+              </a:rPr>
+              <a:t>PCM</a:t>
+            </a:r>
+            <a:r>
+              <a:rPr lang="zh-CN" altLang="zh-CN" sz="1200" kern="1200" dirty="0" smtClean="0">
+                <a:solidFill>
+                  <a:schemeClr val="tx1"/>
+                </a:solidFill>
+                <a:effectLst/>
+                <a:latin typeface="+mn-lt"/>
+                <a:ea typeface="+mn-ea"/>
+                <a:cs typeface="+mn-cs"/>
+              </a:rPr>
+              <a:t>也只能做到最大程度的无限接近。</a:t>
+            </a:r>
+            <a:endParaRPr lang="zh-CN" altLang="en-US" dirty="0" smtClean="0"/>
+          </a:p>
+          <a:p>
             <a:endParaRPr lang="zh-CN" altLang="en-US" dirty="0"/>
           </a:p>
         </p:txBody>
@@ -764,6 +2136,463 @@
           <a:bodyPr/>
           <a:lstStyle/>
           <a:p>
+            <a:r>
+              <a:rPr lang="zh-CN" altLang="en-US" sz="1200" b="0" i="0" u="none" strike="noStrike" kern="1200" dirty="0" smtClean="0">
+                <a:solidFill>
+                  <a:schemeClr val="tx1"/>
+                </a:solidFill>
+                <a:effectLst/>
+                <a:latin typeface="+mn-lt"/>
+                <a:ea typeface="+mn-ea"/>
+                <a:cs typeface="+mn-cs"/>
+                <a:hlinkClick r:id="rId3" tooltip="采样"/>
+              </a:rPr>
+              <a:t>采样</a:t>
+            </a:r>
+            <a:r>
+              <a:rPr lang="zh-CN" altLang="en-US" sz="1200" b="0" i="0" kern="1200" dirty="0" smtClean="0">
+                <a:solidFill>
+                  <a:schemeClr val="tx1"/>
+                </a:solidFill>
+                <a:effectLst/>
+                <a:latin typeface="+mn-lt"/>
+                <a:ea typeface="+mn-ea"/>
+                <a:cs typeface="+mn-cs"/>
+              </a:rPr>
+              <a:t>是将一个信号（即时间或空间上的连续函数）转换成一个数值序列（即时间或空间上的离散函数）。</a:t>
+            </a:r>
+            <a:endParaRPr lang="en-US" altLang="zh-CN" sz="1200" b="0" i="0" kern="1200" dirty="0" smtClean="0">
+              <a:solidFill>
+                <a:schemeClr val="tx1"/>
+              </a:solidFill>
+              <a:effectLst/>
+              <a:latin typeface="+mn-lt"/>
+              <a:ea typeface="+mn-ea"/>
+              <a:cs typeface="+mn-cs"/>
+            </a:endParaRPr>
+          </a:p>
+          <a:p>
+            <a:r>
+              <a:rPr lang="zh-CN" altLang="en-US" dirty="0" smtClean="0"/>
+              <a:t>如果信号是</a:t>
+            </a:r>
+            <a:r>
+              <a:rPr lang="zh-CN" altLang="en-US" sz="1200" u="none" strike="noStrike" kern="1200" dirty="0" smtClean="0">
+                <a:solidFill>
+                  <a:schemeClr val="tx1"/>
+                </a:solidFill>
+                <a:effectLst/>
+                <a:latin typeface="+mn-lt"/>
+                <a:ea typeface="+mn-ea"/>
+                <a:cs typeface="+mn-cs"/>
+                <a:hlinkClick r:id="rId4" tooltip="带限（页面不存在）"/>
+              </a:rPr>
+              <a:t>带限</a:t>
+            </a:r>
+            <a:r>
+              <a:rPr lang="zh-CN" altLang="en-US" dirty="0" smtClean="0"/>
+              <a:t>的，并且</a:t>
+            </a:r>
+            <a:r>
+              <a:rPr lang="zh-CN" altLang="en-US" sz="1200" u="none" strike="noStrike" kern="1200" dirty="0" smtClean="0">
+                <a:solidFill>
+                  <a:schemeClr val="tx1"/>
+                </a:solidFill>
+                <a:effectLst/>
+                <a:latin typeface="+mn-lt"/>
+                <a:ea typeface="+mn-ea"/>
+                <a:cs typeface="+mn-cs"/>
+                <a:hlinkClick r:id="rId5" tooltip="采样频率"/>
+              </a:rPr>
+              <a:t>采样频率</a:t>
+            </a:r>
+            <a:r>
+              <a:rPr lang="zh-CN" altLang="en-US" dirty="0" smtClean="0"/>
+              <a:t>大于信号</a:t>
+            </a:r>
+            <a:r>
+              <a:rPr lang="zh-CN" altLang="en-US" sz="1200" u="none" strike="noStrike" kern="1200" dirty="0" smtClean="0">
+                <a:solidFill>
+                  <a:schemeClr val="tx1"/>
+                </a:solidFill>
+                <a:effectLst/>
+                <a:latin typeface="+mn-lt"/>
+                <a:ea typeface="+mn-ea"/>
+                <a:cs typeface="+mn-cs"/>
+                <a:hlinkClick r:id="rId6" tooltip="带宽"/>
+              </a:rPr>
+              <a:t>带宽</a:t>
+            </a:r>
+            <a:r>
+              <a:rPr lang="zh-CN" altLang="en-US" dirty="0" smtClean="0"/>
+              <a:t>的</a:t>
+            </a:r>
+            <a:r>
+              <a:rPr lang="en-US" altLang="zh-CN" dirty="0" smtClean="0"/>
+              <a:t>2</a:t>
+            </a:r>
+            <a:r>
+              <a:rPr lang="zh-CN" altLang="en-US" dirty="0" smtClean="0"/>
+              <a:t>倍，那么，原来的连续信号可以从采样样本中完全重建出来</a:t>
+            </a:r>
+            <a:r>
+              <a:rPr lang="en-US" altLang="zh-CN" dirty="0" smtClean="0"/>
+              <a:t>(</a:t>
+            </a:r>
+            <a:r>
+              <a:rPr lang="zh-CN" altLang="en-US" dirty="0" smtClean="0"/>
+              <a:t>如人的声音频率范围是</a:t>
+            </a:r>
+            <a:r>
+              <a:rPr lang="en-US" altLang="zh-CN" dirty="0" smtClean="0"/>
+              <a:t>)</a:t>
+            </a:r>
+            <a:r>
+              <a:rPr lang="zh-CN" altLang="en-US" dirty="0" smtClean="0"/>
+              <a:t>。</a:t>
+            </a:r>
+            <a:endParaRPr lang="en-US" altLang="zh-CN" dirty="0" smtClean="0"/>
+          </a:p>
+          <a:p>
+            <a:r>
+              <a:rPr lang="zh-CN" altLang="zh-CN" sz="1200" kern="1200" dirty="0" smtClean="0">
+                <a:solidFill>
+                  <a:schemeClr val="tx1"/>
+                </a:solidFill>
+                <a:effectLst/>
+                <a:latin typeface="+mn-lt"/>
+                <a:ea typeface="+mn-ea"/>
+                <a:cs typeface="+mn-cs"/>
+              </a:rPr>
+              <a:t>有损和无损：根据采样率和采样大小可以得知，相对自然界的信号，音频编码最多只能做到无限接近，至少目前的技术只能这样了，相对自然界的信号，任何数字音频编码方案都是有损的，因为无法完全还原。</a:t>
+            </a:r>
+            <a:r>
+              <a:rPr lang="zh-CN" altLang="zh-CN" sz="1200" b="1" kern="1200" dirty="0" smtClean="0">
+                <a:solidFill>
+                  <a:schemeClr val="tx1"/>
+                </a:solidFill>
+                <a:effectLst/>
+                <a:latin typeface="+mn-lt"/>
+                <a:ea typeface="+mn-ea"/>
+                <a:cs typeface="+mn-cs"/>
+              </a:rPr>
+              <a:t>在计算机应用中，能够达到最高保真水平的就是</a:t>
+            </a:r>
+            <a:r>
+              <a:rPr lang="en-US" altLang="zh-CN" sz="1200" b="1" kern="1200" dirty="0" smtClean="0">
+                <a:solidFill>
+                  <a:schemeClr val="tx1"/>
+                </a:solidFill>
+                <a:effectLst/>
+                <a:latin typeface="+mn-lt"/>
+                <a:ea typeface="+mn-ea"/>
+                <a:cs typeface="+mn-cs"/>
+              </a:rPr>
+              <a:t>PCM</a:t>
+            </a:r>
+            <a:r>
+              <a:rPr lang="zh-CN" altLang="zh-CN" sz="1200" b="1" kern="1200" dirty="0" smtClean="0">
+                <a:solidFill>
+                  <a:schemeClr val="tx1"/>
+                </a:solidFill>
+                <a:effectLst/>
+                <a:latin typeface="+mn-lt"/>
+                <a:ea typeface="+mn-ea"/>
+                <a:cs typeface="+mn-cs"/>
+              </a:rPr>
+              <a:t>编码</a:t>
+            </a:r>
+            <a:r>
+              <a:rPr lang="zh-CN" altLang="zh-CN" sz="1200" kern="1200" dirty="0" smtClean="0">
+                <a:solidFill>
+                  <a:schemeClr val="tx1"/>
+                </a:solidFill>
+                <a:effectLst/>
+                <a:latin typeface="+mn-lt"/>
+                <a:ea typeface="+mn-ea"/>
+                <a:cs typeface="+mn-cs"/>
+              </a:rPr>
+              <a:t>，</a:t>
+            </a:r>
+            <a:r>
+              <a:rPr lang="en-US" altLang="zh-CN" sz="1200" b="1" kern="1200" dirty="0" smtClean="0">
+                <a:solidFill>
+                  <a:schemeClr val="tx1"/>
+                </a:solidFill>
+                <a:effectLst/>
+                <a:latin typeface="+mn-lt"/>
+                <a:ea typeface="+mn-ea"/>
+                <a:cs typeface="+mn-cs"/>
+              </a:rPr>
+              <a:t>PCM</a:t>
+            </a:r>
+            <a:r>
+              <a:rPr lang="zh-CN" altLang="zh-CN" sz="1200" b="1" kern="1200" dirty="0" smtClean="0">
+                <a:solidFill>
+                  <a:schemeClr val="tx1"/>
+                </a:solidFill>
+                <a:effectLst/>
+                <a:latin typeface="+mn-lt"/>
+                <a:ea typeface="+mn-ea"/>
+                <a:cs typeface="+mn-cs"/>
+              </a:rPr>
+              <a:t>约定俗成了无损编码，因为</a:t>
+            </a:r>
+            <a:r>
+              <a:rPr lang="en-US" altLang="zh-CN" sz="1200" b="1" kern="1200" dirty="0" smtClean="0">
+                <a:solidFill>
+                  <a:schemeClr val="tx1"/>
+                </a:solidFill>
+                <a:effectLst/>
+                <a:latin typeface="+mn-lt"/>
+                <a:ea typeface="+mn-ea"/>
+                <a:cs typeface="+mn-cs"/>
+              </a:rPr>
+              <a:t>PCM</a:t>
+            </a:r>
+            <a:r>
+              <a:rPr lang="zh-CN" altLang="zh-CN" sz="1200" b="1" kern="1200" dirty="0" smtClean="0">
+                <a:solidFill>
+                  <a:schemeClr val="tx1"/>
+                </a:solidFill>
+                <a:effectLst/>
+                <a:latin typeface="+mn-lt"/>
+                <a:ea typeface="+mn-ea"/>
+                <a:cs typeface="+mn-cs"/>
+              </a:rPr>
+              <a:t>代表了数字音频中最佳的保真水准，并不意味着</a:t>
+            </a:r>
+            <a:r>
+              <a:rPr lang="en-US" altLang="zh-CN" sz="1200" b="1" kern="1200" dirty="0" smtClean="0">
+                <a:solidFill>
+                  <a:schemeClr val="tx1"/>
+                </a:solidFill>
+                <a:effectLst/>
+                <a:latin typeface="+mn-lt"/>
+                <a:ea typeface="+mn-ea"/>
+                <a:cs typeface="+mn-cs"/>
+              </a:rPr>
+              <a:t>PCM</a:t>
+            </a:r>
+            <a:r>
+              <a:rPr lang="zh-CN" altLang="zh-CN" sz="1200" b="1" kern="1200" dirty="0" smtClean="0">
+                <a:solidFill>
+                  <a:schemeClr val="tx1"/>
+                </a:solidFill>
+                <a:effectLst/>
+                <a:latin typeface="+mn-lt"/>
+                <a:ea typeface="+mn-ea"/>
+                <a:cs typeface="+mn-cs"/>
+              </a:rPr>
+              <a:t>就能够确保信号绝对保真，</a:t>
+            </a:r>
+            <a:r>
+              <a:rPr lang="en-US" altLang="zh-CN" sz="1200" b="1" kern="1200" dirty="0" smtClean="0">
+                <a:solidFill>
+                  <a:schemeClr val="tx1"/>
+                </a:solidFill>
+                <a:effectLst/>
+                <a:latin typeface="+mn-lt"/>
+                <a:ea typeface="+mn-ea"/>
+                <a:cs typeface="+mn-cs"/>
+              </a:rPr>
+              <a:t>PCM</a:t>
+            </a:r>
+            <a:r>
+              <a:rPr lang="zh-CN" altLang="zh-CN" sz="1200" b="1" kern="1200" dirty="0" smtClean="0">
+                <a:solidFill>
+                  <a:schemeClr val="tx1"/>
+                </a:solidFill>
+                <a:effectLst/>
+                <a:latin typeface="+mn-lt"/>
+                <a:ea typeface="+mn-ea"/>
+                <a:cs typeface="+mn-cs"/>
+              </a:rPr>
+              <a:t>也只能做到最大程度的无限接近</a:t>
+            </a:r>
+            <a:r>
+              <a:rPr lang="zh-CN" altLang="zh-CN" sz="1200" kern="1200" dirty="0" smtClean="0">
+                <a:solidFill>
+                  <a:schemeClr val="tx1"/>
+                </a:solidFill>
+                <a:effectLst/>
+                <a:latin typeface="+mn-lt"/>
+                <a:ea typeface="+mn-ea"/>
+                <a:cs typeface="+mn-cs"/>
+              </a:rPr>
+              <a:t>。被广泛用于素材保存及音乐欣赏，</a:t>
+            </a:r>
+            <a:r>
+              <a:rPr lang="en-US" altLang="zh-CN" sz="1200" kern="1200" dirty="0" smtClean="0">
+                <a:solidFill>
+                  <a:schemeClr val="tx1"/>
+                </a:solidFill>
+                <a:effectLst/>
+                <a:latin typeface="+mn-lt"/>
+                <a:ea typeface="+mn-ea"/>
+                <a:cs typeface="+mn-cs"/>
+              </a:rPr>
+              <a:t>CD</a:t>
+            </a:r>
+            <a:r>
+              <a:rPr lang="zh-CN" altLang="zh-CN" sz="1200" kern="1200" dirty="0" smtClean="0">
+                <a:solidFill>
+                  <a:schemeClr val="tx1"/>
+                </a:solidFill>
+                <a:effectLst/>
+                <a:latin typeface="+mn-lt"/>
+                <a:ea typeface="+mn-ea"/>
+                <a:cs typeface="+mn-cs"/>
+              </a:rPr>
+              <a:t>、</a:t>
+            </a:r>
+            <a:r>
+              <a:rPr lang="en-US" altLang="zh-CN" sz="1200" kern="1200" dirty="0" smtClean="0">
+                <a:solidFill>
+                  <a:schemeClr val="tx1"/>
+                </a:solidFill>
+                <a:effectLst/>
+                <a:latin typeface="+mn-lt"/>
+                <a:ea typeface="+mn-ea"/>
+                <a:cs typeface="+mn-cs"/>
+              </a:rPr>
+              <a:t>DVD</a:t>
+            </a:r>
+            <a:r>
+              <a:rPr lang="zh-CN" altLang="zh-CN" sz="1200" kern="1200" dirty="0" smtClean="0">
+                <a:solidFill>
+                  <a:schemeClr val="tx1"/>
+                </a:solidFill>
+                <a:effectLst/>
+                <a:latin typeface="+mn-lt"/>
+                <a:ea typeface="+mn-ea"/>
+                <a:cs typeface="+mn-cs"/>
+              </a:rPr>
+              <a:t>以及我们常见的</a:t>
+            </a:r>
+            <a:r>
+              <a:rPr lang="en-US" altLang="zh-CN" sz="1200" kern="1200" dirty="0" smtClean="0">
+                <a:solidFill>
+                  <a:schemeClr val="tx1"/>
+                </a:solidFill>
+                <a:effectLst/>
+                <a:latin typeface="+mn-lt"/>
+                <a:ea typeface="+mn-ea"/>
+                <a:cs typeface="+mn-cs"/>
+              </a:rPr>
+              <a:t>WAV </a:t>
+            </a:r>
+            <a:r>
+              <a:rPr lang="zh-CN" altLang="zh-CN" sz="1200" kern="1200" dirty="0" smtClean="0">
+                <a:solidFill>
+                  <a:schemeClr val="tx1"/>
+                </a:solidFill>
+                <a:effectLst/>
+                <a:latin typeface="+mn-lt"/>
+                <a:ea typeface="+mn-ea"/>
+                <a:cs typeface="+mn-cs"/>
+              </a:rPr>
+              <a:t>文件中均有应用。因此，</a:t>
+            </a:r>
+            <a:r>
+              <a:rPr lang="en-US" altLang="zh-CN" sz="1200" kern="1200" dirty="0" smtClean="0">
+                <a:solidFill>
+                  <a:schemeClr val="tx1"/>
+                </a:solidFill>
+                <a:effectLst/>
+                <a:latin typeface="+mn-lt"/>
+                <a:ea typeface="+mn-ea"/>
+                <a:cs typeface="+mn-cs"/>
+              </a:rPr>
+              <a:t>PCM</a:t>
+            </a:r>
+            <a:r>
+              <a:rPr lang="zh-CN" altLang="zh-CN" sz="1200" kern="1200" dirty="0" smtClean="0">
+                <a:solidFill>
+                  <a:schemeClr val="tx1"/>
+                </a:solidFill>
+                <a:effectLst/>
+                <a:latin typeface="+mn-lt"/>
+                <a:ea typeface="+mn-ea"/>
+                <a:cs typeface="+mn-cs"/>
+              </a:rPr>
+              <a:t>约定俗成了无损编码，因为</a:t>
+            </a:r>
+            <a:r>
+              <a:rPr lang="en-US" altLang="zh-CN" sz="1200" kern="1200" dirty="0" smtClean="0">
+                <a:solidFill>
+                  <a:schemeClr val="tx1"/>
+                </a:solidFill>
+                <a:effectLst/>
+                <a:latin typeface="+mn-lt"/>
+                <a:ea typeface="+mn-ea"/>
+                <a:cs typeface="+mn-cs"/>
+              </a:rPr>
+              <a:t>PCM</a:t>
+            </a:r>
+            <a:r>
+              <a:rPr lang="zh-CN" altLang="zh-CN" sz="1200" kern="1200" dirty="0" smtClean="0">
+                <a:solidFill>
+                  <a:schemeClr val="tx1"/>
+                </a:solidFill>
+                <a:effectLst/>
+                <a:latin typeface="+mn-lt"/>
+                <a:ea typeface="+mn-ea"/>
+                <a:cs typeface="+mn-cs"/>
+              </a:rPr>
+              <a:t>代表了数字音频中最佳的保真水准，并不意味着</a:t>
+            </a:r>
+            <a:r>
+              <a:rPr lang="en-US" altLang="zh-CN" sz="1200" kern="1200" dirty="0" smtClean="0">
+                <a:solidFill>
+                  <a:schemeClr val="tx1"/>
+                </a:solidFill>
+                <a:effectLst/>
+                <a:latin typeface="+mn-lt"/>
+                <a:ea typeface="+mn-ea"/>
+                <a:cs typeface="+mn-cs"/>
+              </a:rPr>
+              <a:t>PCM</a:t>
+            </a:r>
+            <a:r>
+              <a:rPr lang="zh-CN" altLang="zh-CN" sz="1200" kern="1200" dirty="0" smtClean="0">
+                <a:solidFill>
+                  <a:schemeClr val="tx1"/>
+                </a:solidFill>
+                <a:effectLst/>
+                <a:latin typeface="+mn-lt"/>
+                <a:ea typeface="+mn-ea"/>
+                <a:cs typeface="+mn-cs"/>
+              </a:rPr>
+              <a:t>就能够确保信号绝对保真，</a:t>
+            </a:r>
+            <a:r>
+              <a:rPr lang="en-US" altLang="zh-CN" sz="1200" kern="1200" dirty="0" smtClean="0">
+                <a:solidFill>
+                  <a:schemeClr val="tx1"/>
+                </a:solidFill>
+                <a:effectLst/>
+                <a:latin typeface="+mn-lt"/>
+                <a:ea typeface="+mn-ea"/>
+                <a:cs typeface="+mn-cs"/>
+              </a:rPr>
+              <a:t>PCM</a:t>
+            </a:r>
+            <a:r>
+              <a:rPr lang="zh-CN" altLang="zh-CN" sz="1200" kern="1200" dirty="0" smtClean="0">
+                <a:solidFill>
+                  <a:schemeClr val="tx1"/>
+                </a:solidFill>
+                <a:effectLst/>
+                <a:latin typeface="+mn-lt"/>
+                <a:ea typeface="+mn-ea"/>
+                <a:cs typeface="+mn-cs"/>
+              </a:rPr>
+              <a:t>也只能做到最大程度的无限接近。</a:t>
+            </a:r>
+            <a:endParaRPr lang="zh-CN" altLang="en-US" dirty="0" smtClean="0"/>
+          </a:p>
+          <a:p>
             <a:endParaRPr lang="zh-CN" altLang="en-US" dirty="0"/>
           </a:p>
         </p:txBody>
@@ -848,6 +2677,463 @@
           <a:bodyPr/>
           <a:lstStyle/>
           <a:p>
+            <a:r>
+              <a:rPr lang="zh-CN" altLang="en-US" sz="1200" b="0" i="0" u="none" strike="noStrike" kern="1200" dirty="0" smtClean="0">
+                <a:solidFill>
+                  <a:schemeClr val="tx1"/>
+                </a:solidFill>
+                <a:effectLst/>
+                <a:latin typeface="+mn-lt"/>
+                <a:ea typeface="+mn-ea"/>
+                <a:cs typeface="+mn-cs"/>
+                <a:hlinkClick r:id="rId3" tooltip="采样"/>
+              </a:rPr>
+              <a:t>采样</a:t>
+            </a:r>
+            <a:r>
+              <a:rPr lang="zh-CN" altLang="en-US" sz="1200" b="0" i="0" kern="1200" dirty="0" smtClean="0">
+                <a:solidFill>
+                  <a:schemeClr val="tx1"/>
+                </a:solidFill>
+                <a:effectLst/>
+                <a:latin typeface="+mn-lt"/>
+                <a:ea typeface="+mn-ea"/>
+                <a:cs typeface="+mn-cs"/>
+              </a:rPr>
+              <a:t>是将一个信号（即时间或空间上的连续函数）转换成一个数值序列（即时间或空间上的离散函数）。</a:t>
+            </a:r>
+            <a:endParaRPr lang="en-US" altLang="zh-CN" sz="1200" b="0" i="0" kern="1200" dirty="0" smtClean="0">
+              <a:solidFill>
+                <a:schemeClr val="tx1"/>
+              </a:solidFill>
+              <a:effectLst/>
+              <a:latin typeface="+mn-lt"/>
+              <a:ea typeface="+mn-ea"/>
+              <a:cs typeface="+mn-cs"/>
+            </a:endParaRPr>
+          </a:p>
+          <a:p>
+            <a:r>
+              <a:rPr lang="zh-CN" altLang="en-US" dirty="0" smtClean="0"/>
+              <a:t>如果信号是</a:t>
+            </a:r>
+            <a:r>
+              <a:rPr lang="zh-CN" altLang="en-US" sz="1200" u="none" strike="noStrike" kern="1200" dirty="0" smtClean="0">
+                <a:solidFill>
+                  <a:schemeClr val="tx1"/>
+                </a:solidFill>
+                <a:effectLst/>
+                <a:latin typeface="+mn-lt"/>
+                <a:ea typeface="+mn-ea"/>
+                <a:cs typeface="+mn-cs"/>
+                <a:hlinkClick r:id="rId4" tooltip="带限（页面不存在）"/>
+              </a:rPr>
+              <a:t>带限</a:t>
+            </a:r>
+            <a:r>
+              <a:rPr lang="zh-CN" altLang="en-US" dirty="0" smtClean="0"/>
+              <a:t>的，并且</a:t>
+            </a:r>
+            <a:r>
+              <a:rPr lang="zh-CN" altLang="en-US" sz="1200" u="none" strike="noStrike" kern="1200" dirty="0" smtClean="0">
+                <a:solidFill>
+                  <a:schemeClr val="tx1"/>
+                </a:solidFill>
+                <a:effectLst/>
+                <a:latin typeface="+mn-lt"/>
+                <a:ea typeface="+mn-ea"/>
+                <a:cs typeface="+mn-cs"/>
+                <a:hlinkClick r:id="rId5" tooltip="采样频率"/>
+              </a:rPr>
+              <a:t>采样频率</a:t>
+            </a:r>
+            <a:r>
+              <a:rPr lang="zh-CN" altLang="en-US" dirty="0" smtClean="0"/>
+              <a:t>大于信号</a:t>
+            </a:r>
+            <a:r>
+              <a:rPr lang="zh-CN" altLang="en-US" sz="1200" u="none" strike="noStrike" kern="1200" dirty="0" smtClean="0">
+                <a:solidFill>
+                  <a:schemeClr val="tx1"/>
+                </a:solidFill>
+                <a:effectLst/>
+                <a:latin typeface="+mn-lt"/>
+                <a:ea typeface="+mn-ea"/>
+                <a:cs typeface="+mn-cs"/>
+                <a:hlinkClick r:id="rId6" tooltip="带宽"/>
+              </a:rPr>
+              <a:t>带宽</a:t>
+            </a:r>
+            <a:r>
+              <a:rPr lang="zh-CN" altLang="en-US" dirty="0" smtClean="0"/>
+              <a:t>的</a:t>
+            </a:r>
+            <a:r>
+              <a:rPr lang="en-US" altLang="zh-CN" dirty="0" smtClean="0"/>
+              <a:t>2</a:t>
+            </a:r>
+            <a:r>
+              <a:rPr lang="zh-CN" altLang="en-US" dirty="0" smtClean="0"/>
+              <a:t>倍，那么，原来的连续信号可以从采样样本中完全重建出来</a:t>
+            </a:r>
+            <a:r>
+              <a:rPr lang="en-US" altLang="zh-CN" dirty="0" smtClean="0"/>
+              <a:t>(</a:t>
+            </a:r>
+            <a:r>
+              <a:rPr lang="zh-CN" altLang="en-US" dirty="0" smtClean="0"/>
+              <a:t>如人的声音频率范围是</a:t>
+            </a:r>
+            <a:r>
+              <a:rPr lang="en-US" altLang="zh-CN" dirty="0" smtClean="0"/>
+              <a:t>)</a:t>
+            </a:r>
+            <a:r>
+              <a:rPr lang="zh-CN" altLang="en-US" dirty="0" smtClean="0"/>
+              <a:t>。</a:t>
+            </a:r>
+            <a:endParaRPr lang="en-US" altLang="zh-CN" dirty="0" smtClean="0"/>
+          </a:p>
+          <a:p>
+            <a:r>
+              <a:rPr lang="zh-CN" altLang="zh-CN" sz="1200" kern="1200" dirty="0" smtClean="0">
+                <a:solidFill>
+                  <a:schemeClr val="tx1"/>
+                </a:solidFill>
+                <a:effectLst/>
+                <a:latin typeface="+mn-lt"/>
+                <a:ea typeface="+mn-ea"/>
+                <a:cs typeface="+mn-cs"/>
+              </a:rPr>
+              <a:t>有损和无损：根据采样率和采样大小可以得知，相对自然界的信号，音频编码最多只能做到无限接近，至少目前的技术只能这样了，相对自然界的信号，任何数字音频编码方案都是有损的，因为无法完全还原。</a:t>
+            </a:r>
+            <a:r>
+              <a:rPr lang="zh-CN" altLang="zh-CN" sz="1200" b="1" kern="1200" dirty="0" smtClean="0">
+                <a:solidFill>
+                  <a:schemeClr val="tx1"/>
+                </a:solidFill>
+                <a:effectLst/>
+                <a:latin typeface="+mn-lt"/>
+                <a:ea typeface="+mn-ea"/>
+                <a:cs typeface="+mn-cs"/>
+              </a:rPr>
+              <a:t>在计算机应用中，能够达到最高保真水平的就是</a:t>
+            </a:r>
+            <a:r>
+              <a:rPr lang="en-US" altLang="zh-CN" sz="1200" b="1" kern="1200" dirty="0" smtClean="0">
+                <a:solidFill>
+                  <a:schemeClr val="tx1"/>
+                </a:solidFill>
+                <a:effectLst/>
+                <a:latin typeface="+mn-lt"/>
+                <a:ea typeface="+mn-ea"/>
+                <a:cs typeface="+mn-cs"/>
+              </a:rPr>
+              <a:t>PCM</a:t>
+            </a:r>
+            <a:r>
+              <a:rPr lang="zh-CN" altLang="zh-CN" sz="1200" b="1" kern="1200" dirty="0" smtClean="0">
+                <a:solidFill>
+                  <a:schemeClr val="tx1"/>
+                </a:solidFill>
+                <a:effectLst/>
+                <a:latin typeface="+mn-lt"/>
+                <a:ea typeface="+mn-ea"/>
+                <a:cs typeface="+mn-cs"/>
+              </a:rPr>
+              <a:t>编码</a:t>
+            </a:r>
+            <a:r>
+              <a:rPr lang="zh-CN" altLang="zh-CN" sz="1200" kern="1200" dirty="0" smtClean="0">
+                <a:solidFill>
+                  <a:schemeClr val="tx1"/>
+                </a:solidFill>
+                <a:effectLst/>
+                <a:latin typeface="+mn-lt"/>
+                <a:ea typeface="+mn-ea"/>
+                <a:cs typeface="+mn-cs"/>
+              </a:rPr>
+              <a:t>，</a:t>
+            </a:r>
+            <a:r>
+              <a:rPr lang="en-US" altLang="zh-CN" sz="1200" b="1" kern="1200" dirty="0" smtClean="0">
+                <a:solidFill>
+                  <a:schemeClr val="tx1"/>
+                </a:solidFill>
+                <a:effectLst/>
+                <a:latin typeface="+mn-lt"/>
+                <a:ea typeface="+mn-ea"/>
+                <a:cs typeface="+mn-cs"/>
+              </a:rPr>
+              <a:t>PCM</a:t>
+            </a:r>
+            <a:r>
+              <a:rPr lang="zh-CN" altLang="zh-CN" sz="1200" b="1" kern="1200" dirty="0" smtClean="0">
+                <a:solidFill>
+                  <a:schemeClr val="tx1"/>
+                </a:solidFill>
+                <a:effectLst/>
+                <a:latin typeface="+mn-lt"/>
+                <a:ea typeface="+mn-ea"/>
+                <a:cs typeface="+mn-cs"/>
+              </a:rPr>
+              <a:t>约定俗成了无损编码，因为</a:t>
+            </a:r>
+            <a:r>
+              <a:rPr lang="en-US" altLang="zh-CN" sz="1200" b="1" kern="1200" dirty="0" smtClean="0">
+                <a:solidFill>
+                  <a:schemeClr val="tx1"/>
+                </a:solidFill>
+                <a:effectLst/>
+                <a:latin typeface="+mn-lt"/>
+                <a:ea typeface="+mn-ea"/>
+                <a:cs typeface="+mn-cs"/>
+              </a:rPr>
+              <a:t>PCM</a:t>
+            </a:r>
+            <a:r>
+              <a:rPr lang="zh-CN" altLang="zh-CN" sz="1200" b="1" kern="1200" dirty="0" smtClean="0">
+                <a:solidFill>
+                  <a:schemeClr val="tx1"/>
+                </a:solidFill>
+                <a:effectLst/>
+                <a:latin typeface="+mn-lt"/>
+                <a:ea typeface="+mn-ea"/>
+                <a:cs typeface="+mn-cs"/>
+              </a:rPr>
+              <a:t>代表了数字音频中最佳的保真水准，并不意味着</a:t>
+            </a:r>
+            <a:r>
+              <a:rPr lang="en-US" altLang="zh-CN" sz="1200" b="1" kern="1200" dirty="0" smtClean="0">
+                <a:solidFill>
+                  <a:schemeClr val="tx1"/>
+                </a:solidFill>
+                <a:effectLst/>
+                <a:latin typeface="+mn-lt"/>
+                <a:ea typeface="+mn-ea"/>
+                <a:cs typeface="+mn-cs"/>
+              </a:rPr>
+              <a:t>PCM</a:t>
+            </a:r>
+            <a:r>
+              <a:rPr lang="zh-CN" altLang="zh-CN" sz="1200" b="1" kern="1200" dirty="0" smtClean="0">
+                <a:solidFill>
+                  <a:schemeClr val="tx1"/>
+                </a:solidFill>
+                <a:effectLst/>
+                <a:latin typeface="+mn-lt"/>
+                <a:ea typeface="+mn-ea"/>
+                <a:cs typeface="+mn-cs"/>
+              </a:rPr>
+              <a:t>就能够确保信号绝对保真，</a:t>
+            </a:r>
+            <a:r>
+              <a:rPr lang="en-US" altLang="zh-CN" sz="1200" b="1" kern="1200" dirty="0" smtClean="0">
+                <a:solidFill>
+                  <a:schemeClr val="tx1"/>
+                </a:solidFill>
+                <a:effectLst/>
+                <a:latin typeface="+mn-lt"/>
+                <a:ea typeface="+mn-ea"/>
+                <a:cs typeface="+mn-cs"/>
+              </a:rPr>
+              <a:t>PCM</a:t>
+            </a:r>
+            <a:r>
+              <a:rPr lang="zh-CN" altLang="zh-CN" sz="1200" b="1" kern="1200" dirty="0" smtClean="0">
+                <a:solidFill>
+                  <a:schemeClr val="tx1"/>
+                </a:solidFill>
+                <a:effectLst/>
+                <a:latin typeface="+mn-lt"/>
+                <a:ea typeface="+mn-ea"/>
+                <a:cs typeface="+mn-cs"/>
+              </a:rPr>
+              <a:t>也只能做到最大程度的无限接近</a:t>
+            </a:r>
+            <a:r>
+              <a:rPr lang="zh-CN" altLang="zh-CN" sz="1200" kern="1200" dirty="0" smtClean="0">
+                <a:solidFill>
+                  <a:schemeClr val="tx1"/>
+                </a:solidFill>
+                <a:effectLst/>
+                <a:latin typeface="+mn-lt"/>
+                <a:ea typeface="+mn-ea"/>
+                <a:cs typeface="+mn-cs"/>
+              </a:rPr>
+              <a:t>。被广泛用于素材保存及音乐欣赏，</a:t>
+            </a:r>
+            <a:r>
+              <a:rPr lang="en-US" altLang="zh-CN" sz="1200" kern="1200" dirty="0" smtClean="0">
+                <a:solidFill>
+                  <a:schemeClr val="tx1"/>
+                </a:solidFill>
+                <a:effectLst/>
+                <a:latin typeface="+mn-lt"/>
+                <a:ea typeface="+mn-ea"/>
+                <a:cs typeface="+mn-cs"/>
+              </a:rPr>
+              <a:t>CD</a:t>
+            </a:r>
+            <a:r>
+              <a:rPr lang="zh-CN" altLang="zh-CN" sz="1200" kern="1200" dirty="0" smtClean="0">
+                <a:solidFill>
+                  <a:schemeClr val="tx1"/>
+                </a:solidFill>
+                <a:effectLst/>
+                <a:latin typeface="+mn-lt"/>
+                <a:ea typeface="+mn-ea"/>
+                <a:cs typeface="+mn-cs"/>
+              </a:rPr>
+              <a:t>、</a:t>
+            </a:r>
+            <a:r>
+              <a:rPr lang="en-US" altLang="zh-CN" sz="1200" kern="1200" dirty="0" smtClean="0">
+                <a:solidFill>
+                  <a:schemeClr val="tx1"/>
+                </a:solidFill>
+                <a:effectLst/>
+                <a:latin typeface="+mn-lt"/>
+                <a:ea typeface="+mn-ea"/>
+                <a:cs typeface="+mn-cs"/>
+              </a:rPr>
+              <a:t>DVD</a:t>
+            </a:r>
+            <a:r>
+              <a:rPr lang="zh-CN" altLang="zh-CN" sz="1200" kern="1200" dirty="0" smtClean="0">
+                <a:solidFill>
+                  <a:schemeClr val="tx1"/>
+                </a:solidFill>
+                <a:effectLst/>
+                <a:latin typeface="+mn-lt"/>
+                <a:ea typeface="+mn-ea"/>
+                <a:cs typeface="+mn-cs"/>
+              </a:rPr>
+              <a:t>以及我们常见的</a:t>
+            </a:r>
+            <a:r>
+              <a:rPr lang="en-US" altLang="zh-CN" sz="1200" kern="1200" dirty="0" smtClean="0">
+                <a:solidFill>
+                  <a:schemeClr val="tx1"/>
+                </a:solidFill>
+                <a:effectLst/>
+                <a:latin typeface="+mn-lt"/>
+                <a:ea typeface="+mn-ea"/>
+                <a:cs typeface="+mn-cs"/>
+              </a:rPr>
+              <a:t>WAV </a:t>
+            </a:r>
+            <a:r>
+              <a:rPr lang="zh-CN" altLang="zh-CN" sz="1200" kern="1200" dirty="0" smtClean="0">
+                <a:solidFill>
+                  <a:schemeClr val="tx1"/>
+                </a:solidFill>
+                <a:effectLst/>
+                <a:latin typeface="+mn-lt"/>
+                <a:ea typeface="+mn-ea"/>
+                <a:cs typeface="+mn-cs"/>
+              </a:rPr>
+              <a:t>文件中均有应用。因此，</a:t>
+            </a:r>
+            <a:r>
+              <a:rPr lang="en-US" altLang="zh-CN" sz="1200" kern="1200" dirty="0" smtClean="0">
+                <a:solidFill>
+                  <a:schemeClr val="tx1"/>
+                </a:solidFill>
+                <a:effectLst/>
+                <a:latin typeface="+mn-lt"/>
+                <a:ea typeface="+mn-ea"/>
+                <a:cs typeface="+mn-cs"/>
+              </a:rPr>
+              <a:t>PCM</a:t>
+            </a:r>
+            <a:r>
+              <a:rPr lang="zh-CN" altLang="zh-CN" sz="1200" kern="1200" dirty="0" smtClean="0">
+                <a:solidFill>
+                  <a:schemeClr val="tx1"/>
+                </a:solidFill>
+                <a:effectLst/>
+                <a:latin typeface="+mn-lt"/>
+                <a:ea typeface="+mn-ea"/>
+                <a:cs typeface="+mn-cs"/>
+              </a:rPr>
+              <a:t>约定俗成了无损编码，因为</a:t>
+            </a:r>
+            <a:r>
+              <a:rPr lang="en-US" altLang="zh-CN" sz="1200" kern="1200" dirty="0" smtClean="0">
+                <a:solidFill>
+                  <a:schemeClr val="tx1"/>
+                </a:solidFill>
+                <a:effectLst/>
+                <a:latin typeface="+mn-lt"/>
+                <a:ea typeface="+mn-ea"/>
+                <a:cs typeface="+mn-cs"/>
+              </a:rPr>
+              <a:t>PCM</a:t>
+            </a:r>
+            <a:r>
+              <a:rPr lang="zh-CN" altLang="zh-CN" sz="1200" kern="1200" dirty="0" smtClean="0">
+                <a:solidFill>
+                  <a:schemeClr val="tx1"/>
+                </a:solidFill>
+                <a:effectLst/>
+                <a:latin typeface="+mn-lt"/>
+                <a:ea typeface="+mn-ea"/>
+                <a:cs typeface="+mn-cs"/>
+              </a:rPr>
+              <a:t>代表了数字音频中最佳的保真水准，并不意味着</a:t>
+            </a:r>
+            <a:r>
+              <a:rPr lang="en-US" altLang="zh-CN" sz="1200" kern="1200" dirty="0" smtClean="0">
+                <a:solidFill>
+                  <a:schemeClr val="tx1"/>
+                </a:solidFill>
+                <a:effectLst/>
+                <a:latin typeface="+mn-lt"/>
+                <a:ea typeface="+mn-ea"/>
+                <a:cs typeface="+mn-cs"/>
+              </a:rPr>
+              <a:t>PCM</a:t>
+            </a:r>
+            <a:r>
+              <a:rPr lang="zh-CN" altLang="zh-CN" sz="1200" kern="1200" dirty="0" smtClean="0">
+                <a:solidFill>
+                  <a:schemeClr val="tx1"/>
+                </a:solidFill>
+                <a:effectLst/>
+                <a:latin typeface="+mn-lt"/>
+                <a:ea typeface="+mn-ea"/>
+                <a:cs typeface="+mn-cs"/>
+              </a:rPr>
+              <a:t>就能够确保信号绝对保真，</a:t>
+            </a:r>
+            <a:r>
+              <a:rPr lang="en-US" altLang="zh-CN" sz="1200" kern="1200" dirty="0" smtClean="0">
+                <a:solidFill>
+                  <a:schemeClr val="tx1"/>
+                </a:solidFill>
+                <a:effectLst/>
+                <a:latin typeface="+mn-lt"/>
+                <a:ea typeface="+mn-ea"/>
+                <a:cs typeface="+mn-cs"/>
+              </a:rPr>
+              <a:t>PCM</a:t>
+            </a:r>
+            <a:r>
+              <a:rPr lang="zh-CN" altLang="zh-CN" sz="1200" kern="1200" dirty="0" smtClean="0">
+                <a:solidFill>
+                  <a:schemeClr val="tx1"/>
+                </a:solidFill>
+                <a:effectLst/>
+                <a:latin typeface="+mn-lt"/>
+                <a:ea typeface="+mn-ea"/>
+                <a:cs typeface="+mn-cs"/>
+              </a:rPr>
+              <a:t>也只能做到最大程度的无限接近。</a:t>
+            </a:r>
+            <a:endParaRPr lang="zh-CN" altLang="en-US" dirty="0" smtClean="0"/>
+          </a:p>
+          <a:p>
             <a:endParaRPr lang="zh-CN" altLang="en-US" dirty="0"/>
           </a:p>
         </p:txBody>
@@ -869,7 +3155,7 @@
           <a:p>
             <a:fld id="{BDEE259F-7124-4DF8-A343-AC16E20BA1BC}" type="slidenum">
               <a:rPr lang="en-US" smtClean="0"/>
-              <a:t>6</a:t>
+              <a:t>7</a:t>
             </a:fld>
             <a:endParaRPr lang="en-US"/>
           </a:p>
@@ -932,6 +3218,463 @@
           <a:bodyPr/>
           <a:lstStyle/>
           <a:p>
+            <a:r>
+              <a:rPr lang="zh-CN" altLang="en-US" sz="1200" b="0" i="0" u="none" strike="noStrike" kern="1200" dirty="0" smtClean="0">
+                <a:solidFill>
+                  <a:schemeClr val="tx1"/>
+                </a:solidFill>
+                <a:effectLst/>
+                <a:latin typeface="+mn-lt"/>
+                <a:ea typeface="+mn-ea"/>
+                <a:cs typeface="+mn-cs"/>
+                <a:hlinkClick r:id="rId3" tooltip="采样"/>
+              </a:rPr>
+              <a:t>采样</a:t>
+            </a:r>
+            <a:r>
+              <a:rPr lang="zh-CN" altLang="en-US" sz="1200" b="0" i="0" kern="1200" dirty="0" smtClean="0">
+                <a:solidFill>
+                  <a:schemeClr val="tx1"/>
+                </a:solidFill>
+                <a:effectLst/>
+                <a:latin typeface="+mn-lt"/>
+                <a:ea typeface="+mn-ea"/>
+                <a:cs typeface="+mn-cs"/>
+              </a:rPr>
+              <a:t>是将一个信号（即时间或空间上的连续函数）转换成一个数值序列（即时间或空间上的离散函数）。</a:t>
+            </a:r>
+            <a:endParaRPr lang="en-US" altLang="zh-CN" sz="1200" b="0" i="0" kern="1200" dirty="0" smtClean="0">
+              <a:solidFill>
+                <a:schemeClr val="tx1"/>
+              </a:solidFill>
+              <a:effectLst/>
+              <a:latin typeface="+mn-lt"/>
+              <a:ea typeface="+mn-ea"/>
+              <a:cs typeface="+mn-cs"/>
+            </a:endParaRPr>
+          </a:p>
+          <a:p>
+            <a:r>
+              <a:rPr lang="zh-CN" altLang="en-US" dirty="0" smtClean="0"/>
+              <a:t>如果信号是</a:t>
+            </a:r>
+            <a:r>
+              <a:rPr lang="zh-CN" altLang="en-US" sz="1200" u="none" strike="noStrike" kern="1200" dirty="0" smtClean="0">
+                <a:solidFill>
+                  <a:schemeClr val="tx1"/>
+                </a:solidFill>
+                <a:effectLst/>
+                <a:latin typeface="+mn-lt"/>
+                <a:ea typeface="+mn-ea"/>
+                <a:cs typeface="+mn-cs"/>
+                <a:hlinkClick r:id="rId4" tooltip="带限（页面不存在）"/>
+              </a:rPr>
+              <a:t>带限</a:t>
+            </a:r>
+            <a:r>
+              <a:rPr lang="zh-CN" altLang="en-US" dirty="0" smtClean="0"/>
+              <a:t>的，并且</a:t>
+            </a:r>
+            <a:r>
+              <a:rPr lang="zh-CN" altLang="en-US" sz="1200" u="none" strike="noStrike" kern="1200" dirty="0" smtClean="0">
+                <a:solidFill>
+                  <a:schemeClr val="tx1"/>
+                </a:solidFill>
+                <a:effectLst/>
+                <a:latin typeface="+mn-lt"/>
+                <a:ea typeface="+mn-ea"/>
+                <a:cs typeface="+mn-cs"/>
+                <a:hlinkClick r:id="rId5" tooltip="采样频率"/>
+              </a:rPr>
+              <a:t>采样频率</a:t>
+            </a:r>
+            <a:r>
+              <a:rPr lang="zh-CN" altLang="en-US" dirty="0" smtClean="0"/>
+              <a:t>大于信号</a:t>
+            </a:r>
+            <a:r>
+              <a:rPr lang="zh-CN" altLang="en-US" sz="1200" u="none" strike="noStrike" kern="1200" dirty="0" smtClean="0">
+                <a:solidFill>
+                  <a:schemeClr val="tx1"/>
+                </a:solidFill>
+                <a:effectLst/>
+                <a:latin typeface="+mn-lt"/>
+                <a:ea typeface="+mn-ea"/>
+                <a:cs typeface="+mn-cs"/>
+                <a:hlinkClick r:id="rId6" tooltip="带宽"/>
+              </a:rPr>
+              <a:t>带宽</a:t>
+            </a:r>
+            <a:r>
+              <a:rPr lang="zh-CN" altLang="en-US" dirty="0" smtClean="0"/>
+              <a:t>的</a:t>
+            </a:r>
+            <a:r>
+              <a:rPr lang="en-US" altLang="zh-CN" dirty="0" smtClean="0"/>
+              <a:t>2</a:t>
+            </a:r>
+            <a:r>
+              <a:rPr lang="zh-CN" altLang="en-US" dirty="0" smtClean="0"/>
+              <a:t>倍，那么，原来的连续信号可以从采样样本中完全重建出来</a:t>
+            </a:r>
+            <a:r>
+              <a:rPr lang="en-US" altLang="zh-CN" dirty="0" smtClean="0"/>
+              <a:t>(</a:t>
+            </a:r>
+            <a:r>
+              <a:rPr lang="zh-CN" altLang="en-US" dirty="0" smtClean="0"/>
+              <a:t>如人的声音频率范围是</a:t>
+            </a:r>
+            <a:r>
+              <a:rPr lang="en-US" altLang="zh-CN" dirty="0" smtClean="0"/>
+              <a:t>)</a:t>
+            </a:r>
+            <a:r>
+              <a:rPr lang="zh-CN" altLang="en-US" dirty="0" smtClean="0"/>
+              <a:t>。</a:t>
+            </a:r>
+            <a:endParaRPr lang="en-US" altLang="zh-CN" dirty="0" smtClean="0"/>
+          </a:p>
+          <a:p>
+            <a:r>
+              <a:rPr lang="zh-CN" altLang="zh-CN" sz="1200" kern="1200" dirty="0" smtClean="0">
+                <a:solidFill>
+                  <a:schemeClr val="tx1"/>
+                </a:solidFill>
+                <a:effectLst/>
+                <a:latin typeface="+mn-lt"/>
+                <a:ea typeface="+mn-ea"/>
+                <a:cs typeface="+mn-cs"/>
+              </a:rPr>
+              <a:t>有损和无损：根据采样率和采样大小可以得知，相对自然界的信号，音频编码最多只能做到无限接近，至少目前的技术只能这样了，相对自然界的信号，任何数字音频编码方案都是有损的，因为无法完全还原。</a:t>
+            </a:r>
+            <a:r>
+              <a:rPr lang="zh-CN" altLang="zh-CN" sz="1200" b="1" kern="1200" dirty="0" smtClean="0">
+                <a:solidFill>
+                  <a:schemeClr val="tx1"/>
+                </a:solidFill>
+                <a:effectLst/>
+                <a:latin typeface="+mn-lt"/>
+                <a:ea typeface="+mn-ea"/>
+                <a:cs typeface="+mn-cs"/>
+              </a:rPr>
+              <a:t>在计算机应用中，能够达到最高保真水平的就是</a:t>
+            </a:r>
+            <a:r>
+              <a:rPr lang="en-US" altLang="zh-CN" sz="1200" b="1" kern="1200" dirty="0" smtClean="0">
+                <a:solidFill>
+                  <a:schemeClr val="tx1"/>
+                </a:solidFill>
+                <a:effectLst/>
+                <a:latin typeface="+mn-lt"/>
+                <a:ea typeface="+mn-ea"/>
+                <a:cs typeface="+mn-cs"/>
+              </a:rPr>
+              <a:t>PCM</a:t>
+            </a:r>
+            <a:r>
+              <a:rPr lang="zh-CN" altLang="zh-CN" sz="1200" b="1" kern="1200" dirty="0" smtClean="0">
+                <a:solidFill>
+                  <a:schemeClr val="tx1"/>
+                </a:solidFill>
+                <a:effectLst/>
+                <a:latin typeface="+mn-lt"/>
+                <a:ea typeface="+mn-ea"/>
+                <a:cs typeface="+mn-cs"/>
+              </a:rPr>
+              <a:t>编码</a:t>
+            </a:r>
+            <a:r>
+              <a:rPr lang="zh-CN" altLang="zh-CN" sz="1200" kern="1200" dirty="0" smtClean="0">
+                <a:solidFill>
+                  <a:schemeClr val="tx1"/>
+                </a:solidFill>
+                <a:effectLst/>
+                <a:latin typeface="+mn-lt"/>
+                <a:ea typeface="+mn-ea"/>
+                <a:cs typeface="+mn-cs"/>
+              </a:rPr>
+              <a:t>，</a:t>
+            </a:r>
+            <a:r>
+              <a:rPr lang="en-US" altLang="zh-CN" sz="1200" b="1" kern="1200" dirty="0" smtClean="0">
+                <a:solidFill>
+                  <a:schemeClr val="tx1"/>
+                </a:solidFill>
+                <a:effectLst/>
+                <a:latin typeface="+mn-lt"/>
+                <a:ea typeface="+mn-ea"/>
+                <a:cs typeface="+mn-cs"/>
+              </a:rPr>
+              <a:t>PCM</a:t>
+            </a:r>
+            <a:r>
+              <a:rPr lang="zh-CN" altLang="zh-CN" sz="1200" b="1" kern="1200" dirty="0" smtClean="0">
+                <a:solidFill>
+                  <a:schemeClr val="tx1"/>
+                </a:solidFill>
+                <a:effectLst/>
+                <a:latin typeface="+mn-lt"/>
+                <a:ea typeface="+mn-ea"/>
+                <a:cs typeface="+mn-cs"/>
+              </a:rPr>
+              <a:t>约定俗成了无损编码，因为</a:t>
+            </a:r>
+            <a:r>
+              <a:rPr lang="en-US" altLang="zh-CN" sz="1200" b="1" kern="1200" dirty="0" smtClean="0">
+                <a:solidFill>
+                  <a:schemeClr val="tx1"/>
+                </a:solidFill>
+                <a:effectLst/>
+                <a:latin typeface="+mn-lt"/>
+                <a:ea typeface="+mn-ea"/>
+                <a:cs typeface="+mn-cs"/>
+              </a:rPr>
+              <a:t>PCM</a:t>
+            </a:r>
+            <a:r>
+              <a:rPr lang="zh-CN" altLang="zh-CN" sz="1200" b="1" kern="1200" dirty="0" smtClean="0">
+                <a:solidFill>
+                  <a:schemeClr val="tx1"/>
+                </a:solidFill>
+                <a:effectLst/>
+                <a:latin typeface="+mn-lt"/>
+                <a:ea typeface="+mn-ea"/>
+                <a:cs typeface="+mn-cs"/>
+              </a:rPr>
+              <a:t>代表了数字音频中最佳的保真水准，并不意味着</a:t>
+            </a:r>
+            <a:r>
+              <a:rPr lang="en-US" altLang="zh-CN" sz="1200" b="1" kern="1200" dirty="0" smtClean="0">
+                <a:solidFill>
+                  <a:schemeClr val="tx1"/>
+                </a:solidFill>
+                <a:effectLst/>
+                <a:latin typeface="+mn-lt"/>
+                <a:ea typeface="+mn-ea"/>
+                <a:cs typeface="+mn-cs"/>
+              </a:rPr>
+              <a:t>PCM</a:t>
+            </a:r>
+            <a:r>
+              <a:rPr lang="zh-CN" altLang="zh-CN" sz="1200" b="1" kern="1200" dirty="0" smtClean="0">
+                <a:solidFill>
+                  <a:schemeClr val="tx1"/>
+                </a:solidFill>
+                <a:effectLst/>
+                <a:latin typeface="+mn-lt"/>
+                <a:ea typeface="+mn-ea"/>
+                <a:cs typeface="+mn-cs"/>
+              </a:rPr>
+              <a:t>就能够确保信号绝对保真，</a:t>
+            </a:r>
+            <a:r>
+              <a:rPr lang="en-US" altLang="zh-CN" sz="1200" b="1" kern="1200" dirty="0" smtClean="0">
+                <a:solidFill>
+                  <a:schemeClr val="tx1"/>
+                </a:solidFill>
+                <a:effectLst/>
+                <a:latin typeface="+mn-lt"/>
+                <a:ea typeface="+mn-ea"/>
+                <a:cs typeface="+mn-cs"/>
+              </a:rPr>
+              <a:t>PCM</a:t>
+            </a:r>
+            <a:r>
+              <a:rPr lang="zh-CN" altLang="zh-CN" sz="1200" b="1" kern="1200" dirty="0" smtClean="0">
+                <a:solidFill>
+                  <a:schemeClr val="tx1"/>
+                </a:solidFill>
+                <a:effectLst/>
+                <a:latin typeface="+mn-lt"/>
+                <a:ea typeface="+mn-ea"/>
+                <a:cs typeface="+mn-cs"/>
+              </a:rPr>
+              <a:t>也只能做到最大程度的无限接近</a:t>
+            </a:r>
+            <a:r>
+              <a:rPr lang="zh-CN" altLang="zh-CN" sz="1200" kern="1200" dirty="0" smtClean="0">
+                <a:solidFill>
+                  <a:schemeClr val="tx1"/>
+                </a:solidFill>
+                <a:effectLst/>
+                <a:latin typeface="+mn-lt"/>
+                <a:ea typeface="+mn-ea"/>
+                <a:cs typeface="+mn-cs"/>
+              </a:rPr>
+              <a:t>。被广泛用于素材保存及音乐欣赏，</a:t>
+            </a:r>
+            <a:r>
+              <a:rPr lang="en-US" altLang="zh-CN" sz="1200" kern="1200" dirty="0" smtClean="0">
+                <a:solidFill>
+                  <a:schemeClr val="tx1"/>
+                </a:solidFill>
+                <a:effectLst/>
+                <a:latin typeface="+mn-lt"/>
+                <a:ea typeface="+mn-ea"/>
+                <a:cs typeface="+mn-cs"/>
+              </a:rPr>
+              <a:t>CD</a:t>
+            </a:r>
+            <a:r>
+              <a:rPr lang="zh-CN" altLang="zh-CN" sz="1200" kern="1200" dirty="0" smtClean="0">
+                <a:solidFill>
+                  <a:schemeClr val="tx1"/>
+                </a:solidFill>
+                <a:effectLst/>
+                <a:latin typeface="+mn-lt"/>
+                <a:ea typeface="+mn-ea"/>
+                <a:cs typeface="+mn-cs"/>
+              </a:rPr>
+              <a:t>、</a:t>
+            </a:r>
+            <a:r>
+              <a:rPr lang="en-US" altLang="zh-CN" sz="1200" kern="1200" dirty="0" smtClean="0">
+                <a:solidFill>
+                  <a:schemeClr val="tx1"/>
+                </a:solidFill>
+                <a:effectLst/>
+                <a:latin typeface="+mn-lt"/>
+                <a:ea typeface="+mn-ea"/>
+                <a:cs typeface="+mn-cs"/>
+              </a:rPr>
+              <a:t>DVD</a:t>
+            </a:r>
+            <a:r>
+              <a:rPr lang="zh-CN" altLang="zh-CN" sz="1200" kern="1200" dirty="0" smtClean="0">
+                <a:solidFill>
+                  <a:schemeClr val="tx1"/>
+                </a:solidFill>
+                <a:effectLst/>
+                <a:latin typeface="+mn-lt"/>
+                <a:ea typeface="+mn-ea"/>
+                <a:cs typeface="+mn-cs"/>
+              </a:rPr>
+              <a:t>以及我们常见的</a:t>
+            </a:r>
+            <a:r>
+              <a:rPr lang="en-US" altLang="zh-CN" sz="1200" kern="1200" dirty="0" smtClean="0">
+                <a:solidFill>
+                  <a:schemeClr val="tx1"/>
+                </a:solidFill>
+                <a:effectLst/>
+                <a:latin typeface="+mn-lt"/>
+                <a:ea typeface="+mn-ea"/>
+                <a:cs typeface="+mn-cs"/>
+              </a:rPr>
+              <a:t>WAV </a:t>
+            </a:r>
+            <a:r>
+              <a:rPr lang="zh-CN" altLang="zh-CN" sz="1200" kern="1200" dirty="0" smtClean="0">
+                <a:solidFill>
+                  <a:schemeClr val="tx1"/>
+                </a:solidFill>
+                <a:effectLst/>
+                <a:latin typeface="+mn-lt"/>
+                <a:ea typeface="+mn-ea"/>
+                <a:cs typeface="+mn-cs"/>
+              </a:rPr>
+              <a:t>文件中均有应用。因此，</a:t>
+            </a:r>
+            <a:r>
+              <a:rPr lang="en-US" altLang="zh-CN" sz="1200" kern="1200" dirty="0" smtClean="0">
+                <a:solidFill>
+                  <a:schemeClr val="tx1"/>
+                </a:solidFill>
+                <a:effectLst/>
+                <a:latin typeface="+mn-lt"/>
+                <a:ea typeface="+mn-ea"/>
+                <a:cs typeface="+mn-cs"/>
+              </a:rPr>
+              <a:t>PCM</a:t>
+            </a:r>
+            <a:r>
+              <a:rPr lang="zh-CN" altLang="zh-CN" sz="1200" kern="1200" dirty="0" smtClean="0">
+                <a:solidFill>
+                  <a:schemeClr val="tx1"/>
+                </a:solidFill>
+                <a:effectLst/>
+                <a:latin typeface="+mn-lt"/>
+                <a:ea typeface="+mn-ea"/>
+                <a:cs typeface="+mn-cs"/>
+              </a:rPr>
+              <a:t>约定俗成了无损编码，因为</a:t>
+            </a:r>
+            <a:r>
+              <a:rPr lang="en-US" altLang="zh-CN" sz="1200" kern="1200" dirty="0" smtClean="0">
+                <a:solidFill>
+                  <a:schemeClr val="tx1"/>
+                </a:solidFill>
+                <a:effectLst/>
+                <a:latin typeface="+mn-lt"/>
+                <a:ea typeface="+mn-ea"/>
+                <a:cs typeface="+mn-cs"/>
+              </a:rPr>
+              <a:t>PCM</a:t>
+            </a:r>
+            <a:r>
+              <a:rPr lang="zh-CN" altLang="zh-CN" sz="1200" kern="1200" dirty="0" smtClean="0">
+                <a:solidFill>
+                  <a:schemeClr val="tx1"/>
+                </a:solidFill>
+                <a:effectLst/>
+                <a:latin typeface="+mn-lt"/>
+                <a:ea typeface="+mn-ea"/>
+                <a:cs typeface="+mn-cs"/>
+              </a:rPr>
+              <a:t>代表了数字音频中最佳的保真水准，并不意味着</a:t>
+            </a:r>
+            <a:r>
+              <a:rPr lang="en-US" altLang="zh-CN" sz="1200" kern="1200" dirty="0" smtClean="0">
+                <a:solidFill>
+                  <a:schemeClr val="tx1"/>
+                </a:solidFill>
+                <a:effectLst/>
+                <a:latin typeface="+mn-lt"/>
+                <a:ea typeface="+mn-ea"/>
+                <a:cs typeface="+mn-cs"/>
+              </a:rPr>
+              <a:t>PCM</a:t>
+            </a:r>
+            <a:r>
+              <a:rPr lang="zh-CN" altLang="zh-CN" sz="1200" kern="1200" dirty="0" smtClean="0">
+                <a:solidFill>
+                  <a:schemeClr val="tx1"/>
+                </a:solidFill>
+                <a:effectLst/>
+                <a:latin typeface="+mn-lt"/>
+                <a:ea typeface="+mn-ea"/>
+                <a:cs typeface="+mn-cs"/>
+              </a:rPr>
+              <a:t>就能够确保信号绝对保真，</a:t>
+            </a:r>
+            <a:r>
+              <a:rPr lang="en-US" altLang="zh-CN" sz="1200" kern="1200" dirty="0" smtClean="0">
+                <a:solidFill>
+                  <a:schemeClr val="tx1"/>
+                </a:solidFill>
+                <a:effectLst/>
+                <a:latin typeface="+mn-lt"/>
+                <a:ea typeface="+mn-ea"/>
+                <a:cs typeface="+mn-cs"/>
+              </a:rPr>
+              <a:t>PCM</a:t>
+            </a:r>
+            <a:r>
+              <a:rPr lang="zh-CN" altLang="zh-CN" sz="1200" kern="1200" dirty="0" smtClean="0">
+                <a:solidFill>
+                  <a:schemeClr val="tx1"/>
+                </a:solidFill>
+                <a:effectLst/>
+                <a:latin typeface="+mn-lt"/>
+                <a:ea typeface="+mn-ea"/>
+                <a:cs typeface="+mn-cs"/>
+              </a:rPr>
+              <a:t>也只能做到最大程度的无限接近。</a:t>
+            </a:r>
+            <a:endParaRPr lang="zh-CN" altLang="en-US" dirty="0" smtClean="0"/>
+          </a:p>
+          <a:p>
             <a:endParaRPr lang="zh-CN" altLang="en-US" dirty="0"/>
           </a:p>
         </p:txBody>
@@ -953,7 +3696,7 @@
           <a:p>
             <a:fld id="{BDEE259F-7124-4DF8-A343-AC16E20BA1BC}" type="slidenum">
               <a:rPr lang="en-US" smtClean="0"/>
-              <a:t>7</a:t>
+              <a:t>8</a:t>
             </a:fld>
             <a:endParaRPr lang="en-US"/>
           </a:p>
@@ -1016,89 +3759,462 @@
           <a:bodyPr/>
           <a:lstStyle/>
           <a:p>
-            <a:endParaRPr lang="zh-CN" altLang="en-US" dirty="0"/>
-          </a:p>
-        </p:txBody>
-      </p:sp>
-      <p:sp>
-        <p:nvSpPr>
-          <p:cNvPr id="4" name="Slide Number Placeholder 3"/>
-          <p:cNvSpPr>
-            <a:spLocks noGrp="1"/>
-          </p:cNvSpPr>
-          <p:nvPr>
-            <p:ph type="sldNum" sz="quarter" idx="10"/>
-          </p:nvPr>
-        </p:nvSpPr>
-        <p:spPr/>
-        <p:txBody>
-          <a:bodyPr/>
-          <a:lstStyle/>
-          <a:p>
-            <a:fld id="{BDEE259F-7124-4DF8-A343-AC16E20BA1BC}" type="slidenum">
-              <a:rPr lang="en-US" smtClean="0"/>
-              <a:t>8</a:t>
-            </a:fld>
-            <a:endParaRPr lang="en-US"/>
-          </a:p>
-        </p:txBody>
-      </p:sp>
-    </p:spTree>
-    <p:extLst>
-      <p:ext uri="{BB962C8B-B14F-4D97-AF65-F5344CB8AC3E}">
-        <p14:creationId xmlns:p14="http://schemas.microsoft.com/office/powerpoint/2010/main" val="1445797330"/>
-      </p:ext>
-    </p:extLst>
-  </p:cSld>
-  <p:clrMapOvr>
-    <a:masterClrMapping/>
-  </p:clrMapOvr>
-</p:notes>
-</file>
-
-<file path=ppt/notesSlides/notesSlide8.xml><?xml version="1.0" encoding="utf-8"?>
-<p:notes xmlns:a="http://schemas.openxmlformats.org/drawingml/2006/main" xmlns:r="http://schemas.openxmlformats.org/officeDocument/2006/relationships" xmlns:p="http://schemas.openxmlformats.org/presentationml/2006/main">
-  <p:cSld>
-    <p:spTree>
-      <p:nvGrpSpPr>
-        <p:cNvPr id="1" name=""/>
-        <p:cNvGrpSpPr/>
-        <p:nvPr/>
-      </p:nvGrpSpPr>
-      <p:grpSpPr>
-        <a:xfrm>
-          <a:off x="0" y="0"/>
-          <a:ext cx="0" cy="0"/>
-          <a:chOff x="0" y="0"/>
-          <a:chExt cx="0" cy="0"/>
-        </a:xfrm>
-      </p:grpSpPr>
-      <p:sp>
-        <p:nvSpPr>
-          <p:cNvPr id="2" name="Slide Image Placeholder 1"/>
-          <p:cNvSpPr>
-            <a:spLocks noGrp="1" noRot="1" noChangeAspect="1"/>
-          </p:cNvSpPr>
-          <p:nvPr>
-            <p:ph type="sldImg"/>
-          </p:nvPr>
-        </p:nvSpPr>
-        <p:spPr/>
-      </p:sp>
-      <p:sp>
-        <p:nvSpPr>
-          <p:cNvPr id="3" name="Notes Placeholder 2"/>
-          <p:cNvSpPr>
-            <a:spLocks noGrp="1"/>
-          </p:cNvSpPr>
-          <p:nvPr>
-            <p:ph type="body" idx="1"/>
-          </p:nvPr>
-        </p:nvSpPr>
-        <p:spPr/>
-        <p:txBody>
-          <a:bodyPr/>
-          <a:lstStyle/>
+            <a:r>
+              <a:rPr lang="zh-CN" altLang="en-US" sz="1200" b="0" i="0" u="none" strike="noStrike" kern="1200" dirty="0" smtClean="0">
+                <a:solidFill>
+                  <a:schemeClr val="tx1"/>
+                </a:solidFill>
+                <a:effectLst/>
+                <a:latin typeface="+mn-lt"/>
+                <a:ea typeface="+mn-ea"/>
+                <a:cs typeface="+mn-cs"/>
+                <a:hlinkClick r:id="rId3" tooltip="采样"/>
+              </a:rPr>
+              <a:t>采样</a:t>
+            </a:r>
+            <a:r>
+              <a:rPr lang="zh-CN" altLang="en-US" sz="1200" b="0" i="0" kern="1200" dirty="0" smtClean="0">
+                <a:solidFill>
+                  <a:schemeClr val="tx1"/>
+                </a:solidFill>
+                <a:effectLst/>
+                <a:latin typeface="+mn-lt"/>
+                <a:ea typeface="+mn-ea"/>
+                <a:cs typeface="+mn-cs"/>
+              </a:rPr>
+              <a:t>是将一个信号（即时间或空间上的连续函数）转换成一个数值序列（即时间或空间上的离散函数）。</a:t>
+            </a:r>
+            <a:endParaRPr lang="en-US" altLang="zh-CN" sz="1200" b="0" i="0" kern="1200" dirty="0" smtClean="0">
+              <a:solidFill>
+                <a:schemeClr val="tx1"/>
+              </a:solidFill>
+              <a:effectLst/>
+              <a:latin typeface="+mn-lt"/>
+              <a:ea typeface="+mn-ea"/>
+              <a:cs typeface="+mn-cs"/>
+            </a:endParaRPr>
+          </a:p>
+          <a:p>
+            <a:r>
+              <a:rPr lang="zh-CN" altLang="en-US" dirty="0" smtClean="0"/>
+              <a:t>如果信号是</a:t>
+            </a:r>
+            <a:r>
+              <a:rPr lang="zh-CN" altLang="en-US" sz="1200" u="none" strike="noStrike" kern="1200" dirty="0" smtClean="0">
+                <a:solidFill>
+                  <a:schemeClr val="tx1"/>
+                </a:solidFill>
+                <a:effectLst/>
+                <a:latin typeface="+mn-lt"/>
+                <a:ea typeface="+mn-ea"/>
+                <a:cs typeface="+mn-cs"/>
+                <a:hlinkClick r:id="rId4" tooltip="带限（页面不存在）"/>
+              </a:rPr>
+              <a:t>带限</a:t>
+            </a:r>
+            <a:r>
+              <a:rPr lang="zh-CN" altLang="en-US" dirty="0" smtClean="0"/>
+              <a:t>的，并且</a:t>
+            </a:r>
+            <a:r>
+              <a:rPr lang="zh-CN" altLang="en-US" sz="1200" u="none" strike="noStrike" kern="1200" dirty="0" smtClean="0">
+                <a:solidFill>
+                  <a:schemeClr val="tx1"/>
+                </a:solidFill>
+                <a:effectLst/>
+                <a:latin typeface="+mn-lt"/>
+                <a:ea typeface="+mn-ea"/>
+                <a:cs typeface="+mn-cs"/>
+                <a:hlinkClick r:id="rId5" tooltip="采样频率"/>
+              </a:rPr>
+              <a:t>采样频率</a:t>
+            </a:r>
+            <a:r>
+              <a:rPr lang="zh-CN" altLang="en-US" dirty="0" smtClean="0"/>
+              <a:t>大于信号</a:t>
+            </a:r>
+            <a:r>
+              <a:rPr lang="zh-CN" altLang="en-US" sz="1200" u="none" strike="noStrike" kern="1200" dirty="0" smtClean="0">
+                <a:solidFill>
+                  <a:schemeClr val="tx1"/>
+                </a:solidFill>
+                <a:effectLst/>
+                <a:latin typeface="+mn-lt"/>
+                <a:ea typeface="+mn-ea"/>
+                <a:cs typeface="+mn-cs"/>
+                <a:hlinkClick r:id="rId6" tooltip="带宽"/>
+              </a:rPr>
+              <a:t>带宽</a:t>
+            </a:r>
+            <a:r>
+              <a:rPr lang="zh-CN" altLang="en-US" dirty="0" smtClean="0"/>
+              <a:t>的</a:t>
+            </a:r>
+            <a:r>
+              <a:rPr lang="en-US" altLang="zh-CN" dirty="0" smtClean="0"/>
+              <a:t>2</a:t>
+            </a:r>
+            <a:r>
+              <a:rPr lang="zh-CN" altLang="en-US" dirty="0" smtClean="0"/>
+              <a:t>倍，那么，原来的连续信号可以从采样样本中完全重建出来</a:t>
+            </a:r>
+            <a:r>
+              <a:rPr lang="en-US" altLang="zh-CN" dirty="0" smtClean="0"/>
+              <a:t>(</a:t>
+            </a:r>
+            <a:r>
+              <a:rPr lang="zh-CN" altLang="en-US" dirty="0" smtClean="0"/>
+              <a:t>如人的声音频率范围是</a:t>
+            </a:r>
+            <a:r>
+              <a:rPr lang="en-US" altLang="zh-CN" dirty="0" smtClean="0"/>
+              <a:t>)</a:t>
+            </a:r>
+            <a:r>
+              <a:rPr lang="zh-CN" altLang="en-US" dirty="0" smtClean="0"/>
+              <a:t>。</a:t>
+            </a:r>
+            <a:endParaRPr lang="en-US" altLang="zh-CN" dirty="0" smtClean="0"/>
+          </a:p>
+          <a:p>
+            <a:r>
+              <a:rPr lang="zh-CN" altLang="zh-CN" sz="1200" kern="1200" dirty="0" smtClean="0">
+                <a:solidFill>
+                  <a:schemeClr val="tx1"/>
+                </a:solidFill>
+                <a:effectLst/>
+                <a:latin typeface="+mn-lt"/>
+                <a:ea typeface="+mn-ea"/>
+                <a:cs typeface="+mn-cs"/>
+              </a:rPr>
+              <a:t>有损和无损：根据采样率和采样大小可以得知，相对自然界的信号，音频编码最多只能做到无限接近，至少目前的技术只能这样了，相对自然界的信号，任何数字音频编码方案都是有损的，因为无法完全还原。</a:t>
+            </a:r>
+            <a:r>
+              <a:rPr lang="zh-CN" altLang="zh-CN" sz="1200" b="1" kern="1200" dirty="0" smtClean="0">
+                <a:solidFill>
+                  <a:schemeClr val="tx1"/>
+                </a:solidFill>
+                <a:effectLst/>
+                <a:latin typeface="+mn-lt"/>
+                <a:ea typeface="+mn-ea"/>
+                <a:cs typeface="+mn-cs"/>
+              </a:rPr>
+              <a:t>在计算机应用中，能够达到最高保真水平的就是</a:t>
+            </a:r>
+            <a:r>
+              <a:rPr lang="en-US" altLang="zh-CN" sz="1200" b="1" kern="1200" dirty="0" smtClean="0">
+                <a:solidFill>
+                  <a:schemeClr val="tx1"/>
+                </a:solidFill>
+                <a:effectLst/>
+                <a:latin typeface="+mn-lt"/>
+                <a:ea typeface="+mn-ea"/>
+                <a:cs typeface="+mn-cs"/>
+              </a:rPr>
+              <a:t>PCM</a:t>
+            </a:r>
+            <a:r>
+              <a:rPr lang="zh-CN" altLang="zh-CN" sz="1200" b="1" kern="1200" dirty="0" smtClean="0">
+                <a:solidFill>
+                  <a:schemeClr val="tx1"/>
+                </a:solidFill>
+                <a:effectLst/>
+                <a:latin typeface="+mn-lt"/>
+                <a:ea typeface="+mn-ea"/>
+                <a:cs typeface="+mn-cs"/>
+              </a:rPr>
+              <a:t>编码</a:t>
+            </a:r>
+            <a:r>
+              <a:rPr lang="zh-CN" altLang="zh-CN" sz="1200" kern="1200" dirty="0" smtClean="0">
+                <a:solidFill>
+                  <a:schemeClr val="tx1"/>
+                </a:solidFill>
+                <a:effectLst/>
+                <a:latin typeface="+mn-lt"/>
+                <a:ea typeface="+mn-ea"/>
+                <a:cs typeface="+mn-cs"/>
+              </a:rPr>
+              <a:t>，</a:t>
+            </a:r>
+            <a:r>
+              <a:rPr lang="en-US" altLang="zh-CN" sz="1200" b="1" kern="1200" dirty="0" smtClean="0">
+                <a:solidFill>
+                  <a:schemeClr val="tx1"/>
+                </a:solidFill>
+                <a:effectLst/>
+                <a:latin typeface="+mn-lt"/>
+                <a:ea typeface="+mn-ea"/>
+                <a:cs typeface="+mn-cs"/>
+              </a:rPr>
+              <a:t>PCM</a:t>
+            </a:r>
+            <a:r>
+              <a:rPr lang="zh-CN" altLang="zh-CN" sz="1200" b="1" kern="1200" dirty="0" smtClean="0">
+                <a:solidFill>
+                  <a:schemeClr val="tx1"/>
+                </a:solidFill>
+                <a:effectLst/>
+                <a:latin typeface="+mn-lt"/>
+                <a:ea typeface="+mn-ea"/>
+                <a:cs typeface="+mn-cs"/>
+              </a:rPr>
+              <a:t>约定俗成了无损编码，因为</a:t>
+            </a:r>
+            <a:r>
+              <a:rPr lang="en-US" altLang="zh-CN" sz="1200" b="1" kern="1200" dirty="0" smtClean="0">
+                <a:solidFill>
+                  <a:schemeClr val="tx1"/>
+                </a:solidFill>
+                <a:effectLst/>
+                <a:latin typeface="+mn-lt"/>
+                <a:ea typeface="+mn-ea"/>
+                <a:cs typeface="+mn-cs"/>
+              </a:rPr>
+              <a:t>PCM</a:t>
+            </a:r>
+            <a:r>
+              <a:rPr lang="zh-CN" altLang="zh-CN" sz="1200" b="1" kern="1200" dirty="0" smtClean="0">
+                <a:solidFill>
+                  <a:schemeClr val="tx1"/>
+                </a:solidFill>
+                <a:effectLst/>
+                <a:latin typeface="+mn-lt"/>
+                <a:ea typeface="+mn-ea"/>
+                <a:cs typeface="+mn-cs"/>
+              </a:rPr>
+              <a:t>代表了数字音频中最佳的保真水准，并不意味着</a:t>
+            </a:r>
+            <a:r>
+              <a:rPr lang="en-US" altLang="zh-CN" sz="1200" b="1" kern="1200" dirty="0" smtClean="0">
+                <a:solidFill>
+                  <a:schemeClr val="tx1"/>
+                </a:solidFill>
+                <a:effectLst/>
+                <a:latin typeface="+mn-lt"/>
+                <a:ea typeface="+mn-ea"/>
+                <a:cs typeface="+mn-cs"/>
+              </a:rPr>
+              <a:t>PCM</a:t>
+            </a:r>
+            <a:r>
+              <a:rPr lang="zh-CN" altLang="zh-CN" sz="1200" b="1" kern="1200" dirty="0" smtClean="0">
+                <a:solidFill>
+                  <a:schemeClr val="tx1"/>
+                </a:solidFill>
+                <a:effectLst/>
+                <a:latin typeface="+mn-lt"/>
+                <a:ea typeface="+mn-ea"/>
+                <a:cs typeface="+mn-cs"/>
+              </a:rPr>
+              <a:t>就能够确保信号绝对保真，</a:t>
+            </a:r>
+            <a:r>
+              <a:rPr lang="en-US" altLang="zh-CN" sz="1200" b="1" kern="1200" dirty="0" smtClean="0">
+                <a:solidFill>
+                  <a:schemeClr val="tx1"/>
+                </a:solidFill>
+                <a:effectLst/>
+                <a:latin typeface="+mn-lt"/>
+                <a:ea typeface="+mn-ea"/>
+                <a:cs typeface="+mn-cs"/>
+              </a:rPr>
+              <a:t>PCM</a:t>
+            </a:r>
+            <a:r>
+              <a:rPr lang="zh-CN" altLang="zh-CN" sz="1200" b="1" kern="1200" dirty="0" smtClean="0">
+                <a:solidFill>
+                  <a:schemeClr val="tx1"/>
+                </a:solidFill>
+                <a:effectLst/>
+                <a:latin typeface="+mn-lt"/>
+                <a:ea typeface="+mn-ea"/>
+                <a:cs typeface="+mn-cs"/>
+              </a:rPr>
+              <a:t>也只能做到最大程度的无限接近</a:t>
+            </a:r>
+            <a:r>
+              <a:rPr lang="zh-CN" altLang="zh-CN" sz="1200" kern="1200" dirty="0" smtClean="0">
+                <a:solidFill>
+                  <a:schemeClr val="tx1"/>
+                </a:solidFill>
+                <a:effectLst/>
+                <a:latin typeface="+mn-lt"/>
+                <a:ea typeface="+mn-ea"/>
+                <a:cs typeface="+mn-cs"/>
+              </a:rPr>
+              <a:t>。被广泛用于素材保存及音乐欣赏，</a:t>
+            </a:r>
+            <a:r>
+              <a:rPr lang="en-US" altLang="zh-CN" sz="1200" kern="1200" dirty="0" smtClean="0">
+                <a:solidFill>
+                  <a:schemeClr val="tx1"/>
+                </a:solidFill>
+                <a:effectLst/>
+                <a:latin typeface="+mn-lt"/>
+                <a:ea typeface="+mn-ea"/>
+                <a:cs typeface="+mn-cs"/>
+              </a:rPr>
+              <a:t>CD</a:t>
+            </a:r>
+            <a:r>
+              <a:rPr lang="zh-CN" altLang="zh-CN" sz="1200" kern="1200" dirty="0" smtClean="0">
+                <a:solidFill>
+                  <a:schemeClr val="tx1"/>
+                </a:solidFill>
+                <a:effectLst/>
+                <a:latin typeface="+mn-lt"/>
+                <a:ea typeface="+mn-ea"/>
+                <a:cs typeface="+mn-cs"/>
+              </a:rPr>
+              <a:t>、</a:t>
+            </a:r>
+            <a:r>
+              <a:rPr lang="en-US" altLang="zh-CN" sz="1200" kern="1200" dirty="0" smtClean="0">
+                <a:solidFill>
+                  <a:schemeClr val="tx1"/>
+                </a:solidFill>
+                <a:effectLst/>
+                <a:latin typeface="+mn-lt"/>
+                <a:ea typeface="+mn-ea"/>
+                <a:cs typeface="+mn-cs"/>
+              </a:rPr>
+              <a:t>DVD</a:t>
+            </a:r>
+            <a:r>
+              <a:rPr lang="zh-CN" altLang="zh-CN" sz="1200" kern="1200" dirty="0" smtClean="0">
+                <a:solidFill>
+                  <a:schemeClr val="tx1"/>
+                </a:solidFill>
+                <a:effectLst/>
+                <a:latin typeface="+mn-lt"/>
+                <a:ea typeface="+mn-ea"/>
+                <a:cs typeface="+mn-cs"/>
+              </a:rPr>
+              <a:t>以及我们常见的</a:t>
+            </a:r>
+            <a:r>
+              <a:rPr lang="en-US" altLang="zh-CN" sz="1200" kern="1200" dirty="0" smtClean="0">
+                <a:solidFill>
+                  <a:schemeClr val="tx1"/>
+                </a:solidFill>
+                <a:effectLst/>
+                <a:latin typeface="+mn-lt"/>
+                <a:ea typeface="+mn-ea"/>
+                <a:cs typeface="+mn-cs"/>
+              </a:rPr>
+              <a:t>WAV </a:t>
+            </a:r>
+            <a:r>
+              <a:rPr lang="zh-CN" altLang="zh-CN" sz="1200" kern="1200" dirty="0" smtClean="0">
+                <a:solidFill>
+                  <a:schemeClr val="tx1"/>
+                </a:solidFill>
+                <a:effectLst/>
+                <a:latin typeface="+mn-lt"/>
+                <a:ea typeface="+mn-ea"/>
+                <a:cs typeface="+mn-cs"/>
+              </a:rPr>
+              <a:t>文件中均有应用。因此，</a:t>
+            </a:r>
+            <a:r>
+              <a:rPr lang="en-US" altLang="zh-CN" sz="1200" kern="1200" dirty="0" smtClean="0">
+                <a:solidFill>
+                  <a:schemeClr val="tx1"/>
+                </a:solidFill>
+                <a:effectLst/>
+                <a:latin typeface="+mn-lt"/>
+                <a:ea typeface="+mn-ea"/>
+                <a:cs typeface="+mn-cs"/>
+              </a:rPr>
+              <a:t>PCM</a:t>
+            </a:r>
+            <a:r>
+              <a:rPr lang="zh-CN" altLang="zh-CN" sz="1200" kern="1200" dirty="0" smtClean="0">
+                <a:solidFill>
+                  <a:schemeClr val="tx1"/>
+                </a:solidFill>
+                <a:effectLst/>
+                <a:latin typeface="+mn-lt"/>
+                <a:ea typeface="+mn-ea"/>
+                <a:cs typeface="+mn-cs"/>
+              </a:rPr>
+              <a:t>约定俗成了无损编码，因为</a:t>
+            </a:r>
+            <a:r>
+              <a:rPr lang="en-US" altLang="zh-CN" sz="1200" kern="1200" dirty="0" smtClean="0">
+                <a:solidFill>
+                  <a:schemeClr val="tx1"/>
+                </a:solidFill>
+                <a:effectLst/>
+                <a:latin typeface="+mn-lt"/>
+                <a:ea typeface="+mn-ea"/>
+                <a:cs typeface="+mn-cs"/>
+              </a:rPr>
+              <a:t>PCM</a:t>
+            </a:r>
+            <a:r>
+              <a:rPr lang="zh-CN" altLang="zh-CN" sz="1200" kern="1200" dirty="0" smtClean="0">
+                <a:solidFill>
+                  <a:schemeClr val="tx1"/>
+                </a:solidFill>
+                <a:effectLst/>
+                <a:latin typeface="+mn-lt"/>
+                <a:ea typeface="+mn-ea"/>
+                <a:cs typeface="+mn-cs"/>
+              </a:rPr>
+              <a:t>代表了数字音频中最佳的保真水准，并不意味着</a:t>
+            </a:r>
+            <a:r>
+              <a:rPr lang="en-US" altLang="zh-CN" sz="1200" kern="1200" dirty="0" smtClean="0">
+                <a:solidFill>
+                  <a:schemeClr val="tx1"/>
+                </a:solidFill>
+                <a:effectLst/>
+                <a:latin typeface="+mn-lt"/>
+                <a:ea typeface="+mn-ea"/>
+                <a:cs typeface="+mn-cs"/>
+              </a:rPr>
+              <a:t>PCM</a:t>
+            </a:r>
+            <a:r>
+              <a:rPr lang="zh-CN" altLang="zh-CN" sz="1200" kern="1200" dirty="0" smtClean="0">
+                <a:solidFill>
+                  <a:schemeClr val="tx1"/>
+                </a:solidFill>
+                <a:effectLst/>
+                <a:latin typeface="+mn-lt"/>
+                <a:ea typeface="+mn-ea"/>
+                <a:cs typeface="+mn-cs"/>
+              </a:rPr>
+              <a:t>就能够确保信号绝对保真，</a:t>
+            </a:r>
+            <a:r>
+              <a:rPr lang="en-US" altLang="zh-CN" sz="1200" kern="1200" dirty="0" smtClean="0">
+                <a:solidFill>
+                  <a:schemeClr val="tx1"/>
+                </a:solidFill>
+                <a:effectLst/>
+                <a:latin typeface="+mn-lt"/>
+                <a:ea typeface="+mn-ea"/>
+                <a:cs typeface="+mn-cs"/>
+              </a:rPr>
+              <a:t>PCM</a:t>
+            </a:r>
+            <a:r>
+              <a:rPr lang="zh-CN" altLang="zh-CN" sz="1200" kern="1200" dirty="0" smtClean="0">
+                <a:solidFill>
+                  <a:schemeClr val="tx1"/>
+                </a:solidFill>
+                <a:effectLst/>
+                <a:latin typeface="+mn-lt"/>
+                <a:ea typeface="+mn-ea"/>
+                <a:cs typeface="+mn-cs"/>
+              </a:rPr>
+              <a:t>也只能做到最大程度的无限接近。</a:t>
+            </a:r>
+            <a:endParaRPr lang="zh-CN" altLang="en-US" dirty="0" smtClean="0"/>
+          </a:p>
           <a:p>
             <a:endParaRPr lang="zh-CN" altLang="en-US" dirty="0"/>
           </a:p>
@@ -1322,7 +4438,7 @@
             <a:fld id="{1D8BD707-D9CF-40AE-B4C6-C98DA3205C09}" type="datetimeFigureOut">
               <a:rPr lang="en-US" smtClean="0"/>
               <a:pPr/>
-              <a:t>5/2/2014</a:t>
+              <a:t>5/22/2014</a:t>
             </a:fld>
             <a:endParaRPr lang="en-US"/>
           </a:p>
@@ -1489,7 +4605,7 @@
             <a:fld id="{1D8BD707-D9CF-40AE-B4C6-C98DA3205C09}" type="datetimeFigureOut">
               <a:rPr lang="en-US" smtClean="0"/>
               <a:pPr/>
-              <a:t>5/2/2014</a:t>
+              <a:t>5/22/2014</a:t>
             </a:fld>
             <a:endParaRPr lang="en-US"/>
           </a:p>
@@ -1666,7 +4782,7 @@
             <a:fld id="{1D8BD707-D9CF-40AE-B4C6-C98DA3205C09}" type="datetimeFigureOut">
               <a:rPr lang="en-US" smtClean="0"/>
               <a:pPr/>
-              <a:t>5/2/2014</a:t>
+              <a:t>5/22/2014</a:t>
             </a:fld>
             <a:endParaRPr lang="en-US"/>
           </a:p>
@@ -4848,6 +7964,2489 @@
 </p:sldLayout>
 </file>
 
+<file path=ppt/slideLayouts/slideLayout14.xml><?xml version="1.0" encoding="utf-8"?>
+<p:sldLayout xmlns:a="http://schemas.openxmlformats.org/drawingml/2006/main" xmlns:r="http://schemas.openxmlformats.org/officeDocument/2006/relationships" xmlns:p="http://schemas.openxmlformats.org/presentationml/2006/main" showMasterSp="0">
+  <p:cSld name="Closing Slide-green thank you">
+    <p:spTree>
+      <p:nvGrpSpPr>
+        <p:cNvPr id="1" name=""/>
+        <p:cNvGrpSpPr/>
+        <p:nvPr/>
+      </p:nvGrpSpPr>
+      <p:grpSpPr>
+        <a:xfrm>
+          <a:off x="0" y="0"/>
+          <a:ext cx="0" cy="0"/>
+          <a:chOff x="0" y="0"/>
+          <a:chExt cx="0" cy="0"/>
+        </a:xfrm>
+      </p:grpSpPr>
+      <p:pic>
+        <p:nvPicPr>
+          <p:cNvPr id="19" name="Picture 2" descr="C:\Documents and Settings\contractor\Desktop\Blue_Green_Gradient.png"/>
+          <p:cNvPicPr>
+            <a:picLocks noChangeAspect="1" noChangeArrowheads="1"/>
+          </p:cNvPicPr>
+          <p:nvPr/>
+        </p:nvPicPr>
+        <p:blipFill>
+          <a:blip r:embed="rId2" cstate="print"/>
+          <a:srcRect/>
+          <a:stretch>
+            <a:fillRect/>
+          </a:stretch>
+        </p:blipFill>
+        <p:spPr bwMode="auto">
+          <a:xfrm>
+            <a:off x="-12700" y="0"/>
+            <a:ext cx="9156700" cy="6858000"/>
+          </a:xfrm>
+          <a:prstGeom prst="rect">
+            <a:avLst/>
+          </a:prstGeom>
+          <a:noFill/>
+        </p:spPr>
+      </p:pic>
+      <p:sp>
+        <p:nvSpPr>
+          <p:cNvPr id="20" name="Rectangle 19"/>
+          <p:cNvSpPr>
+            <a:spLocks noChangeArrowheads="1"/>
+          </p:cNvSpPr>
+          <p:nvPr userDrawn="1"/>
+        </p:nvSpPr>
+        <p:spPr bwMode="black">
+          <a:xfrm>
+            <a:off x="6312989" y="3708603"/>
+            <a:ext cx="116616" cy="441827"/>
+          </a:xfrm>
+          <a:prstGeom prst="rect">
+            <a:avLst/>
+          </a:prstGeom>
+          <a:solidFill>
+            <a:schemeClr val="bg1"/>
+          </a:solidFill>
+          <a:ln w="9525">
+            <a:noFill/>
+            <a:miter lim="800000"/>
+            <a:headEnd/>
+            <a:tailEnd/>
+          </a:ln>
+        </p:spPr>
+        <p:txBody>
+          <a:bodyPr/>
+          <a:lstStyle/>
+          <a:p>
+            <a:endParaRPr lang="en-US" dirty="0">
+              <a:solidFill>
+                <a:srgbClr val="0096D6"/>
+              </a:solidFill>
+              <a:latin typeface="+mj-lt"/>
+            </a:endParaRPr>
+          </a:p>
+        </p:txBody>
+      </p:sp>
+      <p:sp>
+        <p:nvSpPr>
+          <p:cNvPr id="21" name="Freeform 20"/>
+          <p:cNvSpPr>
+            <a:spLocks/>
+          </p:cNvSpPr>
+          <p:nvPr/>
+        </p:nvSpPr>
+        <p:spPr bwMode="black">
+          <a:xfrm>
+            <a:off x="6992342" y="3697605"/>
+            <a:ext cx="337642" cy="466297"/>
+          </a:xfrm>
+          <a:custGeom>
+            <a:avLst/>
+            <a:gdLst/>
+            <a:ahLst/>
+            <a:cxnLst>
+              <a:cxn ang="0">
+                <a:pos x="58" y="24"/>
+              </a:cxn>
+              <a:cxn ang="0">
+                <a:pos x="42" y="20"/>
+              </a:cxn>
+              <a:cxn ang="0">
+                <a:pos x="21" y="40"/>
+              </a:cxn>
+              <a:cxn ang="0">
+                <a:pos x="42" y="60"/>
+              </a:cxn>
+              <a:cxn ang="0">
+                <a:pos x="58" y="56"/>
+              </a:cxn>
+              <a:cxn ang="0">
+                <a:pos x="58" y="77"/>
+              </a:cxn>
+              <a:cxn ang="0">
+                <a:pos x="41" y="80"/>
+              </a:cxn>
+              <a:cxn ang="0">
+                <a:pos x="0" y="40"/>
+              </a:cxn>
+              <a:cxn ang="0">
+                <a:pos x="41" y="0"/>
+              </a:cxn>
+              <a:cxn ang="0">
+                <a:pos x="58" y="3"/>
+              </a:cxn>
+              <a:cxn ang="0">
+                <a:pos x="58" y="24"/>
+              </a:cxn>
+            </a:cxnLst>
+            <a:rect l="0" t="0" r="r" b="b"/>
+            <a:pathLst>
+              <a:path w="58" h="80">
+                <a:moveTo>
+                  <a:pt x="58" y="24"/>
+                </a:moveTo>
+                <a:cubicBezTo>
+                  <a:pt x="58" y="23"/>
+                  <a:pt x="51" y="20"/>
+                  <a:pt x="42" y="20"/>
+                </a:cubicBezTo>
+                <a:cubicBezTo>
+                  <a:pt x="30" y="20"/>
+                  <a:pt x="21" y="28"/>
+                  <a:pt x="21" y="40"/>
+                </a:cubicBezTo>
+                <a:cubicBezTo>
+                  <a:pt x="21" y="51"/>
+                  <a:pt x="29" y="60"/>
+                  <a:pt x="42" y="60"/>
+                </a:cubicBezTo>
+                <a:cubicBezTo>
+                  <a:pt x="51" y="60"/>
+                  <a:pt x="57" y="57"/>
+                  <a:pt x="58" y="56"/>
+                </a:cubicBezTo>
+                <a:cubicBezTo>
+                  <a:pt x="58" y="77"/>
+                  <a:pt x="58" y="77"/>
+                  <a:pt x="58" y="77"/>
+                </a:cubicBezTo>
+                <a:cubicBezTo>
+                  <a:pt x="56" y="78"/>
+                  <a:pt x="49" y="80"/>
+                  <a:pt x="41" y="80"/>
+                </a:cubicBezTo>
+                <a:cubicBezTo>
+                  <a:pt x="19" y="80"/>
+                  <a:pt x="0" y="65"/>
+                  <a:pt x="0" y="40"/>
+                </a:cubicBezTo>
+                <a:cubicBezTo>
+                  <a:pt x="0" y="17"/>
+                  <a:pt x="17" y="0"/>
+                  <a:pt x="41" y="0"/>
+                </a:cubicBezTo>
+                <a:cubicBezTo>
+                  <a:pt x="50" y="0"/>
+                  <a:pt x="56" y="3"/>
+                  <a:pt x="58" y="3"/>
+                </a:cubicBezTo>
+                <a:lnTo>
+                  <a:pt x="58" y="24"/>
+                </a:lnTo>
+                <a:close/>
+              </a:path>
+            </a:pathLst>
+          </a:custGeom>
+          <a:solidFill>
+            <a:schemeClr val="bg1"/>
+          </a:solidFill>
+          <a:ln w="9525">
+            <a:noFill/>
+            <a:round/>
+            <a:headEnd/>
+            <a:tailEnd/>
+          </a:ln>
+        </p:spPr>
+        <p:txBody>
+          <a:bodyPr/>
+          <a:lstStyle/>
+          <a:p>
+            <a:endParaRPr lang="en-US" dirty="0">
+              <a:solidFill>
+                <a:srgbClr val="0096D6"/>
+              </a:solidFill>
+              <a:latin typeface="+mj-lt"/>
+            </a:endParaRPr>
+          </a:p>
+        </p:txBody>
+      </p:sp>
+      <p:sp>
+        <p:nvSpPr>
+          <p:cNvPr id="22" name="Freeform 21"/>
+          <p:cNvSpPr>
+            <a:spLocks/>
+          </p:cNvSpPr>
+          <p:nvPr/>
+        </p:nvSpPr>
+        <p:spPr bwMode="black">
+          <a:xfrm>
+            <a:off x="5824831" y="3697605"/>
+            <a:ext cx="337642" cy="466297"/>
+          </a:xfrm>
+          <a:custGeom>
+            <a:avLst/>
+            <a:gdLst/>
+            <a:ahLst/>
+            <a:cxnLst>
+              <a:cxn ang="0">
+                <a:pos x="58" y="24"/>
+              </a:cxn>
+              <a:cxn ang="0">
+                <a:pos x="42" y="20"/>
+              </a:cxn>
+              <a:cxn ang="0">
+                <a:pos x="21" y="40"/>
+              </a:cxn>
+              <a:cxn ang="0">
+                <a:pos x="42" y="60"/>
+              </a:cxn>
+              <a:cxn ang="0">
+                <a:pos x="58" y="56"/>
+              </a:cxn>
+              <a:cxn ang="0">
+                <a:pos x="58" y="77"/>
+              </a:cxn>
+              <a:cxn ang="0">
+                <a:pos x="40" y="80"/>
+              </a:cxn>
+              <a:cxn ang="0">
+                <a:pos x="0" y="40"/>
+              </a:cxn>
+              <a:cxn ang="0">
+                <a:pos x="40" y="0"/>
+              </a:cxn>
+              <a:cxn ang="0">
+                <a:pos x="58" y="3"/>
+              </a:cxn>
+              <a:cxn ang="0">
+                <a:pos x="58" y="24"/>
+              </a:cxn>
+            </a:cxnLst>
+            <a:rect l="0" t="0" r="r" b="b"/>
+            <a:pathLst>
+              <a:path w="58" h="80">
+                <a:moveTo>
+                  <a:pt x="58" y="24"/>
+                </a:moveTo>
+                <a:cubicBezTo>
+                  <a:pt x="57" y="23"/>
+                  <a:pt x="51" y="20"/>
+                  <a:pt x="42" y="20"/>
+                </a:cubicBezTo>
+                <a:cubicBezTo>
+                  <a:pt x="29" y="20"/>
+                  <a:pt x="21" y="28"/>
+                  <a:pt x="21" y="40"/>
+                </a:cubicBezTo>
+                <a:cubicBezTo>
+                  <a:pt x="21" y="51"/>
+                  <a:pt x="29" y="60"/>
+                  <a:pt x="42" y="60"/>
+                </a:cubicBezTo>
+                <a:cubicBezTo>
+                  <a:pt x="51" y="60"/>
+                  <a:pt x="57" y="57"/>
+                  <a:pt x="58" y="56"/>
+                </a:cubicBezTo>
+                <a:cubicBezTo>
+                  <a:pt x="58" y="77"/>
+                  <a:pt x="58" y="77"/>
+                  <a:pt x="58" y="77"/>
+                </a:cubicBezTo>
+                <a:cubicBezTo>
+                  <a:pt x="56" y="78"/>
+                  <a:pt x="49" y="80"/>
+                  <a:pt x="40" y="80"/>
+                </a:cubicBezTo>
+                <a:cubicBezTo>
+                  <a:pt x="19" y="80"/>
+                  <a:pt x="0" y="65"/>
+                  <a:pt x="0" y="40"/>
+                </a:cubicBezTo>
+                <a:cubicBezTo>
+                  <a:pt x="0" y="17"/>
+                  <a:pt x="17" y="0"/>
+                  <a:pt x="40" y="0"/>
+                </a:cubicBezTo>
+                <a:cubicBezTo>
+                  <a:pt x="49" y="0"/>
+                  <a:pt x="56" y="3"/>
+                  <a:pt x="58" y="3"/>
+                </a:cubicBezTo>
+                <a:lnTo>
+                  <a:pt x="58" y="24"/>
+                </a:lnTo>
+                <a:close/>
+              </a:path>
+            </a:pathLst>
+          </a:custGeom>
+          <a:solidFill>
+            <a:schemeClr val="bg1"/>
+          </a:solidFill>
+          <a:ln w="9525">
+            <a:noFill/>
+            <a:round/>
+            <a:headEnd/>
+            <a:tailEnd/>
+          </a:ln>
+        </p:spPr>
+        <p:txBody>
+          <a:bodyPr/>
+          <a:lstStyle/>
+          <a:p>
+            <a:endParaRPr lang="en-US" dirty="0">
+              <a:solidFill>
+                <a:srgbClr val="0096D6"/>
+              </a:solidFill>
+              <a:latin typeface="+mj-lt"/>
+            </a:endParaRPr>
+          </a:p>
+        </p:txBody>
+      </p:sp>
+      <p:sp>
+        <p:nvSpPr>
+          <p:cNvPr id="23" name="Freeform 22"/>
+          <p:cNvSpPr>
+            <a:spLocks noEditPoints="1"/>
+          </p:cNvSpPr>
+          <p:nvPr/>
+        </p:nvSpPr>
+        <p:spPr bwMode="black">
+          <a:xfrm>
+            <a:off x="7452023" y="3697605"/>
+            <a:ext cx="463750" cy="466297"/>
+          </a:xfrm>
+          <a:custGeom>
+            <a:avLst/>
+            <a:gdLst/>
+            <a:ahLst/>
+            <a:cxnLst>
+              <a:cxn ang="0">
+                <a:pos x="80" y="40"/>
+              </a:cxn>
+              <a:cxn ang="0">
+                <a:pos x="40" y="80"/>
+              </a:cxn>
+              <a:cxn ang="0">
+                <a:pos x="0" y="40"/>
+              </a:cxn>
+              <a:cxn ang="0">
+                <a:pos x="40" y="0"/>
+              </a:cxn>
+              <a:cxn ang="0">
+                <a:pos x="80" y="40"/>
+              </a:cxn>
+              <a:cxn ang="0">
+                <a:pos x="40" y="20"/>
+              </a:cxn>
+              <a:cxn ang="0">
+                <a:pos x="20" y="40"/>
+              </a:cxn>
+              <a:cxn ang="0">
+                <a:pos x="40" y="60"/>
+              </a:cxn>
+              <a:cxn ang="0">
+                <a:pos x="60" y="40"/>
+              </a:cxn>
+              <a:cxn ang="0">
+                <a:pos x="40" y="20"/>
+              </a:cxn>
+            </a:cxnLst>
+            <a:rect l="0" t="0" r="r" b="b"/>
+            <a:pathLst>
+              <a:path w="80" h="80">
+                <a:moveTo>
+                  <a:pt x="80" y="40"/>
+                </a:moveTo>
+                <a:cubicBezTo>
+                  <a:pt x="80" y="62"/>
+                  <a:pt x="64" y="80"/>
+                  <a:pt x="40" y="80"/>
+                </a:cubicBezTo>
+                <a:cubicBezTo>
+                  <a:pt x="16" y="80"/>
+                  <a:pt x="0" y="62"/>
+                  <a:pt x="0" y="40"/>
+                </a:cubicBezTo>
+                <a:cubicBezTo>
+                  <a:pt x="0" y="18"/>
+                  <a:pt x="16" y="0"/>
+                  <a:pt x="40" y="0"/>
+                </a:cubicBezTo>
+                <a:cubicBezTo>
+                  <a:pt x="64" y="0"/>
+                  <a:pt x="80" y="18"/>
+                  <a:pt x="80" y="40"/>
+                </a:cubicBezTo>
+                <a:moveTo>
+                  <a:pt x="40" y="20"/>
+                </a:moveTo>
+                <a:cubicBezTo>
+                  <a:pt x="29" y="20"/>
+                  <a:pt x="20" y="29"/>
+                  <a:pt x="20" y="40"/>
+                </a:cubicBezTo>
+                <a:cubicBezTo>
+                  <a:pt x="20" y="51"/>
+                  <a:pt x="29" y="60"/>
+                  <a:pt x="40" y="60"/>
+                </a:cubicBezTo>
+                <a:cubicBezTo>
+                  <a:pt x="51" y="60"/>
+                  <a:pt x="60" y="51"/>
+                  <a:pt x="60" y="40"/>
+                </a:cubicBezTo>
+                <a:cubicBezTo>
+                  <a:pt x="60" y="29"/>
+                  <a:pt x="51" y="20"/>
+                  <a:pt x="40" y="20"/>
+                </a:cubicBezTo>
+              </a:path>
+            </a:pathLst>
+          </a:custGeom>
+          <a:solidFill>
+            <a:schemeClr val="bg1"/>
+          </a:solidFill>
+          <a:ln w="9525">
+            <a:noFill/>
+            <a:round/>
+            <a:headEnd/>
+            <a:tailEnd/>
+          </a:ln>
+        </p:spPr>
+        <p:txBody>
+          <a:bodyPr/>
+          <a:lstStyle/>
+          <a:p>
+            <a:endParaRPr lang="en-US" dirty="0">
+              <a:solidFill>
+                <a:srgbClr val="0096D6"/>
+              </a:solidFill>
+              <a:latin typeface="+mj-lt"/>
+            </a:endParaRPr>
+          </a:p>
+        </p:txBody>
+      </p:sp>
+      <p:sp>
+        <p:nvSpPr>
+          <p:cNvPr id="24" name="Freeform 23"/>
+          <p:cNvSpPr>
+            <a:spLocks/>
+          </p:cNvSpPr>
+          <p:nvPr/>
+        </p:nvSpPr>
+        <p:spPr bwMode="black">
+          <a:xfrm>
+            <a:off x="6580117" y="3697605"/>
+            <a:ext cx="302387" cy="466297"/>
+          </a:xfrm>
+          <a:custGeom>
+            <a:avLst/>
+            <a:gdLst/>
+            <a:ahLst/>
+            <a:cxnLst>
+              <a:cxn ang="0">
+                <a:pos x="47" y="19"/>
+              </a:cxn>
+              <a:cxn ang="0">
+                <a:pos x="32" y="17"/>
+              </a:cxn>
+              <a:cxn ang="0">
+                <a:pos x="20" y="23"/>
+              </a:cxn>
+              <a:cxn ang="0">
+                <a:pos x="29" y="30"/>
+              </a:cxn>
+              <a:cxn ang="0">
+                <a:pos x="34" y="32"/>
+              </a:cxn>
+              <a:cxn ang="0">
+                <a:pos x="52" y="54"/>
+              </a:cxn>
+              <a:cxn ang="0">
+                <a:pos x="21" y="80"/>
+              </a:cxn>
+              <a:cxn ang="0">
+                <a:pos x="0" y="77"/>
+              </a:cxn>
+              <a:cxn ang="0">
+                <a:pos x="0" y="60"/>
+              </a:cxn>
+              <a:cxn ang="0">
+                <a:pos x="18" y="63"/>
+              </a:cxn>
+              <a:cxn ang="0">
+                <a:pos x="32" y="56"/>
+              </a:cxn>
+              <a:cxn ang="0">
+                <a:pos x="23" y="48"/>
+              </a:cxn>
+              <a:cxn ang="0">
+                <a:pos x="19" y="47"/>
+              </a:cxn>
+              <a:cxn ang="0">
+                <a:pos x="0" y="24"/>
+              </a:cxn>
+              <a:cxn ang="0">
+                <a:pos x="28" y="0"/>
+              </a:cxn>
+              <a:cxn ang="0">
+                <a:pos x="47" y="3"/>
+              </a:cxn>
+              <a:cxn ang="0">
+                <a:pos x="47" y="19"/>
+              </a:cxn>
+            </a:cxnLst>
+            <a:rect l="0" t="0" r="r" b="b"/>
+            <a:pathLst>
+              <a:path w="52" h="80">
+                <a:moveTo>
+                  <a:pt x="47" y="19"/>
+                </a:moveTo>
+                <a:cubicBezTo>
+                  <a:pt x="47" y="19"/>
+                  <a:pt x="38" y="17"/>
+                  <a:pt x="32" y="17"/>
+                </a:cubicBezTo>
+                <a:cubicBezTo>
+                  <a:pt x="24" y="17"/>
+                  <a:pt x="20" y="19"/>
+                  <a:pt x="20" y="23"/>
+                </a:cubicBezTo>
+                <a:cubicBezTo>
+                  <a:pt x="20" y="28"/>
+                  <a:pt x="26" y="29"/>
+                  <a:pt x="29" y="30"/>
+                </a:cubicBezTo>
+                <a:cubicBezTo>
+                  <a:pt x="34" y="32"/>
+                  <a:pt x="34" y="32"/>
+                  <a:pt x="34" y="32"/>
+                </a:cubicBezTo>
+                <a:cubicBezTo>
+                  <a:pt x="47" y="36"/>
+                  <a:pt x="52" y="45"/>
+                  <a:pt x="52" y="54"/>
+                </a:cubicBezTo>
+                <a:cubicBezTo>
+                  <a:pt x="52" y="73"/>
+                  <a:pt x="35" y="80"/>
+                  <a:pt x="21" y="80"/>
+                </a:cubicBezTo>
+                <a:cubicBezTo>
+                  <a:pt x="10" y="80"/>
+                  <a:pt x="1" y="78"/>
+                  <a:pt x="0" y="77"/>
+                </a:cubicBezTo>
+                <a:cubicBezTo>
+                  <a:pt x="0" y="60"/>
+                  <a:pt x="0" y="60"/>
+                  <a:pt x="0" y="60"/>
+                </a:cubicBezTo>
+                <a:cubicBezTo>
+                  <a:pt x="2" y="60"/>
+                  <a:pt x="10" y="63"/>
+                  <a:pt x="18" y="63"/>
+                </a:cubicBezTo>
+                <a:cubicBezTo>
+                  <a:pt x="28" y="63"/>
+                  <a:pt x="32" y="60"/>
+                  <a:pt x="32" y="56"/>
+                </a:cubicBezTo>
+                <a:cubicBezTo>
+                  <a:pt x="32" y="52"/>
+                  <a:pt x="28" y="49"/>
+                  <a:pt x="23" y="48"/>
+                </a:cubicBezTo>
+                <a:cubicBezTo>
+                  <a:pt x="22" y="48"/>
+                  <a:pt x="21" y="47"/>
+                  <a:pt x="19" y="47"/>
+                </a:cubicBezTo>
+                <a:cubicBezTo>
+                  <a:pt x="9" y="43"/>
+                  <a:pt x="0" y="37"/>
+                  <a:pt x="0" y="24"/>
+                </a:cubicBezTo>
+                <a:cubicBezTo>
+                  <a:pt x="0" y="10"/>
+                  <a:pt x="10" y="0"/>
+                  <a:pt x="28" y="0"/>
+                </a:cubicBezTo>
+                <a:cubicBezTo>
+                  <a:pt x="37" y="0"/>
+                  <a:pt x="46" y="3"/>
+                  <a:pt x="47" y="3"/>
+                </a:cubicBezTo>
+                <a:lnTo>
+                  <a:pt x="47" y="19"/>
+                </a:lnTo>
+                <a:close/>
+              </a:path>
+            </a:pathLst>
+          </a:custGeom>
+          <a:solidFill>
+            <a:schemeClr val="bg1"/>
+          </a:solidFill>
+          <a:ln w="9525">
+            <a:noFill/>
+            <a:round/>
+            <a:headEnd/>
+            <a:tailEnd/>
+          </a:ln>
+        </p:spPr>
+        <p:txBody>
+          <a:bodyPr/>
+          <a:lstStyle/>
+          <a:p>
+            <a:endParaRPr lang="en-US" dirty="0">
+              <a:solidFill>
+                <a:srgbClr val="0096D6"/>
+              </a:solidFill>
+              <a:latin typeface="+mj-lt"/>
+            </a:endParaRPr>
+          </a:p>
+        </p:txBody>
+      </p:sp>
+      <p:sp>
+        <p:nvSpPr>
+          <p:cNvPr id="25" name="Freeform 24"/>
+          <p:cNvSpPr>
+            <a:spLocks/>
+          </p:cNvSpPr>
+          <p:nvPr/>
+        </p:nvSpPr>
+        <p:spPr bwMode="black">
+          <a:xfrm>
+            <a:off x="5592955" y="3082440"/>
+            <a:ext cx="109835" cy="227032"/>
+          </a:xfrm>
+          <a:custGeom>
+            <a:avLst/>
+            <a:gdLst/>
+            <a:ahLst/>
+            <a:cxnLst>
+              <a:cxn ang="0">
+                <a:pos x="19" y="10"/>
+              </a:cxn>
+              <a:cxn ang="0">
+                <a:pos x="10" y="0"/>
+              </a:cxn>
+              <a:cxn ang="0">
+                <a:pos x="0" y="10"/>
+              </a:cxn>
+              <a:cxn ang="0">
+                <a:pos x="0" y="30"/>
+              </a:cxn>
+              <a:cxn ang="0">
+                <a:pos x="10" y="39"/>
+              </a:cxn>
+              <a:cxn ang="0">
+                <a:pos x="19" y="30"/>
+              </a:cxn>
+              <a:cxn ang="0">
+                <a:pos x="19" y="10"/>
+              </a:cxn>
+            </a:cxnLst>
+            <a:rect l="0" t="0" r="r" b="b"/>
+            <a:pathLst>
+              <a:path w="19" h="39">
+                <a:moveTo>
+                  <a:pt x="19" y="10"/>
+                </a:moveTo>
+                <a:cubicBezTo>
+                  <a:pt x="19" y="4"/>
+                  <a:pt x="15" y="0"/>
+                  <a:pt x="10" y="0"/>
+                </a:cubicBezTo>
+                <a:cubicBezTo>
+                  <a:pt x="4" y="0"/>
+                  <a:pt x="0" y="4"/>
+                  <a:pt x="0" y="10"/>
+                </a:cubicBezTo>
+                <a:cubicBezTo>
+                  <a:pt x="0" y="30"/>
+                  <a:pt x="0" y="30"/>
+                  <a:pt x="0" y="30"/>
+                </a:cubicBezTo>
+                <a:cubicBezTo>
+                  <a:pt x="0" y="35"/>
+                  <a:pt x="4" y="39"/>
+                  <a:pt x="10" y="39"/>
+                </a:cubicBezTo>
+                <a:cubicBezTo>
+                  <a:pt x="15" y="39"/>
+                  <a:pt x="19" y="35"/>
+                  <a:pt x="19" y="30"/>
+                </a:cubicBezTo>
+                <a:lnTo>
+                  <a:pt x="19" y="10"/>
+                </a:lnTo>
+                <a:close/>
+              </a:path>
+            </a:pathLst>
+          </a:custGeom>
+          <a:solidFill>
+            <a:schemeClr val="bg1"/>
+          </a:solidFill>
+          <a:ln w="9525">
+            <a:noFill/>
+            <a:round/>
+            <a:headEnd/>
+            <a:tailEnd/>
+          </a:ln>
+        </p:spPr>
+        <p:txBody>
+          <a:bodyPr/>
+          <a:lstStyle/>
+          <a:p>
+            <a:endParaRPr lang="en-US" dirty="0">
+              <a:solidFill>
+                <a:srgbClr val="0096D6"/>
+              </a:solidFill>
+              <a:latin typeface="+mj-lt"/>
+            </a:endParaRPr>
+          </a:p>
+        </p:txBody>
+      </p:sp>
+      <p:sp>
+        <p:nvSpPr>
+          <p:cNvPr id="26" name="Freeform 25"/>
+          <p:cNvSpPr>
+            <a:spLocks/>
+          </p:cNvSpPr>
+          <p:nvPr/>
+        </p:nvSpPr>
+        <p:spPr bwMode="black">
+          <a:xfrm>
+            <a:off x="5900764" y="2930180"/>
+            <a:ext cx="109835" cy="379291"/>
+          </a:xfrm>
+          <a:custGeom>
+            <a:avLst/>
+            <a:gdLst/>
+            <a:ahLst/>
+            <a:cxnLst>
+              <a:cxn ang="0">
+                <a:pos x="19" y="9"/>
+              </a:cxn>
+              <a:cxn ang="0">
+                <a:pos x="9" y="0"/>
+              </a:cxn>
+              <a:cxn ang="0">
+                <a:pos x="0" y="9"/>
+              </a:cxn>
+              <a:cxn ang="0">
+                <a:pos x="0" y="56"/>
+              </a:cxn>
+              <a:cxn ang="0">
+                <a:pos x="9" y="65"/>
+              </a:cxn>
+              <a:cxn ang="0">
+                <a:pos x="19" y="56"/>
+              </a:cxn>
+              <a:cxn ang="0">
+                <a:pos x="19" y="9"/>
+              </a:cxn>
+            </a:cxnLst>
+            <a:rect l="0" t="0" r="r" b="b"/>
+            <a:pathLst>
+              <a:path w="19" h="65">
+                <a:moveTo>
+                  <a:pt x="19" y="9"/>
+                </a:moveTo>
+                <a:cubicBezTo>
+                  <a:pt x="19" y="4"/>
+                  <a:pt x="14" y="0"/>
+                  <a:pt x="9" y="0"/>
+                </a:cubicBezTo>
+                <a:cubicBezTo>
+                  <a:pt x="4" y="0"/>
+                  <a:pt x="0" y="4"/>
+                  <a:pt x="0" y="9"/>
+                </a:cubicBezTo>
+                <a:cubicBezTo>
+                  <a:pt x="0" y="56"/>
+                  <a:pt x="0" y="56"/>
+                  <a:pt x="0" y="56"/>
+                </a:cubicBezTo>
+                <a:cubicBezTo>
+                  <a:pt x="0" y="61"/>
+                  <a:pt x="4" y="65"/>
+                  <a:pt x="9" y="65"/>
+                </a:cubicBezTo>
+                <a:cubicBezTo>
+                  <a:pt x="14" y="65"/>
+                  <a:pt x="19" y="61"/>
+                  <a:pt x="19" y="56"/>
+                </a:cubicBezTo>
+                <a:lnTo>
+                  <a:pt x="19" y="9"/>
+                </a:lnTo>
+                <a:close/>
+              </a:path>
+            </a:pathLst>
+          </a:custGeom>
+          <a:solidFill>
+            <a:schemeClr val="bg1"/>
+          </a:solidFill>
+          <a:ln w="9525">
+            <a:noFill/>
+            <a:round/>
+            <a:headEnd/>
+            <a:tailEnd/>
+          </a:ln>
+        </p:spPr>
+        <p:txBody>
+          <a:bodyPr/>
+          <a:lstStyle/>
+          <a:p>
+            <a:endParaRPr lang="en-US" dirty="0">
+              <a:solidFill>
+                <a:srgbClr val="0096D6"/>
+              </a:solidFill>
+              <a:latin typeface="+mj-lt"/>
+            </a:endParaRPr>
+          </a:p>
+        </p:txBody>
+      </p:sp>
+      <p:sp>
+        <p:nvSpPr>
+          <p:cNvPr id="27" name="Freeform 26"/>
+          <p:cNvSpPr>
+            <a:spLocks/>
+          </p:cNvSpPr>
+          <p:nvPr/>
+        </p:nvSpPr>
+        <p:spPr bwMode="black">
+          <a:xfrm>
+            <a:off x="6203154" y="2720822"/>
+            <a:ext cx="109835" cy="698767"/>
+          </a:xfrm>
+          <a:custGeom>
+            <a:avLst/>
+            <a:gdLst/>
+            <a:ahLst/>
+            <a:cxnLst>
+              <a:cxn ang="0">
+                <a:pos x="19" y="9"/>
+              </a:cxn>
+              <a:cxn ang="0">
+                <a:pos x="10" y="0"/>
+              </a:cxn>
+              <a:cxn ang="0">
+                <a:pos x="0" y="9"/>
+              </a:cxn>
+              <a:cxn ang="0">
+                <a:pos x="0" y="111"/>
+              </a:cxn>
+              <a:cxn ang="0">
+                <a:pos x="10" y="120"/>
+              </a:cxn>
+              <a:cxn ang="0">
+                <a:pos x="19" y="111"/>
+              </a:cxn>
+              <a:cxn ang="0">
+                <a:pos x="19" y="9"/>
+              </a:cxn>
+            </a:cxnLst>
+            <a:rect l="0" t="0" r="r" b="b"/>
+            <a:pathLst>
+              <a:path w="19" h="120">
+                <a:moveTo>
+                  <a:pt x="19" y="9"/>
+                </a:moveTo>
+                <a:cubicBezTo>
+                  <a:pt x="19" y="4"/>
+                  <a:pt x="15" y="0"/>
+                  <a:pt x="10" y="0"/>
+                </a:cubicBezTo>
+                <a:cubicBezTo>
+                  <a:pt x="5" y="0"/>
+                  <a:pt x="0" y="4"/>
+                  <a:pt x="0" y="9"/>
+                </a:cubicBezTo>
+                <a:cubicBezTo>
+                  <a:pt x="0" y="111"/>
+                  <a:pt x="0" y="111"/>
+                  <a:pt x="0" y="111"/>
+                </a:cubicBezTo>
+                <a:cubicBezTo>
+                  <a:pt x="0" y="116"/>
+                  <a:pt x="5" y="120"/>
+                  <a:pt x="10" y="120"/>
+                </a:cubicBezTo>
+                <a:cubicBezTo>
+                  <a:pt x="15" y="120"/>
+                  <a:pt x="19" y="116"/>
+                  <a:pt x="19" y="111"/>
+                </a:cubicBezTo>
+                <a:lnTo>
+                  <a:pt x="19" y="9"/>
+                </a:lnTo>
+                <a:close/>
+              </a:path>
+            </a:pathLst>
+          </a:custGeom>
+          <a:solidFill>
+            <a:schemeClr val="bg1"/>
+          </a:solidFill>
+          <a:ln w="9525">
+            <a:noFill/>
+            <a:round/>
+            <a:headEnd/>
+            <a:tailEnd/>
+          </a:ln>
+        </p:spPr>
+        <p:txBody>
+          <a:bodyPr/>
+          <a:lstStyle/>
+          <a:p>
+            <a:endParaRPr lang="en-US" dirty="0">
+              <a:solidFill>
+                <a:srgbClr val="0096D6"/>
+              </a:solidFill>
+              <a:latin typeface="+mj-lt"/>
+            </a:endParaRPr>
+          </a:p>
+        </p:txBody>
+      </p:sp>
+      <p:sp>
+        <p:nvSpPr>
+          <p:cNvPr id="28" name="Freeform 27"/>
+          <p:cNvSpPr>
+            <a:spLocks/>
+          </p:cNvSpPr>
+          <p:nvPr/>
+        </p:nvSpPr>
+        <p:spPr bwMode="black">
+          <a:xfrm>
+            <a:off x="6510963" y="2930181"/>
+            <a:ext cx="109835" cy="379292"/>
+          </a:xfrm>
+          <a:custGeom>
+            <a:avLst/>
+            <a:gdLst/>
+            <a:ahLst/>
+            <a:cxnLst>
+              <a:cxn ang="0">
+                <a:pos x="19" y="9"/>
+              </a:cxn>
+              <a:cxn ang="0">
+                <a:pos x="9" y="0"/>
+              </a:cxn>
+              <a:cxn ang="0">
+                <a:pos x="0" y="9"/>
+              </a:cxn>
+              <a:cxn ang="0">
+                <a:pos x="0" y="56"/>
+              </a:cxn>
+              <a:cxn ang="0">
+                <a:pos x="9" y="65"/>
+              </a:cxn>
+              <a:cxn ang="0">
+                <a:pos x="19" y="56"/>
+              </a:cxn>
+              <a:cxn ang="0">
+                <a:pos x="19" y="9"/>
+              </a:cxn>
+            </a:cxnLst>
+            <a:rect l="0" t="0" r="r" b="b"/>
+            <a:pathLst>
+              <a:path w="19" h="65">
+                <a:moveTo>
+                  <a:pt x="19" y="9"/>
+                </a:moveTo>
+                <a:cubicBezTo>
+                  <a:pt x="19" y="4"/>
+                  <a:pt x="15" y="0"/>
+                  <a:pt x="9" y="0"/>
+                </a:cubicBezTo>
+                <a:cubicBezTo>
+                  <a:pt x="4" y="0"/>
+                  <a:pt x="0" y="4"/>
+                  <a:pt x="0" y="9"/>
+                </a:cubicBezTo>
+                <a:cubicBezTo>
+                  <a:pt x="0" y="56"/>
+                  <a:pt x="0" y="56"/>
+                  <a:pt x="0" y="56"/>
+                </a:cubicBezTo>
+                <a:cubicBezTo>
+                  <a:pt x="0" y="61"/>
+                  <a:pt x="4" y="65"/>
+                  <a:pt x="9" y="65"/>
+                </a:cubicBezTo>
+                <a:cubicBezTo>
+                  <a:pt x="15" y="65"/>
+                  <a:pt x="19" y="61"/>
+                  <a:pt x="19" y="56"/>
+                </a:cubicBezTo>
+                <a:lnTo>
+                  <a:pt x="19" y="9"/>
+                </a:lnTo>
+                <a:close/>
+              </a:path>
+            </a:pathLst>
+          </a:custGeom>
+          <a:solidFill>
+            <a:schemeClr val="bg1"/>
+          </a:solidFill>
+          <a:ln w="9525">
+            <a:noFill/>
+            <a:round/>
+            <a:headEnd/>
+            <a:tailEnd/>
+          </a:ln>
+        </p:spPr>
+        <p:txBody>
+          <a:bodyPr/>
+          <a:lstStyle/>
+          <a:p>
+            <a:endParaRPr lang="en-US" dirty="0">
+              <a:solidFill>
+                <a:srgbClr val="0096D6"/>
+              </a:solidFill>
+              <a:latin typeface="+mj-lt"/>
+            </a:endParaRPr>
+          </a:p>
+        </p:txBody>
+      </p:sp>
+      <p:sp>
+        <p:nvSpPr>
+          <p:cNvPr id="29" name="Freeform 28"/>
+          <p:cNvSpPr>
+            <a:spLocks/>
+          </p:cNvSpPr>
+          <p:nvPr/>
+        </p:nvSpPr>
+        <p:spPr bwMode="black">
+          <a:xfrm>
+            <a:off x="6811994" y="3082440"/>
+            <a:ext cx="116616" cy="227031"/>
+          </a:xfrm>
+          <a:custGeom>
+            <a:avLst/>
+            <a:gdLst/>
+            <a:ahLst/>
+            <a:cxnLst>
+              <a:cxn ang="0">
+                <a:pos x="20" y="10"/>
+              </a:cxn>
+              <a:cxn ang="0">
+                <a:pos x="10" y="0"/>
+              </a:cxn>
+              <a:cxn ang="0">
+                <a:pos x="0" y="10"/>
+              </a:cxn>
+              <a:cxn ang="0">
+                <a:pos x="0" y="30"/>
+              </a:cxn>
+              <a:cxn ang="0">
+                <a:pos x="10" y="39"/>
+              </a:cxn>
+              <a:cxn ang="0">
+                <a:pos x="20" y="30"/>
+              </a:cxn>
+              <a:cxn ang="0">
+                <a:pos x="20" y="10"/>
+              </a:cxn>
+            </a:cxnLst>
+            <a:rect l="0" t="0" r="r" b="b"/>
+            <a:pathLst>
+              <a:path w="20" h="39">
+                <a:moveTo>
+                  <a:pt x="20" y="10"/>
+                </a:moveTo>
+                <a:cubicBezTo>
+                  <a:pt x="20" y="4"/>
+                  <a:pt x="15" y="0"/>
+                  <a:pt x="10" y="0"/>
+                </a:cubicBezTo>
+                <a:cubicBezTo>
+                  <a:pt x="5" y="0"/>
+                  <a:pt x="0" y="4"/>
+                  <a:pt x="0" y="10"/>
+                </a:cubicBezTo>
+                <a:cubicBezTo>
+                  <a:pt x="0" y="30"/>
+                  <a:pt x="0" y="30"/>
+                  <a:pt x="0" y="30"/>
+                </a:cubicBezTo>
+                <a:cubicBezTo>
+                  <a:pt x="0" y="35"/>
+                  <a:pt x="5" y="39"/>
+                  <a:pt x="10" y="39"/>
+                </a:cubicBezTo>
+                <a:cubicBezTo>
+                  <a:pt x="15" y="39"/>
+                  <a:pt x="20" y="35"/>
+                  <a:pt x="20" y="30"/>
+                </a:cubicBezTo>
+                <a:lnTo>
+                  <a:pt x="20" y="10"/>
+                </a:lnTo>
+                <a:close/>
+              </a:path>
+            </a:pathLst>
+          </a:custGeom>
+          <a:solidFill>
+            <a:schemeClr val="bg1"/>
+          </a:solidFill>
+          <a:ln w="9525">
+            <a:noFill/>
+            <a:round/>
+            <a:headEnd/>
+            <a:tailEnd/>
+          </a:ln>
+        </p:spPr>
+        <p:txBody>
+          <a:bodyPr/>
+          <a:lstStyle/>
+          <a:p>
+            <a:endParaRPr lang="en-US" dirty="0">
+              <a:solidFill>
+                <a:srgbClr val="0096D6"/>
+              </a:solidFill>
+              <a:latin typeface="+mj-lt"/>
+            </a:endParaRPr>
+          </a:p>
+        </p:txBody>
+      </p:sp>
+      <p:sp>
+        <p:nvSpPr>
+          <p:cNvPr id="30" name="Freeform 29"/>
+          <p:cNvSpPr>
+            <a:spLocks/>
+          </p:cNvSpPr>
+          <p:nvPr/>
+        </p:nvSpPr>
+        <p:spPr bwMode="black">
+          <a:xfrm>
+            <a:off x="7119806" y="2930181"/>
+            <a:ext cx="111191" cy="379290"/>
+          </a:xfrm>
+          <a:custGeom>
+            <a:avLst/>
+            <a:gdLst/>
+            <a:ahLst/>
+            <a:cxnLst>
+              <a:cxn ang="0">
+                <a:pos x="19" y="9"/>
+              </a:cxn>
+              <a:cxn ang="0">
+                <a:pos x="10" y="0"/>
+              </a:cxn>
+              <a:cxn ang="0">
+                <a:pos x="0" y="9"/>
+              </a:cxn>
+              <a:cxn ang="0">
+                <a:pos x="0" y="56"/>
+              </a:cxn>
+              <a:cxn ang="0">
+                <a:pos x="10" y="65"/>
+              </a:cxn>
+              <a:cxn ang="0">
+                <a:pos x="19" y="56"/>
+              </a:cxn>
+              <a:cxn ang="0">
+                <a:pos x="19" y="9"/>
+              </a:cxn>
+            </a:cxnLst>
+            <a:rect l="0" t="0" r="r" b="b"/>
+            <a:pathLst>
+              <a:path w="19" h="65">
+                <a:moveTo>
+                  <a:pt x="19" y="9"/>
+                </a:moveTo>
+                <a:cubicBezTo>
+                  <a:pt x="19" y="4"/>
+                  <a:pt x="15" y="0"/>
+                  <a:pt x="10" y="0"/>
+                </a:cubicBezTo>
+                <a:cubicBezTo>
+                  <a:pt x="4" y="0"/>
+                  <a:pt x="0" y="4"/>
+                  <a:pt x="0" y="9"/>
+                </a:cubicBezTo>
+                <a:cubicBezTo>
+                  <a:pt x="0" y="56"/>
+                  <a:pt x="0" y="56"/>
+                  <a:pt x="0" y="56"/>
+                </a:cubicBezTo>
+                <a:cubicBezTo>
+                  <a:pt x="0" y="61"/>
+                  <a:pt x="4" y="65"/>
+                  <a:pt x="10" y="65"/>
+                </a:cubicBezTo>
+                <a:cubicBezTo>
+                  <a:pt x="15" y="65"/>
+                  <a:pt x="19" y="61"/>
+                  <a:pt x="19" y="56"/>
+                </a:cubicBezTo>
+                <a:lnTo>
+                  <a:pt x="19" y="9"/>
+                </a:lnTo>
+                <a:close/>
+              </a:path>
+            </a:pathLst>
+          </a:custGeom>
+          <a:solidFill>
+            <a:schemeClr val="bg1"/>
+          </a:solidFill>
+          <a:ln w="9525">
+            <a:noFill/>
+            <a:round/>
+            <a:headEnd/>
+            <a:tailEnd/>
+          </a:ln>
+        </p:spPr>
+        <p:txBody>
+          <a:bodyPr/>
+          <a:lstStyle/>
+          <a:p>
+            <a:endParaRPr lang="en-US" dirty="0">
+              <a:solidFill>
+                <a:srgbClr val="0096D6"/>
+              </a:solidFill>
+              <a:latin typeface="+mj-lt"/>
+            </a:endParaRPr>
+          </a:p>
+        </p:txBody>
+      </p:sp>
+      <p:sp>
+        <p:nvSpPr>
+          <p:cNvPr id="31" name="Freeform 30"/>
+          <p:cNvSpPr>
+            <a:spLocks/>
+          </p:cNvSpPr>
+          <p:nvPr/>
+        </p:nvSpPr>
+        <p:spPr bwMode="black">
+          <a:xfrm>
+            <a:off x="7427618" y="2720823"/>
+            <a:ext cx="111191" cy="698766"/>
+          </a:xfrm>
+          <a:custGeom>
+            <a:avLst/>
+            <a:gdLst/>
+            <a:ahLst/>
+            <a:cxnLst>
+              <a:cxn ang="0">
+                <a:pos x="19" y="9"/>
+              </a:cxn>
+              <a:cxn ang="0">
+                <a:pos x="9" y="0"/>
+              </a:cxn>
+              <a:cxn ang="0">
+                <a:pos x="0" y="9"/>
+              </a:cxn>
+              <a:cxn ang="0">
+                <a:pos x="0" y="111"/>
+              </a:cxn>
+              <a:cxn ang="0">
+                <a:pos x="9" y="120"/>
+              </a:cxn>
+              <a:cxn ang="0">
+                <a:pos x="19" y="111"/>
+              </a:cxn>
+              <a:cxn ang="0">
+                <a:pos x="19" y="9"/>
+              </a:cxn>
+            </a:cxnLst>
+            <a:rect l="0" t="0" r="r" b="b"/>
+            <a:pathLst>
+              <a:path w="19" h="120">
+                <a:moveTo>
+                  <a:pt x="19" y="9"/>
+                </a:moveTo>
+                <a:cubicBezTo>
+                  <a:pt x="19" y="4"/>
+                  <a:pt x="15" y="0"/>
+                  <a:pt x="9" y="0"/>
+                </a:cubicBezTo>
+                <a:cubicBezTo>
+                  <a:pt x="4" y="0"/>
+                  <a:pt x="0" y="4"/>
+                  <a:pt x="0" y="9"/>
+                </a:cubicBezTo>
+                <a:cubicBezTo>
+                  <a:pt x="0" y="111"/>
+                  <a:pt x="0" y="111"/>
+                  <a:pt x="0" y="111"/>
+                </a:cubicBezTo>
+                <a:cubicBezTo>
+                  <a:pt x="0" y="116"/>
+                  <a:pt x="4" y="120"/>
+                  <a:pt x="9" y="120"/>
+                </a:cubicBezTo>
+                <a:cubicBezTo>
+                  <a:pt x="15" y="120"/>
+                  <a:pt x="19" y="116"/>
+                  <a:pt x="19" y="111"/>
+                </a:cubicBezTo>
+                <a:lnTo>
+                  <a:pt x="19" y="9"/>
+                </a:lnTo>
+                <a:close/>
+              </a:path>
+            </a:pathLst>
+          </a:custGeom>
+          <a:solidFill>
+            <a:schemeClr val="bg1"/>
+          </a:solidFill>
+          <a:ln w="9525">
+            <a:noFill/>
+            <a:round/>
+            <a:headEnd/>
+            <a:tailEnd/>
+          </a:ln>
+        </p:spPr>
+        <p:txBody>
+          <a:bodyPr/>
+          <a:lstStyle/>
+          <a:p>
+            <a:endParaRPr lang="en-US" dirty="0">
+              <a:solidFill>
+                <a:srgbClr val="0096D6"/>
+              </a:solidFill>
+              <a:latin typeface="+mj-lt"/>
+            </a:endParaRPr>
+          </a:p>
+        </p:txBody>
+      </p:sp>
+      <p:sp>
+        <p:nvSpPr>
+          <p:cNvPr id="32" name="Freeform 31"/>
+          <p:cNvSpPr>
+            <a:spLocks/>
+          </p:cNvSpPr>
+          <p:nvPr/>
+        </p:nvSpPr>
+        <p:spPr bwMode="black">
+          <a:xfrm>
+            <a:off x="7730002" y="2930181"/>
+            <a:ext cx="111191" cy="379290"/>
+          </a:xfrm>
+          <a:custGeom>
+            <a:avLst/>
+            <a:gdLst/>
+            <a:ahLst/>
+            <a:cxnLst>
+              <a:cxn ang="0">
+                <a:pos x="19" y="9"/>
+              </a:cxn>
+              <a:cxn ang="0">
+                <a:pos x="10" y="0"/>
+              </a:cxn>
+              <a:cxn ang="0">
+                <a:pos x="0" y="9"/>
+              </a:cxn>
+              <a:cxn ang="0">
+                <a:pos x="0" y="56"/>
+              </a:cxn>
+              <a:cxn ang="0">
+                <a:pos x="10" y="65"/>
+              </a:cxn>
+              <a:cxn ang="0">
+                <a:pos x="19" y="56"/>
+              </a:cxn>
+              <a:cxn ang="0">
+                <a:pos x="19" y="9"/>
+              </a:cxn>
+            </a:cxnLst>
+            <a:rect l="0" t="0" r="r" b="b"/>
+            <a:pathLst>
+              <a:path w="19" h="65">
+                <a:moveTo>
+                  <a:pt x="19" y="9"/>
+                </a:moveTo>
+                <a:cubicBezTo>
+                  <a:pt x="19" y="4"/>
+                  <a:pt x="15" y="0"/>
+                  <a:pt x="10" y="0"/>
+                </a:cubicBezTo>
+                <a:cubicBezTo>
+                  <a:pt x="5" y="0"/>
+                  <a:pt x="0" y="4"/>
+                  <a:pt x="0" y="9"/>
+                </a:cubicBezTo>
+                <a:cubicBezTo>
+                  <a:pt x="0" y="56"/>
+                  <a:pt x="0" y="56"/>
+                  <a:pt x="0" y="56"/>
+                </a:cubicBezTo>
+                <a:cubicBezTo>
+                  <a:pt x="0" y="61"/>
+                  <a:pt x="5" y="65"/>
+                  <a:pt x="10" y="65"/>
+                </a:cubicBezTo>
+                <a:cubicBezTo>
+                  <a:pt x="15" y="65"/>
+                  <a:pt x="19" y="61"/>
+                  <a:pt x="19" y="56"/>
+                </a:cubicBezTo>
+                <a:lnTo>
+                  <a:pt x="19" y="9"/>
+                </a:lnTo>
+                <a:close/>
+              </a:path>
+            </a:pathLst>
+          </a:custGeom>
+          <a:solidFill>
+            <a:schemeClr val="bg1"/>
+          </a:solidFill>
+          <a:ln w="9525">
+            <a:noFill/>
+            <a:round/>
+            <a:headEnd/>
+            <a:tailEnd/>
+          </a:ln>
+        </p:spPr>
+        <p:txBody>
+          <a:bodyPr/>
+          <a:lstStyle/>
+          <a:p>
+            <a:endParaRPr lang="en-US" dirty="0">
+              <a:solidFill>
+                <a:srgbClr val="0096D6"/>
+              </a:solidFill>
+              <a:latin typeface="+mj-lt"/>
+            </a:endParaRPr>
+          </a:p>
+        </p:txBody>
+      </p:sp>
+      <p:sp>
+        <p:nvSpPr>
+          <p:cNvPr id="33" name="Freeform 32"/>
+          <p:cNvSpPr>
+            <a:spLocks/>
+          </p:cNvSpPr>
+          <p:nvPr/>
+        </p:nvSpPr>
+        <p:spPr bwMode="black">
+          <a:xfrm>
+            <a:off x="8037814" y="3082440"/>
+            <a:ext cx="111191" cy="227031"/>
+          </a:xfrm>
+          <a:custGeom>
+            <a:avLst/>
+            <a:gdLst/>
+            <a:ahLst/>
+            <a:cxnLst>
+              <a:cxn ang="0">
+                <a:pos x="19" y="10"/>
+              </a:cxn>
+              <a:cxn ang="0">
+                <a:pos x="9" y="0"/>
+              </a:cxn>
+              <a:cxn ang="0">
+                <a:pos x="0" y="10"/>
+              </a:cxn>
+              <a:cxn ang="0">
+                <a:pos x="0" y="30"/>
+              </a:cxn>
+              <a:cxn ang="0">
+                <a:pos x="9" y="39"/>
+              </a:cxn>
+              <a:cxn ang="0">
+                <a:pos x="19" y="30"/>
+              </a:cxn>
+              <a:cxn ang="0">
+                <a:pos x="19" y="10"/>
+              </a:cxn>
+            </a:cxnLst>
+            <a:rect l="0" t="0" r="r" b="b"/>
+            <a:pathLst>
+              <a:path w="19" h="39">
+                <a:moveTo>
+                  <a:pt x="19" y="10"/>
+                </a:moveTo>
+                <a:cubicBezTo>
+                  <a:pt x="19" y="4"/>
+                  <a:pt x="15" y="0"/>
+                  <a:pt x="9" y="0"/>
+                </a:cubicBezTo>
+                <a:cubicBezTo>
+                  <a:pt x="4" y="0"/>
+                  <a:pt x="0" y="4"/>
+                  <a:pt x="0" y="10"/>
+                </a:cubicBezTo>
+                <a:cubicBezTo>
+                  <a:pt x="0" y="30"/>
+                  <a:pt x="0" y="30"/>
+                  <a:pt x="0" y="30"/>
+                </a:cubicBezTo>
+                <a:cubicBezTo>
+                  <a:pt x="0" y="35"/>
+                  <a:pt x="4" y="39"/>
+                  <a:pt x="9" y="39"/>
+                </a:cubicBezTo>
+                <a:cubicBezTo>
+                  <a:pt x="15" y="39"/>
+                  <a:pt x="19" y="35"/>
+                  <a:pt x="19" y="30"/>
+                </a:cubicBezTo>
+                <a:lnTo>
+                  <a:pt x="19" y="10"/>
+                </a:lnTo>
+                <a:close/>
+              </a:path>
+            </a:pathLst>
+          </a:custGeom>
+          <a:solidFill>
+            <a:schemeClr val="bg1"/>
+          </a:solidFill>
+          <a:ln w="9525">
+            <a:noFill/>
+            <a:round/>
+            <a:headEnd/>
+            <a:tailEnd/>
+          </a:ln>
+        </p:spPr>
+        <p:txBody>
+          <a:bodyPr/>
+          <a:lstStyle/>
+          <a:p>
+            <a:endParaRPr lang="en-US" dirty="0">
+              <a:solidFill>
+                <a:srgbClr val="0096D6"/>
+              </a:solidFill>
+              <a:latin typeface="+mj-lt"/>
+            </a:endParaRPr>
+          </a:p>
+        </p:txBody>
+      </p:sp>
+      <p:sp>
+        <p:nvSpPr>
+          <p:cNvPr id="34" name="TextBox 33"/>
+          <p:cNvSpPr txBox="1"/>
+          <p:nvPr userDrawn="1"/>
+        </p:nvSpPr>
+        <p:spPr>
+          <a:xfrm>
+            <a:off x="644691" y="3060488"/>
+            <a:ext cx="2437270" cy="646331"/>
+          </a:xfrm>
+          <a:prstGeom prst="rect">
+            <a:avLst/>
+          </a:prstGeom>
+          <a:noFill/>
+        </p:spPr>
+        <p:txBody>
+          <a:bodyPr wrap="none" rtlCol="0">
+            <a:spAutoFit/>
+          </a:bodyPr>
+          <a:lstStyle/>
+          <a:p>
+            <a:r>
+              <a:rPr lang="en-US" sz="3600" dirty="0" smtClean="0">
+                <a:solidFill>
+                  <a:srgbClr val="FFFFFF"/>
+                </a:solidFill>
+                <a:latin typeface="+mj-lt"/>
+              </a:rPr>
+              <a:t>Thank you.</a:t>
+            </a:r>
+            <a:endParaRPr lang="en-US" sz="3600" dirty="0">
+              <a:solidFill>
+                <a:srgbClr val="FFFFFF"/>
+              </a:solidFill>
+              <a:latin typeface="+mj-lt"/>
+            </a:endParaRPr>
+          </a:p>
+        </p:txBody>
+      </p:sp>
+    </p:spTree>
+    <p:extLst>
+      <p:ext uri="{BB962C8B-B14F-4D97-AF65-F5344CB8AC3E}">
+        <p14:creationId xmlns:p14="http://schemas.microsoft.com/office/powerpoint/2010/main" val="2076765924"/>
+      </p:ext>
+    </p:extLst>
+  </p:cSld>
+  <p:clrMapOvr>
+    <a:masterClrMapping/>
+  </p:clrMapOvr>
+  <p:transition>
+    <p:wipe dir="r"/>
+  </p:transition>
+  <p:timing>
+    <p:tnLst>
+      <p:par>
+        <p:cTn id="1" dur="indefinite" restart="never" nodeType="tmRoot">
+          <p:childTnLst>
+            <p:seq concurrent="1" nextAc="seek">
+              <p:cTn id="2" dur="indefinite" nodeType="mainSeq">
+                <p:childTnLst>
+                  <p:par>
+                    <p:cTn id="3" fill="hold">
+                      <p:stCondLst>
+                        <p:cond delay="indefinite"/>
+                        <p:cond evt="onBegin" delay="0">
+                          <p:tn val="2"/>
+                        </p:cond>
+                      </p:stCondLst>
+                      <p:childTnLst>
+                        <p:par>
+                          <p:cTn id="4" fill="hold">
+                            <p:stCondLst>
+                              <p:cond delay="0"/>
+                            </p:stCondLst>
+                            <p:childTnLst>
+                              <p:par>
+                                <p:cTn id="5" presetID="10" presetClass="entr" presetSubtype="0" fill="hold" nodeType="withEffect">
+                                  <p:stCondLst>
+                                    <p:cond delay="0"/>
+                                  </p:stCondLst>
+                                  <p:childTnLst>
+                                    <p:set>
+                                      <p:cBhvr>
+                                        <p:cTn id="6" dur="1" fill="hold">
+                                          <p:stCondLst>
+                                            <p:cond delay="0"/>
+                                          </p:stCondLst>
+                                        </p:cTn>
+                                        <p:tgtEl>
+                                          <p:spTgt spid="19"/>
+                                        </p:tgtEl>
+                                        <p:attrNameLst>
+                                          <p:attrName>style.visibility</p:attrName>
+                                        </p:attrNameLst>
+                                      </p:cBhvr>
+                                      <p:to>
+                                        <p:strVal val="visible"/>
+                                      </p:to>
+                                    </p:set>
+                                    <p:animEffect transition="in" filter="fade">
+                                      <p:cBhvr>
+                                        <p:cTn id="7" dur="700"/>
+                                        <p:tgtEl>
+                                          <p:spTgt spid="19"/>
+                                        </p:tgtEl>
+                                      </p:cBhvr>
+                                    </p:animEffect>
+                                  </p:childTnLst>
+                                </p:cTn>
+                              </p:par>
+                            </p:childTnLst>
+                          </p:cTn>
+                        </p:par>
+                        <p:par>
+                          <p:cTn id="8" fill="hold">
+                            <p:stCondLst>
+                              <p:cond delay="700"/>
+                            </p:stCondLst>
+                            <p:childTnLst>
+                              <p:par>
+                                <p:cTn id="9" presetID="10" presetClass="entr" presetSubtype="0" fill="hold" grpId="0" nodeType="afterEffect">
+                                  <p:stCondLst>
+                                    <p:cond delay="0"/>
+                                  </p:stCondLst>
+                                  <p:iterate type="lt">
+                                    <p:tmPct val="6250"/>
+                                  </p:iterate>
+                                  <p:childTnLst>
+                                    <p:set>
+                                      <p:cBhvr>
+                                        <p:cTn id="10" dur="1" fill="hold">
+                                          <p:stCondLst>
+                                            <p:cond delay="0"/>
+                                          </p:stCondLst>
+                                        </p:cTn>
+                                        <p:tgtEl>
+                                          <p:spTgt spid="34"/>
+                                        </p:tgtEl>
+                                        <p:attrNameLst>
+                                          <p:attrName>style.visibility</p:attrName>
+                                        </p:attrNameLst>
+                                      </p:cBhvr>
+                                      <p:to>
+                                        <p:strVal val="visible"/>
+                                      </p:to>
+                                    </p:set>
+                                    <p:animEffect transition="in" filter="fade">
+                                      <p:cBhvr>
+                                        <p:cTn id="11" dur="1000"/>
+                                        <p:tgtEl>
+                                          <p:spTgt spid="34"/>
+                                        </p:tgtEl>
+                                      </p:cBhvr>
+                                    </p:animEffect>
+                                  </p:childTnLst>
+                                </p:cTn>
+                              </p:par>
+                            </p:childTnLst>
+                          </p:cTn>
+                        </p:par>
+                        <p:par>
+                          <p:cTn id="12" fill="hold">
+                            <p:stCondLst>
+                              <p:cond delay="2200"/>
+                            </p:stCondLst>
+                            <p:childTnLst>
+                              <p:par>
+                                <p:cTn id="13" presetID="10" presetClass="entr" presetSubtype="0" fill="hold" grpId="1" nodeType="afterEffect">
+                                  <p:stCondLst>
+                                    <p:cond delay="0"/>
+                                  </p:stCondLst>
+                                  <p:childTnLst>
+                                    <p:set>
+                                      <p:cBhvr>
+                                        <p:cTn id="14" dur="1" fill="hold">
+                                          <p:stCondLst>
+                                            <p:cond delay="0"/>
+                                          </p:stCondLst>
+                                        </p:cTn>
+                                        <p:tgtEl>
+                                          <p:spTgt spid="25"/>
+                                        </p:tgtEl>
+                                        <p:attrNameLst>
+                                          <p:attrName>style.visibility</p:attrName>
+                                        </p:attrNameLst>
+                                      </p:cBhvr>
+                                      <p:to>
+                                        <p:strVal val="visible"/>
+                                      </p:to>
+                                    </p:set>
+                                    <p:animEffect transition="in" filter="fade">
+                                      <p:cBhvr>
+                                        <p:cTn id="15" dur="700"/>
+                                        <p:tgtEl>
+                                          <p:spTgt spid="25"/>
+                                        </p:tgtEl>
+                                      </p:cBhvr>
+                                    </p:animEffect>
+                                  </p:childTnLst>
+                                </p:cTn>
+                              </p:par>
+                              <p:par>
+                                <p:cTn id="16" presetID="10" presetClass="entr" presetSubtype="0" fill="hold" grpId="1" nodeType="withEffect">
+                                  <p:stCondLst>
+                                    <p:cond delay="0"/>
+                                  </p:stCondLst>
+                                  <p:childTnLst>
+                                    <p:set>
+                                      <p:cBhvr>
+                                        <p:cTn id="17" dur="1" fill="hold">
+                                          <p:stCondLst>
+                                            <p:cond delay="0"/>
+                                          </p:stCondLst>
+                                        </p:cTn>
+                                        <p:tgtEl>
+                                          <p:spTgt spid="26"/>
+                                        </p:tgtEl>
+                                        <p:attrNameLst>
+                                          <p:attrName>style.visibility</p:attrName>
+                                        </p:attrNameLst>
+                                      </p:cBhvr>
+                                      <p:to>
+                                        <p:strVal val="visible"/>
+                                      </p:to>
+                                    </p:set>
+                                    <p:animEffect transition="in" filter="fade">
+                                      <p:cBhvr>
+                                        <p:cTn id="18" dur="700"/>
+                                        <p:tgtEl>
+                                          <p:spTgt spid="26"/>
+                                        </p:tgtEl>
+                                      </p:cBhvr>
+                                    </p:animEffect>
+                                  </p:childTnLst>
+                                </p:cTn>
+                              </p:par>
+                              <p:par>
+                                <p:cTn id="19" presetID="10" presetClass="entr" presetSubtype="0" fill="hold" grpId="1" nodeType="withEffect">
+                                  <p:stCondLst>
+                                    <p:cond delay="0"/>
+                                  </p:stCondLst>
+                                  <p:childTnLst>
+                                    <p:set>
+                                      <p:cBhvr>
+                                        <p:cTn id="20" dur="1" fill="hold">
+                                          <p:stCondLst>
+                                            <p:cond delay="0"/>
+                                          </p:stCondLst>
+                                        </p:cTn>
+                                        <p:tgtEl>
+                                          <p:spTgt spid="27"/>
+                                        </p:tgtEl>
+                                        <p:attrNameLst>
+                                          <p:attrName>style.visibility</p:attrName>
+                                        </p:attrNameLst>
+                                      </p:cBhvr>
+                                      <p:to>
+                                        <p:strVal val="visible"/>
+                                      </p:to>
+                                    </p:set>
+                                    <p:animEffect transition="in" filter="fade">
+                                      <p:cBhvr>
+                                        <p:cTn id="21" dur="700"/>
+                                        <p:tgtEl>
+                                          <p:spTgt spid="27"/>
+                                        </p:tgtEl>
+                                      </p:cBhvr>
+                                    </p:animEffect>
+                                  </p:childTnLst>
+                                </p:cTn>
+                              </p:par>
+                              <p:par>
+                                <p:cTn id="22" presetID="10" presetClass="entr" presetSubtype="0" fill="hold" grpId="1" nodeType="withEffect">
+                                  <p:stCondLst>
+                                    <p:cond delay="0"/>
+                                  </p:stCondLst>
+                                  <p:childTnLst>
+                                    <p:set>
+                                      <p:cBhvr>
+                                        <p:cTn id="23" dur="1" fill="hold">
+                                          <p:stCondLst>
+                                            <p:cond delay="0"/>
+                                          </p:stCondLst>
+                                        </p:cTn>
+                                        <p:tgtEl>
+                                          <p:spTgt spid="28"/>
+                                        </p:tgtEl>
+                                        <p:attrNameLst>
+                                          <p:attrName>style.visibility</p:attrName>
+                                        </p:attrNameLst>
+                                      </p:cBhvr>
+                                      <p:to>
+                                        <p:strVal val="visible"/>
+                                      </p:to>
+                                    </p:set>
+                                    <p:animEffect transition="in" filter="fade">
+                                      <p:cBhvr>
+                                        <p:cTn id="24" dur="700"/>
+                                        <p:tgtEl>
+                                          <p:spTgt spid="28"/>
+                                        </p:tgtEl>
+                                      </p:cBhvr>
+                                    </p:animEffect>
+                                  </p:childTnLst>
+                                </p:cTn>
+                              </p:par>
+                              <p:par>
+                                <p:cTn id="25" presetID="10" presetClass="entr" presetSubtype="0" fill="hold" grpId="1" nodeType="withEffect">
+                                  <p:stCondLst>
+                                    <p:cond delay="0"/>
+                                  </p:stCondLst>
+                                  <p:childTnLst>
+                                    <p:set>
+                                      <p:cBhvr>
+                                        <p:cTn id="26" dur="1" fill="hold">
+                                          <p:stCondLst>
+                                            <p:cond delay="0"/>
+                                          </p:stCondLst>
+                                        </p:cTn>
+                                        <p:tgtEl>
+                                          <p:spTgt spid="29"/>
+                                        </p:tgtEl>
+                                        <p:attrNameLst>
+                                          <p:attrName>style.visibility</p:attrName>
+                                        </p:attrNameLst>
+                                      </p:cBhvr>
+                                      <p:to>
+                                        <p:strVal val="visible"/>
+                                      </p:to>
+                                    </p:set>
+                                    <p:animEffect transition="in" filter="fade">
+                                      <p:cBhvr>
+                                        <p:cTn id="27" dur="700"/>
+                                        <p:tgtEl>
+                                          <p:spTgt spid="29"/>
+                                        </p:tgtEl>
+                                      </p:cBhvr>
+                                    </p:animEffect>
+                                  </p:childTnLst>
+                                </p:cTn>
+                              </p:par>
+                              <p:par>
+                                <p:cTn id="28" presetID="10" presetClass="entr" presetSubtype="0" fill="hold" grpId="1" nodeType="withEffect">
+                                  <p:stCondLst>
+                                    <p:cond delay="0"/>
+                                  </p:stCondLst>
+                                  <p:childTnLst>
+                                    <p:set>
+                                      <p:cBhvr>
+                                        <p:cTn id="29" dur="1" fill="hold">
+                                          <p:stCondLst>
+                                            <p:cond delay="0"/>
+                                          </p:stCondLst>
+                                        </p:cTn>
+                                        <p:tgtEl>
+                                          <p:spTgt spid="30"/>
+                                        </p:tgtEl>
+                                        <p:attrNameLst>
+                                          <p:attrName>style.visibility</p:attrName>
+                                        </p:attrNameLst>
+                                      </p:cBhvr>
+                                      <p:to>
+                                        <p:strVal val="visible"/>
+                                      </p:to>
+                                    </p:set>
+                                    <p:animEffect transition="in" filter="fade">
+                                      <p:cBhvr>
+                                        <p:cTn id="30" dur="700"/>
+                                        <p:tgtEl>
+                                          <p:spTgt spid="30"/>
+                                        </p:tgtEl>
+                                      </p:cBhvr>
+                                    </p:animEffect>
+                                  </p:childTnLst>
+                                </p:cTn>
+                              </p:par>
+                              <p:par>
+                                <p:cTn id="31" presetID="10" presetClass="entr" presetSubtype="0" fill="hold" grpId="1" nodeType="withEffect">
+                                  <p:stCondLst>
+                                    <p:cond delay="0"/>
+                                  </p:stCondLst>
+                                  <p:childTnLst>
+                                    <p:set>
+                                      <p:cBhvr>
+                                        <p:cTn id="32" dur="1" fill="hold">
+                                          <p:stCondLst>
+                                            <p:cond delay="0"/>
+                                          </p:stCondLst>
+                                        </p:cTn>
+                                        <p:tgtEl>
+                                          <p:spTgt spid="31"/>
+                                        </p:tgtEl>
+                                        <p:attrNameLst>
+                                          <p:attrName>style.visibility</p:attrName>
+                                        </p:attrNameLst>
+                                      </p:cBhvr>
+                                      <p:to>
+                                        <p:strVal val="visible"/>
+                                      </p:to>
+                                    </p:set>
+                                    <p:animEffect transition="in" filter="fade">
+                                      <p:cBhvr>
+                                        <p:cTn id="33" dur="700"/>
+                                        <p:tgtEl>
+                                          <p:spTgt spid="31"/>
+                                        </p:tgtEl>
+                                      </p:cBhvr>
+                                    </p:animEffect>
+                                  </p:childTnLst>
+                                </p:cTn>
+                              </p:par>
+                              <p:par>
+                                <p:cTn id="34" presetID="10" presetClass="entr" presetSubtype="0" fill="hold" grpId="1" nodeType="withEffect">
+                                  <p:stCondLst>
+                                    <p:cond delay="0"/>
+                                  </p:stCondLst>
+                                  <p:childTnLst>
+                                    <p:set>
+                                      <p:cBhvr>
+                                        <p:cTn id="35" dur="1" fill="hold">
+                                          <p:stCondLst>
+                                            <p:cond delay="0"/>
+                                          </p:stCondLst>
+                                        </p:cTn>
+                                        <p:tgtEl>
+                                          <p:spTgt spid="32"/>
+                                        </p:tgtEl>
+                                        <p:attrNameLst>
+                                          <p:attrName>style.visibility</p:attrName>
+                                        </p:attrNameLst>
+                                      </p:cBhvr>
+                                      <p:to>
+                                        <p:strVal val="visible"/>
+                                      </p:to>
+                                    </p:set>
+                                    <p:animEffect transition="in" filter="fade">
+                                      <p:cBhvr>
+                                        <p:cTn id="36" dur="700"/>
+                                        <p:tgtEl>
+                                          <p:spTgt spid="32"/>
+                                        </p:tgtEl>
+                                      </p:cBhvr>
+                                    </p:animEffect>
+                                  </p:childTnLst>
+                                </p:cTn>
+                              </p:par>
+                              <p:par>
+                                <p:cTn id="37" presetID="10" presetClass="entr" presetSubtype="0" fill="hold" grpId="1" nodeType="withEffect">
+                                  <p:stCondLst>
+                                    <p:cond delay="0"/>
+                                  </p:stCondLst>
+                                  <p:childTnLst>
+                                    <p:set>
+                                      <p:cBhvr>
+                                        <p:cTn id="38" dur="1" fill="hold">
+                                          <p:stCondLst>
+                                            <p:cond delay="0"/>
+                                          </p:stCondLst>
+                                        </p:cTn>
+                                        <p:tgtEl>
+                                          <p:spTgt spid="33"/>
+                                        </p:tgtEl>
+                                        <p:attrNameLst>
+                                          <p:attrName>style.visibility</p:attrName>
+                                        </p:attrNameLst>
+                                      </p:cBhvr>
+                                      <p:to>
+                                        <p:strVal val="visible"/>
+                                      </p:to>
+                                    </p:set>
+                                    <p:animEffect transition="in" filter="fade">
+                                      <p:cBhvr>
+                                        <p:cTn id="39" dur="700"/>
+                                        <p:tgtEl>
+                                          <p:spTgt spid="33"/>
+                                        </p:tgtEl>
+                                      </p:cBhvr>
+                                    </p:animEffect>
+                                  </p:childTnLst>
+                                </p:cTn>
+                              </p:par>
+                              <p:par>
+                                <p:cTn id="40" presetID="42" presetClass="path" presetSubtype="0" accel="50000" decel="50000" fill="hold" grpId="0" nodeType="withEffect">
+                                  <p:stCondLst>
+                                    <p:cond delay="0"/>
+                                  </p:stCondLst>
+                                  <p:childTnLst>
+                                    <p:animMotion origin="layout" path="M -4.72222E-6 3.7037E-7 L -4.72222E-6 0.09143 " pathEditMode="relative" rAng="0" ptsTypes="AA">
+                                      <p:cBhvr>
+                                        <p:cTn id="41" dur="700" spd="-100000" fill="hold"/>
+                                        <p:tgtEl>
+                                          <p:spTgt spid="25"/>
+                                        </p:tgtEl>
+                                        <p:attrNameLst>
+                                          <p:attrName>ppt_x</p:attrName>
+                                          <p:attrName>ppt_y</p:attrName>
+                                        </p:attrNameLst>
+                                      </p:cBhvr>
+                                      <p:rCtr x="0" y="46"/>
+                                    </p:animMotion>
+                                  </p:childTnLst>
+                                </p:cTn>
+                              </p:par>
+                              <p:par>
+                                <p:cTn id="42" presetID="42" presetClass="path" presetSubtype="0" accel="50000" decel="50000" fill="hold" grpId="0" nodeType="withEffect">
+                                  <p:stCondLst>
+                                    <p:cond delay="0"/>
+                                  </p:stCondLst>
+                                  <p:childTnLst>
+                                    <p:animMotion origin="layout" path="M 5E-6 3.7037E-6 L 5E-6 0.11157 " pathEditMode="relative" rAng="0" ptsTypes="AA">
+                                      <p:cBhvr>
+                                        <p:cTn id="43" dur="700" spd="-100000" fill="hold"/>
+                                        <p:tgtEl>
+                                          <p:spTgt spid="27"/>
+                                        </p:tgtEl>
+                                        <p:attrNameLst>
+                                          <p:attrName>ppt_x</p:attrName>
+                                          <p:attrName>ppt_y</p:attrName>
+                                        </p:attrNameLst>
+                                      </p:cBhvr>
+                                      <p:rCtr x="0" y="56"/>
+                                    </p:animMotion>
+                                  </p:childTnLst>
+                                </p:cTn>
+                              </p:par>
+                              <p:par>
+                                <p:cTn id="44" presetID="42" presetClass="path" presetSubtype="0" accel="50000" decel="50000" fill="hold" grpId="0" nodeType="withEffect">
+                                  <p:stCondLst>
+                                    <p:cond delay="0"/>
+                                  </p:stCondLst>
+                                  <p:childTnLst>
+                                    <p:animMotion origin="layout" path="M 4.72222E-6 4.81481E-6 L 4.72222E-6 0.09143 " pathEditMode="relative" rAng="0" ptsTypes="AA">
+                                      <p:cBhvr>
+                                        <p:cTn id="45" dur="700" spd="-100000" fill="hold"/>
+                                        <p:tgtEl>
+                                          <p:spTgt spid="29"/>
+                                        </p:tgtEl>
+                                        <p:attrNameLst>
+                                          <p:attrName>ppt_x</p:attrName>
+                                          <p:attrName>ppt_y</p:attrName>
+                                        </p:attrNameLst>
+                                      </p:cBhvr>
+                                      <p:rCtr x="0" y="46"/>
+                                    </p:animMotion>
+                                  </p:childTnLst>
+                                </p:cTn>
+                              </p:par>
+                              <p:par>
+                                <p:cTn id="46" presetID="42" presetClass="path" presetSubtype="0" accel="50000" decel="50000" fill="hold" grpId="0" nodeType="withEffect">
+                                  <p:stCondLst>
+                                    <p:cond delay="0"/>
+                                  </p:stCondLst>
+                                  <p:childTnLst>
+                                    <p:animMotion origin="layout" path="M -2.77778E-6 3.7037E-6 L -2.77778E-6 0.11157 " pathEditMode="relative" rAng="0" ptsTypes="AA">
+                                      <p:cBhvr>
+                                        <p:cTn id="47" dur="700" spd="-100000" fill="hold"/>
+                                        <p:tgtEl>
+                                          <p:spTgt spid="31"/>
+                                        </p:tgtEl>
+                                        <p:attrNameLst>
+                                          <p:attrName>ppt_x</p:attrName>
+                                          <p:attrName>ppt_y</p:attrName>
+                                        </p:attrNameLst>
+                                      </p:cBhvr>
+                                      <p:rCtr x="0" y="56"/>
+                                    </p:animMotion>
+                                  </p:childTnLst>
+                                </p:cTn>
+                              </p:par>
+                              <p:par>
+                                <p:cTn id="48" presetID="42" presetClass="path" presetSubtype="0" accel="50000" decel="50000" fill="hold" grpId="0" nodeType="withEffect">
+                                  <p:stCondLst>
+                                    <p:cond delay="0"/>
+                                  </p:stCondLst>
+                                  <p:childTnLst>
+                                    <p:animMotion origin="layout" path="M 5.55556E-7 4.81481E-6 L 5.55556E-7 0.09143 " pathEditMode="relative" rAng="0" ptsTypes="AA">
+                                      <p:cBhvr>
+                                        <p:cTn id="49" dur="700" spd="-100000" fill="hold"/>
+                                        <p:tgtEl>
+                                          <p:spTgt spid="33"/>
+                                        </p:tgtEl>
+                                        <p:attrNameLst>
+                                          <p:attrName>ppt_x</p:attrName>
+                                          <p:attrName>ppt_y</p:attrName>
+                                        </p:attrNameLst>
+                                      </p:cBhvr>
+                                      <p:rCtr x="0" y="46"/>
+                                    </p:animMotion>
+                                  </p:childTnLst>
+                                </p:cTn>
+                              </p:par>
+                              <p:par>
+                                <p:cTn id="50" presetID="64" presetClass="path" presetSubtype="0" accel="50000" decel="50000" fill="hold" grpId="0" nodeType="withEffect">
+                                  <p:stCondLst>
+                                    <p:cond delay="0"/>
+                                  </p:stCondLst>
+                                  <p:childTnLst>
+                                    <p:animMotion origin="layout" path="M 4.72222E-6 3.33333E-6 L 4.72222E-6 -0.10764 " pathEditMode="relative" rAng="0" ptsTypes="AA">
+                                      <p:cBhvr>
+                                        <p:cTn id="51" dur="700" spd="-100000" fill="hold"/>
+                                        <p:tgtEl>
+                                          <p:spTgt spid="26"/>
+                                        </p:tgtEl>
+                                        <p:attrNameLst>
+                                          <p:attrName>ppt_x</p:attrName>
+                                          <p:attrName>ppt_y</p:attrName>
+                                        </p:attrNameLst>
+                                      </p:cBhvr>
+                                      <p:rCtr x="0" y="-54"/>
+                                    </p:animMotion>
+                                  </p:childTnLst>
+                                </p:cTn>
+                              </p:par>
+                              <p:par>
+                                <p:cTn id="52" presetID="64" presetClass="path" presetSubtype="0" accel="50000" decel="50000" fill="hold" grpId="0" nodeType="withEffect">
+                                  <p:stCondLst>
+                                    <p:cond delay="0"/>
+                                  </p:stCondLst>
+                                  <p:childTnLst>
+                                    <p:animMotion origin="layout" path="M 4.44444E-6 3.33333E-6 L 4.44444E-6 -0.10764 " pathEditMode="relative" rAng="0" ptsTypes="AA">
+                                      <p:cBhvr>
+                                        <p:cTn id="53" dur="700" spd="-100000" fill="hold"/>
+                                        <p:tgtEl>
+                                          <p:spTgt spid="28"/>
+                                        </p:tgtEl>
+                                        <p:attrNameLst>
+                                          <p:attrName>ppt_x</p:attrName>
+                                          <p:attrName>ppt_y</p:attrName>
+                                        </p:attrNameLst>
+                                      </p:cBhvr>
+                                      <p:rCtr x="0" y="-54"/>
+                                    </p:animMotion>
+                                  </p:childTnLst>
+                                </p:cTn>
+                              </p:par>
+                              <p:par>
+                                <p:cTn id="54" presetID="64" presetClass="path" presetSubtype="0" accel="50000" decel="50000" fill="hold" grpId="0" nodeType="withEffect">
+                                  <p:stCondLst>
+                                    <p:cond delay="0"/>
+                                  </p:stCondLst>
+                                  <p:childTnLst>
+                                    <p:animMotion origin="layout" path="M -2.22222E-6 3.33333E-6 L -2.22222E-6 -0.10764 " pathEditMode="relative" rAng="0" ptsTypes="AA">
+                                      <p:cBhvr>
+                                        <p:cTn id="55" dur="700" spd="-100000" fill="hold"/>
+                                        <p:tgtEl>
+                                          <p:spTgt spid="30"/>
+                                        </p:tgtEl>
+                                        <p:attrNameLst>
+                                          <p:attrName>ppt_x</p:attrName>
+                                          <p:attrName>ppt_y</p:attrName>
+                                        </p:attrNameLst>
+                                      </p:cBhvr>
+                                      <p:rCtr x="0" y="-54"/>
+                                    </p:animMotion>
+                                  </p:childTnLst>
+                                </p:cTn>
+                              </p:par>
+                              <p:par>
+                                <p:cTn id="56" presetID="64" presetClass="path" presetSubtype="0" accel="50000" decel="50000" fill="hold" grpId="0" nodeType="withEffect">
+                                  <p:stCondLst>
+                                    <p:cond delay="0"/>
+                                  </p:stCondLst>
+                                  <p:childTnLst>
+                                    <p:animMotion origin="layout" path="M 1.11111E-6 3.33333E-6 L 1.11111E-6 -0.10764 " pathEditMode="relative" rAng="0" ptsTypes="AA">
+                                      <p:cBhvr>
+                                        <p:cTn id="57" dur="700" spd="-100000" fill="hold"/>
+                                        <p:tgtEl>
+                                          <p:spTgt spid="32"/>
+                                        </p:tgtEl>
+                                        <p:attrNameLst>
+                                          <p:attrName>ppt_x</p:attrName>
+                                          <p:attrName>ppt_y</p:attrName>
+                                        </p:attrNameLst>
+                                      </p:cBhvr>
+                                      <p:rCtr x="0" y="-54"/>
+                                    </p:animMotion>
+                                  </p:childTnLst>
+                                </p:cTn>
+                              </p:par>
+                            </p:childTnLst>
+                          </p:cTn>
+                        </p:par>
+                        <p:par>
+                          <p:cTn id="58" fill="hold">
+                            <p:stCondLst>
+                              <p:cond delay="2900"/>
+                            </p:stCondLst>
+                            <p:childTnLst>
+                              <p:par>
+                                <p:cTn id="59" presetID="10" presetClass="entr" presetSubtype="0" fill="hold" grpId="0" nodeType="afterEffect">
+                                  <p:stCondLst>
+                                    <p:cond delay="0"/>
+                                  </p:stCondLst>
+                                  <p:childTnLst>
+                                    <p:set>
+                                      <p:cBhvr>
+                                        <p:cTn id="60" dur="1" fill="hold">
+                                          <p:stCondLst>
+                                            <p:cond delay="0"/>
+                                          </p:stCondLst>
+                                        </p:cTn>
+                                        <p:tgtEl>
+                                          <p:spTgt spid="22"/>
+                                        </p:tgtEl>
+                                        <p:attrNameLst>
+                                          <p:attrName>style.visibility</p:attrName>
+                                        </p:attrNameLst>
+                                      </p:cBhvr>
+                                      <p:to>
+                                        <p:strVal val="visible"/>
+                                      </p:to>
+                                    </p:set>
+                                    <p:animEffect transition="in" filter="fade">
+                                      <p:cBhvr>
+                                        <p:cTn id="61" dur="700"/>
+                                        <p:tgtEl>
+                                          <p:spTgt spid="22"/>
+                                        </p:tgtEl>
+                                      </p:cBhvr>
+                                    </p:animEffect>
+                                  </p:childTnLst>
+                                </p:cTn>
+                              </p:par>
+                              <p:par>
+                                <p:cTn id="62" presetID="10" presetClass="entr" presetSubtype="0" fill="hold" grpId="0" nodeType="withEffect">
+                                  <p:stCondLst>
+                                    <p:cond delay="100"/>
+                                  </p:stCondLst>
+                                  <p:childTnLst>
+                                    <p:set>
+                                      <p:cBhvr>
+                                        <p:cTn id="63" dur="1" fill="hold">
+                                          <p:stCondLst>
+                                            <p:cond delay="0"/>
+                                          </p:stCondLst>
+                                        </p:cTn>
+                                        <p:tgtEl>
+                                          <p:spTgt spid="20"/>
+                                        </p:tgtEl>
+                                        <p:attrNameLst>
+                                          <p:attrName>style.visibility</p:attrName>
+                                        </p:attrNameLst>
+                                      </p:cBhvr>
+                                      <p:to>
+                                        <p:strVal val="visible"/>
+                                      </p:to>
+                                    </p:set>
+                                    <p:animEffect transition="in" filter="fade">
+                                      <p:cBhvr>
+                                        <p:cTn id="64" dur="700"/>
+                                        <p:tgtEl>
+                                          <p:spTgt spid="20"/>
+                                        </p:tgtEl>
+                                      </p:cBhvr>
+                                    </p:animEffect>
+                                  </p:childTnLst>
+                                </p:cTn>
+                              </p:par>
+                              <p:par>
+                                <p:cTn id="65" presetID="10" presetClass="entr" presetSubtype="0" fill="hold" grpId="0" nodeType="withEffect">
+                                  <p:stCondLst>
+                                    <p:cond delay="200"/>
+                                  </p:stCondLst>
+                                  <p:childTnLst>
+                                    <p:set>
+                                      <p:cBhvr>
+                                        <p:cTn id="66" dur="1" fill="hold">
+                                          <p:stCondLst>
+                                            <p:cond delay="0"/>
+                                          </p:stCondLst>
+                                        </p:cTn>
+                                        <p:tgtEl>
+                                          <p:spTgt spid="24"/>
+                                        </p:tgtEl>
+                                        <p:attrNameLst>
+                                          <p:attrName>style.visibility</p:attrName>
+                                        </p:attrNameLst>
+                                      </p:cBhvr>
+                                      <p:to>
+                                        <p:strVal val="visible"/>
+                                      </p:to>
+                                    </p:set>
+                                    <p:animEffect transition="in" filter="fade">
+                                      <p:cBhvr>
+                                        <p:cTn id="67" dur="700"/>
+                                        <p:tgtEl>
+                                          <p:spTgt spid="24"/>
+                                        </p:tgtEl>
+                                      </p:cBhvr>
+                                    </p:animEffect>
+                                  </p:childTnLst>
+                                </p:cTn>
+                              </p:par>
+                              <p:par>
+                                <p:cTn id="68" presetID="10" presetClass="entr" presetSubtype="0" fill="hold" grpId="0" nodeType="withEffect">
+                                  <p:stCondLst>
+                                    <p:cond delay="300"/>
+                                  </p:stCondLst>
+                                  <p:childTnLst>
+                                    <p:set>
+                                      <p:cBhvr>
+                                        <p:cTn id="69" dur="1" fill="hold">
+                                          <p:stCondLst>
+                                            <p:cond delay="0"/>
+                                          </p:stCondLst>
+                                        </p:cTn>
+                                        <p:tgtEl>
+                                          <p:spTgt spid="21"/>
+                                        </p:tgtEl>
+                                        <p:attrNameLst>
+                                          <p:attrName>style.visibility</p:attrName>
+                                        </p:attrNameLst>
+                                      </p:cBhvr>
+                                      <p:to>
+                                        <p:strVal val="visible"/>
+                                      </p:to>
+                                    </p:set>
+                                    <p:animEffect transition="in" filter="fade">
+                                      <p:cBhvr>
+                                        <p:cTn id="70" dur="700"/>
+                                        <p:tgtEl>
+                                          <p:spTgt spid="21"/>
+                                        </p:tgtEl>
+                                      </p:cBhvr>
+                                    </p:animEffect>
+                                  </p:childTnLst>
+                                </p:cTn>
+                              </p:par>
+                              <p:par>
+                                <p:cTn id="71" presetID="10" presetClass="entr" presetSubtype="0" fill="hold" grpId="0" nodeType="withEffect">
+                                  <p:stCondLst>
+                                    <p:cond delay="400"/>
+                                  </p:stCondLst>
+                                  <p:childTnLst>
+                                    <p:set>
+                                      <p:cBhvr>
+                                        <p:cTn id="72" dur="1" fill="hold">
+                                          <p:stCondLst>
+                                            <p:cond delay="0"/>
+                                          </p:stCondLst>
+                                        </p:cTn>
+                                        <p:tgtEl>
+                                          <p:spTgt spid="23"/>
+                                        </p:tgtEl>
+                                        <p:attrNameLst>
+                                          <p:attrName>style.visibility</p:attrName>
+                                        </p:attrNameLst>
+                                      </p:cBhvr>
+                                      <p:to>
+                                        <p:strVal val="visible"/>
+                                      </p:to>
+                                    </p:set>
+                                    <p:animEffect transition="in" filter="fade">
+                                      <p:cBhvr>
+                                        <p:cTn id="73" dur="700"/>
+                                        <p:tgtEl>
+                                          <p:spTgt spid="23"/>
+                                        </p:tgtEl>
+                                      </p:cBhvr>
+                                    </p:animEffect>
+                                  </p:childTnLst>
+                                </p:cTn>
+                              </p:par>
+                            </p:childTnLst>
+                          </p:cTn>
+                        </p:par>
+                      </p:childTnLst>
+                    </p:cTn>
+                  </p:par>
+                </p:childTnLst>
+              </p:cTn>
+              <p:prevCondLst>
+                <p:cond evt="onPrev" delay="0">
+                  <p:tgtEl>
+                    <p:sldTgt/>
+                  </p:tgtEl>
+                </p:cond>
+              </p:prevCondLst>
+              <p:nextCondLst>
+                <p:cond evt="onNext" delay="0">
+                  <p:tgtEl>
+                    <p:sldTgt/>
+                  </p:tgtEl>
+                </p:cond>
+              </p:nextCondLst>
+            </p:seq>
+          </p:childTnLst>
+        </p:cTn>
+      </p:par>
+    </p:tnLst>
+    <p:bldLst>
+      <p:bldP spid="20" grpId="0" animBg="1"/>
+      <p:bldP spid="21" grpId="0" animBg="1"/>
+      <p:bldP spid="22" grpId="0" animBg="1"/>
+      <p:bldP spid="23" grpId="0" animBg="1"/>
+      <p:bldP spid="24" grpId="0" animBg="1"/>
+      <p:bldP spid="25" grpId="0" animBg="1"/>
+      <p:bldP spid="25" grpId="1" animBg="1"/>
+      <p:bldP spid="26" grpId="0" animBg="1"/>
+      <p:bldP spid="26" grpId="1" animBg="1"/>
+      <p:bldP spid="27" grpId="0" animBg="1"/>
+      <p:bldP spid="27" grpId="1" animBg="1"/>
+      <p:bldP spid="28" grpId="0" animBg="1"/>
+      <p:bldP spid="28" grpId="1" animBg="1"/>
+      <p:bldP spid="29" grpId="0" animBg="1"/>
+      <p:bldP spid="29" grpId="1" animBg="1"/>
+      <p:bldP spid="30" grpId="0" animBg="1"/>
+      <p:bldP spid="30" grpId="1" animBg="1"/>
+      <p:bldP spid="31" grpId="0" animBg="1"/>
+      <p:bldP spid="31" grpId="1" animBg="1"/>
+      <p:bldP spid="32" grpId="0" animBg="1"/>
+      <p:bldP spid="32" grpId="1" animBg="1"/>
+      <p:bldP spid="33" grpId="0" animBg="1"/>
+      <p:bldP spid="33" grpId="1" animBg="1"/>
+      <p:bldP spid="34" grpId="0"/>
+    </p:bldLst>
+  </p:timing>
+</p:sldLayout>
+</file>
+
 <file path=ppt/slideLayouts/slideLayout2.xml><?xml version="1.0" encoding="utf-8"?>
 <p:sldLayout xmlns:a="http://schemas.openxmlformats.org/drawingml/2006/main" xmlns:r="http://schemas.openxmlformats.org/officeDocument/2006/relationships" xmlns:p="http://schemas.openxmlformats.org/presentationml/2006/main" type="obj" preserve="1">
   <p:cSld name="Title and Content">
@@ -4958,7 +10557,7 @@
             <a:fld id="{1D8BD707-D9CF-40AE-B4C6-C98DA3205C09}" type="datetimeFigureOut">
               <a:rPr lang="en-US" smtClean="0"/>
               <a:pPr/>
-              <a:t>5/2/2014</a:t>
+              <a:t>5/22/2014</a:t>
             </a:fld>
             <a:endParaRPr lang="en-US"/>
           </a:p>
@@ -5201,7 +10800,7 @@
             <a:fld id="{1D8BD707-D9CF-40AE-B4C6-C98DA3205C09}" type="datetimeFigureOut">
               <a:rPr lang="en-US" smtClean="0"/>
               <a:pPr/>
-              <a:t>5/2/2014</a:t>
+              <a:t>5/22/2014</a:t>
             </a:fld>
             <a:endParaRPr lang="en-US"/>
           </a:p>
@@ -5486,7 +11085,7 @@
             <a:fld id="{1D8BD707-D9CF-40AE-B4C6-C98DA3205C09}" type="datetimeFigureOut">
               <a:rPr lang="en-US" smtClean="0"/>
               <a:pPr/>
-              <a:t>5/2/2014</a:t>
+              <a:t>5/22/2014</a:t>
             </a:fld>
             <a:endParaRPr lang="en-US"/>
           </a:p>
@@ -5905,7 +11504,7 @@
             <a:fld id="{1D8BD707-D9CF-40AE-B4C6-C98DA3205C09}" type="datetimeFigureOut">
               <a:rPr lang="en-US" smtClean="0"/>
               <a:pPr/>
-              <a:t>5/2/2014</a:t>
+              <a:t>5/22/2014</a:t>
             </a:fld>
             <a:endParaRPr lang="en-US"/>
           </a:p>
@@ -6020,7 +11619,7 @@
             <a:fld id="{1D8BD707-D9CF-40AE-B4C6-C98DA3205C09}" type="datetimeFigureOut">
               <a:rPr lang="en-US" smtClean="0"/>
               <a:pPr/>
-              <a:t>5/2/2014</a:t>
+              <a:t>5/22/2014</a:t>
             </a:fld>
             <a:endParaRPr lang="en-US"/>
           </a:p>
@@ -6112,7 +11711,7 @@
             <a:fld id="{1D8BD707-D9CF-40AE-B4C6-C98DA3205C09}" type="datetimeFigureOut">
               <a:rPr lang="en-US" smtClean="0"/>
               <a:pPr/>
-              <a:t>5/2/2014</a:t>
+              <a:t>5/22/2014</a:t>
             </a:fld>
             <a:endParaRPr lang="en-US"/>
           </a:p>
@@ -6386,7 +11985,7 @@
             <a:fld id="{1D8BD707-D9CF-40AE-B4C6-C98DA3205C09}" type="datetimeFigureOut">
               <a:rPr lang="en-US" smtClean="0"/>
               <a:pPr/>
-              <a:t>5/2/2014</a:t>
+              <a:t>5/22/2014</a:t>
             </a:fld>
             <a:endParaRPr lang="en-US"/>
           </a:p>
@@ -6636,7 +12235,7 @@
             <a:fld id="{1D8BD707-D9CF-40AE-B4C6-C98DA3205C09}" type="datetimeFigureOut">
               <a:rPr lang="en-US" smtClean="0"/>
               <a:pPr/>
-              <a:t>5/2/2014</a:t>
+              <a:t>5/22/2014</a:t>
             </a:fld>
             <a:endParaRPr lang="en-US"/>
           </a:p>
@@ -6846,7 +12445,7 @@
             <a:fld id="{1D8BD707-D9CF-40AE-B4C6-C98DA3205C09}" type="datetimeFigureOut">
               <a:rPr lang="en-US" smtClean="0"/>
               <a:pPr/>
-              <a:t>5/2/2014</a:t>
+              <a:t>5/22/2014</a:t>
             </a:fld>
             <a:endParaRPr lang="en-US"/>
           </a:p>
@@ -6948,6 +12547,7 @@
     <p:sldLayoutId id="2147483659" r:id="rId11"/>
     <p:sldLayoutId id="2147483660" r:id="rId12"/>
     <p:sldLayoutId id="2147483661" r:id="rId13"/>
+    <p:sldLayoutId id="2147483662" r:id="rId14"/>
   </p:sldLayoutIdLst>
   <p:txStyles>
     <p:titleStyle>
@@ -7236,15 +12836,7 @@
           <a:p>
             <a:r>
               <a:rPr lang="en-US" sz="4400" dirty="0" smtClean="0"/>
-              <a:t>OPUS optimization for </a:t>
-            </a:r>
-            <a:r>
-              <a:rPr lang="en-US" sz="4400" dirty="0" err="1" smtClean="0"/>
-              <a:t>x86</a:t>
-            </a:r>
-            <a:r>
-              <a:rPr lang="en-US" sz="4400" dirty="0" smtClean="0"/>
-              <a:t>/fixed point</a:t>
+              <a:t>OPUS optimization for x86</a:t>
             </a:r>
             <a:endParaRPr lang="en-US" sz="4400" dirty="0"/>
           </a:p>
@@ -7271,10 +12863,14 @@
           <a:lstStyle/>
           <a:p>
             <a:r>
-              <a:rPr lang="en-US" dirty="0" smtClean="0"/>
-              <a:t>May 2014</a:t>
-            </a:r>
-            <a:endParaRPr lang="en-US" dirty="0"/>
+              <a:rPr lang="en-US" smtClean="0"/>
+              <a:t>May </a:t>
+            </a:r>
+            <a:r>
+              <a:rPr lang="en-US" smtClean="0"/>
+              <a:t>2014</a:t>
+            </a:r>
+            <a:endParaRPr lang="en-US" dirty="0" smtClean="0"/>
           </a:p>
         </p:txBody>
       </p:sp>
@@ -7290,6 +12886,46 @@
   </p:clrMapOvr>
   <p:transition>
     <p:wipe dir="r"/>
+  </p:transition>
+  <p:timing>
+    <p:tnLst>
+      <p:par>
+        <p:cTn id="1" dur="indefinite" restart="never" nodeType="tmRoot"/>
+      </p:par>
+    </p:tnLst>
+  </p:timing>
+</p:sld>
+</file>
+
+<file path=ppt/slides/slide10.xml><?xml version="1.0" encoding="utf-8"?>
+<p:sld xmlns:a="http://schemas.openxmlformats.org/drawingml/2006/main" xmlns:r="http://schemas.openxmlformats.org/officeDocument/2006/relationships" xmlns:p="http://schemas.openxmlformats.org/presentationml/2006/main">
+  <p:cSld>
+    <p:spTree>
+      <p:nvGrpSpPr>
+        <p:cNvPr id="1" name=""/>
+        <p:cNvGrpSpPr/>
+        <p:nvPr/>
+      </p:nvGrpSpPr>
+      <p:grpSpPr>
+        <a:xfrm>
+          <a:off x="0" y="0"/>
+          <a:ext cx="0" cy="0"/>
+          <a:chOff x="0" y="0"/>
+          <a:chExt cx="0" cy="0"/>
+        </a:xfrm>
+      </p:grpSpPr>
+    </p:spTree>
+    <p:extLst>
+      <p:ext uri="{BB962C8B-B14F-4D97-AF65-F5344CB8AC3E}">
+        <p14:creationId xmlns:p14="http://schemas.microsoft.com/office/powerpoint/2010/main" val="1363929262"/>
+      </p:ext>
+    </p:extLst>
+  </p:cSld>
+  <p:clrMapOvr>
+    <a:masterClrMapping/>
+  </p:clrMapOvr>
+  <p:transition>
+    <p:fade/>
   </p:transition>
   <p:timing>
     <p:tnLst>
@@ -7354,7 +12990,7 @@
         <p:spPr>
           <a:xfrm>
             <a:off x="533400" y="1981200"/>
-            <a:ext cx="6477000" cy="2616101"/>
+            <a:ext cx="6477000" cy="3159326"/>
           </a:xfrm>
           <a:prstGeom prst="rect">
             <a:avLst/>
@@ -7402,6 +13038,19 @@
                 </a:solidFill>
               </a:rPr>
               <a:t>Optimization level</a:t>
+            </a:r>
+          </a:p>
+          <a:p>
+            <a:pPr>
+              <a:buAutoNum type="arabicPeriod"/>
+            </a:pPr>
+            <a:r>
+              <a:rPr lang="en-US" altLang="zh-CN" sz="2400" dirty="0" smtClean="0">
+                <a:solidFill>
+                  <a:srgbClr val="000000"/>
+                </a:solidFill>
+              </a:rPr>
+              <a:t>Optimization Function dispatcher</a:t>
             </a:r>
           </a:p>
           <a:p>
@@ -7545,7 +13194,7 @@
                   <a:srgbClr val="000000"/>
                 </a:solidFill>
               </a:rPr>
-              <a:t>./</a:t>
+              <a:t> </a:t>
             </a:r>
             <a:r>
               <a:rPr lang="en-US" altLang="zh-CN" sz="2400" dirty="0">
@@ -7553,27 +13202,19 @@
                   <a:srgbClr val="000000"/>
                 </a:solidFill>
               </a:rPr>
-              <a:t>configure --enable-fixed-point </a:t>
-            </a:r>
-            <a:r>
-              <a:rPr lang="en-US" altLang="zh-CN" sz="2400" dirty="0">
-                <a:solidFill>
-                  <a:srgbClr val="FF0000"/>
-                </a:solidFill>
-              </a:rPr>
-              <a:t>--enable-</a:t>
+              <a:t>./configure --enable-fixed-point --enable-</a:t>
             </a:r>
             <a:r>
               <a:rPr lang="en-US" altLang="zh-CN" sz="2400" dirty="0" err="1">
                 <a:solidFill>
-                  <a:srgbClr val="FF0000"/>
+                  <a:srgbClr val="000000"/>
                 </a:solidFill>
               </a:rPr>
               <a:t>intrinsics</a:t>
             </a:r>
             <a:endParaRPr lang="en-US" altLang="zh-CN" sz="2400" dirty="0" smtClean="0">
               <a:solidFill>
-                <a:srgbClr val="FF0000"/>
+                <a:srgbClr val="000000"/>
               </a:solidFill>
             </a:endParaRPr>
           </a:p>
@@ -7757,13 +13398,34 @@
             </a:r>
           </a:p>
           <a:p>
+            <a:pPr marL="285750" indent="-285750">
+              <a:buBlip>
+                <a:blip r:embed="rId3"/>
+              </a:buBlip>
+            </a:pPr>
             <a:r>
               <a:rPr lang="en-US" altLang="zh-CN" sz="1600" i="1" dirty="0" smtClean="0">
                 <a:solidFill>
                   <a:srgbClr val="000000"/>
                 </a:solidFill>
               </a:rPr>
-              <a:t>Default optimization </a:t>
+              <a:t>Default </a:t>
+            </a:r>
+            <a:r>
+              <a:rPr lang="en-US" altLang="zh-CN" sz="1600" i="1" dirty="0" err="1" smtClean="0">
+                <a:solidFill>
+                  <a:srgbClr val="000000"/>
+                </a:solidFill>
+              </a:rPr>
+              <a:t>intrinsics</a:t>
+            </a:r>
+            <a:r>
+              <a:rPr lang="en-US" altLang="zh-CN" sz="1600" i="1" dirty="0" smtClean="0">
+                <a:solidFill>
+                  <a:srgbClr val="000000"/>
+                </a:solidFill>
+              </a:rPr>
+              <a:t> optimization </a:t>
             </a:r>
             <a:r>
               <a:rPr lang="en-US" altLang="zh-CN" sz="1600" i="1" dirty="0">
@@ -7779,77 +13441,53 @@
                   <a:srgbClr val="000000"/>
                 </a:solidFill>
               </a:rPr>
-              <a:t>disabled, which is identical to original code </a:t>
-            </a:r>
-          </a:p>
-          <a:p>
-            <a:r>
-              <a:rPr lang="en-US" altLang="zh-CN" sz="1600" i="1" dirty="0" err="1" smtClean="0">
+              <a:t>disable; </a:t>
+            </a:r>
+          </a:p>
+          <a:p>
+            <a:pPr marL="285750" indent="-285750">
+              <a:buBlip>
+                <a:blip r:embed="rId3"/>
+              </a:buBlip>
+            </a:pPr>
+            <a:r>
+              <a:rPr lang="en-US" altLang="zh-CN" sz="1600" i="1" dirty="0" smtClean="0">
                 <a:solidFill>
                   <a:srgbClr val="000000"/>
                 </a:solidFill>
               </a:rPr>
-              <a:t>ENABLE_OPTIMIZE</a:t>
-            </a:r>
+              <a:t>Some optimization for C code level;</a:t>
+            </a:r>
+          </a:p>
+          <a:p>
+            <a:pPr marL="285750" indent="-285750">
+              <a:buBlip>
+                <a:blip r:embed="rId3"/>
+              </a:buBlip>
+            </a:pPr>
             <a:r>
               <a:rPr lang="en-US" altLang="zh-CN" sz="1600" i="1" dirty="0" smtClean="0">
                 <a:solidFill>
                   <a:srgbClr val="000000"/>
                 </a:solidFill>
               </a:rPr>
-              <a:t> macro defines </a:t>
-            </a:r>
-            <a:r>
-              <a:rPr lang="en-US" altLang="zh-CN" sz="1600" i="1" dirty="0">
+              <a:t>Optimization only for x86 platform;</a:t>
+            </a:r>
+          </a:p>
+          <a:p>
+            <a:pPr marL="285750" indent="-285750">
+              <a:buFont typeface="Arial" pitchFamily="34" charset="0"/>
+              <a:buBlip>
+                <a:blip r:embed="rId3"/>
+              </a:buBlip>
+            </a:pPr>
+            <a:r>
+              <a:rPr lang="en-US" altLang="zh-CN" sz="1600" i="1" dirty="0" smtClean="0">
                 <a:solidFill>
                   <a:srgbClr val="000000"/>
                 </a:solidFill>
               </a:rPr>
-              <a:t>if </a:t>
-            </a:r>
-            <a:r>
-              <a:rPr lang="en-US" altLang="zh-CN" sz="1600" i="1" dirty="0" smtClean="0">
-                <a:solidFill>
-                  <a:srgbClr val="000000"/>
-                </a:solidFill>
-              </a:rPr>
-              <a:t>optimization is enabled</a:t>
-            </a:r>
-          </a:p>
-          <a:p>
-            <a:r>
-              <a:rPr lang="en-US" altLang="zh-CN" sz="1600" i="1" dirty="0" smtClean="0">
-                <a:solidFill>
-                  <a:srgbClr val="000000"/>
-                </a:solidFill>
-              </a:rPr>
-              <a:t>Optimization only for </a:t>
-            </a:r>
-            <a:r>
-              <a:rPr lang="en-US" altLang="zh-CN" sz="1600" i="1" dirty="0" err="1" smtClean="0">
-                <a:solidFill>
-                  <a:srgbClr val="000000"/>
-                </a:solidFill>
-              </a:rPr>
-              <a:t>x86</a:t>
-            </a:r>
-            <a:r>
-              <a:rPr lang="en-US" altLang="zh-CN" sz="1600" i="1" dirty="0" smtClean="0">
-                <a:solidFill>
-                  <a:srgbClr val="000000"/>
-                </a:solidFill>
-              </a:rPr>
-              <a:t> platform</a:t>
-            </a:r>
-          </a:p>
-          <a:p>
-            <a:r>
-              <a:rPr lang="en-US" altLang="zh-CN" sz="1600" i="1" dirty="0" smtClean="0">
-                <a:solidFill>
-                  <a:srgbClr val="000000"/>
-                </a:solidFill>
-              </a:rPr>
-              <a:t>Optimization only for fixed point</a:t>
+              <a:t>Optimization only for fix point;</a:t>
             </a:r>
           </a:p>
         </p:txBody>
@@ -7926,7 +13564,7 @@
           <p:nvPr>
             <p:extLst>
               <p:ext uri="{D42A27DB-BD31-4B8C-83A1-F6EECF244321}">
-                <p14:modId xmlns:p14="http://schemas.microsoft.com/office/powerpoint/2010/main" val="4030257074"/>
+                <p14:modId xmlns:p14="http://schemas.microsoft.com/office/powerpoint/2010/main" val="2068886009"/>
               </p:ext>
             </p:extLst>
           </p:nvPr>
@@ -7969,11 +13607,7 @@
                     <a:p>
                       <a:pPr algn="ctr"/>
                       <a:r>
-                        <a:rPr lang="en-US" altLang="zh-CN" dirty="0" smtClean="0">
-                          <a:solidFill>
-                            <a:srgbClr val="FFFF00"/>
-                          </a:solidFill>
-                        </a:rPr>
+                        <a:rPr lang="en-US" altLang="zh-CN" dirty="0" smtClean="0"/>
                         <a:t>Encode</a:t>
                       </a:r>
                       <a:r>
@@ -8083,7 +13717,7 @@
                           <a:ea typeface="+mn-ea"/>
                           <a:cs typeface="+mn-cs"/>
                         </a:rPr>
-                        <a:t>128.479</a:t>
+                        <a:t>110.718</a:t>
                       </a:r>
                       <a:endParaRPr lang="en-US" altLang="zh-CN" sz="1800" kern="1200" dirty="0">
                         <a:solidFill>
@@ -8105,7 +13739,15 @@
                       <a:pPr algn="ctr"/>
                       <a:r>
                         <a:rPr lang="en-US" altLang="zh-CN" dirty="0" smtClean="0"/>
-                        <a:t>31.7%(59.739us)</a:t>
+                        <a:t>41.4</a:t>
+                      </a:r>
+                      <a:r>
+                        <a:rPr lang="en-US" altLang="zh-CN" smtClean="0"/>
+                        <a:t>%(78.23us</a:t>
+                      </a:r>
+                      <a:r>
+                        <a:rPr lang="en-US" altLang="zh-CN" dirty="0" smtClean="0"/>
+                        <a:t>)</a:t>
                       </a:r>
                       <a:endParaRPr lang="zh-CN" altLang="en-US" dirty="0"/>
                     </a:p>
@@ -8291,7 +13933,7 @@
                   <a:srgbClr val="000000"/>
                 </a:solidFill>
               </a:rPr>
-              <a:t>Host machine for testing:</a:t>
+              <a:t>Test physical machine parameter:</a:t>
             </a:r>
             <a:endParaRPr lang="en-US" altLang="zh-CN" sz="1400" i="1" dirty="0">
               <a:solidFill>
@@ -8304,6 +13946,8 @@
               <a:spcBef>
                 <a:spcPts val="900"/>
               </a:spcBef>
+              <a:buFont typeface="Wingdings" panose="05000000000000000000" pitchFamily="2" charset="2"/>
+              <a:buChar char="ü"/>
             </a:pPr>
             <a:r>
               <a:rPr lang="en-US" altLang="zh-CN" sz="1400" i="1" dirty="0" smtClean="0">
@@ -8319,6 +13963,8 @@
               <a:spcBef>
                 <a:spcPts val="900"/>
               </a:spcBef>
+              <a:buFont typeface="Wingdings" panose="05000000000000000000" pitchFamily="2" charset="2"/>
+              <a:buChar char="ü"/>
             </a:pPr>
             <a:r>
               <a:rPr lang="en-US" altLang="zh-CN" sz="1400" i="1" dirty="0" smtClean="0">
@@ -8326,51 +13972,16 @@
                   <a:srgbClr val="000000"/>
                 </a:solidFill>
               </a:rPr>
-              <a:t>CPU </a:t>
-            </a:r>
-            <a:r>
-              <a:rPr lang="en-US" altLang="zh-CN" sz="1400" i="1" dirty="0">
-                <a:solidFill>
-                  <a:srgbClr val="000000"/>
-                </a:solidFill>
-              </a:rPr>
-              <a:t>Xeon </a:t>
-            </a:r>
-            <a:r>
-              <a:rPr lang="en-US" altLang="zh-CN" sz="1400" i="1" dirty="0" err="1" smtClean="0">
-                <a:solidFill>
-                  <a:srgbClr val="000000"/>
-                </a:solidFill>
-              </a:rPr>
-              <a:t>E5620</a:t>
-            </a:r>
-            <a:r>
-              <a:rPr lang="en-US" altLang="zh-CN" sz="1400" i="1" dirty="0" smtClean="0">
-                <a:solidFill>
-                  <a:srgbClr val="000000"/>
-                </a:solidFill>
-              </a:rPr>
-              <a:t> @ </a:t>
-            </a:r>
-            <a:r>
-              <a:rPr lang="en-US" altLang="zh-CN" sz="1400" i="1" dirty="0" err="1" smtClean="0">
-                <a:solidFill>
-                  <a:srgbClr val="000000"/>
-                </a:solidFill>
-              </a:rPr>
-              <a:t>2.4GHz</a:t>
-            </a:r>
-            <a:endParaRPr lang="en-US" altLang="zh-CN" sz="1400" i="1" dirty="0" smtClean="0">
-              <a:solidFill>
-                <a:srgbClr val="000000"/>
-              </a:solidFill>
-            </a:endParaRPr>
+              <a:t>CPU 2.4GHz</a:t>
+            </a:r>
           </a:p>
           <a:p>
             <a:pPr>
               <a:spcBef>
                 <a:spcPts val="900"/>
               </a:spcBef>
+              <a:buFont typeface="Wingdings" panose="05000000000000000000" pitchFamily="2" charset="2"/>
+              <a:buChar char="ü"/>
             </a:pPr>
             <a:r>
               <a:rPr lang="en-US" altLang="zh-CN" sz="1400" i="1" dirty="0" smtClean="0">
@@ -8378,7 +13989,7 @@
                   <a:srgbClr val="000000"/>
                 </a:solidFill>
               </a:rPr>
-              <a:t>Physical machine</a:t>
+              <a:t>Memory 3GB</a:t>
             </a:r>
           </a:p>
         </p:txBody>
@@ -8573,6 +14184,8 @@
               <a:spcBef>
                 <a:spcPts val="900"/>
               </a:spcBef>
+              <a:buFont typeface="Wingdings" panose="05000000000000000000" pitchFamily="2" charset="2"/>
+              <a:buChar char="ü"/>
             </a:pPr>
             <a:r>
               <a:rPr lang="en-US" altLang="zh-CN" sz="1400" i="1" dirty="0" smtClean="0">
@@ -8593,6 +14206,8 @@
               <a:spcBef>
                 <a:spcPts val="900"/>
               </a:spcBef>
+              <a:buFont typeface="Wingdings" panose="05000000000000000000" pitchFamily="2" charset="2"/>
+              <a:buChar char="ü"/>
             </a:pPr>
             <a:r>
               <a:rPr lang="en-US" altLang="zh-CN" sz="1400" i="1" dirty="0" smtClean="0">
@@ -8608,6 +14223,8 @@
               <a:spcBef>
                 <a:spcPts val="900"/>
               </a:spcBef>
+              <a:buFont typeface="Wingdings" panose="05000000000000000000" pitchFamily="2" charset="2"/>
+              <a:buChar char="ü"/>
             </a:pPr>
             <a:r>
               <a:rPr lang="en-US" altLang="zh-CN" sz="1400" i="1" dirty="0" smtClean="0">
@@ -8623,6 +14240,8 @@
               <a:spcBef>
                 <a:spcPts val="900"/>
               </a:spcBef>
+              <a:buFont typeface="Wingdings" panose="05000000000000000000" pitchFamily="2" charset="2"/>
+              <a:buChar char="ü"/>
             </a:pPr>
             <a:r>
               <a:rPr lang="en-US" altLang="zh-CN" sz="1400" i="1" dirty="0" smtClean="0">
@@ -8638,6 +14257,8 @@
               <a:spcBef>
                 <a:spcPts val="900"/>
               </a:spcBef>
+              <a:buFont typeface="Wingdings" panose="05000000000000000000" pitchFamily="2" charset="2"/>
+              <a:buChar char="ü"/>
             </a:pPr>
             <a:r>
               <a:rPr lang="en-US" altLang="zh-CN" sz="1400" i="1" dirty="0" smtClean="0">
@@ -8653,6 +14274,8 @@
               <a:spcBef>
                 <a:spcPts val="900"/>
               </a:spcBef>
+              <a:buFont typeface="Wingdings" panose="05000000000000000000" pitchFamily="2" charset="2"/>
+              <a:buChar char="ü"/>
             </a:pPr>
             <a:r>
               <a:rPr lang="en-US" altLang="zh-CN" sz="1400" i="1" dirty="0" smtClean="0">
@@ -8668,6 +14291,8 @@
               <a:spcBef>
                 <a:spcPts val="900"/>
               </a:spcBef>
+              <a:buFont typeface="Wingdings" panose="05000000000000000000" pitchFamily="2" charset="2"/>
+              <a:buChar char="ü"/>
             </a:pPr>
             <a:r>
               <a:rPr lang="en-US" altLang="zh-CN" sz="1400" i="1" dirty="0" smtClean="0">
@@ -8683,6 +14308,8 @@
               <a:spcBef>
                 <a:spcPts val="900"/>
               </a:spcBef>
+              <a:buFont typeface="Wingdings" panose="05000000000000000000" pitchFamily="2" charset="2"/>
+              <a:buChar char="ü"/>
             </a:pPr>
             <a:r>
               <a:rPr lang="en-US" altLang="zh-CN" sz="1400" i="1" dirty="0" smtClean="0">
@@ -8698,6 +14325,8 @@
               <a:spcBef>
                 <a:spcPts val="900"/>
               </a:spcBef>
+              <a:buFont typeface="Wingdings" panose="05000000000000000000" pitchFamily="2" charset="2"/>
+              <a:buChar char="ü"/>
             </a:pPr>
             <a:r>
               <a:rPr lang="en-US" altLang="zh-CN" sz="1400" i="1" dirty="0" smtClean="0">
@@ -8713,6 +14342,8 @@
               <a:spcBef>
                 <a:spcPts val="900"/>
               </a:spcBef>
+              <a:buFont typeface="Wingdings" panose="05000000000000000000" pitchFamily="2" charset="2"/>
+              <a:buChar char="ü"/>
             </a:pPr>
             <a:r>
               <a:rPr lang="en-US" altLang="zh-CN" sz="1400" i="1" dirty="0" smtClean="0">
@@ -8827,7 +14458,7 @@
             </a:r>
             <a:r>
               <a:rPr lang="en-US" altLang="zh-CN" sz="2400" dirty="0" smtClean="0"/>
-              <a:t>assembly</a:t>
+              <a:t>assembly;</a:t>
             </a:r>
           </a:p>
           <a:p>
@@ -8853,7 +14484,7 @@
             </a:r>
             <a:r>
               <a:rPr lang="en-US" altLang="zh-CN" sz="2400" dirty="0" smtClean="0"/>
-              <a:t>assembly</a:t>
+              <a:t>assembly;</a:t>
             </a:r>
             <a:endParaRPr lang="en-US" altLang="zh-CN" sz="2400" dirty="0"/>
           </a:p>
@@ -8872,7 +14503,7 @@
             </a:r>
             <a:r>
               <a:rPr lang="en-US" altLang="zh-CN" sz="2400" dirty="0" smtClean="0"/>
-              <a:t>assembly</a:t>
+              <a:t>assembly;</a:t>
             </a:r>
             <a:endParaRPr lang="zh-CN" altLang="zh-CN" sz="2400" dirty="0"/>
           </a:p>
@@ -8930,6 +14561,110 @@
         </p:nvSpPr>
         <p:spPr/>
         <p:txBody>
+          <a:bodyPr>
+            <a:normAutofit/>
+          </a:bodyPr>
+          <a:lstStyle/>
+          <a:p>
+            <a:r>
+              <a:rPr lang="en-US" altLang="zh-CN" dirty="0" smtClean="0"/>
+              <a:t>Optimization Function</a:t>
+            </a:r>
+            <a:r>
+              <a:rPr lang="en-US" altLang="zh-CN" dirty="0" smtClean="0">
+                <a:solidFill>
+                  <a:srgbClr val="000000"/>
+                </a:solidFill>
+              </a:rPr>
+              <a:t> </a:t>
+            </a:r>
+            <a:r>
+              <a:rPr lang="en-US" altLang="zh-CN" dirty="0"/>
+              <a:t>dispatcher</a:t>
+            </a:r>
+            <a:endParaRPr lang="zh-CN" altLang="en-US" dirty="0"/>
+          </a:p>
+        </p:txBody>
+      </p:sp>
+      <p:sp>
+        <p:nvSpPr>
+          <p:cNvPr id="3" name="Text Placeholder 2"/>
+          <p:cNvSpPr>
+            <a:spLocks noGrp="1"/>
+          </p:cNvSpPr>
+          <p:nvPr>
+            <p:ph type="body" sz="quarter" idx="10"/>
+          </p:nvPr>
+        </p:nvSpPr>
+        <p:spPr/>
+        <p:txBody>
+          <a:bodyPr/>
+          <a:lstStyle/>
+          <a:p>
+            <a:r>
+              <a:rPr lang="en-US" altLang="zh-CN" dirty="0" smtClean="0"/>
+              <a:t>Which is the same as ARM style</a:t>
+            </a:r>
+          </a:p>
+          <a:p>
+            <a:r>
+              <a:rPr lang="en-US" altLang="zh-CN" dirty="0" smtClean="0"/>
+              <a:t>Please reference x86_silk_map.c, x86_celt_map.c</a:t>
+            </a:r>
+          </a:p>
+          <a:p>
+            <a:pPr marL="0" indent="0">
+              <a:buNone/>
+            </a:pPr>
+            <a:endParaRPr lang="en-US" altLang="zh-CN" dirty="0" smtClean="0"/>
+          </a:p>
+        </p:txBody>
+      </p:sp>
+    </p:spTree>
+    <p:extLst>
+      <p:ext uri="{BB962C8B-B14F-4D97-AF65-F5344CB8AC3E}">
+        <p14:creationId xmlns:p14="http://schemas.microsoft.com/office/powerpoint/2010/main" val="224408667"/>
+      </p:ext>
+    </p:extLst>
+  </p:cSld>
+  <p:clrMapOvr>
+    <a:masterClrMapping/>
+  </p:clrMapOvr>
+  <p:transition>
+    <p:wipe dir="r"/>
+  </p:transition>
+</p:sld>
+</file>
+
+<file path=ppt/slides/slide7.xml><?xml version="1.0" encoding="utf-8"?>
+<p:sld xmlns:a="http://schemas.openxmlformats.org/drawingml/2006/main" xmlns:r="http://schemas.openxmlformats.org/officeDocument/2006/relationships" xmlns:p="http://schemas.openxmlformats.org/presentationml/2006/main">
+  <p:cSld>
+    <p:spTree>
+      <p:nvGrpSpPr>
+        <p:cNvPr id="1" name=""/>
+        <p:cNvGrpSpPr/>
+        <p:nvPr/>
+      </p:nvGrpSpPr>
+      <p:grpSpPr>
+        <a:xfrm>
+          <a:off x="0" y="0"/>
+          <a:ext cx="0" cy="0"/>
+          <a:chOff x="0" y="0"/>
+          <a:chExt cx="0" cy="0"/>
+        </a:xfrm>
+      </p:grpSpPr>
+      <p:sp>
+        <p:nvSpPr>
+          <p:cNvPr id="2" name="Title 1"/>
+          <p:cNvSpPr>
+            <a:spLocks noGrp="1"/>
+          </p:cNvSpPr>
+          <p:nvPr>
+            <p:ph type="title"/>
+          </p:nvPr>
+        </p:nvSpPr>
+        <p:spPr/>
+        <p:txBody>
           <a:bodyPr/>
           <a:lstStyle/>
           <a:p>
@@ -8950,14 +14685,14 @@
           <p:nvPr>
             <p:extLst>
               <p:ext uri="{D42A27DB-BD31-4B8C-83A1-F6EECF244321}">
-                <p14:modId xmlns:p14="http://schemas.microsoft.com/office/powerpoint/2010/main" val="491677761"/>
+                <p14:modId xmlns:p14="http://schemas.microsoft.com/office/powerpoint/2010/main" val="3115347674"/>
               </p:ext>
             </p:extLst>
           </p:nvPr>
         </p:nvGraphicFramePr>
         <p:xfrm>
           <a:off x="566057" y="1447800"/>
-          <a:ext cx="7010401" cy="4079240"/>
+          <a:ext cx="7010401" cy="4450080"/>
         </p:xfrm>
         <a:graphic>
           <a:graphicData uri="http://schemas.openxmlformats.org/drawingml/2006/table">
@@ -8967,8 +14702,8 @@
               </a:tblPr>
               <a:tblGrid>
                 <a:gridCol w="2939143"/>
-                <a:gridCol w="2895600"/>
-                <a:gridCol w="1175658"/>
+                <a:gridCol w="2514600"/>
+                <a:gridCol w="1556658"/>
               </a:tblGrid>
               <a:tr h="370840">
                 <a:tc>
@@ -9023,7 +14758,66 @@
                     <a:bodyPr/>
                     <a:lstStyle/>
                     <a:p>
-                      <a:pPr marL="0" algn="l" defTabSz="914400" rtl="0" eaLnBrk="1" fontAlgn="b" latinLnBrk="0" hangingPunct="1"/>
+                      <a:pPr algn="l"/>
+                      <a:r>
+                        <a:rPr lang="en-US" altLang="zh-CN" sz="1600" dirty="0" err="1" smtClean="0"/>
+                        <a:t>celt</a:t>
+                      </a:r>
+                      <a:r>
+                        <a:rPr lang="en-US" altLang="zh-CN" sz="1600" dirty="0" smtClean="0"/>
+                        <a:t>/</a:t>
+                      </a:r>
+                      <a:r>
+                        <a:rPr lang="en-US" altLang="zh-CN" sz="1600" dirty="0" err="1" smtClean="0"/>
+                        <a:t>pitch.c</a:t>
+                      </a:r>
+                      <a:endParaRPr lang="zh-CN" altLang="en-US" sz="1600" dirty="0"/>
+                    </a:p>
+                  </a:txBody>
+                  <a:tcPr/>
+                </a:tc>
+                <a:tc>
+                  <a:txBody>
+                    <a:bodyPr/>
+                    <a:lstStyle/>
+                    <a:p>
+                      <a:pPr algn="l"/>
+                      <a:r>
+                        <a:rPr lang="en-US" altLang="zh-CN" sz="1600" dirty="0" err="1" smtClean="0"/>
+                        <a:t>celt_inner_prod</a:t>
+                      </a:r>
+                      <a:r>
+                        <a:rPr lang="en-US" altLang="zh-CN" sz="1600" dirty="0" smtClean="0"/>
+                        <a:t>()</a:t>
+                      </a:r>
+                      <a:endParaRPr lang="zh-CN" altLang="en-US" sz="1600" dirty="0"/>
+                    </a:p>
+                  </a:txBody>
+                  <a:tcPr/>
+                </a:tc>
+                <a:tc>
+                  <a:txBody>
+                    <a:bodyPr/>
+                    <a:lstStyle/>
+                    <a:p>
+                      <a:pPr algn="ctr"/>
+                      <a:r>
+                        <a:rPr lang="en-US" altLang="zh-CN" sz="1600" dirty="0" smtClean="0"/>
+                        <a:t>SSE2/SSE4.1</a:t>
+                      </a:r>
+                      <a:endParaRPr lang="zh-CN" altLang="en-US" sz="1600" dirty="0"/>
+                    </a:p>
+                  </a:txBody>
+                  <a:tcPr/>
+                </a:tc>
+              </a:tr>
+              <a:tr h="370840">
+                <a:tc>
+                  <a:txBody>
+                    <a:bodyPr/>
+                    <a:lstStyle/>
+                    <a:p>
+                      <a:pPr algn="l"/>
                       <a:r>
                         <a:rPr lang="en-US" altLang="zh-CN" sz="1600" kern="1200" dirty="0" err="1" smtClean="0">
                           <a:solidFill>
@@ -9055,7 +14849,7 @@
                           <a:ea typeface="+mn-ea"/>
                           <a:cs typeface="+mn-cs"/>
                         </a:rPr>
-                        <a:t>ptich.c</a:t>
+                        <a:t>pitch.c</a:t>
                       </a:r>
                       <a:endParaRPr lang="zh-CN" altLang="en-US" sz="1600" kern="1200" dirty="0">
                         <a:solidFill>
@@ -9074,37 +14868,16 @@
                     <a:bodyPr/>
                     <a:lstStyle/>
                     <a:p>
-                      <a:pPr marL="0" indent="0" algn="l" defTabSz="914400" rtl="0" eaLnBrk="1" fontAlgn="b" latinLnBrk="0" hangingPunct="1"/>
+                      <a:pPr algn="l"/>
                       <a:r>
-                        <a:rPr lang="en-US" altLang="zh-CN" sz="1600" kern="1200" dirty="0" err="1" smtClean="0">
-                          <a:solidFill>
-                            <a:schemeClr val="dk1"/>
-                          </a:solidFill>
-                          <a:latin typeface="+mn-lt"/>
-                          <a:ea typeface="+mn-ea"/>
-                          <a:cs typeface="+mn-cs"/>
-                        </a:rPr>
-                        <a:t>celt_inner_prod</a:t>
+                        <a:rPr lang="en-US" altLang="zh-CN" sz="1600" dirty="0" err="1" smtClean="0"/>
+                        <a:t>xcorr_kernel</a:t>
                       </a:r>
                       <a:r>
-                        <a:rPr lang="en-US" altLang="zh-CN" sz="1600" kern="1200" dirty="0" smtClean="0">
-                          <a:solidFill>
-                            <a:schemeClr val="dk1"/>
-                          </a:solidFill>
-                          <a:latin typeface="+mn-lt"/>
-                          <a:ea typeface="+mn-ea"/>
-                          <a:cs typeface="+mn-cs"/>
-                        </a:rPr>
+                        <a:rPr lang="en-US" altLang="zh-CN" sz="1600" dirty="0" smtClean="0"/>
                         <a:t>()</a:t>
                       </a:r>
-                      <a:endParaRPr lang="zh-CN" altLang="en-US" sz="1600" kern="1200" dirty="0">
-                        <a:solidFill>
-                          <a:schemeClr val="dk1"/>
-                        </a:solidFill>
-                        <a:latin typeface="+mn-lt"/>
-                        <a:ea typeface="+mn-ea"/>
-                        <a:cs typeface="+mn-cs"/>
-                      </a:endParaRPr>
+                      <a:endParaRPr lang="zh-CN" altLang="en-US" sz="1600" dirty="0"/>
                     </a:p>
                   </a:txBody>
                   <a:tcPr/>
@@ -9117,7 +14890,7 @@
                       <a:pPr algn="ctr"/>
                       <a:r>
                         <a:rPr lang="en-US" altLang="zh-CN" sz="1600" dirty="0" smtClean="0"/>
-                        <a:t>SSE2</a:t>
+                        <a:t>SSE2/SSE4.1</a:t>
                       </a:r>
                       <a:endParaRPr lang="zh-CN" altLang="en-US" sz="1600" dirty="0"/>
                     </a:p>
@@ -9197,7 +14970,7 @@
                       <a:pPr algn="ctr"/>
                       <a:r>
                         <a:rPr lang="en-US" altLang="zh-CN" sz="1600" dirty="0" smtClean="0"/>
-                        <a:t>SSE4.2</a:t>
+                        <a:t>SSE4.1</a:t>
                       </a:r>
                       <a:endParaRPr lang="zh-CN" altLang="en-US" sz="1600" dirty="0"/>
                     </a:p>
@@ -9365,7 +15138,7 @@
                       <a:pPr algn="ctr"/>
                       <a:r>
                         <a:rPr lang="en-US" altLang="zh-CN" sz="1600" dirty="0" smtClean="0"/>
-                        <a:t>SSE4.2</a:t>
+                        <a:t>SSE4.1</a:t>
                       </a:r>
                       <a:endParaRPr lang="zh-CN" altLang="en-US" sz="1600" dirty="0"/>
                     </a:p>
@@ -9430,7 +15203,7 @@
                       <a:pPr algn="ctr"/>
                       <a:r>
                         <a:rPr lang="en-US" altLang="zh-CN" sz="1600" dirty="0" smtClean="0"/>
-                        <a:t>SSE4.2</a:t>
+                        <a:t>SSE4.1</a:t>
                       </a:r>
                       <a:endParaRPr lang="zh-CN" altLang="en-US" sz="1600" dirty="0"/>
                     </a:p>
@@ -9506,7 +15279,7 @@
                       <a:pPr algn="ctr"/>
                       <a:r>
                         <a:rPr lang="en-US" altLang="zh-CN" sz="1600" dirty="0" smtClean="0"/>
-                        <a:t>SSE4.2</a:t>
+                        <a:t>SSE4.1</a:t>
                       </a:r>
                       <a:endParaRPr lang="zh-CN" altLang="en-US" sz="1600" dirty="0"/>
                     </a:p>
@@ -9582,7 +15355,7 @@
                       <a:pPr algn="ctr"/>
                       <a:r>
                         <a:rPr lang="en-US" altLang="zh-CN" sz="1600" dirty="0" smtClean="0"/>
-                        <a:t>SSE4.2</a:t>
+                        <a:t>SSE4.1</a:t>
                       </a:r>
                       <a:endParaRPr lang="zh-CN" altLang="en-US" sz="1600" dirty="0"/>
                     </a:p>
@@ -9598,14 +15371,35 @@
                     <a:p>
                       <a:pPr algn="l"/>
                       <a:r>
-                        <a:rPr lang="en-US" altLang="zh-CN" sz="1600" dirty="0" smtClean="0"/>
+                        <a:rPr lang="en-US" altLang="zh-CN" sz="1600" kern="1200" dirty="0" smtClean="0">
+                          <a:solidFill>
+                            <a:schemeClr val="dk1"/>
+                          </a:solidFill>
+                          <a:latin typeface="+mn-lt"/>
+                          <a:ea typeface="+mn-ea"/>
+                          <a:cs typeface="+mn-cs"/>
+                        </a:rPr>
                         <a:t>silk/</a:t>
                       </a:r>
                       <a:r>
-                        <a:rPr lang="en-US" altLang="zh-CN" sz="1600" dirty="0" err="1" smtClean="0"/>
+                        <a:rPr lang="en-US" altLang="zh-CN" sz="1600" kern="1200" dirty="0" err="1" smtClean="0">
+                          <a:solidFill>
+                            <a:schemeClr val="dk1"/>
+                          </a:solidFill>
+                          <a:latin typeface="+mn-lt"/>
+                          <a:ea typeface="+mn-ea"/>
+                          <a:cs typeface="+mn-cs"/>
+                        </a:rPr>
                         <a:t>NLSF_del_dec_quant.c</a:t>
                       </a:r>
-                      <a:endParaRPr lang="zh-CN" altLang="en-US" sz="1600" dirty="0"/>
+                      <a:endParaRPr lang="zh-CN" altLang="en-US" sz="1600" kern="1200" dirty="0">
+                        <a:solidFill>
+                          <a:schemeClr val="dk1"/>
+                        </a:solidFill>
+                        <a:latin typeface="+mn-lt"/>
+                        <a:ea typeface="+mn-ea"/>
+                        <a:cs typeface="+mn-cs"/>
+                      </a:endParaRPr>
                     </a:p>
                   </a:txBody>
                   <a:tcPr/>
@@ -9617,7 +15411,7 @@
                     <a:p>
                       <a:pPr marL="0" algn="l" defTabSz="914400" rtl="0" eaLnBrk="1" fontAlgn="b" latinLnBrk="0" hangingPunct="1"/>
                       <a:r>
-                        <a:rPr lang="en-US" altLang="zh-CN" sz="1800" kern="1200" dirty="0" err="1" smtClean="0">
+                        <a:rPr lang="en-US" altLang="zh-CN" sz="1600" kern="1200" dirty="0" err="1" smtClean="0">
                           <a:solidFill>
                             <a:schemeClr val="dk1"/>
                           </a:solidFill>
@@ -9628,7 +15422,7 @@
                         <a:t>silk_NLSF_del_dec</a:t>
                       </a:r>
                       <a:r>
-                        <a:rPr lang="en-US" altLang="zh-CN" sz="1800" kern="1200" dirty="0" smtClean="0">
+                        <a:rPr lang="en-US" altLang="zh-CN" sz="1600" kern="1200" dirty="0" smtClean="0">
                           <a:solidFill>
                             <a:schemeClr val="dk1"/>
                           </a:solidFill>
@@ -9638,7 +15432,7 @@
                         </a:rPr>
                         <a:t>()</a:t>
                       </a:r>
-                      <a:endParaRPr lang="en-US" altLang="zh-CN" sz="1800" kern="1200" dirty="0">
+                      <a:endParaRPr lang="en-US" altLang="zh-CN" sz="1600" kern="1200" dirty="0">
                         <a:solidFill>
                           <a:schemeClr val="dk1"/>
                         </a:solidFill>
@@ -9657,14 +15451,24 @@
                     <a:p>
                       <a:pPr algn="ctr"/>
                       <a:r>
-                        <a:rPr lang="en-US" altLang="zh-CN" dirty="0" smtClean="0"/>
-                        <a:t>Pure</a:t>
+                        <a:rPr lang="en-US" altLang="zh-CN" sz="1600" kern="1200" dirty="0" smtClean="0">
+                          <a:solidFill>
+                            <a:schemeClr val="dk1"/>
+                          </a:solidFill>
+                          <a:latin typeface="+mn-lt"/>
+                          <a:ea typeface="+mn-ea"/>
+                          <a:cs typeface="+mn-cs"/>
+                        </a:rPr>
+                        <a:t>Pure C</a:t>
                       </a:r>
-                      <a:r>
-                        <a:rPr lang="en-US" altLang="zh-CN" baseline="0" dirty="0" smtClean="0"/>
-                        <a:t> C</a:t>
-                      </a:r>
-                      <a:endParaRPr lang="zh-CN" altLang="en-US" dirty="0"/>
+                      <a:endParaRPr lang="zh-CN" altLang="en-US" sz="1600" kern="1200" dirty="0">
+                        <a:solidFill>
+                          <a:schemeClr val="dk1"/>
+                        </a:solidFill>
+                        <a:latin typeface="+mn-lt"/>
+                        <a:ea typeface="+mn-ea"/>
+                        <a:cs typeface="+mn-cs"/>
+                      </a:endParaRPr>
                     </a:p>
                   </a:txBody>
                   <a:tcPr/>
@@ -9678,10 +15482,24 @@
                     <a:p>
                       <a:pPr algn="l"/>
                       <a:r>
-                        <a:rPr lang="en-US" altLang="zh-CN" dirty="0" smtClean="0"/>
+                        <a:rPr lang="en-US" altLang="zh-CN" sz="1600" kern="1200" dirty="0" smtClean="0">
+                          <a:solidFill>
+                            <a:schemeClr val="dk1"/>
+                          </a:solidFill>
+                          <a:latin typeface="+mn-lt"/>
+                          <a:ea typeface="+mn-ea"/>
+                          <a:cs typeface="+mn-cs"/>
+                        </a:rPr>
                         <a:t>silk/A2NLSF.c</a:t>
                       </a:r>
-                      <a:endParaRPr lang="zh-CN" altLang="en-US" dirty="0"/>
+                      <a:endParaRPr lang="zh-CN" altLang="en-US" sz="1600" kern="1200" dirty="0">
+                        <a:solidFill>
+                          <a:schemeClr val="dk1"/>
+                        </a:solidFill>
+                        <a:latin typeface="+mn-lt"/>
+                        <a:ea typeface="+mn-ea"/>
+                        <a:cs typeface="+mn-cs"/>
+                      </a:endParaRPr>
                     </a:p>
                   </a:txBody>
                   <a:tcPr/>
@@ -9693,7 +15511,7 @@
                     <a:p>
                       <a:pPr marL="0" algn="l" defTabSz="914400" rtl="0" eaLnBrk="1" fontAlgn="b" latinLnBrk="0" hangingPunct="1"/>
                       <a:r>
-                        <a:rPr lang="en-US" altLang="zh-CN" sz="1800" kern="1200" dirty="0" smtClean="0">
+                        <a:rPr lang="en-US" altLang="zh-CN" sz="1600" kern="1200" dirty="0" smtClean="0">
                           <a:solidFill>
                             <a:schemeClr val="dk1"/>
                           </a:solidFill>
@@ -9703,7 +15521,7 @@
                         </a:rPr>
                         <a:t>silk_A2NLSF_eval_poly()</a:t>
                       </a:r>
-                      <a:endParaRPr lang="en-US" altLang="zh-CN" sz="1800" kern="1200" dirty="0">
+                      <a:endParaRPr lang="en-US" altLang="zh-CN" sz="1600" kern="1200" dirty="0">
                         <a:solidFill>
                           <a:schemeClr val="dk1"/>
                         </a:solidFill>
@@ -9722,14 +15540,24 @@
                     <a:p>
                       <a:pPr algn="ctr"/>
                       <a:r>
-                        <a:rPr lang="en-US" altLang="zh-CN" dirty="0" smtClean="0"/>
-                        <a:t>Pure</a:t>
+                        <a:rPr lang="en-US" altLang="zh-CN" sz="1600" kern="1200" dirty="0" smtClean="0">
+                          <a:solidFill>
+                            <a:schemeClr val="dk1"/>
+                          </a:solidFill>
+                          <a:latin typeface="+mn-lt"/>
+                          <a:ea typeface="+mn-ea"/>
+                          <a:cs typeface="+mn-cs"/>
+                        </a:rPr>
+                        <a:t>Pure C</a:t>
                       </a:r>
-                      <a:r>
-                        <a:rPr lang="en-US" altLang="zh-CN" baseline="0" dirty="0" smtClean="0"/>
-                        <a:t> C</a:t>
-                      </a:r>
-                      <a:endParaRPr lang="zh-CN" altLang="en-US" dirty="0"/>
+                      <a:endParaRPr lang="zh-CN" altLang="en-US" sz="1600" kern="1200" dirty="0">
+                        <a:solidFill>
+                          <a:schemeClr val="dk1"/>
+                        </a:solidFill>
+                        <a:latin typeface="+mn-lt"/>
+                        <a:ea typeface="+mn-ea"/>
+                        <a:cs typeface="+mn-cs"/>
+                      </a:endParaRPr>
                     </a:p>
                   </a:txBody>
                   <a:tcPr/>
@@ -9743,14 +15571,35 @@
                     <a:p>
                       <a:pPr algn="l"/>
                       <a:r>
-                        <a:rPr lang="en-US" altLang="zh-CN" dirty="0" smtClean="0"/>
+                        <a:rPr lang="en-US" altLang="zh-CN" sz="1600" kern="1200" dirty="0" smtClean="0">
+                          <a:solidFill>
+                            <a:schemeClr val="dk1"/>
+                          </a:solidFill>
+                          <a:latin typeface="+mn-lt"/>
+                          <a:ea typeface="+mn-ea"/>
+                          <a:cs typeface="+mn-cs"/>
+                        </a:rPr>
                         <a:t>silk/</a:t>
                       </a:r>
                       <a:r>
-                        <a:rPr lang="en-US" altLang="zh-CN" dirty="0" err="1" smtClean="0"/>
+                        <a:rPr lang="en-US" altLang="zh-CN" sz="1600" kern="1200" dirty="0" err="1" smtClean="0">
+                          <a:solidFill>
+                            <a:schemeClr val="dk1"/>
+                          </a:solidFill>
+                          <a:latin typeface="+mn-lt"/>
+                          <a:ea typeface="+mn-ea"/>
+                          <a:cs typeface="+mn-cs"/>
+                        </a:rPr>
                         <a:t>VQ_WMat_EC.c</a:t>
                       </a:r>
-                      <a:endParaRPr lang="zh-CN" altLang="en-US" dirty="0"/>
+                      <a:endParaRPr lang="zh-CN" altLang="en-US" sz="1600" kern="1200" dirty="0">
+                        <a:solidFill>
+                          <a:schemeClr val="dk1"/>
+                        </a:solidFill>
+                        <a:latin typeface="+mn-lt"/>
+                        <a:ea typeface="+mn-ea"/>
+                        <a:cs typeface="+mn-cs"/>
+                      </a:endParaRPr>
                     </a:p>
                   </a:txBody>
                   <a:tcPr/>
@@ -9762,7 +15611,7 @@
                     <a:p>
                       <a:pPr marL="0" algn="l" defTabSz="914400" rtl="0" eaLnBrk="1" fontAlgn="b" latinLnBrk="0" hangingPunct="1"/>
                       <a:r>
-                        <a:rPr lang="en-US" altLang="zh-CN" sz="1800" kern="1200" dirty="0" err="1" smtClean="0">
+                        <a:rPr lang="en-US" altLang="zh-CN" sz="1600" kern="1200" dirty="0" err="1" smtClean="0">
                           <a:solidFill>
                             <a:schemeClr val="dk1"/>
                           </a:solidFill>
@@ -9773,7 +15622,7 @@
                         <a:t>silk_VQ_WMat_EC</a:t>
                       </a:r>
                       <a:r>
-                        <a:rPr lang="en-US" altLang="zh-CN" sz="1800" kern="1200" dirty="0" smtClean="0">
+                        <a:rPr lang="en-US" altLang="zh-CN" sz="1600" kern="1200" dirty="0" smtClean="0">
                           <a:solidFill>
                             <a:schemeClr val="dk1"/>
                           </a:solidFill>
@@ -9783,7 +15632,7 @@
                         </a:rPr>
                         <a:t>()</a:t>
                       </a:r>
-                      <a:endParaRPr lang="en-US" altLang="zh-CN" sz="1800" kern="1200" dirty="0">
+                      <a:endParaRPr lang="en-US" altLang="zh-CN" sz="1600" kern="1200" dirty="0">
                         <a:solidFill>
                           <a:schemeClr val="dk1"/>
                         </a:solidFill>
@@ -9802,10 +15651,24 @@
                     <a:p>
                       <a:pPr algn="ctr"/>
                       <a:r>
-                        <a:rPr lang="en-US" altLang="zh-CN" dirty="0" smtClean="0"/>
-                        <a:t>SSE4.2</a:t>
+                        <a:rPr lang="en-US" altLang="zh-CN" sz="1600" kern="1200" dirty="0" smtClean="0">
+                          <a:solidFill>
+                            <a:schemeClr val="dk1"/>
+                          </a:solidFill>
+                          <a:latin typeface="+mn-lt"/>
+                          <a:ea typeface="+mn-ea"/>
+                          <a:cs typeface="+mn-cs"/>
+                        </a:rPr>
+                        <a:t>SSE4.1</a:t>
                       </a:r>
-                      <a:endParaRPr lang="zh-CN" altLang="en-US" dirty="0"/>
+                      <a:endParaRPr lang="zh-CN" altLang="en-US" sz="1600" kern="1200" dirty="0">
+                        <a:solidFill>
+                          <a:schemeClr val="dk1"/>
+                        </a:solidFill>
+                        <a:latin typeface="+mn-lt"/>
+                        <a:ea typeface="+mn-ea"/>
+                        <a:cs typeface="+mn-cs"/>
+                      </a:endParaRPr>
                     </a:p>
                   </a:txBody>
                   <a:tcPr/>
@@ -9838,7 +15701,7 @@
 </p:sld>
 </file>
 
-<file path=ppt/slides/slide7.xml><?xml version="1.0" encoding="utf-8"?>
+<file path=ppt/slides/slide8.xml><?xml version="1.0" encoding="utf-8"?>
 <p:sld xmlns:a="http://schemas.openxmlformats.org/drawingml/2006/main" xmlns:r="http://schemas.openxmlformats.org/officeDocument/2006/relationships" xmlns:p="http://schemas.openxmlformats.org/presentationml/2006/main">
   <p:cSld>
     <p:spTree>
@@ -9887,14 +15750,14 @@
           <p:nvPr>
             <p:extLst>
               <p:ext uri="{D42A27DB-BD31-4B8C-83A1-F6EECF244321}">
-                <p14:modId xmlns:p14="http://schemas.microsoft.com/office/powerpoint/2010/main" val="3764447385"/>
+                <p14:modId xmlns:p14="http://schemas.microsoft.com/office/powerpoint/2010/main" val="928222943"/>
               </p:ext>
             </p:extLst>
           </p:nvPr>
         </p:nvGraphicFramePr>
         <p:xfrm>
-          <a:off x="566057" y="1447800"/>
-          <a:ext cx="7010401" cy="3337560"/>
+          <a:off x="566057" y="1442721"/>
+          <a:ext cx="7010401" cy="4114800"/>
         </p:xfrm>
         <a:graphic>
           <a:graphicData uri="http://schemas.openxmlformats.org/drawingml/2006/table">
@@ -9904,8 +15767,8 @@
               </a:tblPr>
               <a:tblGrid>
                 <a:gridCol w="3396343"/>
-                <a:gridCol w="2667000"/>
-                <a:gridCol w="947058"/>
+                <a:gridCol w="2362200"/>
+                <a:gridCol w="1251858"/>
               </a:tblGrid>
               <a:tr h="370840">
                 <a:tc>
@@ -9971,7 +15834,7 @@
                       </a:r>
                       <a:r>
                         <a:rPr lang="en-US" altLang="zh-CN" sz="1600" dirty="0" err="1" smtClean="0"/>
-                        <a:t>ptich_sse.c</a:t>
+                        <a:t>pitch_sse.c</a:t>
                       </a:r>
                       <a:endParaRPr lang="zh-CN" altLang="en-US" sz="1600" dirty="0"/>
                     </a:p>
@@ -9985,14 +15848,33 @@
                     <a:p>
                       <a:pPr algn="l"/>
                       <a:r>
-                        <a:rPr lang="en-US" altLang="zh-CN" sz="1600" dirty="0" err="1" smtClean="0"/>
-                        <a:t>celt_inner_prod_sse</a:t>
+                        <a:rPr lang="en-US" altLang="zh-CN" sz="1600" dirty="0" smtClean="0"/>
+                        <a:t>celt_inner_prod_sse2()</a:t>
                       </a:r>
+                    </a:p>
+                    <a:p>
+                      <a:pPr marL="0" marR="0" indent="0" algn="l" defTabSz="914400" rtl="0" eaLnBrk="1" fontAlgn="auto" latinLnBrk="0" hangingPunct="1">
+                        <a:lnSpc>
+                          <a:spcPct val="100000"/>
+                        </a:lnSpc>
+                        <a:spcBef>
+                          <a:spcPts val="0"/>
+                        </a:spcBef>
+                        <a:spcAft>
+                          <a:spcPts val="0"/>
+                        </a:spcAft>
+                        <a:buClrTx/>
+                        <a:buSzTx/>
+                        <a:buFontTx/>
+                        <a:buNone/>
+                        <a:tabLst/>
+                        <a:defRPr/>
+                      </a:pPr>
                       <a:r>
                         <a:rPr lang="en-US" altLang="zh-CN" sz="1600" dirty="0" smtClean="0"/>
-                        <a:t>()</a:t>
+                        <a:t>celt_inner_prod_sse4_1()</a:t>
                       </a:r>
-                      <a:endParaRPr lang="zh-CN" altLang="en-US" sz="1600" dirty="0"/>
+                      <a:endParaRPr lang="zh-CN" altLang="en-US" sz="1600" dirty="0" smtClean="0"/>
                     </a:p>
                   </a:txBody>
                   <a:tcPr/>
@@ -10005,7 +15887,7 @@
                       <a:pPr algn="ctr"/>
                       <a:r>
                         <a:rPr lang="en-US" altLang="zh-CN" sz="1600" dirty="0" smtClean="0"/>
-                        <a:t>SSE2</a:t>
+                        <a:t>SSE2/SSE4.1</a:t>
                       </a:r>
                       <a:endParaRPr lang="zh-CN" altLang="en-US" sz="1600" dirty="0"/>
                     </a:p>
@@ -10027,6 +15909,97 @@
                       <a:r>
                         <a:rPr lang="en-US" altLang="zh-CN" sz="1600" dirty="0" smtClean="0"/>
                         <a:t>/x86/</a:t>
+                      </a:r>
+                      <a:r>
+                        <a:rPr lang="en-US" altLang="zh-CN" sz="1600" dirty="0" err="1" smtClean="0"/>
+                        <a:t>pitch_sse.c</a:t>
+                      </a:r>
+                      <a:endParaRPr lang="zh-CN" altLang="en-US" sz="1600" dirty="0"/>
+                    </a:p>
+                  </a:txBody>
+                  <a:tcPr/>
+                </a:tc>
+                <a:tc>
+                  <a:txBody>
+                    <a:bodyPr/>
+                    <a:lstStyle/>
+                    <a:p>
+                      <a:pPr marL="0" marR="0" indent="0" algn="l" defTabSz="914400" rtl="0" eaLnBrk="1" fontAlgn="auto" latinLnBrk="0" hangingPunct="1">
+                        <a:lnSpc>
+                          <a:spcPct val="100000"/>
+                        </a:lnSpc>
+                        <a:spcBef>
+                          <a:spcPts val="0"/>
+                        </a:spcBef>
+                        <a:spcAft>
+                          <a:spcPts val="0"/>
+                        </a:spcAft>
+                        <a:buClrTx/>
+                        <a:buSzTx/>
+                        <a:buFontTx/>
+                        <a:buNone/>
+                        <a:tabLst/>
+                        <a:defRPr/>
+                      </a:pPr>
+                      <a:r>
+                        <a:rPr lang="en-US" altLang="zh-CN" sz="1600" dirty="0" smtClean="0"/>
+                        <a:t>xcorr_kernel_sse2()</a:t>
+                      </a:r>
+                      <a:endParaRPr lang="zh-CN" altLang="en-US" sz="1600" dirty="0" smtClean="0"/>
+                    </a:p>
+                    <a:p>
+                      <a:pPr marL="0" marR="0" indent="0" algn="l" defTabSz="914400" rtl="0" eaLnBrk="1" fontAlgn="auto" latinLnBrk="0" hangingPunct="1">
+                        <a:lnSpc>
+                          <a:spcPct val="100000"/>
+                        </a:lnSpc>
+                        <a:spcBef>
+                          <a:spcPts val="0"/>
+                        </a:spcBef>
+                        <a:spcAft>
+                          <a:spcPts val="0"/>
+                        </a:spcAft>
+                        <a:buClrTx/>
+                        <a:buSzTx/>
+                        <a:buFontTx/>
+                        <a:buNone/>
+                        <a:tabLst/>
+                        <a:defRPr/>
+                      </a:pPr>
+                      <a:r>
+                        <a:rPr lang="en-US" altLang="zh-CN" sz="1600" smtClean="0"/>
+                        <a:t>xcorr_kernel_sse4_1()</a:t>
+                      </a:r>
+                      <a:endParaRPr lang="zh-CN" altLang="en-US" sz="1600" dirty="0" smtClean="0"/>
+                    </a:p>
+                  </a:txBody>
+                  <a:tcPr/>
+                </a:tc>
+                <a:tc>
+                  <a:txBody>
+                    <a:bodyPr/>
+                    <a:lstStyle/>
+                    <a:p>
+                      <a:pPr algn="ctr"/>
+                      <a:r>
+                        <a:rPr lang="en-US" altLang="zh-CN" sz="1600" dirty="0" smtClean="0"/>
+                        <a:t>SSE2/SSE4.1</a:t>
+                      </a:r>
+                      <a:endParaRPr lang="zh-CN" altLang="en-US" sz="1600" dirty="0"/>
+                    </a:p>
+                  </a:txBody>
+                  <a:tcPr/>
+                </a:tc>
+              </a:tr>
+              <a:tr h="370840">
+                <a:tc>
+                  <a:txBody>
+                    <a:bodyPr/>
+                    <a:lstStyle/>
+                    <a:p>
+                      <a:pPr algn="l"/>
+                      <a:r>
+                        <a:rPr lang="en-US" altLang="zh-CN" sz="1600" dirty="0" smtClean="0"/>
+                        <a:t>celt/x86/</a:t>
                       </a:r>
                       <a:r>
                         <a:rPr lang="en-US" altLang="zh-CN" sz="1600" dirty="0" err="1" smtClean="0"/>
@@ -10085,7 +16058,7 @@
                       <a:pPr algn="ctr"/>
                       <a:r>
                         <a:rPr lang="en-US" altLang="zh-CN" sz="1600" dirty="0" smtClean="0"/>
-                        <a:t>SSE4.2</a:t>
+                        <a:t>SSE4.1</a:t>
                       </a:r>
                       <a:endParaRPr lang="zh-CN" altLang="en-US" sz="1600" dirty="0"/>
                     </a:p>
@@ -10177,7 +16150,7 @@
                       <a:pPr algn="ctr"/>
                       <a:r>
                         <a:rPr lang="en-US" altLang="zh-CN" sz="1600" dirty="0" smtClean="0"/>
-                        <a:t>SSE4.2</a:t>
+                        <a:t>SSE4.1</a:t>
                       </a:r>
                       <a:endParaRPr lang="zh-CN" altLang="en-US" sz="1600" dirty="0"/>
                     </a:p>
@@ -10195,14 +16168,6 @@
                       <a:r>
                         <a:rPr lang="en-US" altLang="zh-CN" sz="1600" dirty="0" smtClean="0"/>
                         <a:t>silk/</a:t>
-                      </a:r>
-                      <a:r>
-                        <a:rPr lang="en-US" altLang="zh-CN" sz="1600" dirty="0" err="1" smtClean="0"/>
-                        <a:t>x86</a:t>
-                      </a:r>
-                      <a:r>
-                        <a:rPr lang="en-US" altLang="zh-CN" sz="1600" dirty="0" smtClean="0"/>
-                        <a:t>/</a:t>
                       </a:r>
                       <a:r>
                         <a:rPr lang="en-US" altLang="zh-CN" sz="1600" dirty="0" err="1" smtClean="0"/>
@@ -10250,7 +16215,7 @@
                       <a:pPr algn="ctr"/>
                       <a:r>
                         <a:rPr lang="en-US" altLang="zh-CN" sz="1600" dirty="0" smtClean="0"/>
-                        <a:t>SSE4.2</a:t>
+                        <a:t>SSE4.1</a:t>
                       </a:r>
                       <a:endParaRPr lang="zh-CN" altLang="en-US" sz="1600" dirty="0"/>
                     </a:p>
@@ -10268,14 +16233,6 @@
                       <a:r>
                         <a:rPr lang="en-US" altLang="zh-CN" sz="1600" dirty="0" smtClean="0"/>
                         <a:t>silk/</a:t>
-                      </a:r>
-                      <a:r>
-                        <a:rPr lang="en-US" altLang="zh-CN" sz="1600" dirty="0" err="1" smtClean="0"/>
-                        <a:t>x86</a:t>
-                      </a:r>
-                      <a:r>
-                        <a:rPr lang="en-US" altLang="zh-CN" sz="1600" dirty="0" smtClean="0"/>
-                        <a:t>/</a:t>
                       </a:r>
                       <a:r>
                         <a:rPr lang="en-US" altLang="zh-CN" sz="1600" dirty="0" err="1" smtClean="0"/>
@@ -10334,7 +16291,7 @@
                       <a:pPr algn="ctr"/>
                       <a:r>
                         <a:rPr lang="en-US" altLang="zh-CN" sz="1600" dirty="0" smtClean="0"/>
-                        <a:t>SSE4.2</a:t>
+                        <a:t>SSE4.1</a:t>
                       </a:r>
                       <a:endParaRPr lang="zh-CN" altLang="en-US" sz="1600" dirty="0"/>
                     </a:p>
@@ -10352,14 +16309,6 @@
                       <a:r>
                         <a:rPr lang="en-US" altLang="zh-CN" sz="1600" dirty="0" smtClean="0"/>
                         <a:t>silk/</a:t>
-                      </a:r>
-                      <a:r>
-                        <a:rPr lang="en-US" altLang="zh-CN" sz="1600" dirty="0" err="1" smtClean="0"/>
-                        <a:t>x86</a:t>
-                      </a:r>
-                      <a:r>
-                        <a:rPr lang="en-US" altLang="zh-CN" sz="1600" dirty="0" smtClean="0"/>
-                        <a:t>/</a:t>
                       </a:r>
                       <a:r>
                         <a:rPr lang="en-US" altLang="zh-CN" sz="1600" dirty="0" err="1" smtClean="0"/>
@@ -10418,7 +16367,7 @@
                       <a:pPr algn="ctr"/>
                       <a:r>
                         <a:rPr lang="en-US" altLang="zh-CN" sz="1600" dirty="0" smtClean="0"/>
-                        <a:t>SSE4.2</a:t>
+                        <a:t>SSE4.1</a:t>
                       </a:r>
                       <a:endParaRPr lang="zh-CN" altLang="en-US" sz="1600" dirty="0"/>
                     </a:p>
@@ -10443,28 +16392,6 @@
                           <a:cs typeface="+mn-cs"/>
                         </a:rPr>
                         <a:t>silk/</a:t>
-                      </a:r>
-                      <a:r>
-                        <a:rPr lang="en-US" altLang="zh-CN" sz="1600" kern="1200" dirty="0" err="1" smtClean="0">
-                          <a:solidFill>
-                            <a:schemeClr val="dk1"/>
-                          </a:solidFill>
-                          <a:latin typeface="+mn-lt"/>
-                          <a:ea typeface="+mn-ea"/>
-                          <a:cs typeface="+mn-cs"/>
-                        </a:rPr>
-                        <a:t>x86</a:t>
-                      </a:r>
-                      <a:r>
-                        <a:rPr lang="en-US" altLang="zh-CN" sz="1600" kern="1200" dirty="0" smtClean="0">
-                          <a:solidFill>
-                            <a:schemeClr val="dk1"/>
-                          </a:solidFill>
-                          <a:latin typeface="+mn-lt"/>
-                          <a:ea typeface="+mn-ea"/>
-                          <a:cs typeface="+mn-cs"/>
-                        </a:rPr>
-                        <a:t>/</a:t>
                       </a:r>
                       <a:r>
                         <a:rPr lang="en-US" altLang="zh-CN" sz="1600" kern="1200" dirty="0" err="1" smtClean="0">
@@ -10544,7 +16471,7 @@
                           <a:ea typeface="+mn-ea"/>
                           <a:cs typeface="+mn-cs"/>
                         </a:rPr>
-                        <a:t>SSE4.2</a:t>
+                        <a:t>SSE4.1</a:t>
                       </a:r>
                       <a:endParaRPr lang="zh-CN" altLang="en-US" sz="1600" kern="1200" dirty="0">
                         <a:solidFill>
@@ -10559,7 +16486,7 @@
                   <a:tcPr/>
                 </a:tc>
               </a:tr>
-              <a:tr h="370840">
+              <a:tr h="360680">
                 <a:tc>
                   <a:txBody>
                     <a:bodyPr/>
@@ -10645,26 +16572,12 @@
                     <a:bodyPr/>
                     <a:lstStyle/>
                     <a:p>
-                      <a:pPr marL="0" algn="ctr" defTabSz="914400" rtl="0" eaLnBrk="1" latinLnBrk="0" hangingPunct="1"/>
+                      <a:pPr algn="ctr"/>
                       <a:r>
-                        <a:rPr lang="en-US" altLang="zh-CN" sz="1600" kern="1200" dirty="0" smtClean="0">
-                          <a:solidFill>
-                            <a:schemeClr val="dk1"/>
-                          </a:solidFill>
-                          <a:latin typeface="+mn-lt"/>
-                          <a:ea typeface="+mn-ea"/>
-                          <a:cs typeface="+mn-cs"/>
-                        </a:rPr>
+                        <a:rPr lang="en-US" altLang="zh-CN" sz="1600" dirty="0" smtClean="0"/>
                         <a:t>--</a:t>
                       </a:r>
-                      <a:endParaRPr lang="zh-CN" altLang="en-US" sz="1600" kern="1200" dirty="0">
-                        <a:solidFill>
-                          <a:schemeClr val="dk1"/>
-                        </a:solidFill>
-                        <a:latin typeface="+mn-lt"/>
-                        <a:ea typeface="+mn-ea"/>
-                        <a:cs typeface="+mn-cs"/>
-                      </a:endParaRPr>
+                      <a:endParaRPr lang="zh-CN" altLang="en-US" sz="1600" dirty="0"/>
                     </a:p>
                   </a:txBody>
                   <a:tcPr/>
@@ -10682,7 +16595,7 @@
         </p:nvSpPr>
         <p:spPr>
           <a:xfrm>
-            <a:off x="609600" y="4953000"/>
+            <a:off x="533400" y="5783997"/>
             <a:ext cx="6934200" cy="830997"/>
           </a:xfrm>
           <a:prstGeom prst="rect">
@@ -10745,7 +16658,23 @@
                   <a:schemeClr val="dk1"/>
                 </a:solidFill>
               </a:rPr>
-              <a:t>some new </a:t>
+              <a:t>some new function for dynamic detect CPU support </a:t>
+            </a:r>
+            <a:r>
+              <a:rPr lang="en-US" altLang="zh-CN" sz="1600" i="1" dirty="0" err="1">
+                <a:solidFill>
+                  <a:schemeClr val="dk1"/>
+                </a:solidFill>
+              </a:rPr>
+              <a:t>instrinsics</a:t>
+            </a:r>
+            <a:r>
+              <a:rPr lang="en-US" altLang="zh-CN" sz="1600" i="1" dirty="0">
+                <a:solidFill>
+                  <a:schemeClr val="dk1"/>
+                </a:solidFill>
+              </a:rPr>
+              <a:t> type(none, SSE2, SSE4.2</a:t>
             </a:r>
             <a:r>
               <a:rPr lang="en-US" altLang="zh-CN" sz="1600" i="1" dirty="0" smtClean="0">
@@ -10753,71 +16682,7 @@
                   <a:schemeClr val="dk1"/>
                 </a:solidFill>
               </a:rPr>
-              <a:t>functions </a:t>
-            </a:r>
-            <a:r>
-              <a:rPr lang="en-US" altLang="zh-CN" sz="1600" i="1" dirty="0">
-                <a:solidFill>
-                  <a:schemeClr val="dk1"/>
-                </a:solidFill>
-              </a:rPr>
-              <a:t>for </a:t>
-            </a:r>
-            <a:r>
-              <a:rPr lang="en-US" altLang="zh-CN" sz="1600" i="1" dirty="0" smtClean="0">
-                <a:solidFill>
-                  <a:schemeClr val="dk1"/>
-                </a:solidFill>
-              </a:rPr>
-              <a:t>dynamically detecting </a:t>
-            </a:r>
-            <a:r>
-              <a:rPr lang="en-US" altLang="zh-CN" sz="1600" i="1" dirty="0">
-                <a:solidFill>
-                  <a:schemeClr val="dk1"/>
-                </a:solidFill>
-              </a:rPr>
-              <a:t>CPU </a:t>
-            </a:r>
-            <a:r>
-              <a:rPr lang="en-US" altLang="zh-CN" sz="1600" i="1" dirty="0" smtClean="0">
-                <a:solidFill>
-                  <a:schemeClr val="dk1"/>
-                </a:solidFill>
-              </a:rPr>
-              <a:t>features (no </a:t>
-            </a:r>
-            <a:r>
-              <a:rPr lang="en-US" altLang="zh-CN" sz="1600" i="1" dirty="0" err="1" smtClean="0">
-                <a:solidFill>
-                  <a:schemeClr val="dk1"/>
-                </a:solidFill>
-              </a:rPr>
-              <a:t>SIMD</a:t>
-            </a:r>
-            <a:r>
-              <a:rPr lang="en-US" altLang="zh-CN" sz="1600" i="1" dirty="0" smtClean="0">
-                <a:solidFill>
-                  <a:schemeClr val="dk1"/>
-                </a:solidFill>
-              </a:rPr>
-              <a:t>, </a:t>
-            </a:r>
-            <a:r>
-              <a:rPr lang="en-US" altLang="zh-CN" sz="1600" i="1" dirty="0">
-                <a:solidFill>
-                  <a:schemeClr val="dk1"/>
-                </a:solidFill>
-              </a:rPr>
-              <a:t>SSE2, SSE4.2</a:t>
-            </a:r>
-            <a:r>
-              <a:rPr lang="en-US" altLang="zh-CN" sz="1600" i="1" dirty="0" smtClean="0">
-                <a:solidFill>
-                  <a:schemeClr val="dk1"/>
-                </a:solidFill>
-              </a:rPr>
-              <a:t>), use function pointer to implement.</a:t>
+              <a:t>), use function point to implement.</a:t>
             </a:r>
             <a:endParaRPr lang="en-US" altLang="zh-CN" sz="1600" i="1" dirty="0">
               <a:solidFill>
@@ -10831,205 +16696,6 @@
     <p:extLst>
       <p:ext uri="{BB962C8B-B14F-4D97-AF65-F5344CB8AC3E}">
         <p14:creationId xmlns:p14="http://schemas.microsoft.com/office/powerpoint/2010/main" val="1327409851"/>
-      </p:ext>
-    </p:extLst>
-  </p:cSld>
-  <p:clrMapOvr>
-    <a:masterClrMapping/>
-  </p:clrMapOvr>
-  <p:transition>
-    <p:wipe dir="r"/>
-  </p:transition>
-  <p:timing>
-    <p:tnLst>
-      <p:par>
-        <p:cTn id="1" dur="indefinite" restart="never" nodeType="tmRoot"/>
-      </p:par>
-    </p:tnLst>
-  </p:timing>
-</p:sld>
-</file>
-
-<file path=ppt/slides/slide8.xml><?xml version="1.0" encoding="utf-8"?>
-<p:sld xmlns:a="http://schemas.openxmlformats.org/drawingml/2006/main" xmlns:r="http://schemas.openxmlformats.org/officeDocument/2006/relationships" xmlns:p="http://schemas.openxmlformats.org/presentationml/2006/main">
-  <p:cSld>
-    <p:spTree>
-      <p:nvGrpSpPr>
-        <p:cNvPr id="1" name=""/>
-        <p:cNvGrpSpPr/>
-        <p:nvPr/>
-      </p:nvGrpSpPr>
-      <p:grpSpPr>
-        <a:xfrm>
-          <a:off x="0" y="0"/>
-          <a:ext cx="0" cy="0"/>
-          <a:chOff x="0" y="0"/>
-          <a:chExt cx="0" cy="0"/>
-        </a:xfrm>
-      </p:grpSpPr>
-      <p:sp>
-        <p:nvSpPr>
-          <p:cNvPr id="2" name="Title 1"/>
-          <p:cNvSpPr>
-            <a:spLocks noGrp="1"/>
-          </p:cNvSpPr>
-          <p:nvPr>
-            <p:ph type="title"/>
-          </p:nvPr>
-        </p:nvSpPr>
-        <p:spPr/>
-        <p:txBody>
-          <a:bodyPr vert="horz" lIns="91440" tIns="45720" rIns="91440" bIns="45720" rtlCol="0" anchor="ctr">
-            <a:normAutofit/>
-          </a:bodyPr>
-          <a:lstStyle/>
-          <a:p>
-            <a:r>
-              <a:rPr lang="en-US" altLang="zh-CN" dirty="0" smtClean="0"/>
-              <a:t>About dynamically checking CPU type</a:t>
-            </a:r>
-            <a:endParaRPr lang="en-US" altLang="zh-CN" dirty="0"/>
-          </a:p>
-        </p:txBody>
-      </p:sp>
-      <p:sp>
-        <p:nvSpPr>
-          <p:cNvPr id="13" name="Text Placeholder 12"/>
-          <p:cNvSpPr>
-            <a:spLocks noGrp="1"/>
-          </p:cNvSpPr>
-          <p:nvPr>
-            <p:ph type="body" sz="quarter" idx="10"/>
-          </p:nvPr>
-        </p:nvSpPr>
-        <p:spPr>
-          <a:xfrm>
-            <a:off x="457200" y="1828800"/>
-            <a:ext cx="7696200" cy="1725088"/>
-          </a:xfrm>
-          <a:prstGeom prst="rect">
-            <a:avLst/>
-          </a:prstGeom>
-        </p:spPr>
-        <p:txBody>
-          <a:bodyPr wrap="square">
-            <a:spAutoFit/>
-          </a:bodyPr>
-          <a:lstStyle/>
-          <a:p>
-            <a:pPr marL="457200" indent="-457200">
-              <a:buFont typeface="+mj-lt"/>
-              <a:buAutoNum type="arabicPeriod"/>
-            </a:pPr>
-            <a:r>
-              <a:rPr lang="en-US" altLang="zh-CN" sz="2400" dirty="0" smtClean="0">
-                <a:solidFill>
-                  <a:schemeClr val="tx1"/>
-                </a:solidFill>
-              </a:rPr>
-              <a:t>Detect CPU type in </a:t>
-            </a:r>
-            <a:r>
-              <a:rPr lang="en-US" altLang="zh-CN" sz="2400" dirty="0" err="1" smtClean="0">
-                <a:solidFill>
-                  <a:schemeClr val="tx1"/>
-                </a:solidFill>
-              </a:rPr>
-              <a:t>opus_encoder_init</a:t>
-            </a:r>
-            <a:endParaRPr lang="en-US" altLang="zh-CN" sz="2400" dirty="0" smtClean="0">
-              <a:solidFill>
-                <a:schemeClr val="tx1"/>
-              </a:solidFill>
-            </a:endParaRPr>
-          </a:p>
-          <a:p>
-            <a:pPr marL="457200" indent="-457200">
-              <a:buFont typeface="+mj-lt"/>
-              <a:buAutoNum type="arabicPeriod"/>
-            </a:pPr>
-            <a:r>
-              <a:rPr lang="en-US" altLang="zh-CN" sz="2400" dirty="0" smtClean="0">
-                <a:solidFill>
-                  <a:schemeClr val="tx1"/>
-                </a:solidFill>
-              </a:rPr>
-              <a:t> initialize function vectors according to CPU type</a:t>
-            </a:r>
-          </a:p>
-          <a:p>
-            <a:pPr lvl="1"/>
-            <a:r>
-              <a:rPr lang="en-US" altLang="zh-CN" sz="2000" dirty="0">
-                <a:solidFill>
-                  <a:schemeClr val="tx1"/>
-                </a:solidFill>
-              </a:rPr>
-              <a:t>d</a:t>
-            </a:r>
-            <a:r>
-              <a:rPr lang="en-US" altLang="zh-CN" sz="2000" dirty="0" smtClean="0">
-                <a:solidFill>
-                  <a:schemeClr val="tx1"/>
-                </a:solidFill>
-              </a:rPr>
-              <a:t>efault points to original C implementations</a:t>
-            </a:r>
-          </a:p>
-          <a:p>
-            <a:pPr lvl="1"/>
-            <a:r>
-              <a:rPr lang="en-US" altLang="zh-CN" sz="2000" dirty="0" smtClean="0">
-                <a:solidFill>
-                  <a:schemeClr val="tx1"/>
-                </a:solidFill>
-              </a:rPr>
-              <a:t>points to </a:t>
-            </a:r>
-            <a:r>
-              <a:rPr lang="en-US" altLang="zh-CN" sz="2000" dirty="0" err="1" smtClean="0">
-                <a:solidFill>
-                  <a:schemeClr val="tx1"/>
-                </a:solidFill>
-              </a:rPr>
-              <a:t>SSE2</a:t>
-            </a:r>
-            <a:r>
-              <a:rPr lang="en-US" altLang="zh-CN" sz="2000" dirty="0" smtClean="0">
-                <a:solidFill>
-                  <a:schemeClr val="tx1"/>
-                </a:solidFill>
-              </a:rPr>
-              <a:t>/</a:t>
-            </a:r>
-            <a:r>
-              <a:rPr lang="en-US" altLang="zh-CN" sz="2000" dirty="0" err="1" smtClean="0">
-                <a:solidFill>
-                  <a:schemeClr val="tx1"/>
-                </a:solidFill>
-              </a:rPr>
-              <a:t>SSE4.2</a:t>
-            </a:r>
-            <a:r>
-              <a:rPr lang="en-US" altLang="zh-CN" sz="2000" dirty="0" smtClean="0">
-                <a:solidFill>
-                  <a:schemeClr val="tx1"/>
-                </a:solidFill>
-              </a:rPr>
-              <a:t> implementations if supported</a:t>
-            </a:r>
-            <a:endParaRPr lang="en-US" altLang="zh-CN" sz="2000" dirty="0" smtClean="0">
-              <a:solidFill>
-                <a:schemeClr val="tx1"/>
-              </a:solidFill>
-            </a:endParaRPr>
-          </a:p>
-        </p:txBody>
-      </p:sp>
-    </p:spTree>
-    <p:extLst>
-      <p:ext uri="{BB962C8B-B14F-4D97-AF65-F5344CB8AC3E}">
-        <p14:creationId xmlns:p14="http://schemas.microsoft.com/office/powerpoint/2010/main" val="1371255404"/>
       </p:ext>
     </p:extLst>
   </p:cSld>
@@ -11068,6 +16734,32 @@
       </p:grpSpPr>
       <p:sp>
         <p:nvSpPr>
+          <p:cNvPr id="2" name="Title 1"/>
+          <p:cNvSpPr>
+            <a:spLocks noGrp="1"/>
+          </p:cNvSpPr>
+          <p:nvPr>
+            <p:ph type="title"/>
+          </p:nvPr>
+        </p:nvSpPr>
+        <p:spPr/>
+        <p:txBody>
+          <a:bodyPr/>
+          <a:lstStyle/>
+          <a:p>
+            <a:r>
+              <a:rPr lang="en-US" altLang="zh-CN" dirty="0">
+                <a:solidFill>
+                  <a:srgbClr val="000000"/>
+                </a:solidFill>
+              </a:rPr>
+              <a:t>How to verify Optimization </a:t>
+            </a:r>
+          </a:p>
+        </p:txBody>
+      </p:sp>
+      <p:sp>
+        <p:nvSpPr>
           <p:cNvPr id="4" name="Text Placeholder 12"/>
           <p:cNvSpPr>
             <a:spLocks noGrp="1"/>
@@ -11079,7 +16771,7 @@
         <p:spPr>
           <a:xfrm>
             <a:off x="457200" y="1828800"/>
-            <a:ext cx="7696200" cy="3102388"/>
+            <a:ext cx="7696200" cy="2072875"/>
           </a:xfrm>
           <a:prstGeom prst="rect">
             <a:avLst/>
@@ -11091,35 +16783,12 @@
           </a:bodyPr>
           <a:lstStyle/>
           <a:p>
-            <a:pPr marL="457200" indent="-457200">
-              <a:buAutoNum type="arabicPeriod"/>
-            </a:pPr>
-            <a:r>
-              <a:rPr lang="en-US" altLang="zh-CN" sz="2400" dirty="0" smtClean="0"/>
-              <a:t>Check the encoded bit-stream</a:t>
-            </a:r>
-          </a:p>
-          <a:p>
-            <a:pPr marL="400050" lvl="1" indent="0">
-              <a:buNone/>
-            </a:pPr>
-            <a:r>
-              <a:rPr lang="en-US" altLang="zh-CN" sz="2000" dirty="0" smtClean="0"/>
-              <a:t>should be exactly same with original code</a:t>
-            </a:r>
-            <a:endParaRPr lang="en-US" altLang="zh-CN" sz="2000" dirty="0" smtClean="0"/>
-          </a:p>
-          <a:p>
             <a:pPr marL="0" indent="0">
               <a:buNone/>
             </a:pPr>
             <a:r>
               <a:rPr lang="en-US" altLang="zh-CN" sz="2400" dirty="0" smtClean="0"/>
-              <a:t>2.   All </a:t>
-            </a:r>
-            <a:r>
-              <a:rPr lang="en-US" altLang="zh-CN" sz="2400" dirty="0" smtClean="0"/>
-              <a:t>test pass by OPUS official test:</a:t>
+              <a:t>1.   All test pass by OPUS official test way:</a:t>
             </a:r>
           </a:p>
           <a:p>
@@ -11138,19 +16807,7 @@
             </a:pPr>
             <a:r>
               <a:rPr lang="en-US" altLang="zh-CN" sz="2400" dirty="0" smtClean="0"/>
-              <a:t>3.   </a:t>
-            </a:r>
-            <a:r>
-              <a:rPr lang="en-US" altLang="zh-CN" sz="2400" dirty="0" smtClean="0"/>
-              <a:t>Use </a:t>
-            </a:r>
-            <a:r>
-              <a:rPr lang="en-US" altLang="zh-CN" sz="2400" dirty="0" err="1" smtClean="0"/>
-              <a:t>PESQ</a:t>
-            </a:r>
-            <a:r>
-              <a:rPr lang="en-US" altLang="zh-CN" sz="2400" dirty="0" smtClean="0"/>
-              <a:t>:</a:t>
+              <a:t>2.   Use PESQ way:</a:t>
             </a:r>
           </a:p>
           <a:p>
@@ -11173,20 +16830,20 @@
           <p:nvPr>
             <p:extLst>
               <p:ext uri="{D42A27DB-BD31-4B8C-83A1-F6EECF244321}">
-                <p14:modId xmlns:p14="http://schemas.microsoft.com/office/powerpoint/2010/main" val="178562933"/>
+                <p14:modId xmlns:p14="http://schemas.microsoft.com/office/powerpoint/2010/main" val="3375336222"/>
               </p:ext>
             </p:extLst>
           </p:nvPr>
         </p:nvGraphicFramePr>
         <p:xfrm>
-          <a:off x="2209800" y="3200400"/>
+          <a:off x="2057400" y="2362200"/>
           <a:ext cx="1752600" cy="519112"/>
         </p:xfrm>
         <a:graphic>
           <a:graphicData uri="http://schemas.openxmlformats.org/presentationml/2006/ole">
             <mc:AlternateContent xmlns:mc="http://schemas.openxmlformats.org/markup-compatibility/2006">
               <mc:Choice xmlns:v="urn:schemas-microsoft-com:vml" Requires="v">
-                <p:oleObj spid="_x0000_s1120" name="Packager Shell Object" showAsIcon="1" r:id="rId4" imgW="1245600" imgH="518400" progId="Package">
+                <p:oleObj spid="_x0000_s1152" name="Packager Shell Object" showAsIcon="1" r:id="rId4" imgW="1245600" imgH="518400" progId="Package">
                   <p:embed/>
                 </p:oleObj>
               </mc:Choice>
@@ -11207,7 +16864,7 @@
                     </p:blipFill>
                     <p:spPr>
                       <a:xfrm>
-                        <a:off x="2209800" y="3200400"/>
+                        <a:off x="2057400" y="2362200"/>
                         <a:ext cx="1752600" cy="519112"/>
                       </a:xfrm>
                       <a:prstGeom prst="rect">
@@ -11221,29 +16878,6 @@
           </a:graphicData>
         </a:graphic>
       </p:graphicFrame>
-      <p:sp>
-        <p:nvSpPr>
-          <p:cNvPr id="3" name="Title 2"/>
-          <p:cNvSpPr>
-            <a:spLocks noGrp="1"/>
-          </p:cNvSpPr>
-          <p:nvPr>
-            <p:ph type="title"/>
-          </p:nvPr>
-        </p:nvSpPr>
-        <p:spPr/>
-        <p:txBody>
-          <a:bodyPr/>
-          <a:lstStyle/>
-          <a:p>
-            <a:r>
-              <a:rPr lang="en-US" dirty="0" smtClean="0"/>
-              <a:t>How to verify optimization</a:t>
-            </a:r>
-            <a:endParaRPr lang="en-US" dirty="0"/>
-          </a:p>
-        </p:txBody>
-      </p:sp>
     </p:spTree>
     <p:extLst>
       <p:ext uri="{BB962C8B-B14F-4D97-AF65-F5344CB8AC3E}">

--- a/cisco-opus-optimization.pptx
+++ b/cisco-opus-optimization.pptx
@@ -5,7 +5,7 @@
     <p:sldMasterId id="2147483648" r:id="rId1"/>
   </p:sldMasterIdLst>
   <p:notesMasterIdLst>
-    <p:notesMasterId r:id="rId12"/>
+    <p:notesMasterId r:id="rId11"/>
   </p:notesMasterIdLst>
   <p:sldIdLst>
     <p:sldId id="256" r:id="rId2"/>
@@ -13,11 +13,10 @@
     <p:sldId id="261" r:id="rId4"/>
     <p:sldId id="260" r:id="rId5"/>
     <p:sldId id="262" r:id="rId6"/>
-    <p:sldId id="266" r:id="rId7"/>
-    <p:sldId id="263" r:id="rId8"/>
-    <p:sldId id="265" r:id="rId9"/>
+    <p:sldId id="263" r:id="rId7"/>
+    <p:sldId id="265" r:id="rId8"/>
+    <p:sldId id="268" r:id="rId9"/>
     <p:sldId id="264" r:id="rId10"/>
-    <p:sldId id="258" r:id="rId11"/>
   </p:sldIdLst>
   <p:sldSz cx="9144000" cy="6858000" type="screen4x3"/>
   <p:notesSz cx="6858000" cy="9144000"/>
@@ -201,7 +200,7 @@
           <a:p>
             <a:fld id="{35C14960-BC79-4600-8BBA-F2FA64467932}" type="datetimeFigureOut">
               <a:rPr lang="zh-CN" altLang="en-US" smtClean="0"/>
-              <a:t>2014/5/22</a:t>
+              <a:t>2014/5/23</a:t>
             </a:fld>
             <a:endParaRPr lang="zh-CN" altLang="en-US"/>
           </a:p>
@@ -513,463 +512,6 @@
           <a:bodyPr/>
           <a:lstStyle/>
           <a:p>
-            <a:r>
-              <a:rPr lang="zh-CN" altLang="en-US" sz="1200" b="0" i="0" u="none" strike="noStrike" kern="1200" dirty="0" smtClean="0">
-                <a:solidFill>
-                  <a:schemeClr val="tx1"/>
-                </a:solidFill>
-                <a:effectLst/>
-                <a:latin typeface="+mn-lt"/>
-                <a:ea typeface="+mn-ea"/>
-                <a:cs typeface="+mn-cs"/>
-                <a:hlinkClick r:id="rId3" tooltip="采样"/>
-              </a:rPr>
-              <a:t>采样</a:t>
-            </a:r>
-            <a:r>
-              <a:rPr lang="zh-CN" altLang="en-US" sz="1200" b="0" i="0" kern="1200" dirty="0" smtClean="0">
-                <a:solidFill>
-                  <a:schemeClr val="tx1"/>
-                </a:solidFill>
-                <a:effectLst/>
-                <a:latin typeface="+mn-lt"/>
-                <a:ea typeface="+mn-ea"/>
-                <a:cs typeface="+mn-cs"/>
-              </a:rPr>
-              <a:t>是将一个信号（即时间或空间上的连续函数）转换成一个数值序列（即时间或空间上的离散函数）。</a:t>
-            </a:r>
-            <a:endParaRPr lang="en-US" altLang="zh-CN" sz="1200" b="0" i="0" kern="1200" dirty="0" smtClean="0">
-              <a:solidFill>
-                <a:schemeClr val="tx1"/>
-              </a:solidFill>
-              <a:effectLst/>
-              <a:latin typeface="+mn-lt"/>
-              <a:ea typeface="+mn-ea"/>
-              <a:cs typeface="+mn-cs"/>
-            </a:endParaRPr>
-          </a:p>
-          <a:p>
-            <a:r>
-              <a:rPr lang="zh-CN" altLang="en-US" dirty="0" smtClean="0"/>
-              <a:t>如果信号是</a:t>
-            </a:r>
-            <a:r>
-              <a:rPr lang="zh-CN" altLang="en-US" sz="1200" u="none" strike="noStrike" kern="1200" dirty="0" smtClean="0">
-                <a:solidFill>
-                  <a:schemeClr val="tx1"/>
-                </a:solidFill>
-                <a:effectLst/>
-                <a:latin typeface="+mn-lt"/>
-                <a:ea typeface="+mn-ea"/>
-                <a:cs typeface="+mn-cs"/>
-                <a:hlinkClick r:id="rId4" tooltip="带限（页面不存在）"/>
-              </a:rPr>
-              <a:t>带限</a:t>
-            </a:r>
-            <a:r>
-              <a:rPr lang="zh-CN" altLang="en-US" dirty="0" smtClean="0"/>
-              <a:t>的，并且</a:t>
-            </a:r>
-            <a:r>
-              <a:rPr lang="zh-CN" altLang="en-US" sz="1200" u="none" strike="noStrike" kern="1200" dirty="0" smtClean="0">
-                <a:solidFill>
-                  <a:schemeClr val="tx1"/>
-                </a:solidFill>
-                <a:effectLst/>
-                <a:latin typeface="+mn-lt"/>
-                <a:ea typeface="+mn-ea"/>
-                <a:cs typeface="+mn-cs"/>
-                <a:hlinkClick r:id="rId5" tooltip="采样频率"/>
-              </a:rPr>
-              <a:t>采样频率</a:t>
-            </a:r>
-            <a:r>
-              <a:rPr lang="zh-CN" altLang="en-US" dirty="0" smtClean="0"/>
-              <a:t>大于信号</a:t>
-            </a:r>
-            <a:r>
-              <a:rPr lang="zh-CN" altLang="en-US" sz="1200" u="none" strike="noStrike" kern="1200" dirty="0" smtClean="0">
-                <a:solidFill>
-                  <a:schemeClr val="tx1"/>
-                </a:solidFill>
-                <a:effectLst/>
-                <a:latin typeface="+mn-lt"/>
-                <a:ea typeface="+mn-ea"/>
-                <a:cs typeface="+mn-cs"/>
-                <a:hlinkClick r:id="rId6" tooltip="带宽"/>
-              </a:rPr>
-              <a:t>带宽</a:t>
-            </a:r>
-            <a:r>
-              <a:rPr lang="zh-CN" altLang="en-US" dirty="0" smtClean="0"/>
-              <a:t>的</a:t>
-            </a:r>
-            <a:r>
-              <a:rPr lang="en-US" altLang="zh-CN" dirty="0" smtClean="0"/>
-              <a:t>2</a:t>
-            </a:r>
-            <a:r>
-              <a:rPr lang="zh-CN" altLang="en-US" dirty="0" smtClean="0"/>
-              <a:t>倍，那么，原来的连续信号可以从采样样本中完全重建出来</a:t>
-            </a:r>
-            <a:r>
-              <a:rPr lang="en-US" altLang="zh-CN" dirty="0" smtClean="0"/>
-              <a:t>(</a:t>
-            </a:r>
-            <a:r>
-              <a:rPr lang="zh-CN" altLang="en-US" dirty="0" smtClean="0"/>
-              <a:t>如人的声音频率范围是</a:t>
-            </a:r>
-            <a:r>
-              <a:rPr lang="en-US" altLang="zh-CN" dirty="0" smtClean="0"/>
-              <a:t>)</a:t>
-            </a:r>
-            <a:r>
-              <a:rPr lang="zh-CN" altLang="en-US" dirty="0" smtClean="0"/>
-              <a:t>。</a:t>
-            </a:r>
-            <a:endParaRPr lang="en-US" altLang="zh-CN" dirty="0" smtClean="0"/>
-          </a:p>
-          <a:p>
-            <a:r>
-              <a:rPr lang="zh-CN" altLang="zh-CN" sz="1200" kern="1200" dirty="0" smtClean="0">
-                <a:solidFill>
-                  <a:schemeClr val="tx1"/>
-                </a:solidFill>
-                <a:effectLst/>
-                <a:latin typeface="+mn-lt"/>
-                <a:ea typeface="+mn-ea"/>
-                <a:cs typeface="+mn-cs"/>
-              </a:rPr>
-              <a:t>有损和无损：根据采样率和采样大小可以得知，相对自然界的信号，音频编码最多只能做到无限接近，至少目前的技术只能这样了，相对自然界的信号，任何数字音频编码方案都是有损的，因为无法完全还原。</a:t>
-            </a:r>
-            <a:r>
-              <a:rPr lang="zh-CN" altLang="zh-CN" sz="1200" b="1" kern="1200" dirty="0" smtClean="0">
-                <a:solidFill>
-                  <a:schemeClr val="tx1"/>
-                </a:solidFill>
-                <a:effectLst/>
-                <a:latin typeface="+mn-lt"/>
-                <a:ea typeface="+mn-ea"/>
-                <a:cs typeface="+mn-cs"/>
-              </a:rPr>
-              <a:t>在计算机应用中，能够达到最高保真水平的就是</a:t>
-            </a:r>
-            <a:r>
-              <a:rPr lang="en-US" altLang="zh-CN" sz="1200" b="1" kern="1200" dirty="0" smtClean="0">
-                <a:solidFill>
-                  <a:schemeClr val="tx1"/>
-                </a:solidFill>
-                <a:effectLst/>
-                <a:latin typeface="+mn-lt"/>
-                <a:ea typeface="+mn-ea"/>
-                <a:cs typeface="+mn-cs"/>
-              </a:rPr>
-              <a:t>PCM</a:t>
-            </a:r>
-            <a:r>
-              <a:rPr lang="zh-CN" altLang="zh-CN" sz="1200" b="1" kern="1200" dirty="0" smtClean="0">
-                <a:solidFill>
-                  <a:schemeClr val="tx1"/>
-                </a:solidFill>
-                <a:effectLst/>
-                <a:latin typeface="+mn-lt"/>
-                <a:ea typeface="+mn-ea"/>
-                <a:cs typeface="+mn-cs"/>
-              </a:rPr>
-              <a:t>编码</a:t>
-            </a:r>
-            <a:r>
-              <a:rPr lang="zh-CN" altLang="zh-CN" sz="1200" kern="1200" dirty="0" smtClean="0">
-                <a:solidFill>
-                  <a:schemeClr val="tx1"/>
-                </a:solidFill>
-                <a:effectLst/>
-                <a:latin typeface="+mn-lt"/>
-                <a:ea typeface="+mn-ea"/>
-                <a:cs typeface="+mn-cs"/>
-              </a:rPr>
-              <a:t>，</a:t>
-            </a:r>
-            <a:r>
-              <a:rPr lang="en-US" altLang="zh-CN" sz="1200" b="1" kern="1200" dirty="0" smtClean="0">
-                <a:solidFill>
-                  <a:schemeClr val="tx1"/>
-                </a:solidFill>
-                <a:effectLst/>
-                <a:latin typeface="+mn-lt"/>
-                <a:ea typeface="+mn-ea"/>
-                <a:cs typeface="+mn-cs"/>
-              </a:rPr>
-              <a:t>PCM</a:t>
-            </a:r>
-            <a:r>
-              <a:rPr lang="zh-CN" altLang="zh-CN" sz="1200" b="1" kern="1200" dirty="0" smtClean="0">
-                <a:solidFill>
-                  <a:schemeClr val="tx1"/>
-                </a:solidFill>
-                <a:effectLst/>
-                <a:latin typeface="+mn-lt"/>
-                <a:ea typeface="+mn-ea"/>
-                <a:cs typeface="+mn-cs"/>
-              </a:rPr>
-              <a:t>约定俗成了无损编码，因为</a:t>
-            </a:r>
-            <a:r>
-              <a:rPr lang="en-US" altLang="zh-CN" sz="1200" b="1" kern="1200" dirty="0" smtClean="0">
-                <a:solidFill>
-                  <a:schemeClr val="tx1"/>
-                </a:solidFill>
-                <a:effectLst/>
-                <a:latin typeface="+mn-lt"/>
-                <a:ea typeface="+mn-ea"/>
-                <a:cs typeface="+mn-cs"/>
-              </a:rPr>
-              <a:t>PCM</a:t>
-            </a:r>
-            <a:r>
-              <a:rPr lang="zh-CN" altLang="zh-CN" sz="1200" b="1" kern="1200" dirty="0" smtClean="0">
-                <a:solidFill>
-                  <a:schemeClr val="tx1"/>
-                </a:solidFill>
-                <a:effectLst/>
-                <a:latin typeface="+mn-lt"/>
-                <a:ea typeface="+mn-ea"/>
-                <a:cs typeface="+mn-cs"/>
-              </a:rPr>
-              <a:t>代表了数字音频中最佳的保真水准，并不意味着</a:t>
-            </a:r>
-            <a:r>
-              <a:rPr lang="en-US" altLang="zh-CN" sz="1200" b="1" kern="1200" dirty="0" smtClean="0">
-                <a:solidFill>
-                  <a:schemeClr val="tx1"/>
-                </a:solidFill>
-                <a:effectLst/>
-                <a:latin typeface="+mn-lt"/>
-                <a:ea typeface="+mn-ea"/>
-                <a:cs typeface="+mn-cs"/>
-              </a:rPr>
-              <a:t>PCM</a:t>
-            </a:r>
-            <a:r>
-              <a:rPr lang="zh-CN" altLang="zh-CN" sz="1200" b="1" kern="1200" dirty="0" smtClean="0">
-                <a:solidFill>
-                  <a:schemeClr val="tx1"/>
-                </a:solidFill>
-                <a:effectLst/>
-                <a:latin typeface="+mn-lt"/>
-                <a:ea typeface="+mn-ea"/>
-                <a:cs typeface="+mn-cs"/>
-              </a:rPr>
-              <a:t>就能够确保信号绝对保真，</a:t>
-            </a:r>
-            <a:r>
-              <a:rPr lang="en-US" altLang="zh-CN" sz="1200" b="1" kern="1200" dirty="0" smtClean="0">
-                <a:solidFill>
-                  <a:schemeClr val="tx1"/>
-                </a:solidFill>
-                <a:effectLst/>
-                <a:latin typeface="+mn-lt"/>
-                <a:ea typeface="+mn-ea"/>
-                <a:cs typeface="+mn-cs"/>
-              </a:rPr>
-              <a:t>PCM</a:t>
-            </a:r>
-            <a:r>
-              <a:rPr lang="zh-CN" altLang="zh-CN" sz="1200" b="1" kern="1200" dirty="0" smtClean="0">
-                <a:solidFill>
-                  <a:schemeClr val="tx1"/>
-                </a:solidFill>
-                <a:effectLst/>
-                <a:latin typeface="+mn-lt"/>
-                <a:ea typeface="+mn-ea"/>
-                <a:cs typeface="+mn-cs"/>
-              </a:rPr>
-              <a:t>也只能做到最大程度的无限接近</a:t>
-            </a:r>
-            <a:r>
-              <a:rPr lang="zh-CN" altLang="zh-CN" sz="1200" kern="1200" dirty="0" smtClean="0">
-                <a:solidFill>
-                  <a:schemeClr val="tx1"/>
-                </a:solidFill>
-                <a:effectLst/>
-                <a:latin typeface="+mn-lt"/>
-                <a:ea typeface="+mn-ea"/>
-                <a:cs typeface="+mn-cs"/>
-              </a:rPr>
-              <a:t>。被广泛用于素材保存及音乐欣赏，</a:t>
-            </a:r>
-            <a:r>
-              <a:rPr lang="en-US" altLang="zh-CN" sz="1200" kern="1200" dirty="0" smtClean="0">
-                <a:solidFill>
-                  <a:schemeClr val="tx1"/>
-                </a:solidFill>
-                <a:effectLst/>
-                <a:latin typeface="+mn-lt"/>
-                <a:ea typeface="+mn-ea"/>
-                <a:cs typeface="+mn-cs"/>
-              </a:rPr>
-              <a:t>CD</a:t>
-            </a:r>
-            <a:r>
-              <a:rPr lang="zh-CN" altLang="zh-CN" sz="1200" kern="1200" dirty="0" smtClean="0">
-                <a:solidFill>
-                  <a:schemeClr val="tx1"/>
-                </a:solidFill>
-                <a:effectLst/>
-                <a:latin typeface="+mn-lt"/>
-                <a:ea typeface="+mn-ea"/>
-                <a:cs typeface="+mn-cs"/>
-              </a:rPr>
-              <a:t>、</a:t>
-            </a:r>
-            <a:r>
-              <a:rPr lang="en-US" altLang="zh-CN" sz="1200" kern="1200" dirty="0" smtClean="0">
-                <a:solidFill>
-                  <a:schemeClr val="tx1"/>
-                </a:solidFill>
-                <a:effectLst/>
-                <a:latin typeface="+mn-lt"/>
-                <a:ea typeface="+mn-ea"/>
-                <a:cs typeface="+mn-cs"/>
-              </a:rPr>
-              <a:t>DVD</a:t>
-            </a:r>
-            <a:r>
-              <a:rPr lang="zh-CN" altLang="zh-CN" sz="1200" kern="1200" dirty="0" smtClean="0">
-                <a:solidFill>
-                  <a:schemeClr val="tx1"/>
-                </a:solidFill>
-                <a:effectLst/>
-                <a:latin typeface="+mn-lt"/>
-                <a:ea typeface="+mn-ea"/>
-                <a:cs typeface="+mn-cs"/>
-              </a:rPr>
-              <a:t>以及我们常见的</a:t>
-            </a:r>
-            <a:r>
-              <a:rPr lang="en-US" altLang="zh-CN" sz="1200" kern="1200" dirty="0" smtClean="0">
-                <a:solidFill>
-                  <a:schemeClr val="tx1"/>
-                </a:solidFill>
-                <a:effectLst/>
-                <a:latin typeface="+mn-lt"/>
-                <a:ea typeface="+mn-ea"/>
-                <a:cs typeface="+mn-cs"/>
-              </a:rPr>
-              <a:t>WAV </a:t>
-            </a:r>
-            <a:r>
-              <a:rPr lang="zh-CN" altLang="zh-CN" sz="1200" kern="1200" dirty="0" smtClean="0">
-                <a:solidFill>
-                  <a:schemeClr val="tx1"/>
-                </a:solidFill>
-                <a:effectLst/>
-                <a:latin typeface="+mn-lt"/>
-                <a:ea typeface="+mn-ea"/>
-                <a:cs typeface="+mn-cs"/>
-              </a:rPr>
-              <a:t>文件中均有应用。因此，</a:t>
-            </a:r>
-            <a:r>
-              <a:rPr lang="en-US" altLang="zh-CN" sz="1200" kern="1200" dirty="0" smtClean="0">
-                <a:solidFill>
-                  <a:schemeClr val="tx1"/>
-                </a:solidFill>
-                <a:effectLst/>
-                <a:latin typeface="+mn-lt"/>
-                <a:ea typeface="+mn-ea"/>
-                <a:cs typeface="+mn-cs"/>
-              </a:rPr>
-              <a:t>PCM</a:t>
-            </a:r>
-            <a:r>
-              <a:rPr lang="zh-CN" altLang="zh-CN" sz="1200" kern="1200" dirty="0" smtClean="0">
-                <a:solidFill>
-                  <a:schemeClr val="tx1"/>
-                </a:solidFill>
-                <a:effectLst/>
-                <a:latin typeface="+mn-lt"/>
-                <a:ea typeface="+mn-ea"/>
-                <a:cs typeface="+mn-cs"/>
-              </a:rPr>
-              <a:t>约定俗成了无损编码，因为</a:t>
-            </a:r>
-            <a:r>
-              <a:rPr lang="en-US" altLang="zh-CN" sz="1200" kern="1200" dirty="0" smtClean="0">
-                <a:solidFill>
-                  <a:schemeClr val="tx1"/>
-                </a:solidFill>
-                <a:effectLst/>
-                <a:latin typeface="+mn-lt"/>
-                <a:ea typeface="+mn-ea"/>
-                <a:cs typeface="+mn-cs"/>
-              </a:rPr>
-              <a:t>PCM</a:t>
-            </a:r>
-            <a:r>
-              <a:rPr lang="zh-CN" altLang="zh-CN" sz="1200" kern="1200" dirty="0" smtClean="0">
-                <a:solidFill>
-                  <a:schemeClr val="tx1"/>
-                </a:solidFill>
-                <a:effectLst/>
-                <a:latin typeface="+mn-lt"/>
-                <a:ea typeface="+mn-ea"/>
-                <a:cs typeface="+mn-cs"/>
-              </a:rPr>
-              <a:t>代表了数字音频中最佳的保真水准，并不意味着</a:t>
-            </a:r>
-            <a:r>
-              <a:rPr lang="en-US" altLang="zh-CN" sz="1200" kern="1200" dirty="0" smtClean="0">
-                <a:solidFill>
-                  <a:schemeClr val="tx1"/>
-                </a:solidFill>
-                <a:effectLst/>
-                <a:latin typeface="+mn-lt"/>
-                <a:ea typeface="+mn-ea"/>
-                <a:cs typeface="+mn-cs"/>
-              </a:rPr>
-              <a:t>PCM</a:t>
-            </a:r>
-            <a:r>
-              <a:rPr lang="zh-CN" altLang="zh-CN" sz="1200" kern="1200" dirty="0" smtClean="0">
-                <a:solidFill>
-                  <a:schemeClr val="tx1"/>
-                </a:solidFill>
-                <a:effectLst/>
-                <a:latin typeface="+mn-lt"/>
-                <a:ea typeface="+mn-ea"/>
-                <a:cs typeface="+mn-cs"/>
-              </a:rPr>
-              <a:t>就能够确保信号绝对保真，</a:t>
-            </a:r>
-            <a:r>
-              <a:rPr lang="en-US" altLang="zh-CN" sz="1200" kern="1200" dirty="0" smtClean="0">
-                <a:solidFill>
-                  <a:schemeClr val="tx1"/>
-                </a:solidFill>
-                <a:effectLst/>
-                <a:latin typeface="+mn-lt"/>
-                <a:ea typeface="+mn-ea"/>
-                <a:cs typeface="+mn-cs"/>
-              </a:rPr>
-              <a:t>PCM</a:t>
-            </a:r>
-            <a:r>
-              <a:rPr lang="zh-CN" altLang="zh-CN" sz="1200" kern="1200" dirty="0" smtClean="0">
-                <a:solidFill>
-                  <a:schemeClr val="tx1"/>
-                </a:solidFill>
-                <a:effectLst/>
-                <a:latin typeface="+mn-lt"/>
-                <a:ea typeface="+mn-ea"/>
-                <a:cs typeface="+mn-cs"/>
-              </a:rPr>
-              <a:t>也只能做到最大程度的无限接近。</a:t>
-            </a:r>
-            <a:endParaRPr lang="zh-CN" altLang="en-US" dirty="0" smtClean="0"/>
-          </a:p>
-          <a:p>
             <a:endParaRPr lang="zh-CN" altLang="en-US" dirty="0"/>
           </a:p>
         </p:txBody>
@@ -1054,463 +596,6 @@
           <a:bodyPr/>
           <a:lstStyle/>
           <a:p>
-            <a:r>
-              <a:rPr lang="zh-CN" altLang="en-US" sz="1200" b="0" i="0" u="none" strike="noStrike" kern="1200" dirty="0" smtClean="0">
-                <a:solidFill>
-                  <a:schemeClr val="tx1"/>
-                </a:solidFill>
-                <a:effectLst/>
-                <a:latin typeface="+mn-lt"/>
-                <a:ea typeface="+mn-ea"/>
-                <a:cs typeface="+mn-cs"/>
-                <a:hlinkClick r:id="rId3" tooltip="采样"/>
-              </a:rPr>
-              <a:t>采样</a:t>
-            </a:r>
-            <a:r>
-              <a:rPr lang="zh-CN" altLang="en-US" sz="1200" b="0" i="0" kern="1200" dirty="0" smtClean="0">
-                <a:solidFill>
-                  <a:schemeClr val="tx1"/>
-                </a:solidFill>
-                <a:effectLst/>
-                <a:latin typeface="+mn-lt"/>
-                <a:ea typeface="+mn-ea"/>
-                <a:cs typeface="+mn-cs"/>
-              </a:rPr>
-              <a:t>是将一个信号（即时间或空间上的连续函数）转换成一个数值序列（即时间或空间上的离散函数）。</a:t>
-            </a:r>
-            <a:endParaRPr lang="en-US" altLang="zh-CN" sz="1200" b="0" i="0" kern="1200" dirty="0" smtClean="0">
-              <a:solidFill>
-                <a:schemeClr val="tx1"/>
-              </a:solidFill>
-              <a:effectLst/>
-              <a:latin typeface="+mn-lt"/>
-              <a:ea typeface="+mn-ea"/>
-              <a:cs typeface="+mn-cs"/>
-            </a:endParaRPr>
-          </a:p>
-          <a:p>
-            <a:r>
-              <a:rPr lang="zh-CN" altLang="en-US" dirty="0" smtClean="0"/>
-              <a:t>如果信号是</a:t>
-            </a:r>
-            <a:r>
-              <a:rPr lang="zh-CN" altLang="en-US" sz="1200" u="none" strike="noStrike" kern="1200" dirty="0" smtClean="0">
-                <a:solidFill>
-                  <a:schemeClr val="tx1"/>
-                </a:solidFill>
-                <a:effectLst/>
-                <a:latin typeface="+mn-lt"/>
-                <a:ea typeface="+mn-ea"/>
-                <a:cs typeface="+mn-cs"/>
-                <a:hlinkClick r:id="rId4" tooltip="带限（页面不存在）"/>
-              </a:rPr>
-              <a:t>带限</a:t>
-            </a:r>
-            <a:r>
-              <a:rPr lang="zh-CN" altLang="en-US" dirty="0" smtClean="0"/>
-              <a:t>的，并且</a:t>
-            </a:r>
-            <a:r>
-              <a:rPr lang="zh-CN" altLang="en-US" sz="1200" u="none" strike="noStrike" kern="1200" dirty="0" smtClean="0">
-                <a:solidFill>
-                  <a:schemeClr val="tx1"/>
-                </a:solidFill>
-                <a:effectLst/>
-                <a:latin typeface="+mn-lt"/>
-                <a:ea typeface="+mn-ea"/>
-                <a:cs typeface="+mn-cs"/>
-                <a:hlinkClick r:id="rId5" tooltip="采样频率"/>
-              </a:rPr>
-              <a:t>采样频率</a:t>
-            </a:r>
-            <a:r>
-              <a:rPr lang="zh-CN" altLang="en-US" dirty="0" smtClean="0"/>
-              <a:t>大于信号</a:t>
-            </a:r>
-            <a:r>
-              <a:rPr lang="zh-CN" altLang="en-US" sz="1200" u="none" strike="noStrike" kern="1200" dirty="0" smtClean="0">
-                <a:solidFill>
-                  <a:schemeClr val="tx1"/>
-                </a:solidFill>
-                <a:effectLst/>
-                <a:latin typeface="+mn-lt"/>
-                <a:ea typeface="+mn-ea"/>
-                <a:cs typeface="+mn-cs"/>
-                <a:hlinkClick r:id="rId6" tooltip="带宽"/>
-              </a:rPr>
-              <a:t>带宽</a:t>
-            </a:r>
-            <a:r>
-              <a:rPr lang="zh-CN" altLang="en-US" dirty="0" smtClean="0"/>
-              <a:t>的</a:t>
-            </a:r>
-            <a:r>
-              <a:rPr lang="en-US" altLang="zh-CN" dirty="0" smtClean="0"/>
-              <a:t>2</a:t>
-            </a:r>
-            <a:r>
-              <a:rPr lang="zh-CN" altLang="en-US" dirty="0" smtClean="0"/>
-              <a:t>倍，那么，原来的连续信号可以从采样样本中完全重建出来</a:t>
-            </a:r>
-            <a:r>
-              <a:rPr lang="en-US" altLang="zh-CN" dirty="0" smtClean="0"/>
-              <a:t>(</a:t>
-            </a:r>
-            <a:r>
-              <a:rPr lang="zh-CN" altLang="en-US" dirty="0" smtClean="0"/>
-              <a:t>如人的声音频率范围是</a:t>
-            </a:r>
-            <a:r>
-              <a:rPr lang="en-US" altLang="zh-CN" dirty="0" smtClean="0"/>
-              <a:t>)</a:t>
-            </a:r>
-            <a:r>
-              <a:rPr lang="zh-CN" altLang="en-US" dirty="0" smtClean="0"/>
-              <a:t>。</a:t>
-            </a:r>
-            <a:endParaRPr lang="en-US" altLang="zh-CN" dirty="0" smtClean="0"/>
-          </a:p>
-          <a:p>
-            <a:r>
-              <a:rPr lang="zh-CN" altLang="zh-CN" sz="1200" kern="1200" dirty="0" smtClean="0">
-                <a:solidFill>
-                  <a:schemeClr val="tx1"/>
-                </a:solidFill>
-                <a:effectLst/>
-                <a:latin typeface="+mn-lt"/>
-                <a:ea typeface="+mn-ea"/>
-                <a:cs typeface="+mn-cs"/>
-              </a:rPr>
-              <a:t>有损和无损：根据采样率和采样大小可以得知，相对自然界的信号，音频编码最多只能做到无限接近，至少目前的技术只能这样了，相对自然界的信号，任何数字音频编码方案都是有损的，因为无法完全还原。</a:t>
-            </a:r>
-            <a:r>
-              <a:rPr lang="zh-CN" altLang="zh-CN" sz="1200" b="1" kern="1200" dirty="0" smtClean="0">
-                <a:solidFill>
-                  <a:schemeClr val="tx1"/>
-                </a:solidFill>
-                <a:effectLst/>
-                <a:latin typeface="+mn-lt"/>
-                <a:ea typeface="+mn-ea"/>
-                <a:cs typeface="+mn-cs"/>
-              </a:rPr>
-              <a:t>在计算机应用中，能够达到最高保真水平的就是</a:t>
-            </a:r>
-            <a:r>
-              <a:rPr lang="en-US" altLang="zh-CN" sz="1200" b="1" kern="1200" dirty="0" smtClean="0">
-                <a:solidFill>
-                  <a:schemeClr val="tx1"/>
-                </a:solidFill>
-                <a:effectLst/>
-                <a:latin typeface="+mn-lt"/>
-                <a:ea typeface="+mn-ea"/>
-                <a:cs typeface="+mn-cs"/>
-              </a:rPr>
-              <a:t>PCM</a:t>
-            </a:r>
-            <a:r>
-              <a:rPr lang="zh-CN" altLang="zh-CN" sz="1200" b="1" kern="1200" dirty="0" smtClean="0">
-                <a:solidFill>
-                  <a:schemeClr val="tx1"/>
-                </a:solidFill>
-                <a:effectLst/>
-                <a:latin typeface="+mn-lt"/>
-                <a:ea typeface="+mn-ea"/>
-                <a:cs typeface="+mn-cs"/>
-              </a:rPr>
-              <a:t>编码</a:t>
-            </a:r>
-            <a:r>
-              <a:rPr lang="zh-CN" altLang="zh-CN" sz="1200" kern="1200" dirty="0" smtClean="0">
-                <a:solidFill>
-                  <a:schemeClr val="tx1"/>
-                </a:solidFill>
-                <a:effectLst/>
-                <a:latin typeface="+mn-lt"/>
-                <a:ea typeface="+mn-ea"/>
-                <a:cs typeface="+mn-cs"/>
-              </a:rPr>
-              <a:t>，</a:t>
-            </a:r>
-            <a:r>
-              <a:rPr lang="en-US" altLang="zh-CN" sz="1200" b="1" kern="1200" dirty="0" smtClean="0">
-                <a:solidFill>
-                  <a:schemeClr val="tx1"/>
-                </a:solidFill>
-                <a:effectLst/>
-                <a:latin typeface="+mn-lt"/>
-                <a:ea typeface="+mn-ea"/>
-                <a:cs typeface="+mn-cs"/>
-              </a:rPr>
-              <a:t>PCM</a:t>
-            </a:r>
-            <a:r>
-              <a:rPr lang="zh-CN" altLang="zh-CN" sz="1200" b="1" kern="1200" dirty="0" smtClean="0">
-                <a:solidFill>
-                  <a:schemeClr val="tx1"/>
-                </a:solidFill>
-                <a:effectLst/>
-                <a:latin typeface="+mn-lt"/>
-                <a:ea typeface="+mn-ea"/>
-                <a:cs typeface="+mn-cs"/>
-              </a:rPr>
-              <a:t>约定俗成了无损编码，因为</a:t>
-            </a:r>
-            <a:r>
-              <a:rPr lang="en-US" altLang="zh-CN" sz="1200" b="1" kern="1200" dirty="0" smtClean="0">
-                <a:solidFill>
-                  <a:schemeClr val="tx1"/>
-                </a:solidFill>
-                <a:effectLst/>
-                <a:latin typeface="+mn-lt"/>
-                <a:ea typeface="+mn-ea"/>
-                <a:cs typeface="+mn-cs"/>
-              </a:rPr>
-              <a:t>PCM</a:t>
-            </a:r>
-            <a:r>
-              <a:rPr lang="zh-CN" altLang="zh-CN" sz="1200" b="1" kern="1200" dirty="0" smtClean="0">
-                <a:solidFill>
-                  <a:schemeClr val="tx1"/>
-                </a:solidFill>
-                <a:effectLst/>
-                <a:latin typeface="+mn-lt"/>
-                <a:ea typeface="+mn-ea"/>
-                <a:cs typeface="+mn-cs"/>
-              </a:rPr>
-              <a:t>代表了数字音频中最佳的保真水准，并不意味着</a:t>
-            </a:r>
-            <a:r>
-              <a:rPr lang="en-US" altLang="zh-CN" sz="1200" b="1" kern="1200" dirty="0" smtClean="0">
-                <a:solidFill>
-                  <a:schemeClr val="tx1"/>
-                </a:solidFill>
-                <a:effectLst/>
-                <a:latin typeface="+mn-lt"/>
-                <a:ea typeface="+mn-ea"/>
-                <a:cs typeface="+mn-cs"/>
-              </a:rPr>
-              <a:t>PCM</a:t>
-            </a:r>
-            <a:r>
-              <a:rPr lang="zh-CN" altLang="zh-CN" sz="1200" b="1" kern="1200" dirty="0" smtClean="0">
-                <a:solidFill>
-                  <a:schemeClr val="tx1"/>
-                </a:solidFill>
-                <a:effectLst/>
-                <a:latin typeface="+mn-lt"/>
-                <a:ea typeface="+mn-ea"/>
-                <a:cs typeface="+mn-cs"/>
-              </a:rPr>
-              <a:t>就能够确保信号绝对保真，</a:t>
-            </a:r>
-            <a:r>
-              <a:rPr lang="en-US" altLang="zh-CN" sz="1200" b="1" kern="1200" dirty="0" smtClean="0">
-                <a:solidFill>
-                  <a:schemeClr val="tx1"/>
-                </a:solidFill>
-                <a:effectLst/>
-                <a:latin typeface="+mn-lt"/>
-                <a:ea typeface="+mn-ea"/>
-                <a:cs typeface="+mn-cs"/>
-              </a:rPr>
-              <a:t>PCM</a:t>
-            </a:r>
-            <a:r>
-              <a:rPr lang="zh-CN" altLang="zh-CN" sz="1200" b="1" kern="1200" dirty="0" smtClean="0">
-                <a:solidFill>
-                  <a:schemeClr val="tx1"/>
-                </a:solidFill>
-                <a:effectLst/>
-                <a:latin typeface="+mn-lt"/>
-                <a:ea typeface="+mn-ea"/>
-                <a:cs typeface="+mn-cs"/>
-              </a:rPr>
-              <a:t>也只能做到最大程度的无限接近</a:t>
-            </a:r>
-            <a:r>
-              <a:rPr lang="zh-CN" altLang="zh-CN" sz="1200" kern="1200" dirty="0" smtClean="0">
-                <a:solidFill>
-                  <a:schemeClr val="tx1"/>
-                </a:solidFill>
-                <a:effectLst/>
-                <a:latin typeface="+mn-lt"/>
-                <a:ea typeface="+mn-ea"/>
-                <a:cs typeface="+mn-cs"/>
-              </a:rPr>
-              <a:t>。被广泛用于素材保存及音乐欣赏，</a:t>
-            </a:r>
-            <a:r>
-              <a:rPr lang="en-US" altLang="zh-CN" sz="1200" kern="1200" dirty="0" smtClean="0">
-                <a:solidFill>
-                  <a:schemeClr val="tx1"/>
-                </a:solidFill>
-                <a:effectLst/>
-                <a:latin typeface="+mn-lt"/>
-                <a:ea typeface="+mn-ea"/>
-                <a:cs typeface="+mn-cs"/>
-              </a:rPr>
-              <a:t>CD</a:t>
-            </a:r>
-            <a:r>
-              <a:rPr lang="zh-CN" altLang="zh-CN" sz="1200" kern="1200" dirty="0" smtClean="0">
-                <a:solidFill>
-                  <a:schemeClr val="tx1"/>
-                </a:solidFill>
-                <a:effectLst/>
-                <a:latin typeface="+mn-lt"/>
-                <a:ea typeface="+mn-ea"/>
-                <a:cs typeface="+mn-cs"/>
-              </a:rPr>
-              <a:t>、</a:t>
-            </a:r>
-            <a:r>
-              <a:rPr lang="en-US" altLang="zh-CN" sz="1200" kern="1200" dirty="0" smtClean="0">
-                <a:solidFill>
-                  <a:schemeClr val="tx1"/>
-                </a:solidFill>
-                <a:effectLst/>
-                <a:latin typeface="+mn-lt"/>
-                <a:ea typeface="+mn-ea"/>
-                <a:cs typeface="+mn-cs"/>
-              </a:rPr>
-              <a:t>DVD</a:t>
-            </a:r>
-            <a:r>
-              <a:rPr lang="zh-CN" altLang="zh-CN" sz="1200" kern="1200" dirty="0" smtClean="0">
-                <a:solidFill>
-                  <a:schemeClr val="tx1"/>
-                </a:solidFill>
-                <a:effectLst/>
-                <a:latin typeface="+mn-lt"/>
-                <a:ea typeface="+mn-ea"/>
-                <a:cs typeface="+mn-cs"/>
-              </a:rPr>
-              <a:t>以及我们常见的</a:t>
-            </a:r>
-            <a:r>
-              <a:rPr lang="en-US" altLang="zh-CN" sz="1200" kern="1200" dirty="0" smtClean="0">
-                <a:solidFill>
-                  <a:schemeClr val="tx1"/>
-                </a:solidFill>
-                <a:effectLst/>
-                <a:latin typeface="+mn-lt"/>
-                <a:ea typeface="+mn-ea"/>
-                <a:cs typeface="+mn-cs"/>
-              </a:rPr>
-              <a:t>WAV </a:t>
-            </a:r>
-            <a:r>
-              <a:rPr lang="zh-CN" altLang="zh-CN" sz="1200" kern="1200" dirty="0" smtClean="0">
-                <a:solidFill>
-                  <a:schemeClr val="tx1"/>
-                </a:solidFill>
-                <a:effectLst/>
-                <a:latin typeface="+mn-lt"/>
-                <a:ea typeface="+mn-ea"/>
-                <a:cs typeface="+mn-cs"/>
-              </a:rPr>
-              <a:t>文件中均有应用。因此，</a:t>
-            </a:r>
-            <a:r>
-              <a:rPr lang="en-US" altLang="zh-CN" sz="1200" kern="1200" dirty="0" smtClean="0">
-                <a:solidFill>
-                  <a:schemeClr val="tx1"/>
-                </a:solidFill>
-                <a:effectLst/>
-                <a:latin typeface="+mn-lt"/>
-                <a:ea typeface="+mn-ea"/>
-                <a:cs typeface="+mn-cs"/>
-              </a:rPr>
-              <a:t>PCM</a:t>
-            </a:r>
-            <a:r>
-              <a:rPr lang="zh-CN" altLang="zh-CN" sz="1200" kern="1200" dirty="0" smtClean="0">
-                <a:solidFill>
-                  <a:schemeClr val="tx1"/>
-                </a:solidFill>
-                <a:effectLst/>
-                <a:latin typeface="+mn-lt"/>
-                <a:ea typeface="+mn-ea"/>
-                <a:cs typeface="+mn-cs"/>
-              </a:rPr>
-              <a:t>约定俗成了无损编码，因为</a:t>
-            </a:r>
-            <a:r>
-              <a:rPr lang="en-US" altLang="zh-CN" sz="1200" kern="1200" dirty="0" smtClean="0">
-                <a:solidFill>
-                  <a:schemeClr val="tx1"/>
-                </a:solidFill>
-                <a:effectLst/>
-                <a:latin typeface="+mn-lt"/>
-                <a:ea typeface="+mn-ea"/>
-                <a:cs typeface="+mn-cs"/>
-              </a:rPr>
-              <a:t>PCM</a:t>
-            </a:r>
-            <a:r>
-              <a:rPr lang="zh-CN" altLang="zh-CN" sz="1200" kern="1200" dirty="0" smtClean="0">
-                <a:solidFill>
-                  <a:schemeClr val="tx1"/>
-                </a:solidFill>
-                <a:effectLst/>
-                <a:latin typeface="+mn-lt"/>
-                <a:ea typeface="+mn-ea"/>
-                <a:cs typeface="+mn-cs"/>
-              </a:rPr>
-              <a:t>代表了数字音频中最佳的保真水准，并不意味着</a:t>
-            </a:r>
-            <a:r>
-              <a:rPr lang="en-US" altLang="zh-CN" sz="1200" kern="1200" dirty="0" smtClean="0">
-                <a:solidFill>
-                  <a:schemeClr val="tx1"/>
-                </a:solidFill>
-                <a:effectLst/>
-                <a:latin typeface="+mn-lt"/>
-                <a:ea typeface="+mn-ea"/>
-                <a:cs typeface="+mn-cs"/>
-              </a:rPr>
-              <a:t>PCM</a:t>
-            </a:r>
-            <a:r>
-              <a:rPr lang="zh-CN" altLang="zh-CN" sz="1200" kern="1200" dirty="0" smtClean="0">
-                <a:solidFill>
-                  <a:schemeClr val="tx1"/>
-                </a:solidFill>
-                <a:effectLst/>
-                <a:latin typeface="+mn-lt"/>
-                <a:ea typeface="+mn-ea"/>
-                <a:cs typeface="+mn-cs"/>
-              </a:rPr>
-              <a:t>就能够确保信号绝对保真，</a:t>
-            </a:r>
-            <a:r>
-              <a:rPr lang="en-US" altLang="zh-CN" sz="1200" kern="1200" dirty="0" smtClean="0">
-                <a:solidFill>
-                  <a:schemeClr val="tx1"/>
-                </a:solidFill>
-                <a:effectLst/>
-                <a:latin typeface="+mn-lt"/>
-                <a:ea typeface="+mn-ea"/>
-                <a:cs typeface="+mn-cs"/>
-              </a:rPr>
-              <a:t>PCM</a:t>
-            </a:r>
-            <a:r>
-              <a:rPr lang="zh-CN" altLang="zh-CN" sz="1200" kern="1200" dirty="0" smtClean="0">
-                <a:solidFill>
-                  <a:schemeClr val="tx1"/>
-                </a:solidFill>
-                <a:effectLst/>
-                <a:latin typeface="+mn-lt"/>
-                <a:ea typeface="+mn-ea"/>
-                <a:cs typeface="+mn-cs"/>
-              </a:rPr>
-              <a:t>也只能做到最大程度的无限接近。</a:t>
-            </a:r>
-            <a:endParaRPr lang="zh-CN" altLang="en-US" dirty="0" smtClean="0"/>
-          </a:p>
-          <a:p>
             <a:endParaRPr lang="zh-CN" altLang="en-US" dirty="0"/>
           </a:p>
         </p:txBody>
@@ -1595,463 +680,6 @@
           <a:bodyPr/>
           <a:lstStyle/>
           <a:p>
-            <a:r>
-              <a:rPr lang="zh-CN" altLang="en-US" sz="1200" b="0" i="0" u="none" strike="noStrike" kern="1200" dirty="0" smtClean="0">
-                <a:solidFill>
-                  <a:schemeClr val="tx1"/>
-                </a:solidFill>
-                <a:effectLst/>
-                <a:latin typeface="+mn-lt"/>
-                <a:ea typeface="+mn-ea"/>
-                <a:cs typeface="+mn-cs"/>
-                <a:hlinkClick r:id="rId3" tooltip="采样"/>
-              </a:rPr>
-              <a:t>采样</a:t>
-            </a:r>
-            <a:r>
-              <a:rPr lang="zh-CN" altLang="en-US" sz="1200" b="0" i="0" kern="1200" dirty="0" smtClean="0">
-                <a:solidFill>
-                  <a:schemeClr val="tx1"/>
-                </a:solidFill>
-                <a:effectLst/>
-                <a:latin typeface="+mn-lt"/>
-                <a:ea typeface="+mn-ea"/>
-                <a:cs typeface="+mn-cs"/>
-              </a:rPr>
-              <a:t>是将一个信号（即时间或空间上的连续函数）转换成一个数值序列（即时间或空间上的离散函数）。</a:t>
-            </a:r>
-            <a:endParaRPr lang="en-US" altLang="zh-CN" sz="1200" b="0" i="0" kern="1200" dirty="0" smtClean="0">
-              <a:solidFill>
-                <a:schemeClr val="tx1"/>
-              </a:solidFill>
-              <a:effectLst/>
-              <a:latin typeface="+mn-lt"/>
-              <a:ea typeface="+mn-ea"/>
-              <a:cs typeface="+mn-cs"/>
-            </a:endParaRPr>
-          </a:p>
-          <a:p>
-            <a:r>
-              <a:rPr lang="zh-CN" altLang="en-US" dirty="0" smtClean="0"/>
-              <a:t>如果信号是</a:t>
-            </a:r>
-            <a:r>
-              <a:rPr lang="zh-CN" altLang="en-US" sz="1200" u="none" strike="noStrike" kern="1200" dirty="0" smtClean="0">
-                <a:solidFill>
-                  <a:schemeClr val="tx1"/>
-                </a:solidFill>
-                <a:effectLst/>
-                <a:latin typeface="+mn-lt"/>
-                <a:ea typeface="+mn-ea"/>
-                <a:cs typeface="+mn-cs"/>
-                <a:hlinkClick r:id="rId4" tooltip="带限（页面不存在）"/>
-              </a:rPr>
-              <a:t>带限</a:t>
-            </a:r>
-            <a:r>
-              <a:rPr lang="zh-CN" altLang="en-US" dirty="0" smtClean="0"/>
-              <a:t>的，并且</a:t>
-            </a:r>
-            <a:r>
-              <a:rPr lang="zh-CN" altLang="en-US" sz="1200" u="none" strike="noStrike" kern="1200" dirty="0" smtClean="0">
-                <a:solidFill>
-                  <a:schemeClr val="tx1"/>
-                </a:solidFill>
-                <a:effectLst/>
-                <a:latin typeface="+mn-lt"/>
-                <a:ea typeface="+mn-ea"/>
-                <a:cs typeface="+mn-cs"/>
-                <a:hlinkClick r:id="rId5" tooltip="采样频率"/>
-              </a:rPr>
-              <a:t>采样频率</a:t>
-            </a:r>
-            <a:r>
-              <a:rPr lang="zh-CN" altLang="en-US" dirty="0" smtClean="0"/>
-              <a:t>大于信号</a:t>
-            </a:r>
-            <a:r>
-              <a:rPr lang="zh-CN" altLang="en-US" sz="1200" u="none" strike="noStrike" kern="1200" dirty="0" smtClean="0">
-                <a:solidFill>
-                  <a:schemeClr val="tx1"/>
-                </a:solidFill>
-                <a:effectLst/>
-                <a:latin typeface="+mn-lt"/>
-                <a:ea typeface="+mn-ea"/>
-                <a:cs typeface="+mn-cs"/>
-                <a:hlinkClick r:id="rId6" tooltip="带宽"/>
-              </a:rPr>
-              <a:t>带宽</a:t>
-            </a:r>
-            <a:r>
-              <a:rPr lang="zh-CN" altLang="en-US" dirty="0" smtClean="0"/>
-              <a:t>的</a:t>
-            </a:r>
-            <a:r>
-              <a:rPr lang="en-US" altLang="zh-CN" dirty="0" smtClean="0"/>
-              <a:t>2</a:t>
-            </a:r>
-            <a:r>
-              <a:rPr lang="zh-CN" altLang="en-US" dirty="0" smtClean="0"/>
-              <a:t>倍，那么，原来的连续信号可以从采样样本中完全重建出来</a:t>
-            </a:r>
-            <a:r>
-              <a:rPr lang="en-US" altLang="zh-CN" dirty="0" smtClean="0"/>
-              <a:t>(</a:t>
-            </a:r>
-            <a:r>
-              <a:rPr lang="zh-CN" altLang="en-US" dirty="0" smtClean="0"/>
-              <a:t>如人的声音频率范围是</a:t>
-            </a:r>
-            <a:r>
-              <a:rPr lang="en-US" altLang="zh-CN" dirty="0" smtClean="0"/>
-              <a:t>)</a:t>
-            </a:r>
-            <a:r>
-              <a:rPr lang="zh-CN" altLang="en-US" dirty="0" smtClean="0"/>
-              <a:t>。</a:t>
-            </a:r>
-            <a:endParaRPr lang="en-US" altLang="zh-CN" dirty="0" smtClean="0"/>
-          </a:p>
-          <a:p>
-            <a:r>
-              <a:rPr lang="zh-CN" altLang="zh-CN" sz="1200" kern="1200" dirty="0" smtClean="0">
-                <a:solidFill>
-                  <a:schemeClr val="tx1"/>
-                </a:solidFill>
-                <a:effectLst/>
-                <a:latin typeface="+mn-lt"/>
-                <a:ea typeface="+mn-ea"/>
-                <a:cs typeface="+mn-cs"/>
-              </a:rPr>
-              <a:t>有损和无损：根据采样率和采样大小可以得知，相对自然界的信号，音频编码最多只能做到无限接近，至少目前的技术只能这样了，相对自然界的信号，任何数字音频编码方案都是有损的，因为无法完全还原。</a:t>
-            </a:r>
-            <a:r>
-              <a:rPr lang="zh-CN" altLang="zh-CN" sz="1200" b="1" kern="1200" dirty="0" smtClean="0">
-                <a:solidFill>
-                  <a:schemeClr val="tx1"/>
-                </a:solidFill>
-                <a:effectLst/>
-                <a:latin typeface="+mn-lt"/>
-                <a:ea typeface="+mn-ea"/>
-                <a:cs typeface="+mn-cs"/>
-              </a:rPr>
-              <a:t>在计算机应用中，能够达到最高保真水平的就是</a:t>
-            </a:r>
-            <a:r>
-              <a:rPr lang="en-US" altLang="zh-CN" sz="1200" b="1" kern="1200" dirty="0" smtClean="0">
-                <a:solidFill>
-                  <a:schemeClr val="tx1"/>
-                </a:solidFill>
-                <a:effectLst/>
-                <a:latin typeface="+mn-lt"/>
-                <a:ea typeface="+mn-ea"/>
-                <a:cs typeface="+mn-cs"/>
-              </a:rPr>
-              <a:t>PCM</a:t>
-            </a:r>
-            <a:r>
-              <a:rPr lang="zh-CN" altLang="zh-CN" sz="1200" b="1" kern="1200" dirty="0" smtClean="0">
-                <a:solidFill>
-                  <a:schemeClr val="tx1"/>
-                </a:solidFill>
-                <a:effectLst/>
-                <a:latin typeface="+mn-lt"/>
-                <a:ea typeface="+mn-ea"/>
-                <a:cs typeface="+mn-cs"/>
-              </a:rPr>
-              <a:t>编码</a:t>
-            </a:r>
-            <a:r>
-              <a:rPr lang="zh-CN" altLang="zh-CN" sz="1200" kern="1200" dirty="0" smtClean="0">
-                <a:solidFill>
-                  <a:schemeClr val="tx1"/>
-                </a:solidFill>
-                <a:effectLst/>
-                <a:latin typeface="+mn-lt"/>
-                <a:ea typeface="+mn-ea"/>
-                <a:cs typeface="+mn-cs"/>
-              </a:rPr>
-              <a:t>，</a:t>
-            </a:r>
-            <a:r>
-              <a:rPr lang="en-US" altLang="zh-CN" sz="1200" b="1" kern="1200" dirty="0" smtClean="0">
-                <a:solidFill>
-                  <a:schemeClr val="tx1"/>
-                </a:solidFill>
-                <a:effectLst/>
-                <a:latin typeface="+mn-lt"/>
-                <a:ea typeface="+mn-ea"/>
-                <a:cs typeface="+mn-cs"/>
-              </a:rPr>
-              <a:t>PCM</a:t>
-            </a:r>
-            <a:r>
-              <a:rPr lang="zh-CN" altLang="zh-CN" sz="1200" b="1" kern="1200" dirty="0" smtClean="0">
-                <a:solidFill>
-                  <a:schemeClr val="tx1"/>
-                </a:solidFill>
-                <a:effectLst/>
-                <a:latin typeface="+mn-lt"/>
-                <a:ea typeface="+mn-ea"/>
-                <a:cs typeface="+mn-cs"/>
-              </a:rPr>
-              <a:t>约定俗成了无损编码，因为</a:t>
-            </a:r>
-            <a:r>
-              <a:rPr lang="en-US" altLang="zh-CN" sz="1200" b="1" kern="1200" dirty="0" smtClean="0">
-                <a:solidFill>
-                  <a:schemeClr val="tx1"/>
-                </a:solidFill>
-                <a:effectLst/>
-                <a:latin typeface="+mn-lt"/>
-                <a:ea typeface="+mn-ea"/>
-                <a:cs typeface="+mn-cs"/>
-              </a:rPr>
-              <a:t>PCM</a:t>
-            </a:r>
-            <a:r>
-              <a:rPr lang="zh-CN" altLang="zh-CN" sz="1200" b="1" kern="1200" dirty="0" smtClean="0">
-                <a:solidFill>
-                  <a:schemeClr val="tx1"/>
-                </a:solidFill>
-                <a:effectLst/>
-                <a:latin typeface="+mn-lt"/>
-                <a:ea typeface="+mn-ea"/>
-                <a:cs typeface="+mn-cs"/>
-              </a:rPr>
-              <a:t>代表了数字音频中最佳的保真水准，并不意味着</a:t>
-            </a:r>
-            <a:r>
-              <a:rPr lang="en-US" altLang="zh-CN" sz="1200" b="1" kern="1200" dirty="0" smtClean="0">
-                <a:solidFill>
-                  <a:schemeClr val="tx1"/>
-                </a:solidFill>
-                <a:effectLst/>
-                <a:latin typeface="+mn-lt"/>
-                <a:ea typeface="+mn-ea"/>
-                <a:cs typeface="+mn-cs"/>
-              </a:rPr>
-              <a:t>PCM</a:t>
-            </a:r>
-            <a:r>
-              <a:rPr lang="zh-CN" altLang="zh-CN" sz="1200" b="1" kern="1200" dirty="0" smtClean="0">
-                <a:solidFill>
-                  <a:schemeClr val="tx1"/>
-                </a:solidFill>
-                <a:effectLst/>
-                <a:latin typeface="+mn-lt"/>
-                <a:ea typeface="+mn-ea"/>
-                <a:cs typeface="+mn-cs"/>
-              </a:rPr>
-              <a:t>就能够确保信号绝对保真，</a:t>
-            </a:r>
-            <a:r>
-              <a:rPr lang="en-US" altLang="zh-CN" sz="1200" b="1" kern="1200" dirty="0" smtClean="0">
-                <a:solidFill>
-                  <a:schemeClr val="tx1"/>
-                </a:solidFill>
-                <a:effectLst/>
-                <a:latin typeface="+mn-lt"/>
-                <a:ea typeface="+mn-ea"/>
-                <a:cs typeface="+mn-cs"/>
-              </a:rPr>
-              <a:t>PCM</a:t>
-            </a:r>
-            <a:r>
-              <a:rPr lang="zh-CN" altLang="zh-CN" sz="1200" b="1" kern="1200" dirty="0" smtClean="0">
-                <a:solidFill>
-                  <a:schemeClr val="tx1"/>
-                </a:solidFill>
-                <a:effectLst/>
-                <a:latin typeface="+mn-lt"/>
-                <a:ea typeface="+mn-ea"/>
-                <a:cs typeface="+mn-cs"/>
-              </a:rPr>
-              <a:t>也只能做到最大程度的无限接近</a:t>
-            </a:r>
-            <a:r>
-              <a:rPr lang="zh-CN" altLang="zh-CN" sz="1200" kern="1200" dirty="0" smtClean="0">
-                <a:solidFill>
-                  <a:schemeClr val="tx1"/>
-                </a:solidFill>
-                <a:effectLst/>
-                <a:latin typeface="+mn-lt"/>
-                <a:ea typeface="+mn-ea"/>
-                <a:cs typeface="+mn-cs"/>
-              </a:rPr>
-              <a:t>。被广泛用于素材保存及音乐欣赏，</a:t>
-            </a:r>
-            <a:r>
-              <a:rPr lang="en-US" altLang="zh-CN" sz="1200" kern="1200" dirty="0" smtClean="0">
-                <a:solidFill>
-                  <a:schemeClr val="tx1"/>
-                </a:solidFill>
-                <a:effectLst/>
-                <a:latin typeface="+mn-lt"/>
-                <a:ea typeface="+mn-ea"/>
-                <a:cs typeface="+mn-cs"/>
-              </a:rPr>
-              <a:t>CD</a:t>
-            </a:r>
-            <a:r>
-              <a:rPr lang="zh-CN" altLang="zh-CN" sz="1200" kern="1200" dirty="0" smtClean="0">
-                <a:solidFill>
-                  <a:schemeClr val="tx1"/>
-                </a:solidFill>
-                <a:effectLst/>
-                <a:latin typeface="+mn-lt"/>
-                <a:ea typeface="+mn-ea"/>
-                <a:cs typeface="+mn-cs"/>
-              </a:rPr>
-              <a:t>、</a:t>
-            </a:r>
-            <a:r>
-              <a:rPr lang="en-US" altLang="zh-CN" sz="1200" kern="1200" dirty="0" smtClean="0">
-                <a:solidFill>
-                  <a:schemeClr val="tx1"/>
-                </a:solidFill>
-                <a:effectLst/>
-                <a:latin typeface="+mn-lt"/>
-                <a:ea typeface="+mn-ea"/>
-                <a:cs typeface="+mn-cs"/>
-              </a:rPr>
-              <a:t>DVD</a:t>
-            </a:r>
-            <a:r>
-              <a:rPr lang="zh-CN" altLang="zh-CN" sz="1200" kern="1200" dirty="0" smtClean="0">
-                <a:solidFill>
-                  <a:schemeClr val="tx1"/>
-                </a:solidFill>
-                <a:effectLst/>
-                <a:latin typeface="+mn-lt"/>
-                <a:ea typeface="+mn-ea"/>
-                <a:cs typeface="+mn-cs"/>
-              </a:rPr>
-              <a:t>以及我们常见的</a:t>
-            </a:r>
-            <a:r>
-              <a:rPr lang="en-US" altLang="zh-CN" sz="1200" kern="1200" dirty="0" smtClean="0">
-                <a:solidFill>
-                  <a:schemeClr val="tx1"/>
-                </a:solidFill>
-                <a:effectLst/>
-                <a:latin typeface="+mn-lt"/>
-                <a:ea typeface="+mn-ea"/>
-                <a:cs typeface="+mn-cs"/>
-              </a:rPr>
-              <a:t>WAV </a:t>
-            </a:r>
-            <a:r>
-              <a:rPr lang="zh-CN" altLang="zh-CN" sz="1200" kern="1200" dirty="0" smtClean="0">
-                <a:solidFill>
-                  <a:schemeClr val="tx1"/>
-                </a:solidFill>
-                <a:effectLst/>
-                <a:latin typeface="+mn-lt"/>
-                <a:ea typeface="+mn-ea"/>
-                <a:cs typeface="+mn-cs"/>
-              </a:rPr>
-              <a:t>文件中均有应用。因此，</a:t>
-            </a:r>
-            <a:r>
-              <a:rPr lang="en-US" altLang="zh-CN" sz="1200" kern="1200" dirty="0" smtClean="0">
-                <a:solidFill>
-                  <a:schemeClr val="tx1"/>
-                </a:solidFill>
-                <a:effectLst/>
-                <a:latin typeface="+mn-lt"/>
-                <a:ea typeface="+mn-ea"/>
-                <a:cs typeface="+mn-cs"/>
-              </a:rPr>
-              <a:t>PCM</a:t>
-            </a:r>
-            <a:r>
-              <a:rPr lang="zh-CN" altLang="zh-CN" sz="1200" kern="1200" dirty="0" smtClean="0">
-                <a:solidFill>
-                  <a:schemeClr val="tx1"/>
-                </a:solidFill>
-                <a:effectLst/>
-                <a:latin typeface="+mn-lt"/>
-                <a:ea typeface="+mn-ea"/>
-                <a:cs typeface="+mn-cs"/>
-              </a:rPr>
-              <a:t>约定俗成了无损编码，因为</a:t>
-            </a:r>
-            <a:r>
-              <a:rPr lang="en-US" altLang="zh-CN" sz="1200" kern="1200" dirty="0" smtClean="0">
-                <a:solidFill>
-                  <a:schemeClr val="tx1"/>
-                </a:solidFill>
-                <a:effectLst/>
-                <a:latin typeface="+mn-lt"/>
-                <a:ea typeface="+mn-ea"/>
-                <a:cs typeface="+mn-cs"/>
-              </a:rPr>
-              <a:t>PCM</a:t>
-            </a:r>
-            <a:r>
-              <a:rPr lang="zh-CN" altLang="zh-CN" sz="1200" kern="1200" dirty="0" smtClean="0">
-                <a:solidFill>
-                  <a:schemeClr val="tx1"/>
-                </a:solidFill>
-                <a:effectLst/>
-                <a:latin typeface="+mn-lt"/>
-                <a:ea typeface="+mn-ea"/>
-                <a:cs typeface="+mn-cs"/>
-              </a:rPr>
-              <a:t>代表了数字音频中最佳的保真水准，并不意味着</a:t>
-            </a:r>
-            <a:r>
-              <a:rPr lang="en-US" altLang="zh-CN" sz="1200" kern="1200" dirty="0" smtClean="0">
-                <a:solidFill>
-                  <a:schemeClr val="tx1"/>
-                </a:solidFill>
-                <a:effectLst/>
-                <a:latin typeface="+mn-lt"/>
-                <a:ea typeface="+mn-ea"/>
-                <a:cs typeface="+mn-cs"/>
-              </a:rPr>
-              <a:t>PCM</a:t>
-            </a:r>
-            <a:r>
-              <a:rPr lang="zh-CN" altLang="zh-CN" sz="1200" kern="1200" dirty="0" smtClean="0">
-                <a:solidFill>
-                  <a:schemeClr val="tx1"/>
-                </a:solidFill>
-                <a:effectLst/>
-                <a:latin typeface="+mn-lt"/>
-                <a:ea typeface="+mn-ea"/>
-                <a:cs typeface="+mn-cs"/>
-              </a:rPr>
-              <a:t>就能够确保信号绝对保真，</a:t>
-            </a:r>
-            <a:r>
-              <a:rPr lang="en-US" altLang="zh-CN" sz="1200" kern="1200" dirty="0" smtClean="0">
-                <a:solidFill>
-                  <a:schemeClr val="tx1"/>
-                </a:solidFill>
-                <a:effectLst/>
-                <a:latin typeface="+mn-lt"/>
-                <a:ea typeface="+mn-ea"/>
-                <a:cs typeface="+mn-cs"/>
-              </a:rPr>
-              <a:t>PCM</a:t>
-            </a:r>
-            <a:r>
-              <a:rPr lang="zh-CN" altLang="zh-CN" sz="1200" kern="1200" dirty="0" smtClean="0">
-                <a:solidFill>
-                  <a:schemeClr val="tx1"/>
-                </a:solidFill>
-                <a:effectLst/>
-                <a:latin typeface="+mn-lt"/>
-                <a:ea typeface="+mn-ea"/>
-                <a:cs typeface="+mn-cs"/>
-              </a:rPr>
-              <a:t>也只能做到最大程度的无限接近。</a:t>
-            </a:r>
-            <a:endParaRPr lang="zh-CN" altLang="en-US" dirty="0" smtClean="0"/>
-          </a:p>
-          <a:p>
             <a:endParaRPr lang="zh-CN" altLang="en-US" dirty="0"/>
           </a:p>
         </p:txBody>
@@ -2136,463 +764,6 @@
           <a:bodyPr/>
           <a:lstStyle/>
           <a:p>
-            <a:r>
-              <a:rPr lang="zh-CN" altLang="en-US" sz="1200" b="0" i="0" u="none" strike="noStrike" kern="1200" dirty="0" smtClean="0">
-                <a:solidFill>
-                  <a:schemeClr val="tx1"/>
-                </a:solidFill>
-                <a:effectLst/>
-                <a:latin typeface="+mn-lt"/>
-                <a:ea typeface="+mn-ea"/>
-                <a:cs typeface="+mn-cs"/>
-                <a:hlinkClick r:id="rId3" tooltip="采样"/>
-              </a:rPr>
-              <a:t>采样</a:t>
-            </a:r>
-            <a:r>
-              <a:rPr lang="zh-CN" altLang="en-US" sz="1200" b="0" i="0" kern="1200" dirty="0" smtClean="0">
-                <a:solidFill>
-                  <a:schemeClr val="tx1"/>
-                </a:solidFill>
-                <a:effectLst/>
-                <a:latin typeface="+mn-lt"/>
-                <a:ea typeface="+mn-ea"/>
-                <a:cs typeface="+mn-cs"/>
-              </a:rPr>
-              <a:t>是将一个信号（即时间或空间上的连续函数）转换成一个数值序列（即时间或空间上的离散函数）。</a:t>
-            </a:r>
-            <a:endParaRPr lang="en-US" altLang="zh-CN" sz="1200" b="0" i="0" kern="1200" dirty="0" smtClean="0">
-              <a:solidFill>
-                <a:schemeClr val="tx1"/>
-              </a:solidFill>
-              <a:effectLst/>
-              <a:latin typeface="+mn-lt"/>
-              <a:ea typeface="+mn-ea"/>
-              <a:cs typeface="+mn-cs"/>
-            </a:endParaRPr>
-          </a:p>
-          <a:p>
-            <a:r>
-              <a:rPr lang="zh-CN" altLang="en-US" dirty="0" smtClean="0"/>
-              <a:t>如果信号是</a:t>
-            </a:r>
-            <a:r>
-              <a:rPr lang="zh-CN" altLang="en-US" sz="1200" u="none" strike="noStrike" kern="1200" dirty="0" smtClean="0">
-                <a:solidFill>
-                  <a:schemeClr val="tx1"/>
-                </a:solidFill>
-                <a:effectLst/>
-                <a:latin typeface="+mn-lt"/>
-                <a:ea typeface="+mn-ea"/>
-                <a:cs typeface="+mn-cs"/>
-                <a:hlinkClick r:id="rId4" tooltip="带限（页面不存在）"/>
-              </a:rPr>
-              <a:t>带限</a:t>
-            </a:r>
-            <a:r>
-              <a:rPr lang="zh-CN" altLang="en-US" dirty="0" smtClean="0"/>
-              <a:t>的，并且</a:t>
-            </a:r>
-            <a:r>
-              <a:rPr lang="zh-CN" altLang="en-US" sz="1200" u="none" strike="noStrike" kern="1200" dirty="0" smtClean="0">
-                <a:solidFill>
-                  <a:schemeClr val="tx1"/>
-                </a:solidFill>
-                <a:effectLst/>
-                <a:latin typeface="+mn-lt"/>
-                <a:ea typeface="+mn-ea"/>
-                <a:cs typeface="+mn-cs"/>
-                <a:hlinkClick r:id="rId5" tooltip="采样频率"/>
-              </a:rPr>
-              <a:t>采样频率</a:t>
-            </a:r>
-            <a:r>
-              <a:rPr lang="zh-CN" altLang="en-US" dirty="0" smtClean="0"/>
-              <a:t>大于信号</a:t>
-            </a:r>
-            <a:r>
-              <a:rPr lang="zh-CN" altLang="en-US" sz="1200" u="none" strike="noStrike" kern="1200" dirty="0" smtClean="0">
-                <a:solidFill>
-                  <a:schemeClr val="tx1"/>
-                </a:solidFill>
-                <a:effectLst/>
-                <a:latin typeface="+mn-lt"/>
-                <a:ea typeface="+mn-ea"/>
-                <a:cs typeface="+mn-cs"/>
-                <a:hlinkClick r:id="rId6" tooltip="带宽"/>
-              </a:rPr>
-              <a:t>带宽</a:t>
-            </a:r>
-            <a:r>
-              <a:rPr lang="zh-CN" altLang="en-US" dirty="0" smtClean="0"/>
-              <a:t>的</a:t>
-            </a:r>
-            <a:r>
-              <a:rPr lang="en-US" altLang="zh-CN" dirty="0" smtClean="0"/>
-              <a:t>2</a:t>
-            </a:r>
-            <a:r>
-              <a:rPr lang="zh-CN" altLang="en-US" dirty="0" smtClean="0"/>
-              <a:t>倍，那么，原来的连续信号可以从采样样本中完全重建出来</a:t>
-            </a:r>
-            <a:r>
-              <a:rPr lang="en-US" altLang="zh-CN" dirty="0" smtClean="0"/>
-              <a:t>(</a:t>
-            </a:r>
-            <a:r>
-              <a:rPr lang="zh-CN" altLang="en-US" dirty="0" smtClean="0"/>
-              <a:t>如人的声音频率范围是</a:t>
-            </a:r>
-            <a:r>
-              <a:rPr lang="en-US" altLang="zh-CN" dirty="0" smtClean="0"/>
-              <a:t>)</a:t>
-            </a:r>
-            <a:r>
-              <a:rPr lang="zh-CN" altLang="en-US" dirty="0" smtClean="0"/>
-              <a:t>。</a:t>
-            </a:r>
-            <a:endParaRPr lang="en-US" altLang="zh-CN" dirty="0" smtClean="0"/>
-          </a:p>
-          <a:p>
-            <a:r>
-              <a:rPr lang="zh-CN" altLang="zh-CN" sz="1200" kern="1200" dirty="0" smtClean="0">
-                <a:solidFill>
-                  <a:schemeClr val="tx1"/>
-                </a:solidFill>
-                <a:effectLst/>
-                <a:latin typeface="+mn-lt"/>
-                <a:ea typeface="+mn-ea"/>
-                <a:cs typeface="+mn-cs"/>
-              </a:rPr>
-              <a:t>有损和无损：根据采样率和采样大小可以得知，相对自然界的信号，音频编码最多只能做到无限接近，至少目前的技术只能这样了，相对自然界的信号，任何数字音频编码方案都是有损的，因为无法完全还原。</a:t>
-            </a:r>
-            <a:r>
-              <a:rPr lang="zh-CN" altLang="zh-CN" sz="1200" b="1" kern="1200" dirty="0" smtClean="0">
-                <a:solidFill>
-                  <a:schemeClr val="tx1"/>
-                </a:solidFill>
-                <a:effectLst/>
-                <a:latin typeface="+mn-lt"/>
-                <a:ea typeface="+mn-ea"/>
-                <a:cs typeface="+mn-cs"/>
-              </a:rPr>
-              <a:t>在计算机应用中，能够达到最高保真水平的就是</a:t>
-            </a:r>
-            <a:r>
-              <a:rPr lang="en-US" altLang="zh-CN" sz="1200" b="1" kern="1200" dirty="0" smtClean="0">
-                <a:solidFill>
-                  <a:schemeClr val="tx1"/>
-                </a:solidFill>
-                <a:effectLst/>
-                <a:latin typeface="+mn-lt"/>
-                <a:ea typeface="+mn-ea"/>
-                <a:cs typeface="+mn-cs"/>
-              </a:rPr>
-              <a:t>PCM</a:t>
-            </a:r>
-            <a:r>
-              <a:rPr lang="zh-CN" altLang="zh-CN" sz="1200" b="1" kern="1200" dirty="0" smtClean="0">
-                <a:solidFill>
-                  <a:schemeClr val="tx1"/>
-                </a:solidFill>
-                <a:effectLst/>
-                <a:latin typeface="+mn-lt"/>
-                <a:ea typeface="+mn-ea"/>
-                <a:cs typeface="+mn-cs"/>
-              </a:rPr>
-              <a:t>编码</a:t>
-            </a:r>
-            <a:r>
-              <a:rPr lang="zh-CN" altLang="zh-CN" sz="1200" kern="1200" dirty="0" smtClean="0">
-                <a:solidFill>
-                  <a:schemeClr val="tx1"/>
-                </a:solidFill>
-                <a:effectLst/>
-                <a:latin typeface="+mn-lt"/>
-                <a:ea typeface="+mn-ea"/>
-                <a:cs typeface="+mn-cs"/>
-              </a:rPr>
-              <a:t>，</a:t>
-            </a:r>
-            <a:r>
-              <a:rPr lang="en-US" altLang="zh-CN" sz="1200" b="1" kern="1200" dirty="0" smtClean="0">
-                <a:solidFill>
-                  <a:schemeClr val="tx1"/>
-                </a:solidFill>
-                <a:effectLst/>
-                <a:latin typeface="+mn-lt"/>
-                <a:ea typeface="+mn-ea"/>
-                <a:cs typeface="+mn-cs"/>
-              </a:rPr>
-              <a:t>PCM</a:t>
-            </a:r>
-            <a:r>
-              <a:rPr lang="zh-CN" altLang="zh-CN" sz="1200" b="1" kern="1200" dirty="0" smtClean="0">
-                <a:solidFill>
-                  <a:schemeClr val="tx1"/>
-                </a:solidFill>
-                <a:effectLst/>
-                <a:latin typeface="+mn-lt"/>
-                <a:ea typeface="+mn-ea"/>
-                <a:cs typeface="+mn-cs"/>
-              </a:rPr>
-              <a:t>约定俗成了无损编码，因为</a:t>
-            </a:r>
-            <a:r>
-              <a:rPr lang="en-US" altLang="zh-CN" sz="1200" b="1" kern="1200" dirty="0" smtClean="0">
-                <a:solidFill>
-                  <a:schemeClr val="tx1"/>
-                </a:solidFill>
-                <a:effectLst/>
-                <a:latin typeface="+mn-lt"/>
-                <a:ea typeface="+mn-ea"/>
-                <a:cs typeface="+mn-cs"/>
-              </a:rPr>
-              <a:t>PCM</a:t>
-            </a:r>
-            <a:r>
-              <a:rPr lang="zh-CN" altLang="zh-CN" sz="1200" b="1" kern="1200" dirty="0" smtClean="0">
-                <a:solidFill>
-                  <a:schemeClr val="tx1"/>
-                </a:solidFill>
-                <a:effectLst/>
-                <a:latin typeface="+mn-lt"/>
-                <a:ea typeface="+mn-ea"/>
-                <a:cs typeface="+mn-cs"/>
-              </a:rPr>
-              <a:t>代表了数字音频中最佳的保真水准，并不意味着</a:t>
-            </a:r>
-            <a:r>
-              <a:rPr lang="en-US" altLang="zh-CN" sz="1200" b="1" kern="1200" dirty="0" smtClean="0">
-                <a:solidFill>
-                  <a:schemeClr val="tx1"/>
-                </a:solidFill>
-                <a:effectLst/>
-                <a:latin typeface="+mn-lt"/>
-                <a:ea typeface="+mn-ea"/>
-                <a:cs typeface="+mn-cs"/>
-              </a:rPr>
-              <a:t>PCM</a:t>
-            </a:r>
-            <a:r>
-              <a:rPr lang="zh-CN" altLang="zh-CN" sz="1200" b="1" kern="1200" dirty="0" smtClean="0">
-                <a:solidFill>
-                  <a:schemeClr val="tx1"/>
-                </a:solidFill>
-                <a:effectLst/>
-                <a:latin typeface="+mn-lt"/>
-                <a:ea typeface="+mn-ea"/>
-                <a:cs typeface="+mn-cs"/>
-              </a:rPr>
-              <a:t>就能够确保信号绝对保真，</a:t>
-            </a:r>
-            <a:r>
-              <a:rPr lang="en-US" altLang="zh-CN" sz="1200" b="1" kern="1200" dirty="0" smtClean="0">
-                <a:solidFill>
-                  <a:schemeClr val="tx1"/>
-                </a:solidFill>
-                <a:effectLst/>
-                <a:latin typeface="+mn-lt"/>
-                <a:ea typeface="+mn-ea"/>
-                <a:cs typeface="+mn-cs"/>
-              </a:rPr>
-              <a:t>PCM</a:t>
-            </a:r>
-            <a:r>
-              <a:rPr lang="zh-CN" altLang="zh-CN" sz="1200" b="1" kern="1200" dirty="0" smtClean="0">
-                <a:solidFill>
-                  <a:schemeClr val="tx1"/>
-                </a:solidFill>
-                <a:effectLst/>
-                <a:latin typeface="+mn-lt"/>
-                <a:ea typeface="+mn-ea"/>
-                <a:cs typeface="+mn-cs"/>
-              </a:rPr>
-              <a:t>也只能做到最大程度的无限接近</a:t>
-            </a:r>
-            <a:r>
-              <a:rPr lang="zh-CN" altLang="zh-CN" sz="1200" kern="1200" dirty="0" smtClean="0">
-                <a:solidFill>
-                  <a:schemeClr val="tx1"/>
-                </a:solidFill>
-                <a:effectLst/>
-                <a:latin typeface="+mn-lt"/>
-                <a:ea typeface="+mn-ea"/>
-                <a:cs typeface="+mn-cs"/>
-              </a:rPr>
-              <a:t>。被广泛用于素材保存及音乐欣赏，</a:t>
-            </a:r>
-            <a:r>
-              <a:rPr lang="en-US" altLang="zh-CN" sz="1200" kern="1200" dirty="0" smtClean="0">
-                <a:solidFill>
-                  <a:schemeClr val="tx1"/>
-                </a:solidFill>
-                <a:effectLst/>
-                <a:latin typeface="+mn-lt"/>
-                <a:ea typeface="+mn-ea"/>
-                <a:cs typeface="+mn-cs"/>
-              </a:rPr>
-              <a:t>CD</a:t>
-            </a:r>
-            <a:r>
-              <a:rPr lang="zh-CN" altLang="zh-CN" sz="1200" kern="1200" dirty="0" smtClean="0">
-                <a:solidFill>
-                  <a:schemeClr val="tx1"/>
-                </a:solidFill>
-                <a:effectLst/>
-                <a:latin typeface="+mn-lt"/>
-                <a:ea typeface="+mn-ea"/>
-                <a:cs typeface="+mn-cs"/>
-              </a:rPr>
-              <a:t>、</a:t>
-            </a:r>
-            <a:r>
-              <a:rPr lang="en-US" altLang="zh-CN" sz="1200" kern="1200" dirty="0" smtClean="0">
-                <a:solidFill>
-                  <a:schemeClr val="tx1"/>
-                </a:solidFill>
-                <a:effectLst/>
-                <a:latin typeface="+mn-lt"/>
-                <a:ea typeface="+mn-ea"/>
-                <a:cs typeface="+mn-cs"/>
-              </a:rPr>
-              <a:t>DVD</a:t>
-            </a:r>
-            <a:r>
-              <a:rPr lang="zh-CN" altLang="zh-CN" sz="1200" kern="1200" dirty="0" smtClean="0">
-                <a:solidFill>
-                  <a:schemeClr val="tx1"/>
-                </a:solidFill>
-                <a:effectLst/>
-                <a:latin typeface="+mn-lt"/>
-                <a:ea typeface="+mn-ea"/>
-                <a:cs typeface="+mn-cs"/>
-              </a:rPr>
-              <a:t>以及我们常见的</a:t>
-            </a:r>
-            <a:r>
-              <a:rPr lang="en-US" altLang="zh-CN" sz="1200" kern="1200" dirty="0" smtClean="0">
-                <a:solidFill>
-                  <a:schemeClr val="tx1"/>
-                </a:solidFill>
-                <a:effectLst/>
-                <a:latin typeface="+mn-lt"/>
-                <a:ea typeface="+mn-ea"/>
-                <a:cs typeface="+mn-cs"/>
-              </a:rPr>
-              <a:t>WAV </a:t>
-            </a:r>
-            <a:r>
-              <a:rPr lang="zh-CN" altLang="zh-CN" sz="1200" kern="1200" dirty="0" smtClean="0">
-                <a:solidFill>
-                  <a:schemeClr val="tx1"/>
-                </a:solidFill>
-                <a:effectLst/>
-                <a:latin typeface="+mn-lt"/>
-                <a:ea typeface="+mn-ea"/>
-                <a:cs typeface="+mn-cs"/>
-              </a:rPr>
-              <a:t>文件中均有应用。因此，</a:t>
-            </a:r>
-            <a:r>
-              <a:rPr lang="en-US" altLang="zh-CN" sz="1200" kern="1200" dirty="0" smtClean="0">
-                <a:solidFill>
-                  <a:schemeClr val="tx1"/>
-                </a:solidFill>
-                <a:effectLst/>
-                <a:latin typeface="+mn-lt"/>
-                <a:ea typeface="+mn-ea"/>
-                <a:cs typeface="+mn-cs"/>
-              </a:rPr>
-              <a:t>PCM</a:t>
-            </a:r>
-            <a:r>
-              <a:rPr lang="zh-CN" altLang="zh-CN" sz="1200" kern="1200" dirty="0" smtClean="0">
-                <a:solidFill>
-                  <a:schemeClr val="tx1"/>
-                </a:solidFill>
-                <a:effectLst/>
-                <a:latin typeface="+mn-lt"/>
-                <a:ea typeface="+mn-ea"/>
-                <a:cs typeface="+mn-cs"/>
-              </a:rPr>
-              <a:t>约定俗成了无损编码，因为</a:t>
-            </a:r>
-            <a:r>
-              <a:rPr lang="en-US" altLang="zh-CN" sz="1200" kern="1200" dirty="0" smtClean="0">
-                <a:solidFill>
-                  <a:schemeClr val="tx1"/>
-                </a:solidFill>
-                <a:effectLst/>
-                <a:latin typeface="+mn-lt"/>
-                <a:ea typeface="+mn-ea"/>
-                <a:cs typeface="+mn-cs"/>
-              </a:rPr>
-              <a:t>PCM</a:t>
-            </a:r>
-            <a:r>
-              <a:rPr lang="zh-CN" altLang="zh-CN" sz="1200" kern="1200" dirty="0" smtClean="0">
-                <a:solidFill>
-                  <a:schemeClr val="tx1"/>
-                </a:solidFill>
-                <a:effectLst/>
-                <a:latin typeface="+mn-lt"/>
-                <a:ea typeface="+mn-ea"/>
-                <a:cs typeface="+mn-cs"/>
-              </a:rPr>
-              <a:t>代表了数字音频中最佳的保真水准，并不意味着</a:t>
-            </a:r>
-            <a:r>
-              <a:rPr lang="en-US" altLang="zh-CN" sz="1200" kern="1200" dirty="0" smtClean="0">
-                <a:solidFill>
-                  <a:schemeClr val="tx1"/>
-                </a:solidFill>
-                <a:effectLst/>
-                <a:latin typeface="+mn-lt"/>
-                <a:ea typeface="+mn-ea"/>
-                <a:cs typeface="+mn-cs"/>
-              </a:rPr>
-              <a:t>PCM</a:t>
-            </a:r>
-            <a:r>
-              <a:rPr lang="zh-CN" altLang="zh-CN" sz="1200" kern="1200" dirty="0" smtClean="0">
-                <a:solidFill>
-                  <a:schemeClr val="tx1"/>
-                </a:solidFill>
-                <a:effectLst/>
-                <a:latin typeface="+mn-lt"/>
-                <a:ea typeface="+mn-ea"/>
-                <a:cs typeface="+mn-cs"/>
-              </a:rPr>
-              <a:t>就能够确保信号绝对保真，</a:t>
-            </a:r>
-            <a:r>
-              <a:rPr lang="en-US" altLang="zh-CN" sz="1200" kern="1200" dirty="0" smtClean="0">
-                <a:solidFill>
-                  <a:schemeClr val="tx1"/>
-                </a:solidFill>
-                <a:effectLst/>
-                <a:latin typeface="+mn-lt"/>
-                <a:ea typeface="+mn-ea"/>
-                <a:cs typeface="+mn-cs"/>
-              </a:rPr>
-              <a:t>PCM</a:t>
-            </a:r>
-            <a:r>
-              <a:rPr lang="zh-CN" altLang="zh-CN" sz="1200" kern="1200" dirty="0" smtClean="0">
-                <a:solidFill>
-                  <a:schemeClr val="tx1"/>
-                </a:solidFill>
-                <a:effectLst/>
-                <a:latin typeface="+mn-lt"/>
-                <a:ea typeface="+mn-ea"/>
-                <a:cs typeface="+mn-cs"/>
-              </a:rPr>
-              <a:t>也只能做到最大程度的无限接近。</a:t>
-            </a:r>
-            <a:endParaRPr lang="zh-CN" altLang="en-US" dirty="0" smtClean="0"/>
-          </a:p>
-          <a:p>
             <a:endParaRPr lang="zh-CN" altLang="en-US" dirty="0"/>
           </a:p>
         </p:txBody>
@@ -2677,463 +848,6 @@
           <a:bodyPr/>
           <a:lstStyle/>
           <a:p>
-            <a:r>
-              <a:rPr lang="zh-CN" altLang="en-US" sz="1200" b="0" i="0" u="none" strike="noStrike" kern="1200" dirty="0" smtClean="0">
-                <a:solidFill>
-                  <a:schemeClr val="tx1"/>
-                </a:solidFill>
-                <a:effectLst/>
-                <a:latin typeface="+mn-lt"/>
-                <a:ea typeface="+mn-ea"/>
-                <a:cs typeface="+mn-cs"/>
-                <a:hlinkClick r:id="rId3" tooltip="采样"/>
-              </a:rPr>
-              <a:t>采样</a:t>
-            </a:r>
-            <a:r>
-              <a:rPr lang="zh-CN" altLang="en-US" sz="1200" b="0" i="0" kern="1200" dirty="0" smtClean="0">
-                <a:solidFill>
-                  <a:schemeClr val="tx1"/>
-                </a:solidFill>
-                <a:effectLst/>
-                <a:latin typeface="+mn-lt"/>
-                <a:ea typeface="+mn-ea"/>
-                <a:cs typeface="+mn-cs"/>
-              </a:rPr>
-              <a:t>是将一个信号（即时间或空间上的连续函数）转换成一个数值序列（即时间或空间上的离散函数）。</a:t>
-            </a:r>
-            <a:endParaRPr lang="en-US" altLang="zh-CN" sz="1200" b="0" i="0" kern="1200" dirty="0" smtClean="0">
-              <a:solidFill>
-                <a:schemeClr val="tx1"/>
-              </a:solidFill>
-              <a:effectLst/>
-              <a:latin typeface="+mn-lt"/>
-              <a:ea typeface="+mn-ea"/>
-              <a:cs typeface="+mn-cs"/>
-            </a:endParaRPr>
-          </a:p>
-          <a:p>
-            <a:r>
-              <a:rPr lang="zh-CN" altLang="en-US" dirty="0" smtClean="0"/>
-              <a:t>如果信号是</a:t>
-            </a:r>
-            <a:r>
-              <a:rPr lang="zh-CN" altLang="en-US" sz="1200" u="none" strike="noStrike" kern="1200" dirty="0" smtClean="0">
-                <a:solidFill>
-                  <a:schemeClr val="tx1"/>
-                </a:solidFill>
-                <a:effectLst/>
-                <a:latin typeface="+mn-lt"/>
-                <a:ea typeface="+mn-ea"/>
-                <a:cs typeface="+mn-cs"/>
-                <a:hlinkClick r:id="rId4" tooltip="带限（页面不存在）"/>
-              </a:rPr>
-              <a:t>带限</a:t>
-            </a:r>
-            <a:r>
-              <a:rPr lang="zh-CN" altLang="en-US" dirty="0" smtClean="0"/>
-              <a:t>的，并且</a:t>
-            </a:r>
-            <a:r>
-              <a:rPr lang="zh-CN" altLang="en-US" sz="1200" u="none" strike="noStrike" kern="1200" dirty="0" smtClean="0">
-                <a:solidFill>
-                  <a:schemeClr val="tx1"/>
-                </a:solidFill>
-                <a:effectLst/>
-                <a:latin typeface="+mn-lt"/>
-                <a:ea typeface="+mn-ea"/>
-                <a:cs typeface="+mn-cs"/>
-                <a:hlinkClick r:id="rId5" tooltip="采样频率"/>
-              </a:rPr>
-              <a:t>采样频率</a:t>
-            </a:r>
-            <a:r>
-              <a:rPr lang="zh-CN" altLang="en-US" dirty="0" smtClean="0"/>
-              <a:t>大于信号</a:t>
-            </a:r>
-            <a:r>
-              <a:rPr lang="zh-CN" altLang="en-US" sz="1200" u="none" strike="noStrike" kern="1200" dirty="0" smtClean="0">
-                <a:solidFill>
-                  <a:schemeClr val="tx1"/>
-                </a:solidFill>
-                <a:effectLst/>
-                <a:latin typeface="+mn-lt"/>
-                <a:ea typeface="+mn-ea"/>
-                <a:cs typeface="+mn-cs"/>
-                <a:hlinkClick r:id="rId6" tooltip="带宽"/>
-              </a:rPr>
-              <a:t>带宽</a:t>
-            </a:r>
-            <a:r>
-              <a:rPr lang="zh-CN" altLang="en-US" dirty="0" smtClean="0"/>
-              <a:t>的</a:t>
-            </a:r>
-            <a:r>
-              <a:rPr lang="en-US" altLang="zh-CN" dirty="0" smtClean="0"/>
-              <a:t>2</a:t>
-            </a:r>
-            <a:r>
-              <a:rPr lang="zh-CN" altLang="en-US" dirty="0" smtClean="0"/>
-              <a:t>倍，那么，原来的连续信号可以从采样样本中完全重建出来</a:t>
-            </a:r>
-            <a:r>
-              <a:rPr lang="en-US" altLang="zh-CN" dirty="0" smtClean="0"/>
-              <a:t>(</a:t>
-            </a:r>
-            <a:r>
-              <a:rPr lang="zh-CN" altLang="en-US" dirty="0" smtClean="0"/>
-              <a:t>如人的声音频率范围是</a:t>
-            </a:r>
-            <a:r>
-              <a:rPr lang="en-US" altLang="zh-CN" dirty="0" smtClean="0"/>
-              <a:t>)</a:t>
-            </a:r>
-            <a:r>
-              <a:rPr lang="zh-CN" altLang="en-US" dirty="0" smtClean="0"/>
-              <a:t>。</a:t>
-            </a:r>
-            <a:endParaRPr lang="en-US" altLang="zh-CN" dirty="0" smtClean="0"/>
-          </a:p>
-          <a:p>
-            <a:r>
-              <a:rPr lang="zh-CN" altLang="zh-CN" sz="1200" kern="1200" dirty="0" smtClean="0">
-                <a:solidFill>
-                  <a:schemeClr val="tx1"/>
-                </a:solidFill>
-                <a:effectLst/>
-                <a:latin typeface="+mn-lt"/>
-                <a:ea typeface="+mn-ea"/>
-                <a:cs typeface="+mn-cs"/>
-              </a:rPr>
-              <a:t>有损和无损：根据采样率和采样大小可以得知，相对自然界的信号，音频编码最多只能做到无限接近，至少目前的技术只能这样了，相对自然界的信号，任何数字音频编码方案都是有损的，因为无法完全还原。</a:t>
-            </a:r>
-            <a:r>
-              <a:rPr lang="zh-CN" altLang="zh-CN" sz="1200" b="1" kern="1200" dirty="0" smtClean="0">
-                <a:solidFill>
-                  <a:schemeClr val="tx1"/>
-                </a:solidFill>
-                <a:effectLst/>
-                <a:latin typeface="+mn-lt"/>
-                <a:ea typeface="+mn-ea"/>
-                <a:cs typeface="+mn-cs"/>
-              </a:rPr>
-              <a:t>在计算机应用中，能够达到最高保真水平的就是</a:t>
-            </a:r>
-            <a:r>
-              <a:rPr lang="en-US" altLang="zh-CN" sz="1200" b="1" kern="1200" dirty="0" smtClean="0">
-                <a:solidFill>
-                  <a:schemeClr val="tx1"/>
-                </a:solidFill>
-                <a:effectLst/>
-                <a:latin typeface="+mn-lt"/>
-                <a:ea typeface="+mn-ea"/>
-                <a:cs typeface="+mn-cs"/>
-              </a:rPr>
-              <a:t>PCM</a:t>
-            </a:r>
-            <a:r>
-              <a:rPr lang="zh-CN" altLang="zh-CN" sz="1200" b="1" kern="1200" dirty="0" smtClean="0">
-                <a:solidFill>
-                  <a:schemeClr val="tx1"/>
-                </a:solidFill>
-                <a:effectLst/>
-                <a:latin typeface="+mn-lt"/>
-                <a:ea typeface="+mn-ea"/>
-                <a:cs typeface="+mn-cs"/>
-              </a:rPr>
-              <a:t>编码</a:t>
-            </a:r>
-            <a:r>
-              <a:rPr lang="zh-CN" altLang="zh-CN" sz="1200" kern="1200" dirty="0" smtClean="0">
-                <a:solidFill>
-                  <a:schemeClr val="tx1"/>
-                </a:solidFill>
-                <a:effectLst/>
-                <a:latin typeface="+mn-lt"/>
-                <a:ea typeface="+mn-ea"/>
-                <a:cs typeface="+mn-cs"/>
-              </a:rPr>
-              <a:t>，</a:t>
-            </a:r>
-            <a:r>
-              <a:rPr lang="en-US" altLang="zh-CN" sz="1200" b="1" kern="1200" dirty="0" smtClean="0">
-                <a:solidFill>
-                  <a:schemeClr val="tx1"/>
-                </a:solidFill>
-                <a:effectLst/>
-                <a:latin typeface="+mn-lt"/>
-                <a:ea typeface="+mn-ea"/>
-                <a:cs typeface="+mn-cs"/>
-              </a:rPr>
-              <a:t>PCM</a:t>
-            </a:r>
-            <a:r>
-              <a:rPr lang="zh-CN" altLang="zh-CN" sz="1200" b="1" kern="1200" dirty="0" smtClean="0">
-                <a:solidFill>
-                  <a:schemeClr val="tx1"/>
-                </a:solidFill>
-                <a:effectLst/>
-                <a:latin typeface="+mn-lt"/>
-                <a:ea typeface="+mn-ea"/>
-                <a:cs typeface="+mn-cs"/>
-              </a:rPr>
-              <a:t>约定俗成了无损编码，因为</a:t>
-            </a:r>
-            <a:r>
-              <a:rPr lang="en-US" altLang="zh-CN" sz="1200" b="1" kern="1200" dirty="0" smtClean="0">
-                <a:solidFill>
-                  <a:schemeClr val="tx1"/>
-                </a:solidFill>
-                <a:effectLst/>
-                <a:latin typeface="+mn-lt"/>
-                <a:ea typeface="+mn-ea"/>
-                <a:cs typeface="+mn-cs"/>
-              </a:rPr>
-              <a:t>PCM</a:t>
-            </a:r>
-            <a:r>
-              <a:rPr lang="zh-CN" altLang="zh-CN" sz="1200" b="1" kern="1200" dirty="0" smtClean="0">
-                <a:solidFill>
-                  <a:schemeClr val="tx1"/>
-                </a:solidFill>
-                <a:effectLst/>
-                <a:latin typeface="+mn-lt"/>
-                <a:ea typeface="+mn-ea"/>
-                <a:cs typeface="+mn-cs"/>
-              </a:rPr>
-              <a:t>代表了数字音频中最佳的保真水准，并不意味着</a:t>
-            </a:r>
-            <a:r>
-              <a:rPr lang="en-US" altLang="zh-CN" sz="1200" b="1" kern="1200" dirty="0" smtClean="0">
-                <a:solidFill>
-                  <a:schemeClr val="tx1"/>
-                </a:solidFill>
-                <a:effectLst/>
-                <a:latin typeface="+mn-lt"/>
-                <a:ea typeface="+mn-ea"/>
-                <a:cs typeface="+mn-cs"/>
-              </a:rPr>
-              <a:t>PCM</a:t>
-            </a:r>
-            <a:r>
-              <a:rPr lang="zh-CN" altLang="zh-CN" sz="1200" b="1" kern="1200" dirty="0" smtClean="0">
-                <a:solidFill>
-                  <a:schemeClr val="tx1"/>
-                </a:solidFill>
-                <a:effectLst/>
-                <a:latin typeface="+mn-lt"/>
-                <a:ea typeface="+mn-ea"/>
-                <a:cs typeface="+mn-cs"/>
-              </a:rPr>
-              <a:t>就能够确保信号绝对保真，</a:t>
-            </a:r>
-            <a:r>
-              <a:rPr lang="en-US" altLang="zh-CN" sz="1200" b="1" kern="1200" dirty="0" smtClean="0">
-                <a:solidFill>
-                  <a:schemeClr val="tx1"/>
-                </a:solidFill>
-                <a:effectLst/>
-                <a:latin typeface="+mn-lt"/>
-                <a:ea typeface="+mn-ea"/>
-                <a:cs typeface="+mn-cs"/>
-              </a:rPr>
-              <a:t>PCM</a:t>
-            </a:r>
-            <a:r>
-              <a:rPr lang="zh-CN" altLang="zh-CN" sz="1200" b="1" kern="1200" dirty="0" smtClean="0">
-                <a:solidFill>
-                  <a:schemeClr val="tx1"/>
-                </a:solidFill>
-                <a:effectLst/>
-                <a:latin typeface="+mn-lt"/>
-                <a:ea typeface="+mn-ea"/>
-                <a:cs typeface="+mn-cs"/>
-              </a:rPr>
-              <a:t>也只能做到最大程度的无限接近</a:t>
-            </a:r>
-            <a:r>
-              <a:rPr lang="zh-CN" altLang="zh-CN" sz="1200" kern="1200" dirty="0" smtClean="0">
-                <a:solidFill>
-                  <a:schemeClr val="tx1"/>
-                </a:solidFill>
-                <a:effectLst/>
-                <a:latin typeface="+mn-lt"/>
-                <a:ea typeface="+mn-ea"/>
-                <a:cs typeface="+mn-cs"/>
-              </a:rPr>
-              <a:t>。被广泛用于素材保存及音乐欣赏，</a:t>
-            </a:r>
-            <a:r>
-              <a:rPr lang="en-US" altLang="zh-CN" sz="1200" kern="1200" dirty="0" smtClean="0">
-                <a:solidFill>
-                  <a:schemeClr val="tx1"/>
-                </a:solidFill>
-                <a:effectLst/>
-                <a:latin typeface="+mn-lt"/>
-                <a:ea typeface="+mn-ea"/>
-                <a:cs typeface="+mn-cs"/>
-              </a:rPr>
-              <a:t>CD</a:t>
-            </a:r>
-            <a:r>
-              <a:rPr lang="zh-CN" altLang="zh-CN" sz="1200" kern="1200" dirty="0" smtClean="0">
-                <a:solidFill>
-                  <a:schemeClr val="tx1"/>
-                </a:solidFill>
-                <a:effectLst/>
-                <a:latin typeface="+mn-lt"/>
-                <a:ea typeface="+mn-ea"/>
-                <a:cs typeface="+mn-cs"/>
-              </a:rPr>
-              <a:t>、</a:t>
-            </a:r>
-            <a:r>
-              <a:rPr lang="en-US" altLang="zh-CN" sz="1200" kern="1200" dirty="0" smtClean="0">
-                <a:solidFill>
-                  <a:schemeClr val="tx1"/>
-                </a:solidFill>
-                <a:effectLst/>
-                <a:latin typeface="+mn-lt"/>
-                <a:ea typeface="+mn-ea"/>
-                <a:cs typeface="+mn-cs"/>
-              </a:rPr>
-              <a:t>DVD</a:t>
-            </a:r>
-            <a:r>
-              <a:rPr lang="zh-CN" altLang="zh-CN" sz="1200" kern="1200" dirty="0" smtClean="0">
-                <a:solidFill>
-                  <a:schemeClr val="tx1"/>
-                </a:solidFill>
-                <a:effectLst/>
-                <a:latin typeface="+mn-lt"/>
-                <a:ea typeface="+mn-ea"/>
-                <a:cs typeface="+mn-cs"/>
-              </a:rPr>
-              <a:t>以及我们常见的</a:t>
-            </a:r>
-            <a:r>
-              <a:rPr lang="en-US" altLang="zh-CN" sz="1200" kern="1200" dirty="0" smtClean="0">
-                <a:solidFill>
-                  <a:schemeClr val="tx1"/>
-                </a:solidFill>
-                <a:effectLst/>
-                <a:latin typeface="+mn-lt"/>
-                <a:ea typeface="+mn-ea"/>
-                <a:cs typeface="+mn-cs"/>
-              </a:rPr>
-              <a:t>WAV </a:t>
-            </a:r>
-            <a:r>
-              <a:rPr lang="zh-CN" altLang="zh-CN" sz="1200" kern="1200" dirty="0" smtClean="0">
-                <a:solidFill>
-                  <a:schemeClr val="tx1"/>
-                </a:solidFill>
-                <a:effectLst/>
-                <a:latin typeface="+mn-lt"/>
-                <a:ea typeface="+mn-ea"/>
-                <a:cs typeface="+mn-cs"/>
-              </a:rPr>
-              <a:t>文件中均有应用。因此，</a:t>
-            </a:r>
-            <a:r>
-              <a:rPr lang="en-US" altLang="zh-CN" sz="1200" kern="1200" dirty="0" smtClean="0">
-                <a:solidFill>
-                  <a:schemeClr val="tx1"/>
-                </a:solidFill>
-                <a:effectLst/>
-                <a:latin typeface="+mn-lt"/>
-                <a:ea typeface="+mn-ea"/>
-                <a:cs typeface="+mn-cs"/>
-              </a:rPr>
-              <a:t>PCM</a:t>
-            </a:r>
-            <a:r>
-              <a:rPr lang="zh-CN" altLang="zh-CN" sz="1200" kern="1200" dirty="0" smtClean="0">
-                <a:solidFill>
-                  <a:schemeClr val="tx1"/>
-                </a:solidFill>
-                <a:effectLst/>
-                <a:latin typeface="+mn-lt"/>
-                <a:ea typeface="+mn-ea"/>
-                <a:cs typeface="+mn-cs"/>
-              </a:rPr>
-              <a:t>约定俗成了无损编码，因为</a:t>
-            </a:r>
-            <a:r>
-              <a:rPr lang="en-US" altLang="zh-CN" sz="1200" kern="1200" dirty="0" smtClean="0">
-                <a:solidFill>
-                  <a:schemeClr val="tx1"/>
-                </a:solidFill>
-                <a:effectLst/>
-                <a:latin typeface="+mn-lt"/>
-                <a:ea typeface="+mn-ea"/>
-                <a:cs typeface="+mn-cs"/>
-              </a:rPr>
-              <a:t>PCM</a:t>
-            </a:r>
-            <a:r>
-              <a:rPr lang="zh-CN" altLang="zh-CN" sz="1200" kern="1200" dirty="0" smtClean="0">
-                <a:solidFill>
-                  <a:schemeClr val="tx1"/>
-                </a:solidFill>
-                <a:effectLst/>
-                <a:latin typeface="+mn-lt"/>
-                <a:ea typeface="+mn-ea"/>
-                <a:cs typeface="+mn-cs"/>
-              </a:rPr>
-              <a:t>代表了数字音频中最佳的保真水准，并不意味着</a:t>
-            </a:r>
-            <a:r>
-              <a:rPr lang="en-US" altLang="zh-CN" sz="1200" kern="1200" dirty="0" smtClean="0">
-                <a:solidFill>
-                  <a:schemeClr val="tx1"/>
-                </a:solidFill>
-                <a:effectLst/>
-                <a:latin typeface="+mn-lt"/>
-                <a:ea typeface="+mn-ea"/>
-                <a:cs typeface="+mn-cs"/>
-              </a:rPr>
-              <a:t>PCM</a:t>
-            </a:r>
-            <a:r>
-              <a:rPr lang="zh-CN" altLang="zh-CN" sz="1200" kern="1200" dirty="0" smtClean="0">
-                <a:solidFill>
-                  <a:schemeClr val="tx1"/>
-                </a:solidFill>
-                <a:effectLst/>
-                <a:latin typeface="+mn-lt"/>
-                <a:ea typeface="+mn-ea"/>
-                <a:cs typeface="+mn-cs"/>
-              </a:rPr>
-              <a:t>就能够确保信号绝对保真，</a:t>
-            </a:r>
-            <a:r>
-              <a:rPr lang="en-US" altLang="zh-CN" sz="1200" kern="1200" dirty="0" smtClean="0">
-                <a:solidFill>
-                  <a:schemeClr val="tx1"/>
-                </a:solidFill>
-                <a:effectLst/>
-                <a:latin typeface="+mn-lt"/>
-                <a:ea typeface="+mn-ea"/>
-                <a:cs typeface="+mn-cs"/>
-              </a:rPr>
-              <a:t>PCM</a:t>
-            </a:r>
-            <a:r>
-              <a:rPr lang="zh-CN" altLang="zh-CN" sz="1200" kern="1200" dirty="0" smtClean="0">
-                <a:solidFill>
-                  <a:schemeClr val="tx1"/>
-                </a:solidFill>
-                <a:effectLst/>
-                <a:latin typeface="+mn-lt"/>
-                <a:ea typeface="+mn-ea"/>
-                <a:cs typeface="+mn-cs"/>
-              </a:rPr>
-              <a:t>也只能做到最大程度的无限接近。</a:t>
-            </a:r>
-            <a:endParaRPr lang="zh-CN" altLang="en-US" dirty="0" smtClean="0"/>
-          </a:p>
-          <a:p>
             <a:endParaRPr lang="zh-CN" altLang="en-US" dirty="0"/>
           </a:p>
         </p:txBody>
@@ -3155,7 +869,7 @@
           <a:p>
             <a:fld id="{BDEE259F-7124-4DF8-A343-AC16E20BA1BC}" type="slidenum">
               <a:rPr lang="en-US" smtClean="0"/>
-              <a:t>7</a:t>
+              <a:t>6</a:t>
             </a:fld>
             <a:endParaRPr lang="en-US"/>
           </a:p>
@@ -3218,463 +932,6 @@
           <a:bodyPr/>
           <a:lstStyle/>
           <a:p>
-            <a:r>
-              <a:rPr lang="zh-CN" altLang="en-US" sz="1200" b="0" i="0" u="none" strike="noStrike" kern="1200" dirty="0" smtClean="0">
-                <a:solidFill>
-                  <a:schemeClr val="tx1"/>
-                </a:solidFill>
-                <a:effectLst/>
-                <a:latin typeface="+mn-lt"/>
-                <a:ea typeface="+mn-ea"/>
-                <a:cs typeface="+mn-cs"/>
-                <a:hlinkClick r:id="rId3" tooltip="采样"/>
-              </a:rPr>
-              <a:t>采样</a:t>
-            </a:r>
-            <a:r>
-              <a:rPr lang="zh-CN" altLang="en-US" sz="1200" b="0" i="0" kern="1200" dirty="0" smtClean="0">
-                <a:solidFill>
-                  <a:schemeClr val="tx1"/>
-                </a:solidFill>
-                <a:effectLst/>
-                <a:latin typeface="+mn-lt"/>
-                <a:ea typeface="+mn-ea"/>
-                <a:cs typeface="+mn-cs"/>
-              </a:rPr>
-              <a:t>是将一个信号（即时间或空间上的连续函数）转换成一个数值序列（即时间或空间上的离散函数）。</a:t>
-            </a:r>
-            <a:endParaRPr lang="en-US" altLang="zh-CN" sz="1200" b="0" i="0" kern="1200" dirty="0" smtClean="0">
-              <a:solidFill>
-                <a:schemeClr val="tx1"/>
-              </a:solidFill>
-              <a:effectLst/>
-              <a:latin typeface="+mn-lt"/>
-              <a:ea typeface="+mn-ea"/>
-              <a:cs typeface="+mn-cs"/>
-            </a:endParaRPr>
-          </a:p>
-          <a:p>
-            <a:r>
-              <a:rPr lang="zh-CN" altLang="en-US" dirty="0" smtClean="0"/>
-              <a:t>如果信号是</a:t>
-            </a:r>
-            <a:r>
-              <a:rPr lang="zh-CN" altLang="en-US" sz="1200" u="none" strike="noStrike" kern="1200" dirty="0" smtClean="0">
-                <a:solidFill>
-                  <a:schemeClr val="tx1"/>
-                </a:solidFill>
-                <a:effectLst/>
-                <a:latin typeface="+mn-lt"/>
-                <a:ea typeface="+mn-ea"/>
-                <a:cs typeface="+mn-cs"/>
-                <a:hlinkClick r:id="rId4" tooltip="带限（页面不存在）"/>
-              </a:rPr>
-              <a:t>带限</a:t>
-            </a:r>
-            <a:r>
-              <a:rPr lang="zh-CN" altLang="en-US" dirty="0" smtClean="0"/>
-              <a:t>的，并且</a:t>
-            </a:r>
-            <a:r>
-              <a:rPr lang="zh-CN" altLang="en-US" sz="1200" u="none" strike="noStrike" kern="1200" dirty="0" smtClean="0">
-                <a:solidFill>
-                  <a:schemeClr val="tx1"/>
-                </a:solidFill>
-                <a:effectLst/>
-                <a:latin typeface="+mn-lt"/>
-                <a:ea typeface="+mn-ea"/>
-                <a:cs typeface="+mn-cs"/>
-                <a:hlinkClick r:id="rId5" tooltip="采样频率"/>
-              </a:rPr>
-              <a:t>采样频率</a:t>
-            </a:r>
-            <a:r>
-              <a:rPr lang="zh-CN" altLang="en-US" dirty="0" smtClean="0"/>
-              <a:t>大于信号</a:t>
-            </a:r>
-            <a:r>
-              <a:rPr lang="zh-CN" altLang="en-US" sz="1200" u="none" strike="noStrike" kern="1200" dirty="0" smtClean="0">
-                <a:solidFill>
-                  <a:schemeClr val="tx1"/>
-                </a:solidFill>
-                <a:effectLst/>
-                <a:latin typeface="+mn-lt"/>
-                <a:ea typeface="+mn-ea"/>
-                <a:cs typeface="+mn-cs"/>
-                <a:hlinkClick r:id="rId6" tooltip="带宽"/>
-              </a:rPr>
-              <a:t>带宽</a:t>
-            </a:r>
-            <a:r>
-              <a:rPr lang="zh-CN" altLang="en-US" dirty="0" smtClean="0"/>
-              <a:t>的</a:t>
-            </a:r>
-            <a:r>
-              <a:rPr lang="en-US" altLang="zh-CN" dirty="0" smtClean="0"/>
-              <a:t>2</a:t>
-            </a:r>
-            <a:r>
-              <a:rPr lang="zh-CN" altLang="en-US" dirty="0" smtClean="0"/>
-              <a:t>倍，那么，原来的连续信号可以从采样样本中完全重建出来</a:t>
-            </a:r>
-            <a:r>
-              <a:rPr lang="en-US" altLang="zh-CN" dirty="0" smtClean="0"/>
-              <a:t>(</a:t>
-            </a:r>
-            <a:r>
-              <a:rPr lang="zh-CN" altLang="en-US" dirty="0" smtClean="0"/>
-              <a:t>如人的声音频率范围是</a:t>
-            </a:r>
-            <a:r>
-              <a:rPr lang="en-US" altLang="zh-CN" dirty="0" smtClean="0"/>
-              <a:t>)</a:t>
-            </a:r>
-            <a:r>
-              <a:rPr lang="zh-CN" altLang="en-US" dirty="0" smtClean="0"/>
-              <a:t>。</a:t>
-            </a:r>
-            <a:endParaRPr lang="en-US" altLang="zh-CN" dirty="0" smtClean="0"/>
-          </a:p>
-          <a:p>
-            <a:r>
-              <a:rPr lang="zh-CN" altLang="zh-CN" sz="1200" kern="1200" dirty="0" smtClean="0">
-                <a:solidFill>
-                  <a:schemeClr val="tx1"/>
-                </a:solidFill>
-                <a:effectLst/>
-                <a:latin typeface="+mn-lt"/>
-                <a:ea typeface="+mn-ea"/>
-                <a:cs typeface="+mn-cs"/>
-              </a:rPr>
-              <a:t>有损和无损：根据采样率和采样大小可以得知，相对自然界的信号，音频编码最多只能做到无限接近，至少目前的技术只能这样了，相对自然界的信号，任何数字音频编码方案都是有损的，因为无法完全还原。</a:t>
-            </a:r>
-            <a:r>
-              <a:rPr lang="zh-CN" altLang="zh-CN" sz="1200" b="1" kern="1200" dirty="0" smtClean="0">
-                <a:solidFill>
-                  <a:schemeClr val="tx1"/>
-                </a:solidFill>
-                <a:effectLst/>
-                <a:latin typeface="+mn-lt"/>
-                <a:ea typeface="+mn-ea"/>
-                <a:cs typeface="+mn-cs"/>
-              </a:rPr>
-              <a:t>在计算机应用中，能够达到最高保真水平的就是</a:t>
-            </a:r>
-            <a:r>
-              <a:rPr lang="en-US" altLang="zh-CN" sz="1200" b="1" kern="1200" dirty="0" smtClean="0">
-                <a:solidFill>
-                  <a:schemeClr val="tx1"/>
-                </a:solidFill>
-                <a:effectLst/>
-                <a:latin typeface="+mn-lt"/>
-                <a:ea typeface="+mn-ea"/>
-                <a:cs typeface="+mn-cs"/>
-              </a:rPr>
-              <a:t>PCM</a:t>
-            </a:r>
-            <a:r>
-              <a:rPr lang="zh-CN" altLang="zh-CN" sz="1200" b="1" kern="1200" dirty="0" smtClean="0">
-                <a:solidFill>
-                  <a:schemeClr val="tx1"/>
-                </a:solidFill>
-                <a:effectLst/>
-                <a:latin typeface="+mn-lt"/>
-                <a:ea typeface="+mn-ea"/>
-                <a:cs typeface="+mn-cs"/>
-              </a:rPr>
-              <a:t>编码</a:t>
-            </a:r>
-            <a:r>
-              <a:rPr lang="zh-CN" altLang="zh-CN" sz="1200" kern="1200" dirty="0" smtClean="0">
-                <a:solidFill>
-                  <a:schemeClr val="tx1"/>
-                </a:solidFill>
-                <a:effectLst/>
-                <a:latin typeface="+mn-lt"/>
-                <a:ea typeface="+mn-ea"/>
-                <a:cs typeface="+mn-cs"/>
-              </a:rPr>
-              <a:t>，</a:t>
-            </a:r>
-            <a:r>
-              <a:rPr lang="en-US" altLang="zh-CN" sz="1200" b="1" kern="1200" dirty="0" smtClean="0">
-                <a:solidFill>
-                  <a:schemeClr val="tx1"/>
-                </a:solidFill>
-                <a:effectLst/>
-                <a:latin typeface="+mn-lt"/>
-                <a:ea typeface="+mn-ea"/>
-                <a:cs typeface="+mn-cs"/>
-              </a:rPr>
-              <a:t>PCM</a:t>
-            </a:r>
-            <a:r>
-              <a:rPr lang="zh-CN" altLang="zh-CN" sz="1200" b="1" kern="1200" dirty="0" smtClean="0">
-                <a:solidFill>
-                  <a:schemeClr val="tx1"/>
-                </a:solidFill>
-                <a:effectLst/>
-                <a:latin typeface="+mn-lt"/>
-                <a:ea typeface="+mn-ea"/>
-                <a:cs typeface="+mn-cs"/>
-              </a:rPr>
-              <a:t>约定俗成了无损编码，因为</a:t>
-            </a:r>
-            <a:r>
-              <a:rPr lang="en-US" altLang="zh-CN" sz="1200" b="1" kern="1200" dirty="0" smtClean="0">
-                <a:solidFill>
-                  <a:schemeClr val="tx1"/>
-                </a:solidFill>
-                <a:effectLst/>
-                <a:latin typeface="+mn-lt"/>
-                <a:ea typeface="+mn-ea"/>
-                <a:cs typeface="+mn-cs"/>
-              </a:rPr>
-              <a:t>PCM</a:t>
-            </a:r>
-            <a:r>
-              <a:rPr lang="zh-CN" altLang="zh-CN" sz="1200" b="1" kern="1200" dirty="0" smtClean="0">
-                <a:solidFill>
-                  <a:schemeClr val="tx1"/>
-                </a:solidFill>
-                <a:effectLst/>
-                <a:latin typeface="+mn-lt"/>
-                <a:ea typeface="+mn-ea"/>
-                <a:cs typeface="+mn-cs"/>
-              </a:rPr>
-              <a:t>代表了数字音频中最佳的保真水准，并不意味着</a:t>
-            </a:r>
-            <a:r>
-              <a:rPr lang="en-US" altLang="zh-CN" sz="1200" b="1" kern="1200" dirty="0" smtClean="0">
-                <a:solidFill>
-                  <a:schemeClr val="tx1"/>
-                </a:solidFill>
-                <a:effectLst/>
-                <a:latin typeface="+mn-lt"/>
-                <a:ea typeface="+mn-ea"/>
-                <a:cs typeface="+mn-cs"/>
-              </a:rPr>
-              <a:t>PCM</a:t>
-            </a:r>
-            <a:r>
-              <a:rPr lang="zh-CN" altLang="zh-CN" sz="1200" b="1" kern="1200" dirty="0" smtClean="0">
-                <a:solidFill>
-                  <a:schemeClr val="tx1"/>
-                </a:solidFill>
-                <a:effectLst/>
-                <a:latin typeface="+mn-lt"/>
-                <a:ea typeface="+mn-ea"/>
-                <a:cs typeface="+mn-cs"/>
-              </a:rPr>
-              <a:t>就能够确保信号绝对保真，</a:t>
-            </a:r>
-            <a:r>
-              <a:rPr lang="en-US" altLang="zh-CN" sz="1200" b="1" kern="1200" dirty="0" smtClean="0">
-                <a:solidFill>
-                  <a:schemeClr val="tx1"/>
-                </a:solidFill>
-                <a:effectLst/>
-                <a:latin typeface="+mn-lt"/>
-                <a:ea typeface="+mn-ea"/>
-                <a:cs typeface="+mn-cs"/>
-              </a:rPr>
-              <a:t>PCM</a:t>
-            </a:r>
-            <a:r>
-              <a:rPr lang="zh-CN" altLang="zh-CN" sz="1200" b="1" kern="1200" dirty="0" smtClean="0">
-                <a:solidFill>
-                  <a:schemeClr val="tx1"/>
-                </a:solidFill>
-                <a:effectLst/>
-                <a:latin typeface="+mn-lt"/>
-                <a:ea typeface="+mn-ea"/>
-                <a:cs typeface="+mn-cs"/>
-              </a:rPr>
-              <a:t>也只能做到最大程度的无限接近</a:t>
-            </a:r>
-            <a:r>
-              <a:rPr lang="zh-CN" altLang="zh-CN" sz="1200" kern="1200" dirty="0" smtClean="0">
-                <a:solidFill>
-                  <a:schemeClr val="tx1"/>
-                </a:solidFill>
-                <a:effectLst/>
-                <a:latin typeface="+mn-lt"/>
-                <a:ea typeface="+mn-ea"/>
-                <a:cs typeface="+mn-cs"/>
-              </a:rPr>
-              <a:t>。被广泛用于素材保存及音乐欣赏，</a:t>
-            </a:r>
-            <a:r>
-              <a:rPr lang="en-US" altLang="zh-CN" sz="1200" kern="1200" dirty="0" smtClean="0">
-                <a:solidFill>
-                  <a:schemeClr val="tx1"/>
-                </a:solidFill>
-                <a:effectLst/>
-                <a:latin typeface="+mn-lt"/>
-                <a:ea typeface="+mn-ea"/>
-                <a:cs typeface="+mn-cs"/>
-              </a:rPr>
-              <a:t>CD</a:t>
-            </a:r>
-            <a:r>
-              <a:rPr lang="zh-CN" altLang="zh-CN" sz="1200" kern="1200" dirty="0" smtClean="0">
-                <a:solidFill>
-                  <a:schemeClr val="tx1"/>
-                </a:solidFill>
-                <a:effectLst/>
-                <a:latin typeface="+mn-lt"/>
-                <a:ea typeface="+mn-ea"/>
-                <a:cs typeface="+mn-cs"/>
-              </a:rPr>
-              <a:t>、</a:t>
-            </a:r>
-            <a:r>
-              <a:rPr lang="en-US" altLang="zh-CN" sz="1200" kern="1200" dirty="0" smtClean="0">
-                <a:solidFill>
-                  <a:schemeClr val="tx1"/>
-                </a:solidFill>
-                <a:effectLst/>
-                <a:latin typeface="+mn-lt"/>
-                <a:ea typeface="+mn-ea"/>
-                <a:cs typeface="+mn-cs"/>
-              </a:rPr>
-              <a:t>DVD</a:t>
-            </a:r>
-            <a:r>
-              <a:rPr lang="zh-CN" altLang="zh-CN" sz="1200" kern="1200" dirty="0" smtClean="0">
-                <a:solidFill>
-                  <a:schemeClr val="tx1"/>
-                </a:solidFill>
-                <a:effectLst/>
-                <a:latin typeface="+mn-lt"/>
-                <a:ea typeface="+mn-ea"/>
-                <a:cs typeface="+mn-cs"/>
-              </a:rPr>
-              <a:t>以及我们常见的</a:t>
-            </a:r>
-            <a:r>
-              <a:rPr lang="en-US" altLang="zh-CN" sz="1200" kern="1200" dirty="0" smtClean="0">
-                <a:solidFill>
-                  <a:schemeClr val="tx1"/>
-                </a:solidFill>
-                <a:effectLst/>
-                <a:latin typeface="+mn-lt"/>
-                <a:ea typeface="+mn-ea"/>
-                <a:cs typeface="+mn-cs"/>
-              </a:rPr>
-              <a:t>WAV </a:t>
-            </a:r>
-            <a:r>
-              <a:rPr lang="zh-CN" altLang="zh-CN" sz="1200" kern="1200" dirty="0" smtClean="0">
-                <a:solidFill>
-                  <a:schemeClr val="tx1"/>
-                </a:solidFill>
-                <a:effectLst/>
-                <a:latin typeface="+mn-lt"/>
-                <a:ea typeface="+mn-ea"/>
-                <a:cs typeface="+mn-cs"/>
-              </a:rPr>
-              <a:t>文件中均有应用。因此，</a:t>
-            </a:r>
-            <a:r>
-              <a:rPr lang="en-US" altLang="zh-CN" sz="1200" kern="1200" dirty="0" smtClean="0">
-                <a:solidFill>
-                  <a:schemeClr val="tx1"/>
-                </a:solidFill>
-                <a:effectLst/>
-                <a:latin typeface="+mn-lt"/>
-                <a:ea typeface="+mn-ea"/>
-                <a:cs typeface="+mn-cs"/>
-              </a:rPr>
-              <a:t>PCM</a:t>
-            </a:r>
-            <a:r>
-              <a:rPr lang="zh-CN" altLang="zh-CN" sz="1200" kern="1200" dirty="0" smtClean="0">
-                <a:solidFill>
-                  <a:schemeClr val="tx1"/>
-                </a:solidFill>
-                <a:effectLst/>
-                <a:latin typeface="+mn-lt"/>
-                <a:ea typeface="+mn-ea"/>
-                <a:cs typeface="+mn-cs"/>
-              </a:rPr>
-              <a:t>约定俗成了无损编码，因为</a:t>
-            </a:r>
-            <a:r>
-              <a:rPr lang="en-US" altLang="zh-CN" sz="1200" kern="1200" dirty="0" smtClean="0">
-                <a:solidFill>
-                  <a:schemeClr val="tx1"/>
-                </a:solidFill>
-                <a:effectLst/>
-                <a:latin typeface="+mn-lt"/>
-                <a:ea typeface="+mn-ea"/>
-                <a:cs typeface="+mn-cs"/>
-              </a:rPr>
-              <a:t>PCM</a:t>
-            </a:r>
-            <a:r>
-              <a:rPr lang="zh-CN" altLang="zh-CN" sz="1200" kern="1200" dirty="0" smtClean="0">
-                <a:solidFill>
-                  <a:schemeClr val="tx1"/>
-                </a:solidFill>
-                <a:effectLst/>
-                <a:latin typeface="+mn-lt"/>
-                <a:ea typeface="+mn-ea"/>
-                <a:cs typeface="+mn-cs"/>
-              </a:rPr>
-              <a:t>代表了数字音频中最佳的保真水准，并不意味着</a:t>
-            </a:r>
-            <a:r>
-              <a:rPr lang="en-US" altLang="zh-CN" sz="1200" kern="1200" dirty="0" smtClean="0">
-                <a:solidFill>
-                  <a:schemeClr val="tx1"/>
-                </a:solidFill>
-                <a:effectLst/>
-                <a:latin typeface="+mn-lt"/>
-                <a:ea typeface="+mn-ea"/>
-                <a:cs typeface="+mn-cs"/>
-              </a:rPr>
-              <a:t>PCM</a:t>
-            </a:r>
-            <a:r>
-              <a:rPr lang="zh-CN" altLang="zh-CN" sz="1200" kern="1200" dirty="0" smtClean="0">
-                <a:solidFill>
-                  <a:schemeClr val="tx1"/>
-                </a:solidFill>
-                <a:effectLst/>
-                <a:latin typeface="+mn-lt"/>
-                <a:ea typeface="+mn-ea"/>
-                <a:cs typeface="+mn-cs"/>
-              </a:rPr>
-              <a:t>就能够确保信号绝对保真，</a:t>
-            </a:r>
-            <a:r>
-              <a:rPr lang="en-US" altLang="zh-CN" sz="1200" kern="1200" dirty="0" smtClean="0">
-                <a:solidFill>
-                  <a:schemeClr val="tx1"/>
-                </a:solidFill>
-                <a:effectLst/>
-                <a:latin typeface="+mn-lt"/>
-                <a:ea typeface="+mn-ea"/>
-                <a:cs typeface="+mn-cs"/>
-              </a:rPr>
-              <a:t>PCM</a:t>
-            </a:r>
-            <a:r>
-              <a:rPr lang="zh-CN" altLang="zh-CN" sz="1200" kern="1200" dirty="0" smtClean="0">
-                <a:solidFill>
-                  <a:schemeClr val="tx1"/>
-                </a:solidFill>
-                <a:effectLst/>
-                <a:latin typeface="+mn-lt"/>
-                <a:ea typeface="+mn-ea"/>
-                <a:cs typeface="+mn-cs"/>
-              </a:rPr>
-              <a:t>也只能做到最大程度的无限接近。</a:t>
-            </a:r>
-            <a:endParaRPr lang="zh-CN" altLang="en-US" dirty="0" smtClean="0"/>
-          </a:p>
-          <a:p>
             <a:endParaRPr lang="zh-CN" altLang="en-US" dirty="0"/>
           </a:p>
         </p:txBody>
@@ -3696,7 +953,7 @@
           <a:p>
             <a:fld id="{BDEE259F-7124-4DF8-A343-AC16E20BA1BC}" type="slidenum">
               <a:rPr lang="en-US" smtClean="0"/>
-              <a:t>8</a:t>
+              <a:t>7</a:t>
             </a:fld>
             <a:endParaRPr lang="en-US"/>
           </a:p>
@@ -3759,463 +1016,6 @@
           <a:bodyPr/>
           <a:lstStyle/>
           <a:p>
-            <a:r>
-              <a:rPr lang="zh-CN" altLang="en-US" sz="1200" b="0" i="0" u="none" strike="noStrike" kern="1200" dirty="0" smtClean="0">
-                <a:solidFill>
-                  <a:schemeClr val="tx1"/>
-                </a:solidFill>
-                <a:effectLst/>
-                <a:latin typeface="+mn-lt"/>
-                <a:ea typeface="+mn-ea"/>
-                <a:cs typeface="+mn-cs"/>
-                <a:hlinkClick r:id="rId3" tooltip="采样"/>
-              </a:rPr>
-              <a:t>采样</a:t>
-            </a:r>
-            <a:r>
-              <a:rPr lang="zh-CN" altLang="en-US" sz="1200" b="0" i="0" kern="1200" dirty="0" smtClean="0">
-                <a:solidFill>
-                  <a:schemeClr val="tx1"/>
-                </a:solidFill>
-                <a:effectLst/>
-                <a:latin typeface="+mn-lt"/>
-                <a:ea typeface="+mn-ea"/>
-                <a:cs typeface="+mn-cs"/>
-              </a:rPr>
-              <a:t>是将一个信号（即时间或空间上的连续函数）转换成一个数值序列（即时间或空间上的离散函数）。</a:t>
-            </a:r>
-            <a:endParaRPr lang="en-US" altLang="zh-CN" sz="1200" b="0" i="0" kern="1200" dirty="0" smtClean="0">
-              <a:solidFill>
-                <a:schemeClr val="tx1"/>
-              </a:solidFill>
-              <a:effectLst/>
-              <a:latin typeface="+mn-lt"/>
-              <a:ea typeface="+mn-ea"/>
-              <a:cs typeface="+mn-cs"/>
-            </a:endParaRPr>
-          </a:p>
-          <a:p>
-            <a:r>
-              <a:rPr lang="zh-CN" altLang="en-US" dirty="0" smtClean="0"/>
-              <a:t>如果信号是</a:t>
-            </a:r>
-            <a:r>
-              <a:rPr lang="zh-CN" altLang="en-US" sz="1200" u="none" strike="noStrike" kern="1200" dirty="0" smtClean="0">
-                <a:solidFill>
-                  <a:schemeClr val="tx1"/>
-                </a:solidFill>
-                <a:effectLst/>
-                <a:latin typeface="+mn-lt"/>
-                <a:ea typeface="+mn-ea"/>
-                <a:cs typeface="+mn-cs"/>
-                <a:hlinkClick r:id="rId4" tooltip="带限（页面不存在）"/>
-              </a:rPr>
-              <a:t>带限</a:t>
-            </a:r>
-            <a:r>
-              <a:rPr lang="zh-CN" altLang="en-US" dirty="0" smtClean="0"/>
-              <a:t>的，并且</a:t>
-            </a:r>
-            <a:r>
-              <a:rPr lang="zh-CN" altLang="en-US" sz="1200" u="none" strike="noStrike" kern="1200" dirty="0" smtClean="0">
-                <a:solidFill>
-                  <a:schemeClr val="tx1"/>
-                </a:solidFill>
-                <a:effectLst/>
-                <a:latin typeface="+mn-lt"/>
-                <a:ea typeface="+mn-ea"/>
-                <a:cs typeface="+mn-cs"/>
-                <a:hlinkClick r:id="rId5" tooltip="采样频率"/>
-              </a:rPr>
-              <a:t>采样频率</a:t>
-            </a:r>
-            <a:r>
-              <a:rPr lang="zh-CN" altLang="en-US" dirty="0" smtClean="0"/>
-              <a:t>大于信号</a:t>
-            </a:r>
-            <a:r>
-              <a:rPr lang="zh-CN" altLang="en-US" sz="1200" u="none" strike="noStrike" kern="1200" dirty="0" smtClean="0">
-                <a:solidFill>
-                  <a:schemeClr val="tx1"/>
-                </a:solidFill>
-                <a:effectLst/>
-                <a:latin typeface="+mn-lt"/>
-                <a:ea typeface="+mn-ea"/>
-                <a:cs typeface="+mn-cs"/>
-                <a:hlinkClick r:id="rId6" tooltip="带宽"/>
-              </a:rPr>
-              <a:t>带宽</a:t>
-            </a:r>
-            <a:r>
-              <a:rPr lang="zh-CN" altLang="en-US" dirty="0" smtClean="0"/>
-              <a:t>的</a:t>
-            </a:r>
-            <a:r>
-              <a:rPr lang="en-US" altLang="zh-CN" dirty="0" smtClean="0"/>
-              <a:t>2</a:t>
-            </a:r>
-            <a:r>
-              <a:rPr lang="zh-CN" altLang="en-US" dirty="0" smtClean="0"/>
-              <a:t>倍，那么，原来的连续信号可以从采样样本中完全重建出来</a:t>
-            </a:r>
-            <a:r>
-              <a:rPr lang="en-US" altLang="zh-CN" dirty="0" smtClean="0"/>
-              <a:t>(</a:t>
-            </a:r>
-            <a:r>
-              <a:rPr lang="zh-CN" altLang="en-US" dirty="0" smtClean="0"/>
-              <a:t>如人的声音频率范围是</a:t>
-            </a:r>
-            <a:r>
-              <a:rPr lang="en-US" altLang="zh-CN" dirty="0" smtClean="0"/>
-              <a:t>)</a:t>
-            </a:r>
-            <a:r>
-              <a:rPr lang="zh-CN" altLang="en-US" dirty="0" smtClean="0"/>
-              <a:t>。</a:t>
-            </a:r>
-            <a:endParaRPr lang="en-US" altLang="zh-CN" dirty="0" smtClean="0"/>
-          </a:p>
-          <a:p>
-            <a:r>
-              <a:rPr lang="zh-CN" altLang="zh-CN" sz="1200" kern="1200" dirty="0" smtClean="0">
-                <a:solidFill>
-                  <a:schemeClr val="tx1"/>
-                </a:solidFill>
-                <a:effectLst/>
-                <a:latin typeface="+mn-lt"/>
-                <a:ea typeface="+mn-ea"/>
-                <a:cs typeface="+mn-cs"/>
-              </a:rPr>
-              <a:t>有损和无损：根据采样率和采样大小可以得知，相对自然界的信号，音频编码最多只能做到无限接近，至少目前的技术只能这样了，相对自然界的信号，任何数字音频编码方案都是有损的，因为无法完全还原。</a:t>
-            </a:r>
-            <a:r>
-              <a:rPr lang="zh-CN" altLang="zh-CN" sz="1200" b="1" kern="1200" dirty="0" smtClean="0">
-                <a:solidFill>
-                  <a:schemeClr val="tx1"/>
-                </a:solidFill>
-                <a:effectLst/>
-                <a:latin typeface="+mn-lt"/>
-                <a:ea typeface="+mn-ea"/>
-                <a:cs typeface="+mn-cs"/>
-              </a:rPr>
-              <a:t>在计算机应用中，能够达到最高保真水平的就是</a:t>
-            </a:r>
-            <a:r>
-              <a:rPr lang="en-US" altLang="zh-CN" sz="1200" b="1" kern="1200" dirty="0" smtClean="0">
-                <a:solidFill>
-                  <a:schemeClr val="tx1"/>
-                </a:solidFill>
-                <a:effectLst/>
-                <a:latin typeface="+mn-lt"/>
-                <a:ea typeface="+mn-ea"/>
-                <a:cs typeface="+mn-cs"/>
-              </a:rPr>
-              <a:t>PCM</a:t>
-            </a:r>
-            <a:r>
-              <a:rPr lang="zh-CN" altLang="zh-CN" sz="1200" b="1" kern="1200" dirty="0" smtClean="0">
-                <a:solidFill>
-                  <a:schemeClr val="tx1"/>
-                </a:solidFill>
-                <a:effectLst/>
-                <a:latin typeface="+mn-lt"/>
-                <a:ea typeface="+mn-ea"/>
-                <a:cs typeface="+mn-cs"/>
-              </a:rPr>
-              <a:t>编码</a:t>
-            </a:r>
-            <a:r>
-              <a:rPr lang="zh-CN" altLang="zh-CN" sz="1200" kern="1200" dirty="0" smtClean="0">
-                <a:solidFill>
-                  <a:schemeClr val="tx1"/>
-                </a:solidFill>
-                <a:effectLst/>
-                <a:latin typeface="+mn-lt"/>
-                <a:ea typeface="+mn-ea"/>
-                <a:cs typeface="+mn-cs"/>
-              </a:rPr>
-              <a:t>，</a:t>
-            </a:r>
-            <a:r>
-              <a:rPr lang="en-US" altLang="zh-CN" sz="1200" b="1" kern="1200" dirty="0" smtClean="0">
-                <a:solidFill>
-                  <a:schemeClr val="tx1"/>
-                </a:solidFill>
-                <a:effectLst/>
-                <a:latin typeface="+mn-lt"/>
-                <a:ea typeface="+mn-ea"/>
-                <a:cs typeface="+mn-cs"/>
-              </a:rPr>
-              <a:t>PCM</a:t>
-            </a:r>
-            <a:r>
-              <a:rPr lang="zh-CN" altLang="zh-CN" sz="1200" b="1" kern="1200" dirty="0" smtClean="0">
-                <a:solidFill>
-                  <a:schemeClr val="tx1"/>
-                </a:solidFill>
-                <a:effectLst/>
-                <a:latin typeface="+mn-lt"/>
-                <a:ea typeface="+mn-ea"/>
-                <a:cs typeface="+mn-cs"/>
-              </a:rPr>
-              <a:t>约定俗成了无损编码，因为</a:t>
-            </a:r>
-            <a:r>
-              <a:rPr lang="en-US" altLang="zh-CN" sz="1200" b="1" kern="1200" dirty="0" smtClean="0">
-                <a:solidFill>
-                  <a:schemeClr val="tx1"/>
-                </a:solidFill>
-                <a:effectLst/>
-                <a:latin typeface="+mn-lt"/>
-                <a:ea typeface="+mn-ea"/>
-                <a:cs typeface="+mn-cs"/>
-              </a:rPr>
-              <a:t>PCM</a:t>
-            </a:r>
-            <a:r>
-              <a:rPr lang="zh-CN" altLang="zh-CN" sz="1200" b="1" kern="1200" dirty="0" smtClean="0">
-                <a:solidFill>
-                  <a:schemeClr val="tx1"/>
-                </a:solidFill>
-                <a:effectLst/>
-                <a:latin typeface="+mn-lt"/>
-                <a:ea typeface="+mn-ea"/>
-                <a:cs typeface="+mn-cs"/>
-              </a:rPr>
-              <a:t>代表了数字音频中最佳的保真水准，并不意味着</a:t>
-            </a:r>
-            <a:r>
-              <a:rPr lang="en-US" altLang="zh-CN" sz="1200" b="1" kern="1200" dirty="0" smtClean="0">
-                <a:solidFill>
-                  <a:schemeClr val="tx1"/>
-                </a:solidFill>
-                <a:effectLst/>
-                <a:latin typeface="+mn-lt"/>
-                <a:ea typeface="+mn-ea"/>
-                <a:cs typeface="+mn-cs"/>
-              </a:rPr>
-              <a:t>PCM</a:t>
-            </a:r>
-            <a:r>
-              <a:rPr lang="zh-CN" altLang="zh-CN" sz="1200" b="1" kern="1200" dirty="0" smtClean="0">
-                <a:solidFill>
-                  <a:schemeClr val="tx1"/>
-                </a:solidFill>
-                <a:effectLst/>
-                <a:latin typeface="+mn-lt"/>
-                <a:ea typeface="+mn-ea"/>
-                <a:cs typeface="+mn-cs"/>
-              </a:rPr>
-              <a:t>就能够确保信号绝对保真，</a:t>
-            </a:r>
-            <a:r>
-              <a:rPr lang="en-US" altLang="zh-CN" sz="1200" b="1" kern="1200" dirty="0" smtClean="0">
-                <a:solidFill>
-                  <a:schemeClr val="tx1"/>
-                </a:solidFill>
-                <a:effectLst/>
-                <a:latin typeface="+mn-lt"/>
-                <a:ea typeface="+mn-ea"/>
-                <a:cs typeface="+mn-cs"/>
-              </a:rPr>
-              <a:t>PCM</a:t>
-            </a:r>
-            <a:r>
-              <a:rPr lang="zh-CN" altLang="zh-CN" sz="1200" b="1" kern="1200" dirty="0" smtClean="0">
-                <a:solidFill>
-                  <a:schemeClr val="tx1"/>
-                </a:solidFill>
-                <a:effectLst/>
-                <a:latin typeface="+mn-lt"/>
-                <a:ea typeface="+mn-ea"/>
-                <a:cs typeface="+mn-cs"/>
-              </a:rPr>
-              <a:t>也只能做到最大程度的无限接近</a:t>
-            </a:r>
-            <a:r>
-              <a:rPr lang="zh-CN" altLang="zh-CN" sz="1200" kern="1200" dirty="0" smtClean="0">
-                <a:solidFill>
-                  <a:schemeClr val="tx1"/>
-                </a:solidFill>
-                <a:effectLst/>
-                <a:latin typeface="+mn-lt"/>
-                <a:ea typeface="+mn-ea"/>
-                <a:cs typeface="+mn-cs"/>
-              </a:rPr>
-              <a:t>。被广泛用于素材保存及音乐欣赏，</a:t>
-            </a:r>
-            <a:r>
-              <a:rPr lang="en-US" altLang="zh-CN" sz="1200" kern="1200" dirty="0" smtClean="0">
-                <a:solidFill>
-                  <a:schemeClr val="tx1"/>
-                </a:solidFill>
-                <a:effectLst/>
-                <a:latin typeface="+mn-lt"/>
-                <a:ea typeface="+mn-ea"/>
-                <a:cs typeface="+mn-cs"/>
-              </a:rPr>
-              <a:t>CD</a:t>
-            </a:r>
-            <a:r>
-              <a:rPr lang="zh-CN" altLang="zh-CN" sz="1200" kern="1200" dirty="0" smtClean="0">
-                <a:solidFill>
-                  <a:schemeClr val="tx1"/>
-                </a:solidFill>
-                <a:effectLst/>
-                <a:latin typeface="+mn-lt"/>
-                <a:ea typeface="+mn-ea"/>
-                <a:cs typeface="+mn-cs"/>
-              </a:rPr>
-              <a:t>、</a:t>
-            </a:r>
-            <a:r>
-              <a:rPr lang="en-US" altLang="zh-CN" sz="1200" kern="1200" dirty="0" smtClean="0">
-                <a:solidFill>
-                  <a:schemeClr val="tx1"/>
-                </a:solidFill>
-                <a:effectLst/>
-                <a:latin typeface="+mn-lt"/>
-                <a:ea typeface="+mn-ea"/>
-                <a:cs typeface="+mn-cs"/>
-              </a:rPr>
-              <a:t>DVD</a:t>
-            </a:r>
-            <a:r>
-              <a:rPr lang="zh-CN" altLang="zh-CN" sz="1200" kern="1200" dirty="0" smtClean="0">
-                <a:solidFill>
-                  <a:schemeClr val="tx1"/>
-                </a:solidFill>
-                <a:effectLst/>
-                <a:latin typeface="+mn-lt"/>
-                <a:ea typeface="+mn-ea"/>
-                <a:cs typeface="+mn-cs"/>
-              </a:rPr>
-              <a:t>以及我们常见的</a:t>
-            </a:r>
-            <a:r>
-              <a:rPr lang="en-US" altLang="zh-CN" sz="1200" kern="1200" dirty="0" smtClean="0">
-                <a:solidFill>
-                  <a:schemeClr val="tx1"/>
-                </a:solidFill>
-                <a:effectLst/>
-                <a:latin typeface="+mn-lt"/>
-                <a:ea typeface="+mn-ea"/>
-                <a:cs typeface="+mn-cs"/>
-              </a:rPr>
-              <a:t>WAV </a:t>
-            </a:r>
-            <a:r>
-              <a:rPr lang="zh-CN" altLang="zh-CN" sz="1200" kern="1200" dirty="0" smtClean="0">
-                <a:solidFill>
-                  <a:schemeClr val="tx1"/>
-                </a:solidFill>
-                <a:effectLst/>
-                <a:latin typeface="+mn-lt"/>
-                <a:ea typeface="+mn-ea"/>
-                <a:cs typeface="+mn-cs"/>
-              </a:rPr>
-              <a:t>文件中均有应用。因此，</a:t>
-            </a:r>
-            <a:r>
-              <a:rPr lang="en-US" altLang="zh-CN" sz="1200" kern="1200" dirty="0" smtClean="0">
-                <a:solidFill>
-                  <a:schemeClr val="tx1"/>
-                </a:solidFill>
-                <a:effectLst/>
-                <a:latin typeface="+mn-lt"/>
-                <a:ea typeface="+mn-ea"/>
-                <a:cs typeface="+mn-cs"/>
-              </a:rPr>
-              <a:t>PCM</a:t>
-            </a:r>
-            <a:r>
-              <a:rPr lang="zh-CN" altLang="zh-CN" sz="1200" kern="1200" dirty="0" smtClean="0">
-                <a:solidFill>
-                  <a:schemeClr val="tx1"/>
-                </a:solidFill>
-                <a:effectLst/>
-                <a:latin typeface="+mn-lt"/>
-                <a:ea typeface="+mn-ea"/>
-                <a:cs typeface="+mn-cs"/>
-              </a:rPr>
-              <a:t>约定俗成了无损编码，因为</a:t>
-            </a:r>
-            <a:r>
-              <a:rPr lang="en-US" altLang="zh-CN" sz="1200" kern="1200" dirty="0" smtClean="0">
-                <a:solidFill>
-                  <a:schemeClr val="tx1"/>
-                </a:solidFill>
-                <a:effectLst/>
-                <a:latin typeface="+mn-lt"/>
-                <a:ea typeface="+mn-ea"/>
-                <a:cs typeface="+mn-cs"/>
-              </a:rPr>
-              <a:t>PCM</a:t>
-            </a:r>
-            <a:r>
-              <a:rPr lang="zh-CN" altLang="zh-CN" sz="1200" kern="1200" dirty="0" smtClean="0">
-                <a:solidFill>
-                  <a:schemeClr val="tx1"/>
-                </a:solidFill>
-                <a:effectLst/>
-                <a:latin typeface="+mn-lt"/>
-                <a:ea typeface="+mn-ea"/>
-                <a:cs typeface="+mn-cs"/>
-              </a:rPr>
-              <a:t>代表了数字音频中最佳的保真水准，并不意味着</a:t>
-            </a:r>
-            <a:r>
-              <a:rPr lang="en-US" altLang="zh-CN" sz="1200" kern="1200" dirty="0" smtClean="0">
-                <a:solidFill>
-                  <a:schemeClr val="tx1"/>
-                </a:solidFill>
-                <a:effectLst/>
-                <a:latin typeface="+mn-lt"/>
-                <a:ea typeface="+mn-ea"/>
-                <a:cs typeface="+mn-cs"/>
-              </a:rPr>
-              <a:t>PCM</a:t>
-            </a:r>
-            <a:r>
-              <a:rPr lang="zh-CN" altLang="zh-CN" sz="1200" kern="1200" dirty="0" smtClean="0">
-                <a:solidFill>
-                  <a:schemeClr val="tx1"/>
-                </a:solidFill>
-                <a:effectLst/>
-                <a:latin typeface="+mn-lt"/>
-                <a:ea typeface="+mn-ea"/>
-                <a:cs typeface="+mn-cs"/>
-              </a:rPr>
-              <a:t>就能够确保信号绝对保真，</a:t>
-            </a:r>
-            <a:r>
-              <a:rPr lang="en-US" altLang="zh-CN" sz="1200" kern="1200" dirty="0" smtClean="0">
-                <a:solidFill>
-                  <a:schemeClr val="tx1"/>
-                </a:solidFill>
-                <a:effectLst/>
-                <a:latin typeface="+mn-lt"/>
-                <a:ea typeface="+mn-ea"/>
-                <a:cs typeface="+mn-cs"/>
-              </a:rPr>
-              <a:t>PCM</a:t>
-            </a:r>
-            <a:r>
-              <a:rPr lang="zh-CN" altLang="zh-CN" sz="1200" kern="1200" dirty="0" smtClean="0">
-                <a:solidFill>
-                  <a:schemeClr val="tx1"/>
-                </a:solidFill>
-                <a:effectLst/>
-                <a:latin typeface="+mn-lt"/>
-                <a:ea typeface="+mn-ea"/>
-                <a:cs typeface="+mn-cs"/>
-              </a:rPr>
-              <a:t>也只能做到最大程度的无限接近。</a:t>
-            </a:r>
-            <a:endParaRPr lang="zh-CN" altLang="en-US" dirty="0" smtClean="0"/>
-          </a:p>
-          <a:p>
             <a:endParaRPr lang="zh-CN" altLang="en-US" dirty="0"/>
           </a:p>
         </p:txBody>
@@ -4438,7 +1238,7 @@
             <a:fld id="{1D8BD707-D9CF-40AE-B4C6-C98DA3205C09}" type="datetimeFigureOut">
               <a:rPr lang="en-US" smtClean="0"/>
               <a:pPr/>
-              <a:t>5/22/2014</a:t>
+              <a:t>5/23/2014</a:t>
             </a:fld>
             <a:endParaRPr lang="en-US"/>
           </a:p>
@@ -4605,7 +1405,7 @@
             <a:fld id="{1D8BD707-D9CF-40AE-B4C6-C98DA3205C09}" type="datetimeFigureOut">
               <a:rPr lang="en-US" smtClean="0"/>
               <a:pPr/>
-              <a:t>5/22/2014</a:t>
+              <a:t>5/23/2014</a:t>
             </a:fld>
             <a:endParaRPr lang="en-US"/>
           </a:p>
@@ -4782,7 +1582,7 @@
             <a:fld id="{1D8BD707-D9CF-40AE-B4C6-C98DA3205C09}" type="datetimeFigureOut">
               <a:rPr lang="en-US" smtClean="0"/>
               <a:pPr/>
-              <a:t>5/22/2014</a:t>
+              <a:t>5/23/2014</a:t>
             </a:fld>
             <a:endParaRPr lang="en-US"/>
           </a:p>
@@ -7964,2489 +4764,6 @@
 </p:sldLayout>
 </file>
 
-<file path=ppt/slideLayouts/slideLayout14.xml><?xml version="1.0" encoding="utf-8"?>
-<p:sldLayout xmlns:a="http://schemas.openxmlformats.org/drawingml/2006/main" xmlns:r="http://schemas.openxmlformats.org/officeDocument/2006/relationships" xmlns:p="http://schemas.openxmlformats.org/presentationml/2006/main" showMasterSp="0">
-  <p:cSld name="Closing Slide-green thank you">
-    <p:spTree>
-      <p:nvGrpSpPr>
-        <p:cNvPr id="1" name=""/>
-        <p:cNvGrpSpPr/>
-        <p:nvPr/>
-      </p:nvGrpSpPr>
-      <p:grpSpPr>
-        <a:xfrm>
-          <a:off x="0" y="0"/>
-          <a:ext cx="0" cy="0"/>
-          <a:chOff x="0" y="0"/>
-          <a:chExt cx="0" cy="0"/>
-        </a:xfrm>
-      </p:grpSpPr>
-      <p:pic>
-        <p:nvPicPr>
-          <p:cNvPr id="19" name="Picture 2" descr="C:\Documents and Settings\contractor\Desktop\Blue_Green_Gradient.png"/>
-          <p:cNvPicPr>
-            <a:picLocks noChangeAspect="1" noChangeArrowheads="1"/>
-          </p:cNvPicPr>
-          <p:nvPr/>
-        </p:nvPicPr>
-        <p:blipFill>
-          <a:blip r:embed="rId2" cstate="print"/>
-          <a:srcRect/>
-          <a:stretch>
-            <a:fillRect/>
-          </a:stretch>
-        </p:blipFill>
-        <p:spPr bwMode="auto">
-          <a:xfrm>
-            <a:off x="-12700" y="0"/>
-            <a:ext cx="9156700" cy="6858000"/>
-          </a:xfrm>
-          <a:prstGeom prst="rect">
-            <a:avLst/>
-          </a:prstGeom>
-          <a:noFill/>
-        </p:spPr>
-      </p:pic>
-      <p:sp>
-        <p:nvSpPr>
-          <p:cNvPr id="20" name="Rectangle 19"/>
-          <p:cNvSpPr>
-            <a:spLocks noChangeArrowheads="1"/>
-          </p:cNvSpPr>
-          <p:nvPr userDrawn="1"/>
-        </p:nvSpPr>
-        <p:spPr bwMode="black">
-          <a:xfrm>
-            <a:off x="6312989" y="3708603"/>
-            <a:ext cx="116616" cy="441827"/>
-          </a:xfrm>
-          <a:prstGeom prst="rect">
-            <a:avLst/>
-          </a:prstGeom>
-          <a:solidFill>
-            <a:schemeClr val="bg1"/>
-          </a:solidFill>
-          <a:ln w="9525">
-            <a:noFill/>
-            <a:miter lim="800000"/>
-            <a:headEnd/>
-            <a:tailEnd/>
-          </a:ln>
-        </p:spPr>
-        <p:txBody>
-          <a:bodyPr/>
-          <a:lstStyle/>
-          <a:p>
-            <a:endParaRPr lang="en-US" dirty="0">
-              <a:solidFill>
-                <a:srgbClr val="0096D6"/>
-              </a:solidFill>
-              <a:latin typeface="+mj-lt"/>
-            </a:endParaRPr>
-          </a:p>
-        </p:txBody>
-      </p:sp>
-      <p:sp>
-        <p:nvSpPr>
-          <p:cNvPr id="21" name="Freeform 20"/>
-          <p:cNvSpPr>
-            <a:spLocks/>
-          </p:cNvSpPr>
-          <p:nvPr/>
-        </p:nvSpPr>
-        <p:spPr bwMode="black">
-          <a:xfrm>
-            <a:off x="6992342" y="3697605"/>
-            <a:ext cx="337642" cy="466297"/>
-          </a:xfrm>
-          <a:custGeom>
-            <a:avLst/>
-            <a:gdLst/>
-            <a:ahLst/>
-            <a:cxnLst>
-              <a:cxn ang="0">
-                <a:pos x="58" y="24"/>
-              </a:cxn>
-              <a:cxn ang="0">
-                <a:pos x="42" y="20"/>
-              </a:cxn>
-              <a:cxn ang="0">
-                <a:pos x="21" y="40"/>
-              </a:cxn>
-              <a:cxn ang="0">
-                <a:pos x="42" y="60"/>
-              </a:cxn>
-              <a:cxn ang="0">
-                <a:pos x="58" y="56"/>
-              </a:cxn>
-              <a:cxn ang="0">
-                <a:pos x="58" y="77"/>
-              </a:cxn>
-              <a:cxn ang="0">
-                <a:pos x="41" y="80"/>
-              </a:cxn>
-              <a:cxn ang="0">
-                <a:pos x="0" y="40"/>
-              </a:cxn>
-              <a:cxn ang="0">
-                <a:pos x="41" y="0"/>
-              </a:cxn>
-              <a:cxn ang="0">
-                <a:pos x="58" y="3"/>
-              </a:cxn>
-              <a:cxn ang="0">
-                <a:pos x="58" y="24"/>
-              </a:cxn>
-            </a:cxnLst>
-            <a:rect l="0" t="0" r="r" b="b"/>
-            <a:pathLst>
-              <a:path w="58" h="80">
-                <a:moveTo>
-                  <a:pt x="58" y="24"/>
-                </a:moveTo>
-                <a:cubicBezTo>
-                  <a:pt x="58" y="23"/>
-                  <a:pt x="51" y="20"/>
-                  <a:pt x="42" y="20"/>
-                </a:cubicBezTo>
-                <a:cubicBezTo>
-                  <a:pt x="30" y="20"/>
-                  <a:pt x="21" y="28"/>
-                  <a:pt x="21" y="40"/>
-                </a:cubicBezTo>
-                <a:cubicBezTo>
-                  <a:pt x="21" y="51"/>
-                  <a:pt x="29" y="60"/>
-                  <a:pt x="42" y="60"/>
-                </a:cubicBezTo>
-                <a:cubicBezTo>
-                  <a:pt x="51" y="60"/>
-                  <a:pt x="57" y="57"/>
-                  <a:pt x="58" y="56"/>
-                </a:cubicBezTo>
-                <a:cubicBezTo>
-                  <a:pt x="58" y="77"/>
-                  <a:pt x="58" y="77"/>
-                  <a:pt x="58" y="77"/>
-                </a:cubicBezTo>
-                <a:cubicBezTo>
-                  <a:pt x="56" y="78"/>
-                  <a:pt x="49" y="80"/>
-                  <a:pt x="41" y="80"/>
-                </a:cubicBezTo>
-                <a:cubicBezTo>
-                  <a:pt x="19" y="80"/>
-                  <a:pt x="0" y="65"/>
-                  <a:pt x="0" y="40"/>
-                </a:cubicBezTo>
-                <a:cubicBezTo>
-                  <a:pt x="0" y="17"/>
-                  <a:pt x="17" y="0"/>
-                  <a:pt x="41" y="0"/>
-                </a:cubicBezTo>
-                <a:cubicBezTo>
-                  <a:pt x="50" y="0"/>
-                  <a:pt x="56" y="3"/>
-                  <a:pt x="58" y="3"/>
-                </a:cubicBezTo>
-                <a:lnTo>
-                  <a:pt x="58" y="24"/>
-                </a:lnTo>
-                <a:close/>
-              </a:path>
-            </a:pathLst>
-          </a:custGeom>
-          <a:solidFill>
-            <a:schemeClr val="bg1"/>
-          </a:solidFill>
-          <a:ln w="9525">
-            <a:noFill/>
-            <a:round/>
-            <a:headEnd/>
-            <a:tailEnd/>
-          </a:ln>
-        </p:spPr>
-        <p:txBody>
-          <a:bodyPr/>
-          <a:lstStyle/>
-          <a:p>
-            <a:endParaRPr lang="en-US" dirty="0">
-              <a:solidFill>
-                <a:srgbClr val="0096D6"/>
-              </a:solidFill>
-              <a:latin typeface="+mj-lt"/>
-            </a:endParaRPr>
-          </a:p>
-        </p:txBody>
-      </p:sp>
-      <p:sp>
-        <p:nvSpPr>
-          <p:cNvPr id="22" name="Freeform 21"/>
-          <p:cNvSpPr>
-            <a:spLocks/>
-          </p:cNvSpPr>
-          <p:nvPr/>
-        </p:nvSpPr>
-        <p:spPr bwMode="black">
-          <a:xfrm>
-            <a:off x="5824831" y="3697605"/>
-            <a:ext cx="337642" cy="466297"/>
-          </a:xfrm>
-          <a:custGeom>
-            <a:avLst/>
-            <a:gdLst/>
-            <a:ahLst/>
-            <a:cxnLst>
-              <a:cxn ang="0">
-                <a:pos x="58" y="24"/>
-              </a:cxn>
-              <a:cxn ang="0">
-                <a:pos x="42" y="20"/>
-              </a:cxn>
-              <a:cxn ang="0">
-                <a:pos x="21" y="40"/>
-              </a:cxn>
-              <a:cxn ang="0">
-                <a:pos x="42" y="60"/>
-              </a:cxn>
-              <a:cxn ang="0">
-                <a:pos x="58" y="56"/>
-              </a:cxn>
-              <a:cxn ang="0">
-                <a:pos x="58" y="77"/>
-              </a:cxn>
-              <a:cxn ang="0">
-                <a:pos x="40" y="80"/>
-              </a:cxn>
-              <a:cxn ang="0">
-                <a:pos x="0" y="40"/>
-              </a:cxn>
-              <a:cxn ang="0">
-                <a:pos x="40" y="0"/>
-              </a:cxn>
-              <a:cxn ang="0">
-                <a:pos x="58" y="3"/>
-              </a:cxn>
-              <a:cxn ang="0">
-                <a:pos x="58" y="24"/>
-              </a:cxn>
-            </a:cxnLst>
-            <a:rect l="0" t="0" r="r" b="b"/>
-            <a:pathLst>
-              <a:path w="58" h="80">
-                <a:moveTo>
-                  <a:pt x="58" y="24"/>
-                </a:moveTo>
-                <a:cubicBezTo>
-                  <a:pt x="57" y="23"/>
-                  <a:pt x="51" y="20"/>
-                  <a:pt x="42" y="20"/>
-                </a:cubicBezTo>
-                <a:cubicBezTo>
-                  <a:pt x="29" y="20"/>
-                  <a:pt x="21" y="28"/>
-                  <a:pt x="21" y="40"/>
-                </a:cubicBezTo>
-                <a:cubicBezTo>
-                  <a:pt x="21" y="51"/>
-                  <a:pt x="29" y="60"/>
-                  <a:pt x="42" y="60"/>
-                </a:cubicBezTo>
-                <a:cubicBezTo>
-                  <a:pt x="51" y="60"/>
-                  <a:pt x="57" y="57"/>
-                  <a:pt x="58" y="56"/>
-                </a:cubicBezTo>
-                <a:cubicBezTo>
-                  <a:pt x="58" y="77"/>
-                  <a:pt x="58" y="77"/>
-                  <a:pt x="58" y="77"/>
-                </a:cubicBezTo>
-                <a:cubicBezTo>
-                  <a:pt x="56" y="78"/>
-                  <a:pt x="49" y="80"/>
-                  <a:pt x="40" y="80"/>
-                </a:cubicBezTo>
-                <a:cubicBezTo>
-                  <a:pt x="19" y="80"/>
-                  <a:pt x="0" y="65"/>
-                  <a:pt x="0" y="40"/>
-                </a:cubicBezTo>
-                <a:cubicBezTo>
-                  <a:pt x="0" y="17"/>
-                  <a:pt x="17" y="0"/>
-                  <a:pt x="40" y="0"/>
-                </a:cubicBezTo>
-                <a:cubicBezTo>
-                  <a:pt x="49" y="0"/>
-                  <a:pt x="56" y="3"/>
-                  <a:pt x="58" y="3"/>
-                </a:cubicBezTo>
-                <a:lnTo>
-                  <a:pt x="58" y="24"/>
-                </a:lnTo>
-                <a:close/>
-              </a:path>
-            </a:pathLst>
-          </a:custGeom>
-          <a:solidFill>
-            <a:schemeClr val="bg1"/>
-          </a:solidFill>
-          <a:ln w="9525">
-            <a:noFill/>
-            <a:round/>
-            <a:headEnd/>
-            <a:tailEnd/>
-          </a:ln>
-        </p:spPr>
-        <p:txBody>
-          <a:bodyPr/>
-          <a:lstStyle/>
-          <a:p>
-            <a:endParaRPr lang="en-US" dirty="0">
-              <a:solidFill>
-                <a:srgbClr val="0096D6"/>
-              </a:solidFill>
-              <a:latin typeface="+mj-lt"/>
-            </a:endParaRPr>
-          </a:p>
-        </p:txBody>
-      </p:sp>
-      <p:sp>
-        <p:nvSpPr>
-          <p:cNvPr id="23" name="Freeform 22"/>
-          <p:cNvSpPr>
-            <a:spLocks noEditPoints="1"/>
-          </p:cNvSpPr>
-          <p:nvPr/>
-        </p:nvSpPr>
-        <p:spPr bwMode="black">
-          <a:xfrm>
-            <a:off x="7452023" y="3697605"/>
-            <a:ext cx="463750" cy="466297"/>
-          </a:xfrm>
-          <a:custGeom>
-            <a:avLst/>
-            <a:gdLst/>
-            <a:ahLst/>
-            <a:cxnLst>
-              <a:cxn ang="0">
-                <a:pos x="80" y="40"/>
-              </a:cxn>
-              <a:cxn ang="0">
-                <a:pos x="40" y="80"/>
-              </a:cxn>
-              <a:cxn ang="0">
-                <a:pos x="0" y="40"/>
-              </a:cxn>
-              <a:cxn ang="0">
-                <a:pos x="40" y="0"/>
-              </a:cxn>
-              <a:cxn ang="0">
-                <a:pos x="80" y="40"/>
-              </a:cxn>
-              <a:cxn ang="0">
-                <a:pos x="40" y="20"/>
-              </a:cxn>
-              <a:cxn ang="0">
-                <a:pos x="20" y="40"/>
-              </a:cxn>
-              <a:cxn ang="0">
-                <a:pos x="40" y="60"/>
-              </a:cxn>
-              <a:cxn ang="0">
-                <a:pos x="60" y="40"/>
-              </a:cxn>
-              <a:cxn ang="0">
-                <a:pos x="40" y="20"/>
-              </a:cxn>
-            </a:cxnLst>
-            <a:rect l="0" t="0" r="r" b="b"/>
-            <a:pathLst>
-              <a:path w="80" h="80">
-                <a:moveTo>
-                  <a:pt x="80" y="40"/>
-                </a:moveTo>
-                <a:cubicBezTo>
-                  <a:pt x="80" y="62"/>
-                  <a:pt x="64" y="80"/>
-                  <a:pt x="40" y="80"/>
-                </a:cubicBezTo>
-                <a:cubicBezTo>
-                  <a:pt x="16" y="80"/>
-                  <a:pt x="0" y="62"/>
-                  <a:pt x="0" y="40"/>
-                </a:cubicBezTo>
-                <a:cubicBezTo>
-                  <a:pt x="0" y="18"/>
-                  <a:pt x="16" y="0"/>
-                  <a:pt x="40" y="0"/>
-                </a:cubicBezTo>
-                <a:cubicBezTo>
-                  <a:pt x="64" y="0"/>
-                  <a:pt x="80" y="18"/>
-                  <a:pt x="80" y="40"/>
-                </a:cubicBezTo>
-                <a:moveTo>
-                  <a:pt x="40" y="20"/>
-                </a:moveTo>
-                <a:cubicBezTo>
-                  <a:pt x="29" y="20"/>
-                  <a:pt x="20" y="29"/>
-                  <a:pt x="20" y="40"/>
-                </a:cubicBezTo>
-                <a:cubicBezTo>
-                  <a:pt x="20" y="51"/>
-                  <a:pt x="29" y="60"/>
-                  <a:pt x="40" y="60"/>
-                </a:cubicBezTo>
-                <a:cubicBezTo>
-                  <a:pt x="51" y="60"/>
-                  <a:pt x="60" y="51"/>
-                  <a:pt x="60" y="40"/>
-                </a:cubicBezTo>
-                <a:cubicBezTo>
-                  <a:pt x="60" y="29"/>
-                  <a:pt x="51" y="20"/>
-                  <a:pt x="40" y="20"/>
-                </a:cubicBezTo>
-              </a:path>
-            </a:pathLst>
-          </a:custGeom>
-          <a:solidFill>
-            <a:schemeClr val="bg1"/>
-          </a:solidFill>
-          <a:ln w="9525">
-            <a:noFill/>
-            <a:round/>
-            <a:headEnd/>
-            <a:tailEnd/>
-          </a:ln>
-        </p:spPr>
-        <p:txBody>
-          <a:bodyPr/>
-          <a:lstStyle/>
-          <a:p>
-            <a:endParaRPr lang="en-US" dirty="0">
-              <a:solidFill>
-                <a:srgbClr val="0096D6"/>
-              </a:solidFill>
-              <a:latin typeface="+mj-lt"/>
-            </a:endParaRPr>
-          </a:p>
-        </p:txBody>
-      </p:sp>
-      <p:sp>
-        <p:nvSpPr>
-          <p:cNvPr id="24" name="Freeform 23"/>
-          <p:cNvSpPr>
-            <a:spLocks/>
-          </p:cNvSpPr>
-          <p:nvPr/>
-        </p:nvSpPr>
-        <p:spPr bwMode="black">
-          <a:xfrm>
-            <a:off x="6580117" y="3697605"/>
-            <a:ext cx="302387" cy="466297"/>
-          </a:xfrm>
-          <a:custGeom>
-            <a:avLst/>
-            <a:gdLst/>
-            <a:ahLst/>
-            <a:cxnLst>
-              <a:cxn ang="0">
-                <a:pos x="47" y="19"/>
-              </a:cxn>
-              <a:cxn ang="0">
-                <a:pos x="32" y="17"/>
-              </a:cxn>
-              <a:cxn ang="0">
-                <a:pos x="20" y="23"/>
-              </a:cxn>
-              <a:cxn ang="0">
-                <a:pos x="29" y="30"/>
-              </a:cxn>
-              <a:cxn ang="0">
-                <a:pos x="34" y="32"/>
-              </a:cxn>
-              <a:cxn ang="0">
-                <a:pos x="52" y="54"/>
-              </a:cxn>
-              <a:cxn ang="0">
-                <a:pos x="21" y="80"/>
-              </a:cxn>
-              <a:cxn ang="0">
-                <a:pos x="0" y="77"/>
-              </a:cxn>
-              <a:cxn ang="0">
-                <a:pos x="0" y="60"/>
-              </a:cxn>
-              <a:cxn ang="0">
-                <a:pos x="18" y="63"/>
-              </a:cxn>
-              <a:cxn ang="0">
-                <a:pos x="32" y="56"/>
-              </a:cxn>
-              <a:cxn ang="0">
-                <a:pos x="23" y="48"/>
-              </a:cxn>
-              <a:cxn ang="0">
-                <a:pos x="19" y="47"/>
-              </a:cxn>
-              <a:cxn ang="0">
-                <a:pos x="0" y="24"/>
-              </a:cxn>
-              <a:cxn ang="0">
-                <a:pos x="28" y="0"/>
-              </a:cxn>
-              <a:cxn ang="0">
-                <a:pos x="47" y="3"/>
-              </a:cxn>
-              <a:cxn ang="0">
-                <a:pos x="47" y="19"/>
-              </a:cxn>
-            </a:cxnLst>
-            <a:rect l="0" t="0" r="r" b="b"/>
-            <a:pathLst>
-              <a:path w="52" h="80">
-                <a:moveTo>
-                  <a:pt x="47" y="19"/>
-                </a:moveTo>
-                <a:cubicBezTo>
-                  <a:pt x="47" y="19"/>
-                  <a:pt x="38" y="17"/>
-                  <a:pt x="32" y="17"/>
-                </a:cubicBezTo>
-                <a:cubicBezTo>
-                  <a:pt x="24" y="17"/>
-                  <a:pt x="20" y="19"/>
-                  <a:pt x="20" y="23"/>
-                </a:cubicBezTo>
-                <a:cubicBezTo>
-                  <a:pt x="20" y="28"/>
-                  <a:pt x="26" y="29"/>
-                  <a:pt x="29" y="30"/>
-                </a:cubicBezTo>
-                <a:cubicBezTo>
-                  <a:pt x="34" y="32"/>
-                  <a:pt x="34" y="32"/>
-                  <a:pt x="34" y="32"/>
-                </a:cubicBezTo>
-                <a:cubicBezTo>
-                  <a:pt x="47" y="36"/>
-                  <a:pt x="52" y="45"/>
-                  <a:pt x="52" y="54"/>
-                </a:cubicBezTo>
-                <a:cubicBezTo>
-                  <a:pt x="52" y="73"/>
-                  <a:pt x="35" y="80"/>
-                  <a:pt x="21" y="80"/>
-                </a:cubicBezTo>
-                <a:cubicBezTo>
-                  <a:pt x="10" y="80"/>
-                  <a:pt x="1" y="78"/>
-                  <a:pt x="0" y="77"/>
-                </a:cubicBezTo>
-                <a:cubicBezTo>
-                  <a:pt x="0" y="60"/>
-                  <a:pt x="0" y="60"/>
-                  <a:pt x="0" y="60"/>
-                </a:cubicBezTo>
-                <a:cubicBezTo>
-                  <a:pt x="2" y="60"/>
-                  <a:pt x="10" y="63"/>
-                  <a:pt x="18" y="63"/>
-                </a:cubicBezTo>
-                <a:cubicBezTo>
-                  <a:pt x="28" y="63"/>
-                  <a:pt x="32" y="60"/>
-                  <a:pt x="32" y="56"/>
-                </a:cubicBezTo>
-                <a:cubicBezTo>
-                  <a:pt x="32" y="52"/>
-                  <a:pt x="28" y="49"/>
-                  <a:pt x="23" y="48"/>
-                </a:cubicBezTo>
-                <a:cubicBezTo>
-                  <a:pt x="22" y="48"/>
-                  <a:pt x="21" y="47"/>
-                  <a:pt x="19" y="47"/>
-                </a:cubicBezTo>
-                <a:cubicBezTo>
-                  <a:pt x="9" y="43"/>
-                  <a:pt x="0" y="37"/>
-                  <a:pt x="0" y="24"/>
-                </a:cubicBezTo>
-                <a:cubicBezTo>
-                  <a:pt x="0" y="10"/>
-                  <a:pt x="10" y="0"/>
-                  <a:pt x="28" y="0"/>
-                </a:cubicBezTo>
-                <a:cubicBezTo>
-                  <a:pt x="37" y="0"/>
-                  <a:pt x="46" y="3"/>
-                  <a:pt x="47" y="3"/>
-                </a:cubicBezTo>
-                <a:lnTo>
-                  <a:pt x="47" y="19"/>
-                </a:lnTo>
-                <a:close/>
-              </a:path>
-            </a:pathLst>
-          </a:custGeom>
-          <a:solidFill>
-            <a:schemeClr val="bg1"/>
-          </a:solidFill>
-          <a:ln w="9525">
-            <a:noFill/>
-            <a:round/>
-            <a:headEnd/>
-            <a:tailEnd/>
-          </a:ln>
-        </p:spPr>
-        <p:txBody>
-          <a:bodyPr/>
-          <a:lstStyle/>
-          <a:p>
-            <a:endParaRPr lang="en-US" dirty="0">
-              <a:solidFill>
-                <a:srgbClr val="0096D6"/>
-              </a:solidFill>
-              <a:latin typeface="+mj-lt"/>
-            </a:endParaRPr>
-          </a:p>
-        </p:txBody>
-      </p:sp>
-      <p:sp>
-        <p:nvSpPr>
-          <p:cNvPr id="25" name="Freeform 24"/>
-          <p:cNvSpPr>
-            <a:spLocks/>
-          </p:cNvSpPr>
-          <p:nvPr/>
-        </p:nvSpPr>
-        <p:spPr bwMode="black">
-          <a:xfrm>
-            <a:off x="5592955" y="3082440"/>
-            <a:ext cx="109835" cy="227032"/>
-          </a:xfrm>
-          <a:custGeom>
-            <a:avLst/>
-            <a:gdLst/>
-            <a:ahLst/>
-            <a:cxnLst>
-              <a:cxn ang="0">
-                <a:pos x="19" y="10"/>
-              </a:cxn>
-              <a:cxn ang="0">
-                <a:pos x="10" y="0"/>
-              </a:cxn>
-              <a:cxn ang="0">
-                <a:pos x="0" y="10"/>
-              </a:cxn>
-              <a:cxn ang="0">
-                <a:pos x="0" y="30"/>
-              </a:cxn>
-              <a:cxn ang="0">
-                <a:pos x="10" y="39"/>
-              </a:cxn>
-              <a:cxn ang="0">
-                <a:pos x="19" y="30"/>
-              </a:cxn>
-              <a:cxn ang="0">
-                <a:pos x="19" y="10"/>
-              </a:cxn>
-            </a:cxnLst>
-            <a:rect l="0" t="0" r="r" b="b"/>
-            <a:pathLst>
-              <a:path w="19" h="39">
-                <a:moveTo>
-                  <a:pt x="19" y="10"/>
-                </a:moveTo>
-                <a:cubicBezTo>
-                  <a:pt x="19" y="4"/>
-                  <a:pt x="15" y="0"/>
-                  <a:pt x="10" y="0"/>
-                </a:cubicBezTo>
-                <a:cubicBezTo>
-                  <a:pt x="4" y="0"/>
-                  <a:pt x="0" y="4"/>
-                  <a:pt x="0" y="10"/>
-                </a:cubicBezTo>
-                <a:cubicBezTo>
-                  <a:pt x="0" y="30"/>
-                  <a:pt x="0" y="30"/>
-                  <a:pt x="0" y="30"/>
-                </a:cubicBezTo>
-                <a:cubicBezTo>
-                  <a:pt x="0" y="35"/>
-                  <a:pt x="4" y="39"/>
-                  <a:pt x="10" y="39"/>
-                </a:cubicBezTo>
-                <a:cubicBezTo>
-                  <a:pt x="15" y="39"/>
-                  <a:pt x="19" y="35"/>
-                  <a:pt x="19" y="30"/>
-                </a:cubicBezTo>
-                <a:lnTo>
-                  <a:pt x="19" y="10"/>
-                </a:lnTo>
-                <a:close/>
-              </a:path>
-            </a:pathLst>
-          </a:custGeom>
-          <a:solidFill>
-            <a:schemeClr val="bg1"/>
-          </a:solidFill>
-          <a:ln w="9525">
-            <a:noFill/>
-            <a:round/>
-            <a:headEnd/>
-            <a:tailEnd/>
-          </a:ln>
-        </p:spPr>
-        <p:txBody>
-          <a:bodyPr/>
-          <a:lstStyle/>
-          <a:p>
-            <a:endParaRPr lang="en-US" dirty="0">
-              <a:solidFill>
-                <a:srgbClr val="0096D6"/>
-              </a:solidFill>
-              <a:latin typeface="+mj-lt"/>
-            </a:endParaRPr>
-          </a:p>
-        </p:txBody>
-      </p:sp>
-      <p:sp>
-        <p:nvSpPr>
-          <p:cNvPr id="26" name="Freeform 25"/>
-          <p:cNvSpPr>
-            <a:spLocks/>
-          </p:cNvSpPr>
-          <p:nvPr/>
-        </p:nvSpPr>
-        <p:spPr bwMode="black">
-          <a:xfrm>
-            <a:off x="5900764" y="2930180"/>
-            <a:ext cx="109835" cy="379291"/>
-          </a:xfrm>
-          <a:custGeom>
-            <a:avLst/>
-            <a:gdLst/>
-            <a:ahLst/>
-            <a:cxnLst>
-              <a:cxn ang="0">
-                <a:pos x="19" y="9"/>
-              </a:cxn>
-              <a:cxn ang="0">
-                <a:pos x="9" y="0"/>
-              </a:cxn>
-              <a:cxn ang="0">
-                <a:pos x="0" y="9"/>
-              </a:cxn>
-              <a:cxn ang="0">
-                <a:pos x="0" y="56"/>
-              </a:cxn>
-              <a:cxn ang="0">
-                <a:pos x="9" y="65"/>
-              </a:cxn>
-              <a:cxn ang="0">
-                <a:pos x="19" y="56"/>
-              </a:cxn>
-              <a:cxn ang="0">
-                <a:pos x="19" y="9"/>
-              </a:cxn>
-            </a:cxnLst>
-            <a:rect l="0" t="0" r="r" b="b"/>
-            <a:pathLst>
-              <a:path w="19" h="65">
-                <a:moveTo>
-                  <a:pt x="19" y="9"/>
-                </a:moveTo>
-                <a:cubicBezTo>
-                  <a:pt x="19" y="4"/>
-                  <a:pt x="14" y="0"/>
-                  <a:pt x="9" y="0"/>
-                </a:cubicBezTo>
-                <a:cubicBezTo>
-                  <a:pt x="4" y="0"/>
-                  <a:pt x="0" y="4"/>
-                  <a:pt x="0" y="9"/>
-                </a:cubicBezTo>
-                <a:cubicBezTo>
-                  <a:pt x="0" y="56"/>
-                  <a:pt x="0" y="56"/>
-                  <a:pt x="0" y="56"/>
-                </a:cubicBezTo>
-                <a:cubicBezTo>
-                  <a:pt x="0" y="61"/>
-                  <a:pt x="4" y="65"/>
-                  <a:pt x="9" y="65"/>
-                </a:cubicBezTo>
-                <a:cubicBezTo>
-                  <a:pt x="14" y="65"/>
-                  <a:pt x="19" y="61"/>
-                  <a:pt x="19" y="56"/>
-                </a:cubicBezTo>
-                <a:lnTo>
-                  <a:pt x="19" y="9"/>
-                </a:lnTo>
-                <a:close/>
-              </a:path>
-            </a:pathLst>
-          </a:custGeom>
-          <a:solidFill>
-            <a:schemeClr val="bg1"/>
-          </a:solidFill>
-          <a:ln w="9525">
-            <a:noFill/>
-            <a:round/>
-            <a:headEnd/>
-            <a:tailEnd/>
-          </a:ln>
-        </p:spPr>
-        <p:txBody>
-          <a:bodyPr/>
-          <a:lstStyle/>
-          <a:p>
-            <a:endParaRPr lang="en-US" dirty="0">
-              <a:solidFill>
-                <a:srgbClr val="0096D6"/>
-              </a:solidFill>
-              <a:latin typeface="+mj-lt"/>
-            </a:endParaRPr>
-          </a:p>
-        </p:txBody>
-      </p:sp>
-      <p:sp>
-        <p:nvSpPr>
-          <p:cNvPr id="27" name="Freeform 26"/>
-          <p:cNvSpPr>
-            <a:spLocks/>
-          </p:cNvSpPr>
-          <p:nvPr/>
-        </p:nvSpPr>
-        <p:spPr bwMode="black">
-          <a:xfrm>
-            <a:off x="6203154" y="2720822"/>
-            <a:ext cx="109835" cy="698767"/>
-          </a:xfrm>
-          <a:custGeom>
-            <a:avLst/>
-            <a:gdLst/>
-            <a:ahLst/>
-            <a:cxnLst>
-              <a:cxn ang="0">
-                <a:pos x="19" y="9"/>
-              </a:cxn>
-              <a:cxn ang="0">
-                <a:pos x="10" y="0"/>
-              </a:cxn>
-              <a:cxn ang="0">
-                <a:pos x="0" y="9"/>
-              </a:cxn>
-              <a:cxn ang="0">
-                <a:pos x="0" y="111"/>
-              </a:cxn>
-              <a:cxn ang="0">
-                <a:pos x="10" y="120"/>
-              </a:cxn>
-              <a:cxn ang="0">
-                <a:pos x="19" y="111"/>
-              </a:cxn>
-              <a:cxn ang="0">
-                <a:pos x="19" y="9"/>
-              </a:cxn>
-            </a:cxnLst>
-            <a:rect l="0" t="0" r="r" b="b"/>
-            <a:pathLst>
-              <a:path w="19" h="120">
-                <a:moveTo>
-                  <a:pt x="19" y="9"/>
-                </a:moveTo>
-                <a:cubicBezTo>
-                  <a:pt x="19" y="4"/>
-                  <a:pt x="15" y="0"/>
-                  <a:pt x="10" y="0"/>
-                </a:cubicBezTo>
-                <a:cubicBezTo>
-                  <a:pt x="5" y="0"/>
-                  <a:pt x="0" y="4"/>
-                  <a:pt x="0" y="9"/>
-                </a:cubicBezTo>
-                <a:cubicBezTo>
-                  <a:pt x="0" y="111"/>
-                  <a:pt x="0" y="111"/>
-                  <a:pt x="0" y="111"/>
-                </a:cubicBezTo>
-                <a:cubicBezTo>
-                  <a:pt x="0" y="116"/>
-                  <a:pt x="5" y="120"/>
-                  <a:pt x="10" y="120"/>
-                </a:cubicBezTo>
-                <a:cubicBezTo>
-                  <a:pt x="15" y="120"/>
-                  <a:pt x="19" y="116"/>
-                  <a:pt x="19" y="111"/>
-                </a:cubicBezTo>
-                <a:lnTo>
-                  <a:pt x="19" y="9"/>
-                </a:lnTo>
-                <a:close/>
-              </a:path>
-            </a:pathLst>
-          </a:custGeom>
-          <a:solidFill>
-            <a:schemeClr val="bg1"/>
-          </a:solidFill>
-          <a:ln w="9525">
-            <a:noFill/>
-            <a:round/>
-            <a:headEnd/>
-            <a:tailEnd/>
-          </a:ln>
-        </p:spPr>
-        <p:txBody>
-          <a:bodyPr/>
-          <a:lstStyle/>
-          <a:p>
-            <a:endParaRPr lang="en-US" dirty="0">
-              <a:solidFill>
-                <a:srgbClr val="0096D6"/>
-              </a:solidFill>
-              <a:latin typeface="+mj-lt"/>
-            </a:endParaRPr>
-          </a:p>
-        </p:txBody>
-      </p:sp>
-      <p:sp>
-        <p:nvSpPr>
-          <p:cNvPr id="28" name="Freeform 27"/>
-          <p:cNvSpPr>
-            <a:spLocks/>
-          </p:cNvSpPr>
-          <p:nvPr/>
-        </p:nvSpPr>
-        <p:spPr bwMode="black">
-          <a:xfrm>
-            <a:off x="6510963" y="2930181"/>
-            <a:ext cx="109835" cy="379292"/>
-          </a:xfrm>
-          <a:custGeom>
-            <a:avLst/>
-            <a:gdLst/>
-            <a:ahLst/>
-            <a:cxnLst>
-              <a:cxn ang="0">
-                <a:pos x="19" y="9"/>
-              </a:cxn>
-              <a:cxn ang="0">
-                <a:pos x="9" y="0"/>
-              </a:cxn>
-              <a:cxn ang="0">
-                <a:pos x="0" y="9"/>
-              </a:cxn>
-              <a:cxn ang="0">
-                <a:pos x="0" y="56"/>
-              </a:cxn>
-              <a:cxn ang="0">
-                <a:pos x="9" y="65"/>
-              </a:cxn>
-              <a:cxn ang="0">
-                <a:pos x="19" y="56"/>
-              </a:cxn>
-              <a:cxn ang="0">
-                <a:pos x="19" y="9"/>
-              </a:cxn>
-            </a:cxnLst>
-            <a:rect l="0" t="0" r="r" b="b"/>
-            <a:pathLst>
-              <a:path w="19" h="65">
-                <a:moveTo>
-                  <a:pt x="19" y="9"/>
-                </a:moveTo>
-                <a:cubicBezTo>
-                  <a:pt x="19" y="4"/>
-                  <a:pt x="15" y="0"/>
-                  <a:pt x="9" y="0"/>
-                </a:cubicBezTo>
-                <a:cubicBezTo>
-                  <a:pt x="4" y="0"/>
-                  <a:pt x="0" y="4"/>
-                  <a:pt x="0" y="9"/>
-                </a:cubicBezTo>
-                <a:cubicBezTo>
-                  <a:pt x="0" y="56"/>
-                  <a:pt x="0" y="56"/>
-                  <a:pt x="0" y="56"/>
-                </a:cubicBezTo>
-                <a:cubicBezTo>
-                  <a:pt x="0" y="61"/>
-                  <a:pt x="4" y="65"/>
-                  <a:pt x="9" y="65"/>
-                </a:cubicBezTo>
-                <a:cubicBezTo>
-                  <a:pt x="15" y="65"/>
-                  <a:pt x="19" y="61"/>
-                  <a:pt x="19" y="56"/>
-                </a:cubicBezTo>
-                <a:lnTo>
-                  <a:pt x="19" y="9"/>
-                </a:lnTo>
-                <a:close/>
-              </a:path>
-            </a:pathLst>
-          </a:custGeom>
-          <a:solidFill>
-            <a:schemeClr val="bg1"/>
-          </a:solidFill>
-          <a:ln w="9525">
-            <a:noFill/>
-            <a:round/>
-            <a:headEnd/>
-            <a:tailEnd/>
-          </a:ln>
-        </p:spPr>
-        <p:txBody>
-          <a:bodyPr/>
-          <a:lstStyle/>
-          <a:p>
-            <a:endParaRPr lang="en-US" dirty="0">
-              <a:solidFill>
-                <a:srgbClr val="0096D6"/>
-              </a:solidFill>
-              <a:latin typeface="+mj-lt"/>
-            </a:endParaRPr>
-          </a:p>
-        </p:txBody>
-      </p:sp>
-      <p:sp>
-        <p:nvSpPr>
-          <p:cNvPr id="29" name="Freeform 28"/>
-          <p:cNvSpPr>
-            <a:spLocks/>
-          </p:cNvSpPr>
-          <p:nvPr/>
-        </p:nvSpPr>
-        <p:spPr bwMode="black">
-          <a:xfrm>
-            <a:off x="6811994" y="3082440"/>
-            <a:ext cx="116616" cy="227031"/>
-          </a:xfrm>
-          <a:custGeom>
-            <a:avLst/>
-            <a:gdLst/>
-            <a:ahLst/>
-            <a:cxnLst>
-              <a:cxn ang="0">
-                <a:pos x="20" y="10"/>
-              </a:cxn>
-              <a:cxn ang="0">
-                <a:pos x="10" y="0"/>
-              </a:cxn>
-              <a:cxn ang="0">
-                <a:pos x="0" y="10"/>
-              </a:cxn>
-              <a:cxn ang="0">
-                <a:pos x="0" y="30"/>
-              </a:cxn>
-              <a:cxn ang="0">
-                <a:pos x="10" y="39"/>
-              </a:cxn>
-              <a:cxn ang="0">
-                <a:pos x="20" y="30"/>
-              </a:cxn>
-              <a:cxn ang="0">
-                <a:pos x="20" y="10"/>
-              </a:cxn>
-            </a:cxnLst>
-            <a:rect l="0" t="0" r="r" b="b"/>
-            <a:pathLst>
-              <a:path w="20" h="39">
-                <a:moveTo>
-                  <a:pt x="20" y="10"/>
-                </a:moveTo>
-                <a:cubicBezTo>
-                  <a:pt x="20" y="4"/>
-                  <a:pt x="15" y="0"/>
-                  <a:pt x="10" y="0"/>
-                </a:cubicBezTo>
-                <a:cubicBezTo>
-                  <a:pt x="5" y="0"/>
-                  <a:pt x="0" y="4"/>
-                  <a:pt x="0" y="10"/>
-                </a:cubicBezTo>
-                <a:cubicBezTo>
-                  <a:pt x="0" y="30"/>
-                  <a:pt x="0" y="30"/>
-                  <a:pt x="0" y="30"/>
-                </a:cubicBezTo>
-                <a:cubicBezTo>
-                  <a:pt x="0" y="35"/>
-                  <a:pt x="5" y="39"/>
-                  <a:pt x="10" y="39"/>
-                </a:cubicBezTo>
-                <a:cubicBezTo>
-                  <a:pt x="15" y="39"/>
-                  <a:pt x="20" y="35"/>
-                  <a:pt x="20" y="30"/>
-                </a:cubicBezTo>
-                <a:lnTo>
-                  <a:pt x="20" y="10"/>
-                </a:lnTo>
-                <a:close/>
-              </a:path>
-            </a:pathLst>
-          </a:custGeom>
-          <a:solidFill>
-            <a:schemeClr val="bg1"/>
-          </a:solidFill>
-          <a:ln w="9525">
-            <a:noFill/>
-            <a:round/>
-            <a:headEnd/>
-            <a:tailEnd/>
-          </a:ln>
-        </p:spPr>
-        <p:txBody>
-          <a:bodyPr/>
-          <a:lstStyle/>
-          <a:p>
-            <a:endParaRPr lang="en-US" dirty="0">
-              <a:solidFill>
-                <a:srgbClr val="0096D6"/>
-              </a:solidFill>
-              <a:latin typeface="+mj-lt"/>
-            </a:endParaRPr>
-          </a:p>
-        </p:txBody>
-      </p:sp>
-      <p:sp>
-        <p:nvSpPr>
-          <p:cNvPr id="30" name="Freeform 29"/>
-          <p:cNvSpPr>
-            <a:spLocks/>
-          </p:cNvSpPr>
-          <p:nvPr/>
-        </p:nvSpPr>
-        <p:spPr bwMode="black">
-          <a:xfrm>
-            <a:off x="7119806" y="2930181"/>
-            <a:ext cx="111191" cy="379290"/>
-          </a:xfrm>
-          <a:custGeom>
-            <a:avLst/>
-            <a:gdLst/>
-            <a:ahLst/>
-            <a:cxnLst>
-              <a:cxn ang="0">
-                <a:pos x="19" y="9"/>
-              </a:cxn>
-              <a:cxn ang="0">
-                <a:pos x="10" y="0"/>
-              </a:cxn>
-              <a:cxn ang="0">
-                <a:pos x="0" y="9"/>
-              </a:cxn>
-              <a:cxn ang="0">
-                <a:pos x="0" y="56"/>
-              </a:cxn>
-              <a:cxn ang="0">
-                <a:pos x="10" y="65"/>
-              </a:cxn>
-              <a:cxn ang="0">
-                <a:pos x="19" y="56"/>
-              </a:cxn>
-              <a:cxn ang="0">
-                <a:pos x="19" y="9"/>
-              </a:cxn>
-            </a:cxnLst>
-            <a:rect l="0" t="0" r="r" b="b"/>
-            <a:pathLst>
-              <a:path w="19" h="65">
-                <a:moveTo>
-                  <a:pt x="19" y="9"/>
-                </a:moveTo>
-                <a:cubicBezTo>
-                  <a:pt x="19" y="4"/>
-                  <a:pt x="15" y="0"/>
-                  <a:pt x="10" y="0"/>
-                </a:cubicBezTo>
-                <a:cubicBezTo>
-                  <a:pt x="4" y="0"/>
-                  <a:pt x="0" y="4"/>
-                  <a:pt x="0" y="9"/>
-                </a:cubicBezTo>
-                <a:cubicBezTo>
-                  <a:pt x="0" y="56"/>
-                  <a:pt x="0" y="56"/>
-                  <a:pt x="0" y="56"/>
-                </a:cubicBezTo>
-                <a:cubicBezTo>
-                  <a:pt x="0" y="61"/>
-                  <a:pt x="4" y="65"/>
-                  <a:pt x="10" y="65"/>
-                </a:cubicBezTo>
-                <a:cubicBezTo>
-                  <a:pt x="15" y="65"/>
-                  <a:pt x="19" y="61"/>
-                  <a:pt x="19" y="56"/>
-                </a:cubicBezTo>
-                <a:lnTo>
-                  <a:pt x="19" y="9"/>
-                </a:lnTo>
-                <a:close/>
-              </a:path>
-            </a:pathLst>
-          </a:custGeom>
-          <a:solidFill>
-            <a:schemeClr val="bg1"/>
-          </a:solidFill>
-          <a:ln w="9525">
-            <a:noFill/>
-            <a:round/>
-            <a:headEnd/>
-            <a:tailEnd/>
-          </a:ln>
-        </p:spPr>
-        <p:txBody>
-          <a:bodyPr/>
-          <a:lstStyle/>
-          <a:p>
-            <a:endParaRPr lang="en-US" dirty="0">
-              <a:solidFill>
-                <a:srgbClr val="0096D6"/>
-              </a:solidFill>
-              <a:latin typeface="+mj-lt"/>
-            </a:endParaRPr>
-          </a:p>
-        </p:txBody>
-      </p:sp>
-      <p:sp>
-        <p:nvSpPr>
-          <p:cNvPr id="31" name="Freeform 30"/>
-          <p:cNvSpPr>
-            <a:spLocks/>
-          </p:cNvSpPr>
-          <p:nvPr/>
-        </p:nvSpPr>
-        <p:spPr bwMode="black">
-          <a:xfrm>
-            <a:off x="7427618" y="2720823"/>
-            <a:ext cx="111191" cy="698766"/>
-          </a:xfrm>
-          <a:custGeom>
-            <a:avLst/>
-            <a:gdLst/>
-            <a:ahLst/>
-            <a:cxnLst>
-              <a:cxn ang="0">
-                <a:pos x="19" y="9"/>
-              </a:cxn>
-              <a:cxn ang="0">
-                <a:pos x="9" y="0"/>
-              </a:cxn>
-              <a:cxn ang="0">
-                <a:pos x="0" y="9"/>
-              </a:cxn>
-              <a:cxn ang="0">
-                <a:pos x="0" y="111"/>
-              </a:cxn>
-              <a:cxn ang="0">
-                <a:pos x="9" y="120"/>
-              </a:cxn>
-              <a:cxn ang="0">
-                <a:pos x="19" y="111"/>
-              </a:cxn>
-              <a:cxn ang="0">
-                <a:pos x="19" y="9"/>
-              </a:cxn>
-            </a:cxnLst>
-            <a:rect l="0" t="0" r="r" b="b"/>
-            <a:pathLst>
-              <a:path w="19" h="120">
-                <a:moveTo>
-                  <a:pt x="19" y="9"/>
-                </a:moveTo>
-                <a:cubicBezTo>
-                  <a:pt x="19" y="4"/>
-                  <a:pt x="15" y="0"/>
-                  <a:pt x="9" y="0"/>
-                </a:cubicBezTo>
-                <a:cubicBezTo>
-                  <a:pt x="4" y="0"/>
-                  <a:pt x="0" y="4"/>
-                  <a:pt x="0" y="9"/>
-                </a:cubicBezTo>
-                <a:cubicBezTo>
-                  <a:pt x="0" y="111"/>
-                  <a:pt x="0" y="111"/>
-                  <a:pt x="0" y="111"/>
-                </a:cubicBezTo>
-                <a:cubicBezTo>
-                  <a:pt x="0" y="116"/>
-                  <a:pt x="4" y="120"/>
-                  <a:pt x="9" y="120"/>
-                </a:cubicBezTo>
-                <a:cubicBezTo>
-                  <a:pt x="15" y="120"/>
-                  <a:pt x="19" y="116"/>
-                  <a:pt x="19" y="111"/>
-                </a:cubicBezTo>
-                <a:lnTo>
-                  <a:pt x="19" y="9"/>
-                </a:lnTo>
-                <a:close/>
-              </a:path>
-            </a:pathLst>
-          </a:custGeom>
-          <a:solidFill>
-            <a:schemeClr val="bg1"/>
-          </a:solidFill>
-          <a:ln w="9525">
-            <a:noFill/>
-            <a:round/>
-            <a:headEnd/>
-            <a:tailEnd/>
-          </a:ln>
-        </p:spPr>
-        <p:txBody>
-          <a:bodyPr/>
-          <a:lstStyle/>
-          <a:p>
-            <a:endParaRPr lang="en-US" dirty="0">
-              <a:solidFill>
-                <a:srgbClr val="0096D6"/>
-              </a:solidFill>
-              <a:latin typeface="+mj-lt"/>
-            </a:endParaRPr>
-          </a:p>
-        </p:txBody>
-      </p:sp>
-      <p:sp>
-        <p:nvSpPr>
-          <p:cNvPr id="32" name="Freeform 31"/>
-          <p:cNvSpPr>
-            <a:spLocks/>
-          </p:cNvSpPr>
-          <p:nvPr/>
-        </p:nvSpPr>
-        <p:spPr bwMode="black">
-          <a:xfrm>
-            <a:off x="7730002" y="2930181"/>
-            <a:ext cx="111191" cy="379290"/>
-          </a:xfrm>
-          <a:custGeom>
-            <a:avLst/>
-            <a:gdLst/>
-            <a:ahLst/>
-            <a:cxnLst>
-              <a:cxn ang="0">
-                <a:pos x="19" y="9"/>
-              </a:cxn>
-              <a:cxn ang="0">
-                <a:pos x="10" y="0"/>
-              </a:cxn>
-              <a:cxn ang="0">
-                <a:pos x="0" y="9"/>
-              </a:cxn>
-              <a:cxn ang="0">
-                <a:pos x="0" y="56"/>
-              </a:cxn>
-              <a:cxn ang="0">
-                <a:pos x="10" y="65"/>
-              </a:cxn>
-              <a:cxn ang="0">
-                <a:pos x="19" y="56"/>
-              </a:cxn>
-              <a:cxn ang="0">
-                <a:pos x="19" y="9"/>
-              </a:cxn>
-            </a:cxnLst>
-            <a:rect l="0" t="0" r="r" b="b"/>
-            <a:pathLst>
-              <a:path w="19" h="65">
-                <a:moveTo>
-                  <a:pt x="19" y="9"/>
-                </a:moveTo>
-                <a:cubicBezTo>
-                  <a:pt x="19" y="4"/>
-                  <a:pt x="15" y="0"/>
-                  <a:pt x="10" y="0"/>
-                </a:cubicBezTo>
-                <a:cubicBezTo>
-                  <a:pt x="5" y="0"/>
-                  <a:pt x="0" y="4"/>
-                  <a:pt x="0" y="9"/>
-                </a:cubicBezTo>
-                <a:cubicBezTo>
-                  <a:pt x="0" y="56"/>
-                  <a:pt x="0" y="56"/>
-                  <a:pt x="0" y="56"/>
-                </a:cubicBezTo>
-                <a:cubicBezTo>
-                  <a:pt x="0" y="61"/>
-                  <a:pt x="5" y="65"/>
-                  <a:pt x="10" y="65"/>
-                </a:cubicBezTo>
-                <a:cubicBezTo>
-                  <a:pt x="15" y="65"/>
-                  <a:pt x="19" y="61"/>
-                  <a:pt x="19" y="56"/>
-                </a:cubicBezTo>
-                <a:lnTo>
-                  <a:pt x="19" y="9"/>
-                </a:lnTo>
-                <a:close/>
-              </a:path>
-            </a:pathLst>
-          </a:custGeom>
-          <a:solidFill>
-            <a:schemeClr val="bg1"/>
-          </a:solidFill>
-          <a:ln w="9525">
-            <a:noFill/>
-            <a:round/>
-            <a:headEnd/>
-            <a:tailEnd/>
-          </a:ln>
-        </p:spPr>
-        <p:txBody>
-          <a:bodyPr/>
-          <a:lstStyle/>
-          <a:p>
-            <a:endParaRPr lang="en-US" dirty="0">
-              <a:solidFill>
-                <a:srgbClr val="0096D6"/>
-              </a:solidFill>
-              <a:latin typeface="+mj-lt"/>
-            </a:endParaRPr>
-          </a:p>
-        </p:txBody>
-      </p:sp>
-      <p:sp>
-        <p:nvSpPr>
-          <p:cNvPr id="33" name="Freeform 32"/>
-          <p:cNvSpPr>
-            <a:spLocks/>
-          </p:cNvSpPr>
-          <p:nvPr/>
-        </p:nvSpPr>
-        <p:spPr bwMode="black">
-          <a:xfrm>
-            <a:off x="8037814" y="3082440"/>
-            <a:ext cx="111191" cy="227031"/>
-          </a:xfrm>
-          <a:custGeom>
-            <a:avLst/>
-            <a:gdLst/>
-            <a:ahLst/>
-            <a:cxnLst>
-              <a:cxn ang="0">
-                <a:pos x="19" y="10"/>
-              </a:cxn>
-              <a:cxn ang="0">
-                <a:pos x="9" y="0"/>
-              </a:cxn>
-              <a:cxn ang="0">
-                <a:pos x="0" y="10"/>
-              </a:cxn>
-              <a:cxn ang="0">
-                <a:pos x="0" y="30"/>
-              </a:cxn>
-              <a:cxn ang="0">
-                <a:pos x="9" y="39"/>
-              </a:cxn>
-              <a:cxn ang="0">
-                <a:pos x="19" y="30"/>
-              </a:cxn>
-              <a:cxn ang="0">
-                <a:pos x="19" y="10"/>
-              </a:cxn>
-            </a:cxnLst>
-            <a:rect l="0" t="0" r="r" b="b"/>
-            <a:pathLst>
-              <a:path w="19" h="39">
-                <a:moveTo>
-                  <a:pt x="19" y="10"/>
-                </a:moveTo>
-                <a:cubicBezTo>
-                  <a:pt x="19" y="4"/>
-                  <a:pt x="15" y="0"/>
-                  <a:pt x="9" y="0"/>
-                </a:cubicBezTo>
-                <a:cubicBezTo>
-                  <a:pt x="4" y="0"/>
-                  <a:pt x="0" y="4"/>
-                  <a:pt x="0" y="10"/>
-                </a:cubicBezTo>
-                <a:cubicBezTo>
-                  <a:pt x="0" y="30"/>
-                  <a:pt x="0" y="30"/>
-                  <a:pt x="0" y="30"/>
-                </a:cubicBezTo>
-                <a:cubicBezTo>
-                  <a:pt x="0" y="35"/>
-                  <a:pt x="4" y="39"/>
-                  <a:pt x="9" y="39"/>
-                </a:cubicBezTo>
-                <a:cubicBezTo>
-                  <a:pt x="15" y="39"/>
-                  <a:pt x="19" y="35"/>
-                  <a:pt x="19" y="30"/>
-                </a:cubicBezTo>
-                <a:lnTo>
-                  <a:pt x="19" y="10"/>
-                </a:lnTo>
-                <a:close/>
-              </a:path>
-            </a:pathLst>
-          </a:custGeom>
-          <a:solidFill>
-            <a:schemeClr val="bg1"/>
-          </a:solidFill>
-          <a:ln w="9525">
-            <a:noFill/>
-            <a:round/>
-            <a:headEnd/>
-            <a:tailEnd/>
-          </a:ln>
-        </p:spPr>
-        <p:txBody>
-          <a:bodyPr/>
-          <a:lstStyle/>
-          <a:p>
-            <a:endParaRPr lang="en-US" dirty="0">
-              <a:solidFill>
-                <a:srgbClr val="0096D6"/>
-              </a:solidFill>
-              <a:latin typeface="+mj-lt"/>
-            </a:endParaRPr>
-          </a:p>
-        </p:txBody>
-      </p:sp>
-      <p:sp>
-        <p:nvSpPr>
-          <p:cNvPr id="34" name="TextBox 33"/>
-          <p:cNvSpPr txBox="1"/>
-          <p:nvPr userDrawn="1"/>
-        </p:nvSpPr>
-        <p:spPr>
-          <a:xfrm>
-            <a:off x="644691" y="3060488"/>
-            <a:ext cx="2437270" cy="646331"/>
-          </a:xfrm>
-          <a:prstGeom prst="rect">
-            <a:avLst/>
-          </a:prstGeom>
-          <a:noFill/>
-        </p:spPr>
-        <p:txBody>
-          <a:bodyPr wrap="none" rtlCol="0">
-            <a:spAutoFit/>
-          </a:bodyPr>
-          <a:lstStyle/>
-          <a:p>
-            <a:r>
-              <a:rPr lang="en-US" sz="3600" dirty="0" smtClean="0">
-                <a:solidFill>
-                  <a:srgbClr val="FFFFFF"/>
-                </a:solidFill>
-                <a:latin typeface="+mj-lt"/>
-              </a:rPr>
-              <a:t>Thank you.</a:t>
-            </a:r>
-            <a:endParaRPr lang="en-US" sz="3600" dirty="0">
-              <a:solidFill>
-                <a:srgbClr val="FFFFFF"/>
-              </a:solidFill>
-              <a:latin typeface="+mj-lt"/>
-            </a:endParaRPr>
-          </a:p>
-        </p:txBody>
-      </p:sp>
-    </p:spTree>
-    <p:extLst>
-      <p:ext uri="{BB962C8B-B14F-4D97-AF65-F5344CB8AC3E}">
-        <p14:creationId xmlns:p14="http://schemas.microsoft.com/office/powerpoint/2010/main" val="2076765924"/>
-      </p:ext>
-    </p:extLst>
-  </p:cSld>
-  <p:clrMapOvr>
-    <a:masterClrMapping/>
-  </p:clrMapOvr>
-  <p:transition>
-    <p:wipe dir="r"/>
-  </p:transition>
-  <p:timing>
-    <p:tnLst>
-      <p:par>
-        <p:cTn id="1" dur="indefinite" restart="never" nodeType="tmRoot">
-          <p:childTnLst>
-            <p:seq concurrent="1" nextAc="seek">
-              <p:cTn id="2" dur="indefinite" nodeType="mainSeq">
-                <p:childTnLst>
-                  <p:par>
-                    <p:cTn id="3" fill="hold">
-                      <p:stCondLst>
-                        <p:cond delay="indefinite"/>
-                        <p:cond evt="onBegin" delay="0">
-                          <p:tn val="2"/>
-                        </p:cond>
-                      </p:stCondLst>
-                      <p:childTnLst>
-                        <p:par>
-                          <p:cTn id="4" fill="hold">
-                            <p:stCondLst>
-                              <p:cond delay="0"/>
-                            </p:stCondLst>
-                            <p:childTnLst>
-                              <p:par>
-                                <p:cTn id="5" presetID="10" presetClass="entr" presetSubtype="0" fill="hold" nodeType="withEffect">
-                                  <p:stCondLst>
-                                    <p:cond delay="0"/>
-                                  </p:stCondLst>
-                                  <p:childTnLst>
-                                    <p:set>
-                                      <p:cBhvr>
-                                        <p:cTn id="6" dur="1" fill="hold">
-                                          <p:stCondLst>
-                                            <p:cond delay="0"/>
-                                          </p:stCondLst>
-                                        </p:cTn>
-                                        <p:tgtEl>
-                                          <p:spTgt spid="19"/>
-                                        </p:tgtEl>
-                                        <p:attrNameLst>
-                                          <p:attrName>style.visibility</p:attrName>
-                                        </p:attrNameLst>
-                                      </p:cBhvr>
-                                      <p:to>
-                                        <p:strVal val="visible"/>
-                                      </p:to>
-                                    </p:set>
-                                    <p:animEffect transition="in" filter="fade">
-                                      <p:cBhvr>
-                                        <p:cTn id="7" dur="700"/>
-                                        <p:tgtEl>
-                                          <p:spTgt spid="19"/>
-                                        </p:tgtEl>
-                                      </p:cBhvr>
-                                    </p:animEffect>
-                                  </p:childTnLst>
-                                </p:cTn>
-                              </p:par>
-                            </p:childTnLst>
-                          </p:cTn>
-                        </p:par>
-                        <p:par>
-                          <p:cTn id="8" fill="hold">
-                            <p:stCondLst>
-                              <p:cond delay="700"/>
-                            </p:stCondLst>
-                            <p:childTnLst>
-                              <p:par>
-                                <p:cTn id="9" presetID="10" presetClass="entr" presetSubtype="0" fill="hold" grpId="0" nodeType="afterEffect">
-                                  <p:stCondLst>
-                                    <p:cond delay="0"/>
-                                  </p:stCondLst>
-                                  <p:iterate type="lt">
-                                    <p:tmPct val="6250"/>
-                                  </p:iterate>
-                                  <p:childTnLst>
-                                    <p:set>
-                                      <p:cBhvr>
-                                        <p:cTn id="10" dur="1" fill="hold">
-                                          <p:stCondLst>
-                                            <p:cond delay="0"/>
-                                          </p:stCondLst>
-                                        </p:cTn>
-                                        <p:tgtEl>
-                                          <p:spTgt spid="34"/>
-                                        </p:tgtEl>
-                                        <p:attrNameLst>
-                                          <p:attrName>style.visibility</p:attrName>
-                                        </p:attrNameLst>
-                                      </p:cBhvr>
-                                      <p:to>
-                                        <p:strVal val="visible"/>
-                                      </p:to>
-                                    </p:set>
-                                    <p:animEffect transition="in" filter="fade">
-                                      <p:cBhvr>
-                                        <p:cTn id="11" dur="1000"/>
-                                        <p:tgtEl>
-                                          <p:spTgt spid="34"/>
-                                        </p:tgtEl>
-                                      </p:cBhvr>
-                                    </p:animEffect>
-                                  </p:childTnLst>
-                                </p:cTn>
-                              </p:par>
-                            </p:childTnLst>
-                          </p:cTn>
-                        </p:par>
-                        <p:par>
-                          <p:cTn id="12" fill="hold">
-                            <p:stCondLst>
-                              <p:cond delay="2200"/>
-                            </p:stCondLst>
-                            <p:childTnLst>
-                              <p:par>
-                                <p:cTn id="13" presetID="10" presetClass="entr" presetSubtype="0" fill="hold" grpId="1" nodeType="afterEffect">
-                                  <p:stCondLst>
-                                    <p:cond delay="0"/>
-                                  </p:stCondLst>
-                                  <p:childTnLst>
-                                    <p:set>
-                                      <p:cBhvr>
-                                        <p:cTn id="14" dur="1" fill="hold">
-                                          <p:stCondLst>
-                                            <p:cond delay="0"/>
-                                          </p:stCondLst>
-                                        </p:cTn>
-                                        <p:tgtEl>
-                                          <p:spTgt spid="25"/>
-                                        </p:tgtEl>
-                                        <p:attrNameLst>
-                                          <p:attrName>style.visibility</p:attrName>
-                                        </p:attrNameLst>
-                                      </p:cBhvr>
-                                      <p:to>
-                                        <p:strVal val="visible"/>
-                                      </p:to>
-                                    </p:set>
-                                    <p:animEffect transition="in" filter="fade">
-                                      <p:cBhvr>
-                                        <p:cTn id="15" dur="700"/>
-                                        <p:tgtEl>
-                                          <p:spTgt spid="25"/>
-                                        </p:tgtEl>
-                                      </p:cBhvr>
-                                    </p:animEffect>
-                                  </p:childTnLst>
-                                </p:cTn>
-                              </p:par>
-                              <p:par>
-                                <p:cTn id="16" presetID="10" presetClass="entr" presetSubtype="0" fill="hold" grpId="1" nodeType="withEffect">
-                                  <p:stCondLst>
-                                    <p:cond delay="0"/>
-                                  </p:stCondLst>
-                                  <p:childTnLst>
-                                    <p:set>
-                                      <p:cBhvr>
-                                        <p:cTn id="17" dur="1" fill="hold">
-                                          <p:stCondLst>
-                                            <p:cond delay="0"/>
-                                          </p:stCondLst>
-                                        </p:cTn>
-                                        <p:tgtEl>
-                                          <p:spTgt spid="26"/>
-                                        </p:tgtEl>
-                                        <p:attrNameLst>
-                                          <p:attrName>style.visibility</p:attrName>
-                                        </p:attrNameLst>
-                                      </p:cBhvr>
-                                      <p:to>
-                                        <p:strVal val="visible"/>
-                                      </p:to>
-                                    </p:set>
-                                    <p:animEffect transition="in" filter="fade">
-                                      <p:cBhvr>
-                                        <p:cTn id="18" dur="700"/>
-                                        <p:tgtEl>
-                                          <p:spTgt spid="26"/>
-                                        </p:tgtEl>
-                                      </p:cBhvr>
-                                    </p:animEffect>
-                                  </p:childTnLst>
-                                </p:cTn>
-                              </p:par>
-                              <p:par>
-                                <p:cTn id="19" presetID="10" presetClass="entr" presetSubtype="0" fill="hold" grpId="1" nodeType="withEffect">
-                                  <p:stCondLst>
-                                    <p:cond delay="0"/>
-                                  </p:stCondLst>
-                                  <p:childTnLst>
-                                    <p:set>
-                                      <p:cBhvr>
-                                        <p:cTn id="20" dur="1" fill="hold">
-                                          <p:stCondLst>
-                                            <p:cond delay="0"/>
-                                          </p:stCondLst>
-                                        </p:cTn>
-                                        <p:tgtEl>
-                                          <p:spTgt spid="27"/>
-                                        </p:tgtEl>
-                                        <p:attrNameLst>
-                                          <p:attrName>style.visibility</p:attrName>
-                                        </p:attrNameLst>
-                                      </p:cBhvr>
-                                      <p:to>
-                                        <p:strVal val="visible"/>
-                                      </p:to>
-                                    </p:set>
-                                    <p:animEffect transition="in" filter="fade">
-                                      <p:cBhvr>
-                                        <p:cTn id="21" dur="700"/>
-                                        <p:tgtEl>
-                                          <p:spTgt spid="27"/>
-                                        </p:tgtEl>
-                                      </p:cBhvr>
-                                    </p:animEffect>
-                                  </p:childTnLst>
-                                </p:cTn>
-                              </p:par>
-                              <p:par>
-                                <p:cTn id="22" presetID="10" presetClass="entr" presetSubtype="0" fill="hold" grpId="1" nodeType="withEffect">
-                                  <p:stCondLst>
-                                    <p:cond delay="0"/>
-                                  </p:stCondLst>
-                                  <p:childTnLst>
-                                    <p:set>
-                                      <p:cBhvr>
-                                        <p:cTn id="23" dur="1" fill="hold">
-                                          <p:stCondLst>
-                                            <p:cond delay="0"/>
-                                          </p:stCondLst>
-                                        </p:cTn>
-                                        <p:tgtEl>
-                                          <p:spTgt spid="28"/>
-                                        </p:tgtEl>
-                                        <p:attrNameLst>
-                                          <p:attrName>style.visibility</p:attrName>
-                                        </p:attrNameLst>
-                                      </p:cBhvr>
-                                      <p:to>
-                                        <p:strVal val="visible"/>
-                                      </p:to>
-                                    </p:set>
-                                    <p:animEffect transition="in" filter="fade">
-                                      <p:cBhvr>
-                                        <p:cTn id="24" dur="700"/>
-                                        <p:tgtEl>
-                                          <p:spTgt spid="28"/>
-                                        </p:tgtEl>
-                                      </p:cBhvr>
-                                    </p:animEffect>
-                                  </p:childTnLst>
-                                </p:cTn>
-                              </p:par>
-                              <p:par>
-                                <p:cTn id="25" presetID="10" presetClass="entr" presetSubtype="0" fill="hold" grpId="1" nodeType="withEffect">
-                                  <p:stCondLst>
-                                    <p:cond delay="0"/>
-                                  </p:stCondLst>
-                                  <p:childTnLst>
-                                    <p:set>
-                                      <p:cBhvr>
-                                        <p:cTn id="26" dur="1" fill="hold">
-                                          <p:stCondLst>
-                                            <p:cond delay="0"/>
-                                          </p:stCondLst>
-                                        </p:cTn>
-                                        <p:tgtEl>
-                                          <p:spTgt spid="29"/>
-                                        </p:tgtEl>
-                                        <p:attrNameLst>
-                                          <p:attrName>style.visibility</p:attrName>
-                                        </p:attrNameLst>
-                                      </p:cBhvr>
-                                      <p:to>
-                                        <p:strVal val="visible"/>
-                                      </p:to>
-                                    </p:set>
-                                    <p:animEffect transition="in" filter="fade">
-                                      <p:cBhvr>
-                                        <p:cTn id="27" dur="700"/>
-                                        <p:tgtEl>
-                                          <p:spTgt spid="29"/>
-                                        </p:tgtEl>
-                                      </p:cBhvr>
-                                    </p:animEffect>
-                                  </p:childTnLst>
-                                </p:cTn>
-                              </p:par>
-                              <p:par>
-                                <p:cTn id="28" presetID="10" presetClass="entr" presetSubtype="0" fill="hold" grpId="1" nodeType="withEffect">
-                                  <p:stCondLst>
-                                    <p:cond delay="0"/>
-                                  </p:stCondLst>
-                                  <p:childTnLst>
-                                    <p:set>
-                                      <p:cBhvr>
-                                        <p:cTn id="29" dur="1" fill="hold">
-                                          <p:stCondLst>
-                                            <p:cond delay="0"/>
-                                          </p:stCondLst>
-                                        </p:cTn>
-                                        <p:tgtEl>
-                                          <p:spTgt spid="30"/>
-                                        </p:tgtEl>
-                                        <p:attrNameLst>
-                                          <p:attrName>style.visibility</p:attrName>
-                                        </p:attrNameLst>
-                                      </p:cBhvr>
-                                      <p:to>
-                                        <p:strVal val="visible"/>
-                                      </p:to>
-                                    </p:set>
-                                    <p:animEffect transition="in" filter="fade">
-                                      <p:cBhvr>
-                                        <p:cTn id="30" dur="700"/>
-                                        <p:tgtEl>
-                                          <p:spTgt spid="30"/>
-                                        </p:tgtEl>
-                                      </p:cBhvr>
-                                    </p:animEffect>
-                                  </p:childTnLst>
-                                </p:cTn>
-                              </p:par>
-                              <p:par>
-                                <p:cTn id="31" presetID="10" presetClass="entr" presetSubtype="0" fill="hold" grpId="1" nodeType="withEffect">
-                                  <p:stCondLst>
-                                    <p:cond delay="0"/>
-                                  </p:stCondLst>
-                                  <p:childTnLst>
-                                    <p:set>
-                                      <p:cBhvr>
-                                        <p:cTn id="32" dur="1" fill="hold">
-                                          <p:stCondLst>
-                                            <p:cond delay="0"/>
-                                          </p:stCondLst>
-                                        </p:cTn>
-                                        <p:tgtEl>
-                                          <p:spTgt spid="31"/>
-                                        </p:tgtEl>
-                                        <p:attrNameLst>
-                                          <p:attrName>style.visibility</p:attrName>
-                                        </p:attrNameLst>
-                                      </p:cBhvr>
-                                      <p:to>
-                                        <p:strVal val="visible"/>
-                                      </p:to>
-                                    </p:set>
-                                    <p:animEffect transition="in" filter="fade">
-                                      <p:cBhvr>
-                                        <p:cTn id="33" dur="700"/>
-                                        <p:tgtEl>
-                                          <p:spTgt spid="31"/>
-                                        </p:tgtEl>
-                                      </p:cBhvr>
-                                    </p:animEffect>
-                                  </p:childTnLst>
-                                </p:cTn>
-                              </p:par>
-                              <p:par>
-                                <p:cTn id="34" presetID="10" presetClass="entr" presetSubtype="0" fill="hold" grpId="1" nodeType="withEffect">
-                                  <p:stCondLst>
-                                    <p:cond delay="0"/>
-                                  </p:stCondLst>
-                                  <p:childTnLst>
-                                    <p:set>
-                                      <p:cBhvr>
-                                        <p:cTn id="35" dur="1" fill="hold">
-                                          <p:stCondLst>
-                                            <p:cond delay="0"/>
-                                          </p:stCondLst>
-                                        </p:cTn>
-                                        <p:tgtEl>
-                                          <p:spTgt spid="32"/>
-                                        </p:tgtEl>
-                                        <p:attrNameLst>
-                                          <p:attrName>style.visibility</p:attrName>
-                                        </p:attrNameLst>
-                                      </p:cBhvr>
-                                      <p:to>
-                                        <p:strVal val="visible"/>
-                                      </p:to>
-                                    </p:set>
-                                    <p:animEffect transition="in" filter="fade">
-                                      <p:cBhvr>
-                                        <p:cTn id="36" dur="700"/>
-                                        <p:tgtEl>
-                                          <p:spTgt spid="32"/>
-                                        </p:tgtEl>
-                                      </p:cBhvr>
-                                    </p:animEffect>
-                                  </p:childTnLst>
-                                </p:cTn>
-                              </p:par>
-                              <p:par>
-                                <p:cTn id="37" presetID="10" presetClass="entr" presetSubtype="0" fill="hold" grpId="1" nodeType="withEffect">
-                                  <p:stCondLst>
-                                    <p:cond delay="0"/>
-                                  </p:stCondLst>
-                                  <p:childTnLst>
-                                    <p:set>
-                                      <p:cBhvr>
-                                        <p:cTn id="38" dur="1" fill="hold">
-                                          <p:stCondLst>
-                                            <p:cond delay="0"/>
-                                          </p:stCondLst>
-                                        </p:cTn>
-                                        <p:tgtEl>
-                                          <p:spTgt spid="33"/>
-                                        </p:tgtEl>
-                                        <p:attrNameLst>
-                                          <p:attrName>style.visibility</p:attrName>
-                                        </p:attrNameLst>
-                                      </p:cBhvr>
-                                      <p:to>
-                                        <p:strVal val="visible"/>
-                                      </p:to>
-                                    </p:set>
-                                    <p:animEffect transition="in" filter="fade">
-                                      <p:cBhvr>
-                                        <p:cTn id="39" dur="700"/>
-                                        <p:tgtEl>
-                                          <p:spTgt spid="33"/>
-                                        </p:tgtEl>
-                                      </p:cBhvr>
-                                    </p:animEffect>
-                                  </p:childTnLst>
-                                </p:cTn>
-                              </p:par>
-                              <p:par>
-                                <p:cTn id="40" presetID="42" presetClass="path" presetSubtype="0" accel="50000" decel="50000" fill="hold" grpId="0" nodeType="withEffect">
-                                  <p:stCondLst>
-                                    <p:cond delay="0"/>
-                                  </p:stCondLst>
-                                  <p:childTnLst>
-                                    <p:animMotion origin="layout" path="M -4.72222E-6 3.7037E-7 L -4.72222E-6 0.09143 " pathEditMode="relative" rAng="0" ptsTypes="AA">
-                                      <p:cBhvr>
-                                        <p:cTn id="41" dur="700" spd="-100000" fill="hold"/>
-                                        <p:tgtEl>
-                                          <p:spTgt spid="25"/>
-                                        </p:tgtEl>
-                                        <p:attrNameLst>
-                                          <p:attrName>ppt_x</p:attrName>
-                                          <p:attrName>ppt_y</p:attrName>
-                                        </p:attrNameLst>
-                                      </p:cBhvr>
-                                      <p:rCtr x="0" y="46"/>
-                                    </p:animMotion>
-                                  </p:childTnLst>
-                                </p:cTn>
-                              </p:par>
-                              <p:par>
-                                <p:cTn id="42" presetID="42" presetClass="path" presetSubtype="0" accel="50000" decel="50000" fill="hold" grpId="0" nodeType="withEffect">
-                                  <p:stCondLst>
-                                    <p:cond delay="0"/>
-                                  </p:stCondLst>
-                                  <p:childTnLst>
-                                    <p:animMotion origin="layout" path="M 5E-6 3.7037E-6 L 5E-6 0.11157 " pathEditMode="relative" rAng="0" ptsTypes="AA">
-                                      <p:cBhvr>
-                                        <p:cTn id="43" dur="700" spd="-100000" fill="hold"/>
-                                        <p:tgtEl>
-                                          <p:spTgt spid="27"/>
-                                        </p:tgtEl>
-                                        <p:attrNameLst>
-                                          <p:attrName>ppt_x</p:attrName>
-                                          <p:attrName>ppt_y</p:attrName>
-                                        </p:attrNameLst>
-                                      </p:cBhvr>
-                                      <p:rCtr x="0" y="56"/>
-                                    </p:animMotion>
-                                  </p:childTnLst>
-                                </p:cTn>
-                              </p:par>
-                              <p:par>
-                                <p:cTn id="44" presetID="42" presetClass="path" presetSubtype="0" accel="50000" decel="50000" fill="hold" grpId="0" nodeType="withEffect">
-                                  <p:stCondLst>
-                                    <p:cond delay="0"/>
-                                  </p:stCondLst>
-                                  <p:childTnLst>
-                                    <p:animMotion origin="layout" path="M 4.72222E-6 4.81481E-6 L 4.72222E-6 0.09143 " pathEditMode="relative" rAng="0" ptsTypes="AA">
-                                      <p:cBhvr>
-                                        <p:cTn id="45" dur="700" spd="-100000" fill="hold"/>
-                                        <p:tgtEl>
-                                          <p:spTgt spid="29"/>
-                                        </p:tgtEl>
-                                        <p:attrNameLst>
-                                          <p:attrName>ppt_x</p:attrName>
-                                          <p:attrName>ppt_y</p:attrName>
-                                        </p:attrNameLst>
-                                      </p:cBhvr>
-                                      <p:rCtr x="0" y="46"/>
-                                    </p:animMotion>
-                                  </p:childTnLst>
-                                </p:cTn>
-                              </p:par>
-                              <p:par>
-                                <p:cTn id="46" presetID="42" presetClass="path" presetSubtype="0" accel="50000" decel="50000" fill="hold" grpId="0" nodeType="withEffect">
-                                  <p:stCondLst>
-                                    <p:cond delay="0"/>
-                                  </p:stCondLst>
-                                  <p:childTnLst>
-                                    <p:animMotion origin="layout" path="M -2.77778E-6 3.7037E-6 L -2.77778E-6 0.11157 " pathEditMode="relative" rAng="0" ptsTypes="AA">
-                                      <p:cBhvr>
-                                        <p:cTn id="47" dur="700" spd="-100000" fill="hold"/>
-                                        <p:tgtEl>
-                                          <p:spTgt spid="31"/>
-                                        </p:tgtEl>
-                                        <p:attrNameLst>
-                                          <p:attrName>ppt_x</p:attrName>
-                                          <p:attrName>ppt_y</p:attrName>
-                                        </p:attrNameLst>
-                                      </p:cBhvr>
-                                      <p:rCtr x="0" y="56"/>
-                                    </p:animMotion>
-                                  </p:childTnLst>
-                                </p:cTn>
-                              </p:par>
-                              <p:par>
-                                <p:cTn id="48" presetID="42" presetClass="path" presetSubtype="0" accel="50000" decel="50000" fill="hold" grpId="0" nodeType="withEffect">
-                                  <p:stCondLst>
-                                    <p:cond delay="0"/>
-                                  </p:stCondLst>
-                                  <p:childTnLst>
-                                    <p:animMotion origin="layout" path="M 5.55556E-7 4.81481E-6 L 5.55556E-7 0.09143 " pathEditMode="relative" rAng="0" ptsTypes="AA">
-                                      <p:cBhvr>
-                                        <p:cTn id="49" dur="700" spd="-100000" fill="hold"/>
-                                        <p:tgtEl>
-                                          <p:spTgt spid="33"/>
-                                        </p:tgtEl>
-                                        <p:attrNameLst>
-                                          <p:attrName>ppt_x</p:attrName>
-                                          <p:attrName>ppt_y</p:attrName>
-                                        </p:attrNameLst>
-                                      </p:cBhvr>
-                                      <p:rCtr x="0" y="46"/>
-                                    </p:animMotion>
-                                  </p:childTnLst>
-                                </p:cTn>
-                              </p:par>
-                              <p:par>
-                                <p:cTn id="50" presetID="64" presetClass="path" presetSubtype="0" accel="50000" decel="50000" fill="hold" grpId="0" nodeType="withEffect">
-                                  <p:stCondLst>
-                                    <p:cond delay="0"/>
-                                  </p:stCondLst>
-                                  <p:childTnLst>
-                                    <p:animMotion origin="layout" path="M 4.72222E-6 3.33333E-6 L 4.72222E-6 -0.10764 " pathEditMode="relative" rAng="0" ptsTypes="AA">
-                                      <p:cBhvr>
-                                        <p:cTn id="51" dur="700" spd="-100000" fill="hold"/>
-                                        <p:tgtEl>
-                                          <p:spTgt spid="26"/>
-                                        </p:tgtEl>
-                                        <p:attrNameLst>
-                                          <p:attrName>ppt_x</p:attrName>
-                                          <p:attrName>ppt_y</p:attrName>
-                                        </p:attrNameLst>
-                                      </p:cBhvr>
-                                      <p:rCtr x="0" y="-54"/>
-                                    </p:animMotion>
-                                  </p:childTnLst>
-                                </p:cTn>
-                              </p:par>
-                              <p:par>
-                                <p:cTn id="52" presetID="64" presetClass="path" presetSubtype="0" accel="50000" decel="50000" fill="hold" grpId="0" nodeType="withEffect">
-                                  <p:stCondLst>
-                                    <p:cond delay="0"/>
-                                  </p:stCondLst>
-                                  <p:childTnLst>
-                                    <p:animMotion origin="layout" path="M 4.44444E-6 3.33333E-6 L 4.44444E-6 -0.10764 " pathEditMode="relative" rAng="0" ptsTypes="AA">
-                                      <p:cBhvr>
-                                        <p:cTn id="53" dur="700" spd="-100000" fill="hold"/>
-                                        <p:tgtEl>
-                                          <p:spTgt spid="28"/>
-                                        </p:tgtEl>
-                                        <p:attrNameLst>
-                                          <p:attrName>ppt_x</p:attrName>
-                                          <p:attrName>ppt_y</p:attrName>
-                                        </p:attrNameLst>
-                                      </p:cBhvr>
-                                      <p:rCtr x="0" y="-54"/>
-                                    </p:animMotion>
-                                  </p:childTnLst>
-                                </p:cTn>
-                              </p:par>
-                              <p:par>
-                                <p:cTn id="54" presetID="64" presetClass="path" presetSubtype="0" accel="50000" decel="50000" fill="hold" grpId="0" nodeType="withEffect">
-                                  <p:stCondLst>
-                                    <p:cond delay="0"/>
-                                  </p:stCondLst>
-                                  <p:childTnLst>
-                                    <p:animMotion origin="layout" path="M -2.22222E-6 3.33333E-6 L -2.22222E-6 -0.10764 " pathEditMode="relative" rAng="0" ptsTypes="AA">
-                                      <p:cBhvr>
-                                        <p:cTn id="55" dur="700" spd="-100000" fill="hold"/>
-                                        <p:tgtEl>
-                                          <p:spTgt spid="30"/>
-                                        </p:tgtEl>
-                                        <p:attrNameLst>
-                                          <p:attrName>ppt_x</p:attrName>
-                                          <p:attrName>ppt_y</p:attrName>
-                                        </p:attrNameLst>
-                                      </p:cBhvr>
-                                      <p:rCtr x="0" y="-54"/>
-                                    </p:animMotion>
-                                  </p:childTnLst>
-                                </p:cTn>
-                              </p:par>
-                              <p:par>
-                                <p:cTn id="56" presetID="64" presetClass="path" presetSubtype="0" accel="50000" decel="50000" fill="hold" grpId="0" nodeType="withEffect">
-                                  <p:stCondLst>
-                                    <p:cond delay="0"/>
-                                  </p:stCondLst>
-                                  <p:childTnLst>
-                                    <p:animMotion origin="layout" path="M 1.11111E-6 3.33333E-6 L 1.11111E-6 -0.10764 " pathEditMode="relative" rAng="0" ptsTypes="AA">
-                                      <p:cBhvr>
-                                        <p:cTn id="57" dur="700" spd="-100000" fill="hold"/>
-                                        <p:tgtEl>
-                                          <p:spTgt spid="32"/>
-                                        </p:tgtEl>
-                                        <p:attrNameLst>
-                                          <p:attrName>ppt_x</p:attrName>
-                                          <p:attrName>ppt_y</p:attrName>
-                                        </p:attrNameLst>
-                                      </p:cBhvr>
-                                      <p:rCtr x="0" y="-54"/>
-                                    </p:animMotion>
-                                  </p:childTnLst>
-                                </p:cTn>
-                              </p:par>
-                            </p:childTnLst>
-                          </p:cTn>
-                        </p:par>
-                        <p:par>
-                          <p:cTn id="58" fill="hold">
-                            <p:stCondLst>
-                              <p:cond delay="2900"/>
-                            </p:stCondLst>
-                            <p:childTnLst>
-                              <p:par>
-                                <p:cTn id="59" presetID="10" presetClass="entr" presetSubtype="0" fill="hold" grpId="0" nodeType="afterEffect">
-                                  <p:stCondLst>
-                                    <p:cond delay="0"/>
-                                  </p:stCondLst>
-                                  <p:childTnLst>
-                                    <p:set>
-                                      <p:cBhvr>
-                                        <p:cTn id="60" dur="1" fill="hold">
-                                          <p:stCondLst>
-                                            <p:cond delay="0"/>
-                                          </p:stCondLst>
-                                        </p:cTn>
-                                        <p:tgtEl>
-                                          <p:spTgt spid="22"/>
-                                        </p:tgtEl>
-                                        <p:attrNameLst>
-                                          <p:attrName>style.visibility</p:attrName>
-                                        </p:attrNameLst>
-                                      </p:cBhvr>
-                                      <p:to>
-                                        <p:strVal val="visible"/>
-                                      </p:to>
-                                    </p:set>
-                                    <p:animEffect transition="in" filter="fade">
-                                      <p:cBhvr>
-                                        <p:cTn id="61" dur="700"/>
-                                        <p:tgtEl>
-                                          <p:spTgt spid="22"/>
-                                        </p:tgtEl>
-                                      </p:cBhvr>
-                                    </p:animEffect>
-                                  </p:childTnLst>
-                                </p:cTn>
-                              </p:par>
-                              <p:par>
-                                <p:cTn id="62" presetID="10" presetClass="entr" presetSubtype="0" fill="hold" grpId="0" nodeType="withEffect">
-                                  <p:stCondLst>
-                                    <p:cond delay="100"/>
-                                  </p:stCondLst>
-                                  <p:childTnLst>
-                                    <p:set>
-                                      <p:cBhvr>
-                                        <p:cTn id="63" dur="1" fill="hold">
-                                          <p:stCondLst>
-                                            <p:cond delay="0"/>
-                                          </p:stCondLst>
-                                        </p:cTn>
-                                        <p:tgtEl>
-                                          <p:spTgt spid="20"/>
-                                        </p:tgtEl>
-                                        <p:attrNameLst>
-                                          <p:attrName>style.visibility</p:attrName>
-                                        </p:attrNameLst>
-                                      </p:cBhvr>
-                                      <p:to>
-                                        <p:strVal val="visible"/>
-                                      </p:to>
-                                    </p:set>
-                                    <p:animEffect transition="in" filter="fade">
-                                      <p:cBhvr>
-                                        <p:cTn id="64" dur="700"/>
-                                        <p:tgtEl>
-                                          <p:spTgt spid="20"/>
-                                        </p:tgtEl>
-                                      </p:cBhvr>
-                                    </p:animEffect>
-                                  </p:childTnLst>
-                                </p:cTn>
-                              </p:par>
-                              <p:par>
-                                <p:cTn id="65" presetID="10" presetClass="entr" presetSubtype="0" fill="hold" grpId="0" nodeType="withEffect">
-                                  <p:stCondLst>
-                                    <p:cond delay="200"/>
-                                  </p:stCondLst>
-                                  <p:childTnLst>
-                                    <p:set>
-                                      <p:cBhvr>
-                                        <p:cTn id="66" dur="1" fill="hold">
-                                          <p:stCondLst>
-                                            <p:cond delay="0"/>
-                                          </p:stCondLst>
-                                        </p:cTn>
-                                        <p:tgtEl>
-                                          <p:spTgt spid="24"/>
-                                        </p:tgtEl>
-                                        <p:attrNameLst>
-                                          <p:attrName>style.visibility</p:attrName>
-                                        </p:attrNameLst>
-                                      </p:cBhvr>
-                                      <p:to>
-                                        <p:strVal val="visible"/>
-                                      </p:to>
-                                    </p:set>
-                                    <p:animEffect transition="in" filter="fade">
-                                      <p:cBhvr>
-                                        <p:cTn id="67" dur="700"/>
-                                        <p:tgtEl>
-                                          <p:spTgt spid="24"/>
-                                        </p:tgtEl>
-                                      </p:cBhvr>
-                                    </p:animEffect>
-                                  </p:childTnLst>
-                                </p:cTn>
-                              </p:par>
-                              <p:par>
-                                <p:cTn id="68" presetID="10" presetClass="entr" presetSubtype="0" fill="hold" grpId="0" nodeType="withEffect">
-                                  <p:stCondLst>
-                                    <p:cond delay="300"/>
-                                  </p:stCondLst>
-                                  <p:childTnLst>
-                                    <p:set>
-                                      <p:cBhvr>
-                                        <p:cTn id="69" dur="1" fill="hold">
-                                          <p:stCondLst>
-                                            <p:cond delay="0"/>
-                                          </p:stCondLst>
-                                        </p:cTn>
-                                        <p:tgtEl>
-                                          <p:spTgt spid="21"/>
-                                        </p:tgtEl>
-                                        <p:attrNameLst>
-                                          <p:attrName>style.visibility</p:attrName>
-                                        </p:attrNameLst>
-                                      </p:cBhvr>
-                                      <p:to>
-                                        <p:strVal val="visible"/>
-                                      </p:to>
-                                    </p:set>
-                                    <p:animEffect transition="in" filter="fade">
-                                      <p:cBhvr>
-                                        <p:cTn id="70" dur="700"/>
-                                        <p:tgtEl>
-                                          <p:spTgt spid="21"/>
-                                        </p:tgtEl>
-                                      </p:cBhvr>
-                                    </p:animEffect>
-                                  </p:childTnLst>
-                                </p:cTn>
-                              </p:par>
-                              <p:par>
-                                <p:cTn id="71" presetID="10" presetClass="entr" presetSubtype="0" fill="hold" grpId="0" nodeType="withEffect">
-                                  <p:stCondLst>
-                                    <p:cond delay="400"/>
-                                  </p:stCondLst>
-                                  <p:childTnLst>
-                                    <p:set>
-                                      <p:cBhvr>
-                                        <p:cTn id="72" dur="1" fill="hold">
-                                          <p:stCondLst>
-                                            <p:cond delay="0"/>
-                                          </p:stCondLst>
-                                        </p:cTn>
-                                        <p:tgtEl>
-                                          <p:spTgt spid="23"/>
-                                        </p:tgtEl>
-                                        <p:attrNameLst>
-                                          <p:attrName>style.visibility</p:attrName>
-                                        </p:attrNameLst>
-                                      </p:cBhvr>
-                                      <p:to>
-                                        <p:strVal val="visible"/>
-                                      </p:to>
-                                    </p:set>
-                                    <p:animEffect transition="in" filter="fade">
-                                      <p:cBhvr>
-                                        <p:cTn id="73" dur="700"/>
-                                        <p:tgtEl>
-                                          <p:spTgt spid="23"/>
-                                        </p:tgtEl>
-                                      </p:cBhvr>
-                                    </p:animEffect>
-                                  </p:childTnLst>
-                                </p:cTn>
-                              </p:par>
-                            </p:childTnLst>
-                          </p:cTn>
-                        </p:par>
-                      </p:childTnLst>
-                    </p:cTn>
-                  </p:par>
-                </p:childTnLst>
-              </p:cTn>
-              <p:prevCondLst>
-                <p:cond evt="onPrev" delay="0">
-                  <p:tgtEl>
-                    <p:sldTgt/>
-                  </p:tgtEl>
-                </p:cond>
-              </p:prevCondLst>
-              <p:nextCondLst>
-                <p:cond evt="onNext" delay="0">
-                  <p:tgtEl>
-                    <p:sldTgt/>
-                  </p:tgtEl>
-                </p:cond>
-              </p:nextCondLst>
-            </p:seq>
-          </p:childTnLst>
-        </p:cTn>
-      </p:par>
-    </p:tnLst>
-    <p:bldLst>
-      <p:bldP spid="20" grpId="0" animBg="1"/>
-      <p:bldP spid="21" grpId="0" animBg="1"/>
-      <p:bldP spid="22" grpId="0" animBg="1"/>
-      <p:bldP spid="23" grpId="0" animBg="1"/>
-      <p:bldP spid="24" grpId="0" animBg="1"/>
-      <p:bldP spid="25" grpId="0" animBg="1"/>
-      <p:bldP spid="25" grpId="1" animBg="1"/>
-      <p:bldP spid="26" grpId="0" animBg="1"/>
-      <p:bldP spid="26" grpId="1" animBg="1"/>
-      <p:bldP spid="27" grpId="0" animBg="1"/>
-      <p:bldP spid="27" grpId="1" animBg="1"/>
-      <p:bldP spid="28" grpId="0" animBg="1"/>
-      <p:bldP spid="28" grpId="1" animBg="1"/>
-      <p:bldP spid="29" grpId="0" animBg="1"/>
-      <p:bldP spid="29" grpId="1" animBg="1"/>
-      <p:bldP spid="30" grpId="0" animBg="1"/>
-      <p:bldP spid="30" grpId="1" animBg="1"/>
-      <p:bldP spid="31" grpId="0" animBg="1"/>
-      <p:bldP spid="31" grpId="1" animBg="1"/>
-      <p:bldP spid="32" grpId="0" animBg="1"/>
-      <p:bldP spid="32" grpId="1" animBg="1"/>
-      <p:bldP spid="33" grpId="0" animBg="1"/>
-      <p:bldP spid="33" grpId="1" animBg="1"/>
-      <p:bldP spid="34" grpId="0"/>
-    </p:bldLst>
-  </p:timing>
-</p:sldLayout>
-</file>
-
 <file path=ppt/slideLayouts/slideLayout2.xml><?xml version="1.0" encoding="utf-8"?>
 <p:sldLayout xmlns:a="http://schemas.openxmlformats.org/drawingml/2006/main" xmlns:r="http://schemas.openxmlformats.org/officeDocument/2006/relationships" xmlns:p="http://schemas.openxmlformats.org/presentationml/2006/main" type="obj" preserve="1">
   <p:cSld name="Title and Content">
@@ -10557,7 +4874,7 @@
             <a:fld id="{1D8BD707-D9CF-40AE-B4C6-C98DA3205C09}" type="datetimeFigureOut">
               <a:rPr lang="en-US" smtClean="0"/>
               <a:pPr/>
-              <a:t>5/22/2014</a:t>
+              <a:t>5/23/2014</a:t>
             </a:fld>
             <a:endParaRPr lang="en-US"/>
           </a:p>
@@ -10800,7 +5117,7 @@
             <a:fld id="{1D8BD707-D9CF-40AE-B4C6-C98DA3205C09}" type="datetimeFigureOut">
               <a:rPr lang="en-US" smtClean="0"/>
               <a:pPr/>
-              <a:t>5/22/2014</a:t>
+              <a:t>5/23/2014</a:t>
             </a:fld>
             <a:endParaRPr lang="en-US"/>
           </a:p>
@@ -11085,7 +5402,7 @@
             <a:fld id="{1D8BD707-D9CF-40AE-B4C6-C98DA3205C09}" type="datetimeFigureOut">
               <a:rPr lang="en-US" smtClean="0"/>
               <a:pPr/>
-              <a:t>5/22/2014</a:t>
+              <a:t>5/23/2014</a:t>
             </a:fld>
             <a:endParaRPr lang="en-US"/>
           </a:p>
@@ -11504,7 +5821,7 @@
             <a:fld id="{1D8BD707-D9CF-40AE-B4C6-C98DA3205C09}" type="datetimeFigureOut">
               <a:rPr lang="en-US" smtClean="0"/>
               <a:pPr/>
-              <a:t>5/22/2014</a:t>
+              <a:t>5/23/2014</a:t>
             </a:fld>
             <a:endParaRPr lang="en-US"/>
           </a:p>
@@ -11619,7 +5936,7 @@
             <a:fld id="{1D8BD707-D9CF-40AE-B4C6-C98DA3205C09}" type="datetimeFigureOut">
               <a:rPr lang="en-US" smtClean="0"/>
               <a:pPr/>
-              <a:t>5/22/2014</a:t>
+              <a:t>5/23/2014</a:t>
             </a:fld>
             <a:endParaRPr lang="en-US"/>
           </a:p>
@@ -11711,7 +6028,7 @@
             <a:fld id="{1D8BD707-D9CF-40AE-B4C6-C98DA3205C09}" type="datetimeFigureOut">
               <a:rPr lang="en-US" smtClean="0"/>
               <a:pPr/>
-              <a:t>5/22/2014</a:t>
+              <a:t>5/23/2014</a:t>
             </a:fld>
             <a:endParaRPr lang="en-US"/>
           </a:p>
@@ -11985,7 +6302,7 @@
             <a:fld id="{1D8BD707-D9CF-40AE-B4C6-C98DA3205C09}" type="datetimeFigureOut">
               <a:rPr lang="en-US" smtClean="0"/>
               <a:pPr/>
-              <a:t>5/22/2014</a:t>
+              <a:t>5/23/2014</a:t>
             </a:fld>
             <a:endParaRPr lang="en-US"/>
           </a:p>
@@ -12235,7 +6552,7 @@
             <a:fld id="{1D8BD707-D9CF-40AE-B4C6-C98DA3205C09}" type="datetimeFigureOut">
               <a:rPr lang="en-US" smtClean="0"/>
               <a:pPr/>
-              <a:t>5/22/2014</a:t>
+              <a:t>5/23/2014</a:t>
             </a:fld>
             <a:endParaRPr lang="en-US"/>
           </a:p>
@@ -12445,7 +6762,7 @@
             <a:fld id="{1D8BD707-D9CF-40AE-B4C6-C98DA3205C09}" type="datetimeFigureOut">
               <a:rPr lang="en-US" smtClean="0"/>
               <a:pPr/>
-              <a:t>5/22/2014</a:t>
+              <a:t>5/23/2014</a:t>
             </a:fld>
             <a:endParaRPr lang="en-US"/>
           </a:p>
@@ -12547,7 +6864,6 @@
     <p:sldLayoutId id="2147483659" r:id="rId11"/>
     <p:sldLayoutId id="2147483660" r:id="rId12"/>
     <p:sldLayoutId id="2147483661" r:id="rId13"/>
-    <p:sldLayoutId id="2147483662" r:id="rId14"/>
   </p:sldLayoutIdLst>
   <p:txStyles>
     <p:titleStyle>
@@ -12836,7 +7152,15 @@
           <a:p>
             <a:r>
               <a:rPr lang="en-US" sz="4400" dirty="0" smtClean="0"/>
-              <a:t>OPUS optimization for x86</a:t>
+              <a:t>OPUS optimization for </a:t>
+            </a:r>
+            <a:r>
+              <a:rPr lang="en-US" sz="4400" dirty="0" err="1" smtClean="0"/>
+              <a:t>x86</a:t>
+            </a:r>
+            <a:r>
+              <a:rPr lang="en-US" sz="4400" dirty="0" smtClean="0"/>
+              <a:t>/fixed point</a:t>
             </a:r>
             <a:endParaRPr lang="en-US" sz="4400" dirty="0"/>
           </a:p>
@@ -12863,14 +7187,10 @@
           <a:lstStyle/>
           <a:p>
             <a:r>
-              <a:rPr lang="en-US" smtClean="0"/>
-              <a:t>May </a:t>
-            </a:r>
-            <a:r>
-              <a:rPr lang="en-US" smtClean="0"/>
-              <a:t>2014</a:t>
-            </a:r>
-            <a:endParaRPr lang="en-US" dirty="0" smtClean="0"/>
+              <a:rPr lang="en-US" dirty="0" smtClean="0"/>
+              <a:t>May 2014</a:t>
+            </a:r>
+            <a:endParaRPr lang="en-US" dirty="0"/>
           </a:p>
         </p:txBody>
       </p:sp>
@@ -12886,46 +7206,6 @@
   </p:clrMapOvr>
   <p:transition>
     <p:wipe dir="r"/>
-  </p:transition>
-  <p:timing>
-    <p:tnLst>
-      <p:par>
-        <p:cTn id="1" dur="indefinite" restart="never" nodeType="tmRoot"/>
-      </p:par>
-    </p:tnLst>
-  </p:timing>
-</p:sld>
-</file>
-
-<file path=ppt/slides/slide10.xml><?xml version="1.0" encoding="utf-8"?>
-<p:sld xmlns:a="http://schemas.openxmlformats.org/drawingml/2006/main" xmlns:r="http://schemas.openxmlformats.org/officeDocument/2006/relationships" xmlns:p="http://schemas.openxmlformats.org/presentationml/2006/main">
-  <p:cSld>
-    <p:spTree>
-      <p:nvGrpSpPr>
-        <p:cNvPr id="1" name=""/>
-        <p:cNvGrpSpPr/>
-        <p:nvPr/>
-      </p:nvGrpSpPr>
-      <p:grpSpPr>
-        <a:xfrm>
-          <a:off x="0" y="0"/>
-          <a:ext cx="0" cy="0"/>
-          <a:chOff x="0" y="0"/>
-          <a:chExt cx="0" cy="0"/>
-        </a:xfrm>
-      </p:grpSpPr>
-    </p:spTree>
-    <p:extLst>
-      <p:ext uri="{BB962C8B-B14F-4D97-AF65-F5344CB8AC3E}">
-        <p14:creationId xmlns:p14="http://schemas.microsoft.com/office/powerpoint/2010/main" val="1363929262"/>
-      </p:ext>
-    </p:extLst>
-  </p:cSld>
-  <p:clrMapOvr>
-    <a:masterClrMapping/>
-  </p:clrMapOvr>
-  <p:transition>
-    <p:fade/>
   </p:transition>
   <p:timing>
     <p:tnLst>
@@ -13042,15 +7322,24 @@
           </a:p>
           <a:p>
             <a:pPr>
+              <a:buFont typeface="Arial" pitchFamily="34" charset="0"/>
               <a:buAutoNum type="arabicPeriod"/>
             </a:pPr>
             <a:r>
+              <a:rPr lang="en-US" altLang="zh-CN" sz="2400" dirty="0">
+                <a:solidFill>
+                  <a:srgbClr val="000000"/>
+                </a:solidFill>
+              </a:rPr>
+              <a:t>Optimization Function </a:t>
+            </a:r>
+            <a:r>
               <a:rPr lang="en-US" altLang="zh-CN" sz="2400" dirty="0" smtClean="0">
                 <a:solidFill>
                   <a:srgbClr val="000000"/>
                 </a:solidFill>
               </a:rPr>
-              <a:t>Optimization Function dispatcher</a:t>
+              <a:t>dispatcher</a:t>
             </a:r>
           </a:p>
           <a:p>
@@ -13194,7 +7483,7 @@
                   <a:srgbClr val="000000"/>
                 </a:solidFill>
               </a:rPr>
-              <a:t> </a:t>
+              <a:t>./</a:t>
             </a:r>
             <a:r>
               <a:rPr lang="en-US" altLang="zh-CN" sz="2400" dirty="0">
@@ -13202,19 +7491,27 @@
                   <a:srgbClr val="000000"/>
                 </a:solidFill>
               </a:rPr>
-              <a:t>./configure --enable-fixed-point --enable-</a:t>
+              <a:t>configure --enable-fixed-point </a:t>
+            </a:r>
+            <a:r>
+              <a:rPr lang="en-US" altLang="zh-CN" sz="2400" dirty="0">
+                <a:solidFill>
+                  <a:srgbClr val="FF0000"/>
+                </a:solidFill>
+              </a:rPr>
+              <a:t>--enable-</a:t>
             </a:r>
             <a:r>
               <a:rPr lang="en-US" altLang="zh-CN" sz="2400" dirty="0" err="1">
                 <a:solidFill>
-                  <a:srgbClr val="000000"/>
+                  <a:srgbClr val="FF0000"/>
                 </a:solidFill>
               </a:rPr>
               <a:t>intrinsics</a:t>
             </a:r>
             <a:endParaRPr lang="en-US" altLang="zh-CN" sz="2400" dirty="0" smtClean="0">
               <a:solidFill>
-                <a:srgbClr val="000000"/>
+                <a:srgbClr val="FF0000"/>
               </a:solidFill>
             </a:endParaRPr>
           </a:p>
@@ -13398,11 +7695,6 @@
             </a:r>
           </a:p>
           <a:p>
-            <a:pPr marL="285750" indent="-285750">
-              <a:buBlip>
-                <a:blip r:embed="rId3"/>
-              </a:buBlip>
-            </a:pPr>
             <a:r>
               <a:rPr lang="en-US" altLang="zh-CN" sz="1600" i="1" dirty="0" smtClean="0">
                 <a:solidFill>
@@ -13441,53 +7733,50 @@
                   <a:srgbClr val="000000"/>
                 </a:solidFill>
               </a:rPr>
-              <a:t>disable; </a:t>
-            </a:r>
-          </a:p>
-          <a:p>
-            <a:pPr marL="285750" indent="-285750">
-              <a:buBlip>
-                <a:blip r:embed="rId3"/>
-              </a:buBlip>
-            </a:pPr>
+              <a:t>disabled </a:t>
+            </a:r>
+          </a:p>
+          <a:p>
             <a:r>
               <a:rPr lang="en-US" altLang="zh-CN" sz="1600" i="1" dirty="0" smtClean="0">
                 <a:solidFill>
                   <a:srgbClr val="000000"/>
                 </a:solidFill>
               </a:rPr>
-              <a:t>Some optimization for C code level;</a:t>
-            </a:r>
-          </a:p>
-          <a:p>
-            <a:pPr marL="285750" indent="-285750">
-              <a:buBlip>
-                <a:blip r:embed="rId3"/>
-              </a:buBlip>
-            </a:pPr>
+              <a:t>Some optimization </a:t>
+            </a:r>
+            <a:r>
+              <a:rPr lang="en-US" altLang="zh-CN" sz="1600" i="1" dirty="0">
+                <a:solidFill>
+                  <a:srgbClr val="000000"/>
+                </a:solidFill>
+              </a:rPr>
+              <a:t>for C code level</a:t>
+            </a:r>
+            <a:endParaRPr lang="en-US" altLang="zh-CN" sz="1600" i="1" dirty="0" smtClean="0">
+              <a:solidFill>
+                <a:srgbClr val="000000"/>
+              </a:solidFill>
+            </a:endParaRPr>
+          </a:p>
+          <a:p>
             <a:r>
               <a:rPr lang="en-US" altLang="zh-CN" sz="1600" i="1" dirty="0" smtClean="0">
                 <a:solidFill>
                   <a:srgbClr val="000000"/>
                 </a:solidFill>
               </a:rPr>
-              <a:t>Optimization only for x86 platform;</a:t>
-            </a:r>
-          </a:p>
-          <a:p>
-            <a:pPr marL="285750" indent="-285750">
-              <a:buFont typeface="Arial" pitchFamily="34" charset="0"/>
-              <a:buBlip>
-                <a:blip r:embed="rId3"/>
-              </a:buBlip>
-            </a:pPr>
+              <a:t>Optimization only for x86 platform</a:t>
+            </a:r>
+          </a:p>
+          <a:p>
             <a:r>
               <a:rPr lang="en-US" altLang="zh-CN" sz="1600" i="1" dirty="0" smtClean="0">
                 <a:solidFill>
                   <a:srgbClr val="000000"/>
                 </a:solidFill>
               </a:rPr>
-              <a:t>Optimization only for fix point;</a:t>
+              <a:t>Optimization only for fixed point</a:t>
             </a:r>
           </a:p>
         </p:txBody>
@@ -13564,7 +7853,7 @@
           <p:nvPr>
             <p:extLst>
               <p:ext uri="{D42A27DB-BD31-4B8C-83A1-F6EECF244321}">
-                <p14:modId xmlns:p14="http://schemas.microsoft.com/office/powerpoint/2010/main" val="2068886009"/>
+                <p14:modId xmlns:p14="http://schemas.microsoft.com/office/powerpoint/2010/main" val="4030257074"/>
               </p:ext>
             </p:extLst>
           </p:nvPr>
@@ -13607,7 +7896,11 @@
                     <a:p>
                       <a:pPr algn="ctr"/>
                       <a:r>
-                        <a:rPr lang="en-US" altLang="zh-CN" dirty="0" smtClean="0"/>
+                        <a:rPr lang="en-US" altLang="zh-CN" dirty="0" smtClean="0">
+                          <a:solidFill>
+                            <a:srgbClr val="FFFF00"/>
+                          </a:solidFill>
+                        </a:rPr>
                         <a:t>Encode</a:t>
                       </a:r>
                       <a:r>
@@ -13739,15 +8032,7 @@
                       <a:pPr algn="ctr"/>
                       <a:r>
                         <a:rPr lang="en-US" altLang="zh-CN" dirty="0" smtClean="0"/>
-                        <a:t>41.4</a:t>
-                      </a:r>
-                      <a:r>
-                        <a:rPr lang="en-US" altLang="zh-CN" smtClean="0"/>
-                        <a:t>%(78.23us</a:t>
-                      </a:r>
-                      <a:r>
-                        <a:rPr lang="en-US" altLang="zh-CN" dirty="0" smtClean="0"/>
-                        <a:t>)</a:t>
+                        <a:t>41.4%(78.23us)</a:t>
                       </a:r>
                       <a:endParaRPr lang="zh-CN" altLang="en-US" dirty="0"/>
                     </a:p>
@@ -13933,7 +8218,7 @@
                   <a:srgbClr val="000000"/>
                 </a:solidFill>
               </a:rPr>
-              <a:t>Test physical machine parameter:</a:t>
+              <a:t>Host machine for testing:</a:t>
             </a:r>
             <a:endParaRPr lang="en-US" altLang="zh-CN" sz="1400" i="1" dirty="0">
               <a:solidFill>
@@ -13946,8 +8231,6 @@
               <a:spcBef>
                 <a:spcPts val="900"/>
               </a:spcBef>
-              <a:buFont typeface="Wingdings" panose="05000000000000000000" pitchFamily="2" charset="2"/>
-              <a:buChar char="ü"/>
             </a:pPr>
             <a:r>
               <a:rPr lang="en-US" altLang="zh-CN" sz="1400" i="1" dirty="0" smtClean="0">
@@ -13963,8 +8246,6 @@
               <a:spcBef>
                 <a:spcPts val="900"/>
               </a:spcBef>
-              <a:buFont typeface="Wingdings" panose="05000000000000000000" pitchFamily="2" charset="2"/>
-              <a:buChar char="ü"/>
             </a:pPr>
             <a:r>
               <a:rPr lang="en-US" altLang="zh-CN" sz="1400" i="1" dirty="0" smtClean="0">
@@ -13972,16 +8253,51 @@
                   <a:srgbClr val="000000"/>
                 </a:solidFill>
               </a:rPr>
-              <a:t>CPU 2.4GHz</a:t>
-            </a:r>
+              <a:t>CPU </a:t>
+            </a:r>
+            <a:r>
+              <a:rPr lang="en-US" altLang="zh-CN" sz="1400" i="1" dirty="0">
+                <a:solidFill>
+                  <a:srgbClr val="000000"/>
+                </a:solidFill>
+              </a:rPr>
+              <a:t>Xeon </a:t>
+            </a:r>
+            <a:r>
+              <a:rPr lang="en-US" altLang="zh-CN" sz="1400" i="1" dirty="0" err="1" smtClean="0">
+                <a:solidFill>
+                  <a:srgbClr val="000000"/>
+                </a:solidFill>
+              </a:rPr>
+              <a:t>E5620</a:t>
+            </a:r>
+            <a:r>
+              <a:rPr lang="en-US" altLang="zh-CN" sz="1400" i="1" dirty="0" smtClean="0">
+                <a:solidFill>
+                  <a:srgbClr val="000000"/>
+                </a:solidFill>
+              </a:rPr>
+              <a:t> @ </a:t>
+            </a:r>
+            <a:r>
+              <a:rPr lang="en-US" altLang="zh-CN" sz="1400" i="1" dirty="0" err="1" smtClean="0">
+                <a:solidFill>
+                  <a:srgbClr val="000000"/>
+                </a:solidFill>
+              </a:rPr>
+              <a:t>2.4GHz</a:t>
+            </a:r>
+            <a:endParaRPr lang="en-US" altLang="zh-CN" sz="1400" i="1" dirty="0" smtClean="0">
+              <a:solidFill>
+                <a:srgbClr val="000000"/>
+              </a:solidFill>
+            </a:endParaRPr>
           </a:p>
           <a:p>
             <a:pPr>
               <a:spcBef>
                 <a:spcPts val="900"/>
               </a:spcBef>
-              <a:buFont typeface="Wingdings" panose="05000000000000000000" pitchFamily="2" charset="2"/>
-              <a:buChar char="ü"/>
             </a:pPr>
             <a:r>
               <a:rPr lang="en-US" altLang="zh-CN" sz="1400" i="1" dirty="0" smtClean="0">
@@ -13989,7 +8305,7 @@
                   <a:srgbClr val="000000"/>
                 </a:solidFill>
               </a:rPr>
-              <a:t>Memory 3GB</a:t>
+              <a:t>Physical machine</a:t>
             </a:r>
           </a:p>
         </p:txBody>
@@ -14184,8 +8500,6 @@
               <a:spcBef>
                 <a:spcPts val="900"/>
               </a:spcBef>
-              <a:buFont typeface="Wingdings" panose="05000000000000000000" pitchFamily="2" charset="2"/>
-              <a:buChar char="ü"/>
             </a:pPr>
             <a:r>
               <a:rPr lang="en-US" altLang="zh-CN" sz="1400" i="1" dirty="0" smtClean="0">
@@ -14206,8 +8520,6 @@
               <a:spcBef>
                 <a:spcPts val="900"/>
               </a:spcBef>
-              <a:buFont typeface="Wingdings" panose="05000000000000000000" pitchFamily="2" charset="2"/>
-              <a:buChar char="ü"/>
             </a:pPr>
             <a:r>
               <a:rPr lang="en-US" altLang="zh-CN" sz="1400" i="1" dirty="0" smtClean="0">
@@ -14223,8 +8535,6 @@
               <a:spcBef>
                 <a:spcPts val="900"/>
               </a:spcBef>
-              <a:buFont typeface="Wingdings" panose="05000000000000000000" pitchFamily="2" charset="2"/>
-              <a:buChar char="ü"/>
             </a:pPr>
             <a:r>
               <a:rPr lang="en-US" altLang="zh-CN" sz="1400" i="1" dirty="0" smtClean="0">
@@ -14240,8 +8550,6 @@
               <a:spcBef>
                 <a:spcPts val="900"/>
               </a:spcBef>
-              <a:buFont typeface="Wingdings" panose="05000000000000000000" pitchFamily="2" charset="2"/>
-              <a:buChar char="ü"/>
             </a:pPr>
             <a:r>
               <a:rPr lang="en-US" altLang="zh-CN" sz="1400" i="1" dirty="0" smtClean="0">
@@ -14257,8 +8565,6 @@
               <a:spcBef>
                 <a:spcPts val="900"/>
               </a:spcBef>
-              <a:buFont typeface="Wingdings" panose="05000000000000000000" pitchFamily="2" charset="2"/>
-              <a:buChar char="ü"/>
             </a:pPr>
             <a:r>
               <a:rPr lang="en-US" altLang="zh-CN" sz="1400" i="1" dirty="0" smtClean="0">
@@ -14274,8 +8580,6 @@
               <a:spcBef>
                 <a:spcPts val="900"/>
               </a:spcBef>
-              <a:buFont typeface="Wingdings" panose="05000000000000000000" pitchFamily="2" charset="2"/>
-              <a:buChar char="ü"/>
             </a:pPr>
             <a:r>
               <a:rPr lang="en-US" altLang="zh-CN" sz="1400" i="1" dirty="0" smtClean="0">
@@ -14291,8 +8595,6 @@
               <a:spcBef>
                 <a:spcPts val="900"/>
               </a:spcBef>
-              <a:buFont typeface="Wingdings" panose="05000000000000000000" pitchFamily="2" charset="2"/>
-              <a:buChar char="ü"/>
             </a:pPr>
             <a:r>
               <a:rPr lang="en-US" altLang="zh-CN" sz="1400" i="1" dirty="0" smtClean="0">
@@ -14308,8 +8610,6 @@
               <a:spcBef>
                 <a:spcPts val="900"/>
               </a:spcBef>
-              <a:buFont typeface="Wingdings" panose="05000000000000000000" pitchFamily="2" charset="2"/>
-              <a:buChar char="ü"/>
             </a:pPr>
             <a:r>
               <a:rPr lang="en-US" altLang="zh-CN" sz="1400" i="1" dirty="0" smtClean="0">
@@ -14325,8 +8625,6 @@
               <a:spcBef>
                 <a:spcPts val="900"/>
               </a:spcBef>
-              <a:buFont typeface="Wingdings" panose="05000000000000000000" pitchFamily="2" charset="2"/>
-              <a:buChar char="ü"/>
             </a:pPr>
             <a:r>
               <a:rPr lang="en-US" altLang="zh-CN" sz="1400" i="1" dirty="0" smtClean="0">
@@ -14342,8 +8640,6 @@
               <a:spcBef>
                 <a:spcPts val="900"/>
               </a:spcBef>
-              <a:buFont typeface="Wingdings" panose="05000000000000000000" pitchFamily="2" charset="2"/>
-              <a:buChar char="ü"/>
             </a:pPr>
             <a:r>
               <a:rPr lang="en-US" altLang="zh-CN" sz="1400" i="1" dirty="0" smtClean="0">
@@ -14458,7 +8754,7 @@
             </a:r>
             <a:r>
               <a:rPr lang="en-US" altLang="zh-CN" sz="2400" dirty="0" smtClean="0"/>
-              <a:t>assembly;</a:t>
+              <a:t>assembly</a:t>
             </a:r>
           </a:p>
           <a:p>
@@ -14484,7 +8780,7 @@
             </a:r>
             <a:r>
               <a:rPr lang="en-US" altLang="zh-CN" sz="2400" dirty="0" smtClean="0"/>
-              <a:t>assembly;</a:t>
+              <a:t>assembly</a:t>
             </a:r>
             <a:endParaRPr lang="en-US" altLang="zh-CN" sz="2400" dirty="0"/>
           </a:p>
@@ -14503,7 +8799,7 @@
             </a:r>
             <a:r>
               <a:rPr lang="en-US" altLang="zh-CN" sz="2400" dirty="0" smtClean="0"/>
-              <a:t>assembly;</a:t>
+              <a:t>assembly</a:t>
             </a:r>
             <a:endParaRPr lang="zh-CN" altLang="zh-CN" sz="2400" dirty="0"/>
           </a:p>
@@ -14561,110 +8857,6 @@
         </p:nvSpPr>
         <p:spPr/>
         <p:txBody>
-          <a:bodyPr>
-            <a:normAutofit/>
-          </a:bodyPr>
-          <a:lstStyle/>
-          <a:p>
-            <a:r>
-              <a:rPr lang="en-US" altLang="zh-CN" dirty="0" smtClean="0"/>
-              <a:t>Optimization Function</a:t>
-            </a:r>
-            <a:r>
-              <a:rPr lang="en-US" altLang="zh-CN" dirty="0" smtClean="0">
-                <a:solidFill>
-                  <a:srgbClr val="000000"/>
-                </a:solidFill>
-              </a:rPr>
-              <a:t> </a:t>
-            </a:r>
-            <a:r>
-              <a:rPr lang="en-US" altLang="zh-CN" dirty="0"/>
-              <a:t>dispatcher</a:t>
-            </a:r>
-            <a:endParaRPr lang="zh-CN" altLang="en-US" dirty="0"/>
-          </a:p>
-        </p:txBody>
-      </p:sp>
-      <p:sp>
-        <p:nvSpPr>
-          <p:cNvPr id="3" name="Text Placeholder 2"/>
-          <p:cNvSpPr>
-            <a:spLocks noGrp="1"/>
-          </p:cNvSpPr>
-          <p:nvPr>
-            <p:ph type="body" sz="quarter" idx="10"/>
-          </p:nvPr>
-        </p:nvSpPr>
-        <p:spPr/>
-        <p:txBody>
-          <a:bodyPr/>
-          <a:lstStyle/>
-          <a:p>
-            <a:r>
-              <a:rPr lang="en-US" altLang="zh-CN" dirty="0" smtClean="0"/>
-              <a:t>Which is the same as ARM style</a:t>
-            </a:r>
-          </a:p>
-          <a:p>
-            <a:r>
-              <a:rPr lang="en-US" altLang="zh-CN" dirty="0" smtClean="0"/>
-              <a:t>Please reference x86_silk_map.c, x86_celt_map.c</a:t>
-            </a:r>
-          </a:p>
-          <a:p>
-            <a:pPr marL="0" indent="0">
-              <a:buNone/>
-            </a:pPr>
-            <a:endParaRPr lang="en-US" altLang="zh-CN" dirty="0" smtClean="0"/>
-          </a:p>
-        </p:txBody>
-      </p:sp>
-    </p:spTree>
-    <p:extLst>
-      <p:ext uri="{BB962C8B-B14F-4D97-AF65-F5344CB8AC3E}">
-        <p14:creationId xmlns:p14="http://schemas.microsoft.com/office/powerpoint/2010/main" val="224408667"/>
-      </p:ext>
-    </p:extLst>
-  </p:cSld>
-  <p:clrMapOvr>
-    <a:masterClrMapping/>
-  </p:clrMapOvr>
-  <p:transition>
-    <p:wipe dir="r"/>
-  </p:transition>
-</p:sld>
-</file>
-
-<file path=ppt/slides/slide7.xml><?xml version="1.0" encoding="utf-8"?>
-<p:sld xmlns:a="http://schemas.openxmlformats.org/drawingml/2006/main" xmlns:r="http://schemas.openxmlformats.org/officeDocument/2006/relationships" xmlns:p="http://schemas.openxmlformats.org/presentationml/2006/main">
-  <p:cSld>
-    <p:spTree>
-      <p:nvGrpSpPr>
-        <p:cNvPr id="1" name=""/>
-        <p:cNvGrpSpPr/>
-        <p:nvPr/>
-      </p:nvGrpSpPr>
-      <p:grpSpPr>
-        <a:xfrm>
-          <a:off x="0" y="0"/>
-          <a:ext cx="0" cy="0"/>
-          <a:chOff x="0" y="0"/>
-          <a:chExt cx="0" cy="0"/>
-        </a:xfrm>
-      </p:grpSpPr>
-      <p:sp>
-        <p:nvSpPr>
-          <p:cNvPr id="2" name="Title 1"/>
-          <p:cNvSpPr>
-            <a:spLocks noGrp="1"/>
-          </p:cNvSpPr>
-          <p:nvPr>
-            <p:ph type="title"/>
-          </p:nvPr>
-        </p:nvSpPr>
-        <p:spPr/>
-        <p:txBody>
           <a:bodyPr/>
           <a:lstStyle/>
           <a:p>
@@ -14685,14 +8877,14 @@
           <p:nvPr>
             <p:extLst>
               <p:ext uri="{D42A27DB-BD31-4B8C-83A1-F6EECF244321}">
-                <p14:modId xmlns:p14="http://schemas.microsoft.com/office/powerpoint/2010/main" val="3115347674"/>
+                <p14:modId xmlns:p14="http://schemas.microsoft.com/office/powerpoint/2010/main" val="917140278"/>
               </p:ext>
             </p:extLst>
           </p:nvPr>
         </p:nvGraphicFramePr>
         <p:xfrm>
           <a:off x="566057" y="1447800"/>
-          <a:ext cx="7010401" cy="4450080"/>
+          <a:ext cx="7010401" cy="4079240"/>
         </p:xfrm>
         <a:graphic>
           <a:graphicData uri="http://schemas.openxmlformats.org/drawingml/2006/table">
@@ -14702,8 +8894,8 @@
               </a:tblPr>
               <a:tblGrid>
                 <a:gridCol w="2939143"/>
-                <a:gridCol w="2514600"/>
-                <a:gridCol w="1556658"/>
+                <a:gridCol w="2895600"/>
+                <a:gridCol w="1175658"/>
               </a:tblGrid>
               <a:tr h="370840">
                 <a:tc>
@@ -14758,66 +8950,7 @@
                     <a:bodyPr/>
                     <a:lstStyle/>
                     <a:p>
-                      <a:pPr algn="l"/>
-                      <a:r>
-                        <a:rPr lang="en-US" altLang="zh-CN" sz="1600" dirty="0" err="1" smtClean="0"/>
-                        <a:t>celt</a:t>
-                      </a:r>
-                      <a:r>
-                        <a:rPr lang="en-US" altLang="zh-CN" sz="1600" dirty="0" smtClean="0"/>
-                        <a:t>/</a:t>
-                      </a:r>
-                      <a:r>
-                        <a:rPr lang="en-US" altLang="zh-CN" sz="1600" dirty="0" err="1" smtClean="0"/>
-                        <a:t>pitch.c</a:t>
-                      </a:r>
-                      <a:endParaRPr lang="zh-CN" altLang="en-US" sz="1600" dirty="0"/>
-                    </a:p>
-                  </a:txBody>
-                  <a:tcPr/>
-                </a:tc>
-                <a:tc>
-                  <a:txBody>
-                    <a:bodyPr/>
-                    <a:lstStyle/>
-                    <a:p>
-                      <a:pPr algn="l"/>
-                      <a:r>
-                        <a:rPr lang="en-US" altLang="zh-CN" sz="1600" dirty="0" err="1" smtClean="0"/>
-                        <a:t>celt_inner_prod</a:t>
-                      </a:r>
-                      <a:r>
-                        <a:rPr lang="en-US" altLang="zh-CN" sz="1600" dirty="0" smtClean="0"/>
-                        <a:t>()</a:t>
-                      </a:r>
-                      <a:endParaRPr lang="zh-CN" altLang="en-US" sz="1600" dirty="0"/>
-                    </a:p>
-                  </a:txBody>
-                  <a:tcPr/>
-                </a:tc>
-                <a:tc>
-                  <a:txBody>
-                    <a:bodyPr/>
-                    <a:lstStyle/>
-                    <a:p>
-                      <a:pPr algn="ctr"/>
-                      <a:r>
-                        <a:rPr lang="en-US" altLang="zh-CN" sz="1600" dirty="0" smtClean="0"/>
-                        <a:t>SSE2/SSE4.1</a:t>
-                      </a:r>
-                      <a:endParaRPr lang="zh-CN" altLang="en-US" sz="1600" dirty="0"/>
-                    </a:p>
-                  </a:txBody>
-                  <a:tcPr/>
-                </a:tc>
-              </a:tr>
-              <a:tr h="370840">
-                <a:tc>
-                  <a:txBody>
-                    <a:bodyPr/>
-                    <a:lstStyle/>
-                    <a:p>
-                      <a:pPr algn="l"/>
+                      <a:pPr marL="0" algn="l" defTabSz="914400" rtl="0" eaLnBrk="1" fontAlgn="b" latinLnBrk="0" hangingPunct="1"/>
                       <a:r>
                         <a:rPr lang="en-US" altLang="zh-CN" sz="1600" kern="1200" dirty="0" err="1" smtClean="0">
                           <a:solidFill>
@@ -14849,7 +8982,7 @@
                           <a:ea typeface="+mn-ea"/>
                           <a:cs typeface="+mn-cs"/>
                         </a:rPr>
-                        <a:t>pitch.c</a:t>
+                        <a:t>ptich.c</a:t>
                       </a:r>
                       <a:endParaRPr lang="zh-CN" altLang="en-US" sz="1600" kern="1200" dirty="0">
                         <a:solidFill>
@@ -14868,16 +9001,37 @@
                     <a:bodyPr/>
                     <a:lstStyle/>
                     <a:p>
-                      <a:pPr algn="l"/>
+                      <a:pPr marL="0" indent="0" algn="l" defTabSz="914400" rtl="0" eaLnBrk="1" fontAlgn="b" latinLnBrk="0" hangingPunct="1"/>
                       <a:r>
-                        <a:rPr lang="en-US" altLang="zh-CN" sz="1600" dirty="0" err="1" smtClean="0"/>
-                        <a:t>xcorr_kernel</a:t>
+                        <a:rPr lang="en-US" altLang="zh-CN" sz="1600" kern="1200" dirty="0" err="1" smtClean="0">
+                          <a:solidFill>
+                            <a:schemeClr val="dk1"/>
+                          </a:solidFill>
+                          <a:latin typeface="+mn-lt"/>
+                          <a:ea typeface="+mn-ea"/>
+                          <a:cs typeface="+mn-cs"/>
+                        </a:rPr>
+                        <a:t>celt_inner_prod</a:t>
                       </a:r>
                       <a:r>
-                        <a:rPr lang="en-US" altLang="zh-CN" sz="1600" dirty="0" smtClean="0"/>
+                        <a:rPr lang="en-US" altLang="zh-CN" sz="1600" kern="1200" dirty="0" smtClean="0">
+                          <a:solidFill>
+                            <a:schemeClr val="dk1"/>
+                          </a:solidFill>
+                          <a:latin typeface="+mn-lt"/>
+                          <a:ea typeface="+mn-ea"/>
+                          <a:cs typeface="+mn-cs"/>
+                        </a:rPr>
                         <a:t>()</a:t>
                       </a:r>
-                      <a:endParaRPr lang="zh-CN" altLang="en-US" sz="1600" dirty="0"/>
+                      <a:endParaRPr lang="zh-CN" altLang="en-US" sz="1600" kern="1200" dirty="0">
+                        <a:solidFill>
+                          <a:schemeClr val="dk1"/>
+                        </a:solidFill>
+                        <a:latin typeface="+mn-lt"/>
+                        <a:ea typeface="+mn-ea"/>
+                        <a:cs typeface="+mn-cs"/>
+                      </a:endParaRPr>
                     </a:p>
                   </a:txBody>
                   <a:tcPr/>
@@ -14890,7 +9044,7 @@
                       <a:pPr algn="ctr"/>
                       <a:r>
                         <a:rPr lang="en-US" altLang="zh-CN" sz="1600" dirty="0" smtClean="0"/>
-                        <a:t>SSE2/SSE4.1</a:t>
+                        <a:t>SSE2</a:t>
                       </a:r>
                       <a:endParaRPr lang="zh-CN" altLang="en-US" sz="1600" dirty="0"/>
                     </a:p>
@@ -15369,7 +9523,7 @@
                     <a:bodyPr/>
                     <a:lstStyle/>
                     <a:p>
-                      <a:pPr algn="l"/>
+                      <a:pPr marL="0" algn="l" defTabSz="914400" rtl="0" eaLnBrk="1" fontAlgn="b" latinLnBrk="0" hangingPunct="1"/>
                       <a:r>
                         <a:rPr lang="en-US" altLang="zh-CN" sz="1600" kern="1200" dirty="0" smtClean="0">
                           <a:solidFill>
@@ -15449,7 +9603,7 @@
                     <a:bodyPr/>
                     <a:lstStyle/>
                     <a:p>
-                      <a:pPr algn="ctr"/>
+                      <a:pPr marL="0" algn="ctr" defTabSz="914400" rtl="0" eaLnBrk="1" fontAlgn="b" latinLnBrk="0" hangingPunct="1"/>
                       <a:r>
                         <a:rPr lang="en-US" altLang="zh-CN" sz="1600" kern="1200" dirty="0" smtClean="0">
                           <a:solidFill>
@@ -15480,7 +9634,7 @@
                     <a:bodyPr/>
                     <a:lstStyle/>
                     <a:p>
-                      <a:pPr algn="l"/>
+                      <a:pPr marL="0" algn="l" defTabSz="914400" rtl="0" eaLnBrk="1" fontAlgn="b" latinLnBrk="0" hangingPunct="1"/>
                       <a:r>
                         <a:rPr lang="en-US" altLang="zh-CN" sz="1600" kern="1200" dirty="0" smtClean="0">
                           <a:solidFill>
@@ -15538,7 +9692,7 @@
                     <a:bodyPr/>
                     <a:lstStyle/>
                     <a:p>
-                      <a:pPr algn="ctr"/>
+                      <a:pPr marL="0" algn="ctr" defTabSz="914400" rtl="0" eaLnBrk="1" fontAlgn="b" latinLnBrk="0" hangingPunct="1"/>
                       <a:r>
                         <a:rPr lang="en-US" altLang="zh-CN" sz="1600" kern="1200" dirty="0" smtClean="0">
                           <a:solidFill>
@@ -15569,7 +9723,7 @@
                     <a:bodyPr/>
                     <a:lstStyle/>
                     <a:p>
-                      <a:pPr algn="l"/>
+                      <a:pPr marL="0" algn="l" defTabSz="914400" rtl="0" eaLnBrk="1" fontAlgn="b" latinLnBrk="0" hangingPunct="1"/>
                       <a:r>
                         <a:rPr lang="en-US" altLang="zh-CN" sz="1600" kern="1200" dirty="0" smtClean="0">
                           <a:solidFill>
@@ -15649,7 +9803,7 @@
                     <a:bodyPr/>
                     <a:lstStyle/>
                     <a:p>
-                      <a:pPr algn="ctr"/>
+                      <a:pPr marL="0" algn="ctr" defTabSz="914400" rtl="0" eaLnBrk="1" fontAlgn="b" latinLnBrk="0" hangingPunct="1"/>
                       <a:r>
                         <a:rPr lang="en-US" altLang="zh-CN" sz="1600" kern="1200" dirty="0" smtClean="0">
                           <a:solidFill>
@@ -15701,7 +9855,7 @@
 </p:sld>
 </file>
 
-<file path=ppt/slides/slide8.xml><?xml version="1.0" encoding="utf-8"?>
+<file path=ppt/slides/slide7.xml><?xml version="1.0" encoding="utf-8"?>
 <p:sld xmlns:a="http://schemas.openxmlformats.org/drawingml/2006/main" xmlns:r="http://schemas.openxmlformats.org/officeDocument/2006/relationships" xmlns:p="http://schemas.openxmlformats.org/presentationml/2006/main">
   <p:cSld>
     <p:spTree>
@@ -15750,14 +9904,14 @@
           <p:nvPr>
             <p:extLst>
               <p:ext uri="{D42A27DB-BD31-4B8C-83A1-F6EECF244321}">
-                <p14:modId xmlns:p14="http://schemas.microsoft.com/office/powerpoint/2010/main" val="928222943"/>
+                <p14:modId xmlns:p14="http://schemas.microsoft.com/office/powerpoint/2010/main" val="2999477796"/>
               </p:ext>
             </p:extLst>
           </p:nvPr>
         </p:nvGraphicFramePr>
         <p:xfrm>
-          <a:off x="566057" y="1442721"/>
-          <a:ext cx="7010401" cy="4114800"/>
+          <a:off x="566057" y="1447800"/>
+          <a:ext cx="7010401" cy="3337560"/>
         </p:xfrm>
         <a:graphic>
           <a:graphicData uri="http://schemas.openxmlformats.org/drawingml/2006/table">
@@ -15767,8 +9921,8 @@
               </a:tblPr>
               <a:tblGrid>
                 <a:gridCol w="3396343"/>
-                <a:gridCol w="2362200"/>
-                <a:gridCol w="1251858"/>
+                <a:gridCol w="2667000"/>
+                <a:gridCol w="947058"/>
               </a:tblGrid>
               <a:tr h="370840">
                 <a:tc>
@@ -15834,7 +9988,7 @@
                       </a:r>
                       <a:r>
                         <a:rPr lang="en-US" altLang="zh-CN" sz="1600" dirty="0" err="1" smtClean="0"/>
-                        <a:t>pitch_sse.c</a:t>
+                        <a:t>ptich_sse.c</a:t>
                       </a:r>
                       <a:endParaRPr lang="zh-CN" altLang="en-US" sz="1600" dirty="0"/>
                     </a:p>
@@ -15851,30 +10005,7 @@
                         <a:rPr lang="en-US" altLang="zh-CN" sz="1600" dirty="0" smtClean="0"/>
                         <a:t>celt_inner_prod_sse2()</a:t>
                       </a:r>
-                    </a:p>
-                    <a:p>
-                      <a:pPr marL="0" marR="0" indent="0" algn="l" defTabSz="914400" rtl="0" eaLnBrk="1" fontAlgn="auto" latinLnBrk="0" hangingPunct="1">
-                        <a:lnSpc>
-                          <a:spcPct val="100000"/>
-                        </a:lnSpc>
-                        <a:spcBef>
-                          <a:spcPts val="0"/>
-                        </a:spcBef>
-                        <a:spcAft>
-                          <a:spcPts val="0"/>
-                        </a:spcAft>
-                        <a:buClrTx/>
-                        <a:buSzTx/>
-                        <a:buFontTx/>
-                        <a:buNone/>
-                        <a:tabLst/>
-                        <a:defRPr/>
-                      </a:pPr>
-                      <a:r>
-                        <a:rPr lang="en-US" altLang="zh-CN" sz="1600" dirty="0" smtClean="0"/>
-                        <a:t>celt_inner_prod_sse4_1()</a:t>
-                      </a:r>
-                      <a:endParaRPr lang="zh-CN" altLang="en-US" sz="1600" dirty="0" smtClean="0"/>
+                      <a:endParaRPr lang="zh-CN" altLang="en-US" sz="1600" dirty="0"/>
                     </a:p>
                   </a:txBody>
                   <a:tcPr/>
@@ -15887,7 +10018,7 @@
                       <a:pPr algn="ctr"/>
                       <a:r>
                         <a:rPr lang="en-US" altLang="zh-CN" sz="1600" dirty="0" smtClean="0"/>
-                        <a:t>SSE2/SSE4.1</a:t>
+                        <a:t>SSE2</a:t>
                       </a:r>
                       <a:endParaRPr lang="zh-CN" altLang="en-US" sz="1600" dirty="0"/>
                     </a:p>
@@ -15912,97 +10043,6 @@
                       </a:r>
                       <a:r>
                         <a:rPr lang="en-US" altLang="zh-CN" sz="1600" dirty="0" err="1" smtClean="0"/>
-                        <a:t>pitch_sse.c</a:t>
-                      </a:r>
-                      <a:endParaRPr lang="zh-CN" altLang="en-US" sz="1600" dirty="0"/>
-                    </a:p>
-                  </a:txBody>
-                  <a:tcPr/>
-                </a:tc>
-                <a:tc>
-                  <a:txBody>
-                    <a:bodyPr/>
-                    <a:lstStyle/>
-                    <a:p>
-                      <a:pPr marL="0" marR="0" indent="0" algn="l" defTabSz="914400" rtl="0" eaLnBrk="1" fontAlgn="auto" latinLnBrk="0" hangingPunct="1">
-                        <a:lnSpc>
-                          <a:spcPct val="100000"/>
-                        </a:lnSpc>
-                        <a:spcBef>
-                          <a:spcPts val="0"/>
-                        </a:spcBef>
-                        <a:spcAft>
-                          <a:spcPts val="0"/>
-                        </a:spcAft>
-                        <a:buClrTx/>
-                        <a:buSzTx/>
-                        <a:buFontTx/>
-                        <a:buNone/>
-                        <a:tabLst/>
-                        <a:defRPr/>
-                      </a:pPr>
-                      <a:r>
-                        <a:rPr lang="en-US" altLang="zh-CN" sz="1600" dirty="0" smtClean="0"/>
-                        <a:t>xcorr_kernel_sse2()</a:t>
-                      </a:r>
-                      <a:endParaRPr lang="zh-CN" altLang="en-US" sz="1600" dirty="0" smtClean="0"/>
-                    </a:p>
-                    <a:p>
-                      <a:pPr marL="0" marR="0" indent="0" algn="l" defTabSz="914400" rtl="0" eaLnBrk="1" fontAlgn="auto" latinLnBrk="0" hangingPunct="1">
-                        <a:lnSpc>
-                          <a:spcPct val="100000"/>
-                        </a:lnSpc>
-                        <a:spcBef>
-                          <a:spcPts val="0"/>
-                        </a:spcBef>
-                        <a:spcAft>
-                          <a:spcPts val="0"/>
-                        </a:spcAft>
-                        <a:buClrTx/>
-                        <a:buSzTx/>
-                        <a:buFontTx/>
-                        <a:buNone/>
-                        <a:tabLst/>
-                        <a:defRPr/>
-                      </a:pPr>
-                      <a:r>
-                        <a:rPr lang="en-US" altLang="zh-CN" sz="1600" smtClean="0"/>
-                        <a:t>xcorr_kernel_sse4_1()</a:t>
-                      </a:r>
-                      <a:endParaRPr lang="zh-CN" altLang="en-US" sz="1600" dirty="0" smtClean="0"/>
-                    </a:p>
-                  </a:txBody>
-                  <a:tcPr/>
-                </a:tc>
-                <a:tc>
-                  <a:txBody>
-                    <a:bodyPr/>
-                    <a:lstStyle/>
-                    <a:p>
-                      <a:pPr algn="ctr"/>
-                      <a:r>
-                        <a:rPr lang="en-US" altLang="zh-CN" sz="1600" dirty="0" smtClean="0"/>
-                        <a:t>SSE2/SSE4.1</a:t>
-                      </a:r>
-                      <a:endParaRPr lang="zh-CN" altLang="en-US" sz="1600" dirty="0"/>
-                    </a:p>
-                  </a:txBody>
-                  <a:tcPr/>
-                </a:tc>
-              </a:tr>
-              <a:tr h="370840">
-                <a:tc>
-                  <a:txBody>
-                    <a:bodyPr/>
-                    <a:lstStyle/>
-                    <a:p>
-                      <a:pPr algn="l"/>
-                      <a:r>
-                        <a:rPr lang="en-US" altLang="zh-CN" sz="1600" dirty="0" smtClean="0"/>
-                        <a:t>celt/x86/</a:t>
-                      </a:r>
-                      <a:r>
-                        <a:rPr lang="en-US" altLang="zh-CN" sz="1600" dirty="0" err="1" smtClean="0"/>
                         <a:t>celt_lpc_sse.c</a:t>
                       </a:r>
                       <a:endParaRPr lang="zh-CN" altLang="en-US" sz="1600" dirty="0"/>
@@ -16017,17 +10057,6 @@
                     <a:p>
                       <a:pPr marL="0" algn="l" defTabSz="914400" rtl="0" eaLnBrk="1" fontAlgn="b" latinLnBrk="0" hangingPunct="1"/>
                       <a:r>
-                        <a:rPr lang="en-US" altLang="zh-CN" sz="1600" kern="1200" dirty="0" err="1" smtClean="0">
-                          <a:solidFill>
-                            <a:schemeClr val="dk1"/>
-                          </a:solidFill>
-                          <a:latin typeface="+mn-lt"/>
-                          <a:ea typeface="+mn-ea"/>
-                          <a:cs typeface="+mn-cs"/>
-                        </a:rPr>
-                        <a:t>celt_fir_sse</a:t>
-                      </a:r>
-                      <a:r>
                         <a:rPr lang="en-US" altLang="zh-CN" sz="1600" kern="1200" dirty="0" smtClean="0">
                           <a:solidFill>
                             <a:schemeClr val="dk1"/>
@@ -16036,7 +10065,7 @@
                           <a:ea typeface="+mn-ea"/>
                           <a:cs typeface="+mn-cs"/>
                         </a:rPr>
-                        <a:t>()</a:t>
+                        <a:t>celt_fir_sse4_1()</a:t>
                       </a:r>
                       <a:endParaRPr lang="en-US" altLang="zh-CN" sz="1600" kern="1200" dirty="0">
                         <a:solidFill>
@@ -16109,17 +10138,6 @@
                     <a:p>
                       <a:pPr marL="0" algn="l" defTabSz="914400" rtl="0" eaLnBrk="1" fontAlgn="b" latinLnBrk="0" hangingPunct="1"/>
                       <a:r>
-                        <a:rPr lang="en-US" altLang="zh-CN" sz="1600" kern="1200" dirty="0" err="1" smtClean="0">
-                          <a:solidFill>
-                            <a:schemeClr val="dk1"/>
-                          </a:solidFill>
-                          <a:latin typeface="+mn-lt"/>
-                          <a:ea typeface="+mn-ea"/>
-                          <a:cs typeface="+mn-cs"/>
-                        </a:rPr>
-                        <a:t>silk_burg_modified_sse</a:t>
-                      </a:r>
-                      <a:r>
                         <a:rPr lang="en-US" altLang="zh-CN" sz="1600" kern="1200" dirty="0" smtClean="0">
                           <a:solidFill>
                             <a:schemeClr val="dk1"/>
@@ -16128,7 +10146,7 @@
                           <a:ea typeface="+mn-ea"/>
                           <a:cs typeface="+mn-cs"/>
                         </a:rPr>
-                        <a:t>()</a:t>
+                        <a:t>silk_burg_modified_sse4_1 ()</a:t>
                       </a:r>
                       <a:endParaRPr lang="en-US" altLang="zh-CN" sz="1600" kern="1200" dirty="0">
                         <a:solidFill>
@@ -16171,6 +10189,14 @@
                       </a:r>
                       <a:r>
                         <a:rPr lang="en-US" altLang="zh-CN" sz="1600" dirty="0" err="1" smtClean="0"/>
+                        <a:t>x86</a:t>
+                      </a:r>
+                      <a:r>
+                        <a:rPr lang="en-US" altLang="zh-CN" sz="1600" dirty="0" smtClean="0"/>
+                        <a:t>/</a:t>
+                      </a:r>
+                      <a:r>
+                        <a:rPr lang="en-US" altLang="zh-CN" sz="1600" dirty="0" err="1" smtClean="0"/>
                         <a:t>VAD_sse.c</a:t>
                       </a:r>
                       <a:endParaRPr lang="zh-CN" altLang="en-US" sz="1600" dirty="0"/>
@@ -16193,7 +10219,7 @@
                           <a:ea typeface="+mn-ea"/>
                           <a:cs typeface="+mn-cs"/>
                         </a:rPr>
-                        <a:t>silk_VAD_GetSA_Q8_sse()</a:t>
+                        <a:t>silk_VAD_GetSA_Q8_sse4_1 ()</a:t>
                       </a:r>
                       <a:endParaRPr lang="en-US" altLang="zh-CN" sz="1600" kern="1200" dirty="0">
                         <a:solidFill>
@@ -16236,6 +10262,14 @@
                       </a:r>
                       <a:r>
                         <a:rPr lang="en-US" altLang="zh-CN" sz="1600" dirty="0" err="1" smtClean="0"/>
+                        <a:t>x86</a:t>
+                      </a:r>
+                      <a:r>
+                        <a:rPr lang="en-US" altLang="zh-CN" sz="1600" dirty="0" smtClean="0"/>
+                        <a:t>/</a:t>
+                      </a:r>
+                      <a:r>
+                        <a:rPr lang="en-US" altLang="zh-CN" sz="1600" dirty="0" err="1" smtClean="0"/>
                         <a:t>NSQ_del_dec_sse.c</a:t>
                       </a:r>
                       <a:endParaRPr lang="zh-CN" altLang="en-US" sz="1600" dirty="0"/>
@@ -16250,17 +10284,6 @@
                     <a:p>
                       <a:pPr marL="0" algn="l" defTabSz="914400" rtl="0" eaLnBrk="1" fontAlgn="b" latinLnBrk="0" hangingPunct="1"/>
                       <a:r>
-                        <a:rPr lang="en-US" altLang="zh-CN" sz="1600" kern="1200" dirty="0" err="1" smtClean="0">
-                          <a:solidFill>
-                            <a:schemeClr val="dk1"/>
-                          </a:solidFill>
-                          <a:latin typeface="+mn-lt"/>
-                          <a:ea typeface="+mn-ea"/>
-                          <a:cs typeface="+mn-cs"/>
-                        </a:rPr>
-                        <a:t>silk_NSQ_del_dec_sse</a:t>
-                      </a:r>
-                      <a:r>
                         <a:rPr lang="en-US" altLang="zh-CN" sz="1600" kern="1200" dirty="0" smtClean="0">
                           <a:solidFill>
                             <a:schemeClr val="dk1"/>
@@ -16269,7 +10292,7 @@
                           <a:ea typeface="+mn-ea"/>
                           <a:cs typeface="+mn-cs"/>
                         </a:rPr>
-                        <a:t>()</a:t>
+                        <a:t>silk_NSQ_del_dec_sse4_1 ()</a:t>
                       </a:r>
                       <a:endParaRPr lang="en-US" altLang="zh-CN" sz="1600" kern="1200" dirty="0">
                         <a:solidFill>
@@ -16312,6 +10335,14 @@
                       </a:r>
                       <a:r>
                         <a:rPr lang="en-US" altLang="zh-CN" sz="1600" dirty="0" err="1" smtClean="0"/>
+                        <a:t>x86</a:t>
+                      </a:r>
+                      <a:r>
+                        <a:rPr lang="en-US" altLang="zh-CN" sz="1600" dirty="0" smtClean="0"/>
+                        <a:t>/</a:t>
+                      </a:r>
+                      <a:r>
+                        <a:rPr lang="en-US" altLang="zh-CN" sz="1600" dirty="0" err="1" smtClean="0"/>
                         <a:t>NSQ_sse.c</a:t>
                       </a:r>
                       <a:endParaRPr lang="zh-CN" altLang="en-US" sz="1600" dirty="0"/>
@@ -16326,17 +10357,6 @@
                     <a:p>
                       <a:pPr marL="0" algn="l" defTabSz="914400" rtl="0" eaLnBrk="1" fontAlgn="b" latinLnBrk="0" hangingPunct="1"/>
                       <a:r>
-                        <a:rPr lang="en-US" altLang="zh-CN" sz="1600" kern="1200" dirty="0" err="1" smtClean="0">
-                          <a:solidFill>
-                            <a:schemeClr val="dk1"/>
-                          </a:solidFill>
-                          <a:latin typeface="+mn-lt"/>
-                          <a:ea typeface="+mn-ea"/>
-                          <a:cs typeface="+mn-cs"/>
-                        </a:rPr>
-                        <a:t>silk_NSQ_sse</a:t>
-                      </a:r>
-                      <a:r>
                         <a:rPr lang="en-US" altLang="zh-CN" sz="1600" kern="1200" dirty="0" smtClean="0">
                           <a:solidFill>
                             <a:schemeClr val="dk1"/>
@@ -16345,7 +10365,7 @@
                           <a:ea typeface="+mn-ea"/>
                           <a:cs typeface="+mn-cs"/>
                         </a:rPr>
-                        <a:t>()</a:t>
+                        <a:t>silk_NSQ_sse4_1 ()</a:t>
                       </a:r>
                       <a:endParaRPr lang="en-US" altLang="zh-CN" sz="1600" kern="1200" dirty="0">
                         <a:solidFill>
@@ -16402,6 +10422,28 @@
                           <a:ea typeface="+mn-ea"/>
                           <a:cs typeface="+mn-cs"/>
                         </a:rPr>
+                        <a:t>x86</a:t>
+                      </a:r>
+                      <a:r>
+                        <a:rPr lang="en-US" altLang="zh-CN" sz="1600" kern="1200" dirty="0" smtClean="0">
+                          <a:solidFill>
+                            <a:schemeClr val="dk1"/>
+                          </a:solidFill>
+                          <a:latin typeface="+mn-lt"/>
+                          <a:ea typeface="+mn-ea"/>
+                          <a:cs typeface="+mn-cs"/>
+                        </a:rPr>
+                        <a:t>/</a:t>
+                      </a:r>
+                      <a:r>
+                        <a:rPr lang="en-US" altLang="zh-CN" sz="1600" kern="1200" dirty="0" err="1" smtClean="0">
+                          <a:solidFill>
+                            <a:schemeClr val="dk1"/>
+                          </a:solidFill>
+                          <a:latin typeface="+mn-lt"/>
+                          <a:ea typeface="+mn-ea"/>
+                          <a:cs typeface="+mn-cs"/>
+                        </a:rPr>
                         <a:t>VQ_WMat_EC_sse.c</a:t>
                       </a:r>
                       <a:endParaRPr lang="zh-CN" altLang="en-US" sz="1600" kern="1200" dirty="0">
@@ -16423,17 +10465,6 @@
                     <a:p>
                       <a:pPr marL="0" algn="l" defTabSz="914400" rtl="0" eaLnBrk="1" fontAlgn="b" latinLnBrk="0" hangingPunct="1"/>
                       <a:r>
-                        <a:rPr lang="en-US" altLang="zh-CN" sz="1600" kern="1200" dirty="0" err="1" smtClean="0">
-                          <a:solidFill>
-                            <a:schemeClr val="dk1"/>
-                          </a:solidFill>
-                          <a:latin typeface="+mn-lt"/>
-                          <a:ea typeface="+mn-ea"/>
-                          <a:cs typeface="+mn-cs"/>
-                        </a:rPr>
-                        <a:t>silk_VQ_WMat_EC_sse</a:t>
-                      </a:r>
-                      <a:r>
                         <a:rPr lang="en-US" altLang="zh-CN" sz="1600" kern="1200" dirty="0" smtClean="0">
                           <a:solidFill>
                             <a:schemeClr val="dk1"/>
@@ -16442,7 +10473,7 @@
                           <a:ea typeface="+mn-ea"/>
                           <a:cs typeface="+mn-cs"/>
                         </a:rPr>
-                        <a:t>()</a:t>
+                        <a:t>silk_VQ_WMat_EC_sse4_1 ()</a:t>
                       </a:r>
                       <a:endParaRPr lang="en-US" altLang="zh-CN" sz="1600" kern="1200" dirty="0">
                         <a:solidFill>
@@ -16486,7 +10517,7 @@
                   <a:tcPr/>
                 </a:tc>
               </a:tr>
-              <a:tr h="360680">
+              <a:tr h="370840">
                 <a:tc>
                   <a:txBody>
                     <a:bodyPr/>
@@ -16572,12 +10603,26 @@
                     <a:bodyPr/>
                     <a:lstStyle/>
                     <a:p>
-                      <a:pPr algn="ctr"/>
+                      <a:pPr marL="0" algn="ctr" defTabSz="914400" rtl="0" eaLnBrk="1" latinLnBrk="0" hangingPunct="1"/>
                       <a:r>
-                        <a:rPr lang="en-US" altLang="zh-CN" sz="1600" dirty="0" smtClean="0"/>
+                        <a:rPr lang="en-US" altLang="zh-CN" sz="1600" kern="1200" dirty="0" smtClean="0">
+                          <a:solidFill>
+                            <a:schemeClr val="dk1"/>
+                          </a:solidFill>
+                          <a:latin typeface="+mn-lt"/>
+                          <a:ea typeface="+mn-ea"/>
+                          <a:cs typeface="+mn-cs"/>
+                        </a:rPr>
                         <a:t>--</a:t>
                       </a:r>
-                      <a:endParaRPr lang="zh-CN" altLang="en-US" sz="1600" dirty="0"/>
+                      <a:endParaRPr lang="zh-CN" altLang="en-US" sz="1600" kern="1200" dirty="0">
+                        <a:solidFill>
+                          <a:schemeClr val="dk1"/>
+                        </a:solidFill>
+                        <a:latin typeface="+mn-lt"/>
+                        <a:ea typeface="+mn-ea"/>
+                        <a:cs typeface="+mn-cs"/>
+                      </a:endParaRPr>
                     </a:p>
                   </a:txBody>
                   <a:tcPr/>
@@ -16595,7 +10640,7 @@
         </p:nvSpPr>
         <p:spPr>
           <a:xfrm>
-            <a:off x="533400" y="5783997"/>
+            <a:off x="609600" y="4953000"/>
             <a:ext cx="6934200" cy="830997"/>
           </a:xfrm>
           <a:prstGeom prst="rect">
@@ -16658,15 +10703,15 @@
                   <a:schemeClr val="dk1"/>
                 </a:solidFill>
               </a:rPr>
-              <a:t>some new function for dynamic detect CPU support </a:t>
-            </a:r>
-            <a:r>
-              <a:rPr lang="en-US" altLang="zh-CN" sz="1600" i="1" dirty="0" err="1">
+              <a:t>some new </a:t>
+            </a:r>
+            <a:r>
+              <a:rPr lang="en-US" altLang="zh-CN" sz="1600" i="1" dirty="0" smtClean="0">
                 <a:solidFill>
                   <a:schemeClr val="dk1"/>
                 </a:solidFill>
               </a:rPr>
-              <a:t>instrinsics</a:t>
+              <a:t>functions </a:t>
             </a:r>
             <a:r>
               <a:rPr lang="en-US" altLang="zh-CN" sz="1600" i="1" dirty="0">
@@ -16674,7 +10719,7 @@
                   <a:schemeClr val="dk1"/>
                 </a:solidFill>
               </a:rPr>
-              <a:t> type(none, SSE2, SSE4.2</a:t>
+              <a:t>for </a:t>
             </a:r>
             <a:r>
               <a:rPr lang="en-US" altLang="zh-CN" sz="1600" i="1" dirty="0" smtClean="0">
@@ -16682,7 +10727,55 @@
                   <a:schemeClr val="dk1"/>
                 </a:solidFill>
               </a:rPr>
-              <a:t>), use function point to implement.</a:t>
+              <a:t>dynamically detecting </a:t>
+            </a:r>
+            <a:r>
+              <a:rPr lang="en-US" altLang="zh-CN" sz="1600" i="1" dirty="0">
+                <a:solidFill>
+                  <a:schemeClr val="dk1"/>
+                </a:solidFill>
+              </a:rPr>
+              <a:t>CPU </a:t>
+            </a:r>
+            <a:r>
+              <a:rPr lang="en-US" altLang="zh-CN" sz="1600" i="1" dirty="0" smtClean="0">
+                <a:solidFill>
+                  <a:schemeClr val="dk1"/>
+                </a:solidFill>
+              </a:rPr>
+              <a:t>features (no </a:t>
+            </a:r>
+            <a:r>
+              <a:rPr lang="en-US" altLang="zh-CN" sz="1600" i="1" dirty="0" err="1" smtClean="0">
+                <a:solidFill>
+                  <a:schemeClr val="dk1"/>
+                </a:solidFill>
+              </a:rPr>
+              <a:t>SIMD</a:t>
+            </a:r>
+            <a:r>
+              <a:rPr lang="en-US" altLang="zh-CN" sz="1600" i="1" dirty="0" smtClean="0">
+                <a:solidFill>
+                  <a:schemeClr val="dk1"/>
+                </a:solidFill>
+              </a:rPr>
+              <a:t>, </a:t>
+            </a:r>
+            <a:r>
+              <a:rPr lang="en-US" altLang="zh-CN" sz="1600" i="1" dirty="0">
+                <a:solidFill>
+                  <a:schemeClr val="dk1"/>
+                </a:solidFill>
+              </a:rPr>
+              <a:t>SSE2, SSE4.2</a:t>
+            </a:r>
+            <a:r>
+              <a:rPr lang="en-US" altLang="zh-CN" sz="1600" i="1" dirty="0" smtClean="0">
+                <a:solidFill>
+                  <a:schemeClr val="dk1"/>
+                </a:solidFill>
+              </a:rPr>
+              <a:t>), use function pointer to implement.</a:t>
             </a:r>
             <a:endParaRPr lang="en-US" altLang="zh-CN" sz="1600" i="1" dirty="0">
               <a:solidFill>
@@ -16715,6 +10808,164 @@
 </p:sld>
 </file>
 
+<file path=ppt/slides/slide8.xml><?xml version="1.0" encoding="utf-8"?>
+<p:sld xmlns:a="http://schemas.openxmlformats.org/drawingml/2006/main" xmlns:r="http://schemas.openxmlformats.org/officeDocument/2006/relationships" xmlns:p="http://schemas.openxmlformats.org/presentationml/2006/main">
+  <p:cSld>
+    <p:spTree>
+      <p:nvGrpSpPr>
+        <p:cNvPr id="1" name=""/>
+        <p:cNvGrpSpPr/>
+        <p:nvPr/>
+      </p:nvGrpSpPr>
+      <p:grpSpPr>
+        <a:xfrm>
+          <a:off x="0" y="0"/>
+          <a:ext cx="0" cy="0"/>
+          <a:chOff x="0" y="0"/>
+          <a:chExt cx="0" cy="0"/>
+        </a:xfrm>
+      </p:grpSpPr>
+      <p:sp>
+        <p:nvSpPr>
+          <p:cNvPr id="2" name="Title 1"/>
+          <p:cNvSpPr>
+            <a:spLocks noGrp="1"/>
+          </p:cNvSpPr>
+          <p:nvPr>
+            <p:ph type="title"/>
+          </p:nvPr>
+        </p:nvSpPr>
+        <p:spPr/>
+        <p:txBody>
+          <a:bodyPr>
+            <a:normAutofit/>
+          </a:bodyPr>
+          <a:lstStyle/>
+          <a:p>
+            <a:r>
+              <a:rPr lang="en-US" altLang="zh-CN" dirty="0"/>
+              <a:t>Optimization Function dispatcher</a:t>
+            </a:r>
+            <a:endParaRPr lang="zh-CN" altLang="en-US" dirty="0"/>
+          </a:p>
+        </p:txBody>
+      </p:sp>
+      <p:sp>
+        <p:nvSpPr>
+          <p:cNvPr id="3" name="Text Placeholder 2"/>
+          <p:cNvSpPr>
+            <a:spLocks noGrp="1"/>
+          </p:cNvSpPr>
+          <p:nvPr>
+            <p:ph type="body" sz="quarter" idx="10"/>
+          </p:nvPr>
+        </p:nvSpPr>
+        <p:spPr/>
+        <p:txBody>
+          <a:bodyPr/>
+          <a:lstStyle/>
+          <a:p>
+            <a:pPr marL="457200" indent="-457200">
+              <a:buFont typeface="+mj-lt"/>
+              <a:buAutoNum type="arabicPeriod"/>
+            </a:pPr>
+            <a:endParaRPr lang="en-US" altLang="zh-CN" dirty="0" smtClean="0"/>
+          </a:p>
+          <a:p>
+            <a:pPr marL="457200" indent="-457200">
+              <a:buFont typeface="+mj-lt"/>
+              <a:buAutoNum type="arabicPeriod"/>
+            </a:pPr>
+            <a:r>
+              <a:rPr lang="en-US" altLang="zh-CN" sz="2000" dirty="0">
+                <a:solidFill>
+                  <a:schemeClr val="tx1"/>
+                </a:solidFill>
+              </a:rPr>
+              <a:t>Detect CPU type in </a:t>
+            </a:r>
+            <a:r>
+              <a:rPr lang="en-US" altLang="zh-CN" sz="2000" dirty="0" err="1">
+                <a:solidFill>
+                  <a:schemeClr val="tx1"/>
+                </a:solidFill>
+              </a:rPr>
+              <a:t>opus_encoder_init</a:t>
+            </a:r>
+            <a:r>
+              <a:rPr lang="en-US" altLang="zh-CN" sz="2000" dirty="0">
+                <a:solidFill>
+                  <a:schemeClr val="tx1"/>
+                </a:solidFill>
+              </a:rPr>
+              <a:t> &amp; </a:t>
+            </a:r>
+            <a:r>
+              <a:rPr lang="en-US" altLang="zh-CN" sz="2000" dirty="0" err="1">
+                <a:solidFill>
+                  <a:schemeClr val="tx1"/>
+                </a:solidFill>
+              </a:rPr>
+              <a:t>opus_decoder_init</a:t>
+            </a:r>
+            <a:endParaRPr lang="en-US" altLang="zh-CN" sz="2000" dirty="0">
+              <a:solidFill>
+                <a:schemeClr val="tx1"/>
+              </a:solidFill>
+            </a:endParaRPr>
+          </a:p>
+          <a:p>
+            <a:pPr marL="457200" indent="-457200">
+              <a:buFont typeface="+mj-lt"/>
+              <a:buAutoNum type="arabicPeriod"/>
+            </a:pPr>
+            <a:r>
+              <a:rPr lang="en-US" altLang="zh-CN" sz="2000" dirty="0">
+                <a:solidFill>
+                  <a:schemeClr val="tx1"/>
+                </a:solidFill>
+              </a:rPr>
+              <a:t>Which is the same as ARM style</a:t>
+            </a:r>
+          </a:p>
+          <a:p>
+            <a:pPr marL="457200" indent="-457200">
+              <a:buFont typeface="+mj-lt"/>
+              <a:buAutoNum type="arabicPeriod"/>
+            </a:pPr>
+            <a:r>
+              <a:rPr lang="en-US" altLang="zh-CN" sz="2000" dirty="0">
+                <a:solidFill>
+                  <a:schemeClr val="tx1"/>
+                </a:solidFill>
+              </a:rPr>
+              <a:t>Please reference x86_silk_map.c, x86_celt_map.c</a:t>
+            </a:r>
+          </a:p>
+          <a:p>
+            <a:pPr marL="0" indent="0">
+              <a:buNone/>
+            </a:pPr>
+            <a:endParaRPr lang="zh-CN" altLang="en-US" dirty="0"/>
+          </a:p>
+        </p:txBody>
+      </p:sp>
+    </p:spTree>
+    <p:extLst>
+      <p:ext uri="{BB962C8B-B14F-4D97-AF65-F5344CB8AC3E}">
+        <p14:creationId xmlns:p14="http://schemas.microsoft.com/office/powerpoint/2010/main" val="3914743489"/>
+      </p:ext>
+    </p:extLst>
+  </p:cSld>
+  <p:clrMapOvr>
+    <a:masterClrMapping/>
+  </p:clrMapOvr>
+  <p:transition>
+    <p:wipe dir="r"/>
+  </p:transition>
+</p:sld>
+</file>
+
 <file path=ppt/slides/slide9.xml><?xml version="1.0" encoding="utf-8"?>
 <p:sld xmlns:a="http://schemas.openxmlformats.org/drawingml/2006/main" xmlns:r="http://schemas.openxmlformats.org/officeDocument/2006/relationships" xmlns:p="http://schemas.openxmlformats.org/presentationml/2006/main">
   <p:cSld>
@@ -16734,32 +10985,6 @@
       </p:grpSpPr>
       <p:sp>
         <p:nvSpPr>
-          <p:cNvPr id="2" name="Title 1"/>
-          <p:cNvSpPr>
-            <a:spLocks noGrp="1"/>
-          </p:cNvSpPr>
-          <p:nvPr>
-            <p:ph type="title"/>
-          </p:nvPr>
-        </p:nvSpPr>
-        <p:spPr/>
-        <p:txBody>
-          <a:bodyPr/>
-          <a:lstStyle/>
-          <a:p>
-            <a:r>
-              <a:rPr lang="en-US" altLang="zh-CN" dirty="0">
-                <a:solidFill>
-                  <a:srgbClr val="000000"/>
-                </a:solidFill>
-              </a:rPr>
-              <a:t>How to verify Optimization </a:t>
-            </a:r>
-          </a:p>
-        </p:txBody>
-      </p:sp>
-      <p:sp>
-        <p:nvSpPr>
           <p:cNvPr id="4" name="Text Placeholder 12"/>
           <p:cNvSpPr>
             <a:spLocks noGrp="1"/>
@@ -16771,7 +10996,7 @@
         <p:spPr>
           <a:xfrm>
             <a:off x="457200" y="1828800"/>
-            <a:ext cx="7696200" cy="2072875"/>
+            <a:ext cx="7696200" cy="3100849"/>
           </a:xfrm>
           <a:prstGeom prst="rect">
             <a:avLst/>
@@ -16783,12 +11008,46 @@
           </a:bodyPr>
           <a:lstStyle/>
           <a:p>
+            <a:pPr marL="457200" indent="-457200">
+              <a:buAutoNum type="arabicPeriod"/>
+            </a:pPr>
+            <a:r>
+              <a:rPr lang="en-US" altLang="zh-CN" sz="2400" dirty="0" smtClean="0"/>
+              <a:t>Check the encoded </a:t>
+            </a:r>
+            <a:r>
+              <a:rPr lang="en-US" altLang="zh-CN" sz="2400" dirty="0" smtClean="0"/>
+              <a:t>bit-stream</a:t>
+            </a:r>
+          </a:p>
+          <a:p>
+            <a:pPr marL="0" lvl="1" indent="0">
+              <a:spcBef>
+                <a:spcPts val="1480"/>
+              </a:spcBef>
+              <a:buNone/>
+            </a:pPr>
+            <a:r>
+              <a:rPr lang="en-US" altLang="zh-CN" sz="2000" dirty="0" smtClean="0"/>
+              <a:t>        should </a:t>
+            </a:r>
+            <a:r>
+              <a:rPr lang="en-US" altLang="zh-CN" sz="2000" dirty="0"/>
+              <a:t>be exactly same with original </a:t>
+            </a:r>
+            <a:r>
+              <a:rPr lang="en-US" altLang="zh-CN" sz="2000" dirty="0" smtClean="0"/>
+              <a:t>code</a:t>
+            </a:r>
+            <a:endParaRPr lang="en-US" altLang="zh-CN" sz="2400" b="1" dirty="0" smtClean="0"/>
+          </a:p>
+          <a:p>
             <a:pPr marL="0" indent="0">
               <a:buNone/>
             </a:pPr>
             <a:r>
               <a:rPr lang="en-US" altLang="zh-CN" sz="2400" dirty="0" smtClean="0"/>
-              <a:t>1.   All test pass by OPUS official test way:</a:t>
+              <a:t>2.   All test pass by OPUS official test:</a:t>
             </a:r>
           </a:p>
           <a:p>
@@ -16807,7 +11066,15 @@
             </a:pPr>
             <a:r>
               <a:rPr lang="en-US" altLang="zh-CN" sz="2400" dirty="0" smtClean="0"/>
-              <a:t>2.   Use PESQ way:</a:t>
+              <a:t>3.   Use </a:t>
+            </a:r>
+            <a:r>
+              <a:rPr lang="en-US" altLang="zh-CN" sz="2400" dirty="0" err="1" smtClean="0"/>
+              <a:t>PESQ</a:t>
+            </a:r>
+            <a:r>
+              <a:rPr lang="en-US" altLang="zh-CN" sz="2400" dirty="0" smtClean="0"/>
+              <a:t>:</a:t>
             </a:r>
           </a:p>
           <a:p>
@@ -16830,20 +11097,20 @@
           <p:nvPr>
             <p:extLst>
               <p:ext uri="{D42A27DB-BD31-4B8C-83A1-F6EECF244321}">
-                <p14:modId xmlns:p14="http://schemas.microsoft.com/office/powerpoint/2010/main" val="3375336222"/>
+                <p14:modId xmlns:p14="http://schemas.microsoft.com/office/powerpoint/2010/main" val="1002211499"/>
               </p:ext>
             </p:extLst>
           </p:nvPr>
         </p:nvGraphicFramePr>
         <p:xfrm>
-          <a:off x="2057400" y="2362200"/>
+          <a:off x="2057400" y="3429000"/>
           <a:ext cx="1752600" cy="519112"/>
         </p:xfrm>
         <a:graphic>
           <a:graphicData uri="http://schemas.openxmlformats.org/presentationml/2006/ole">
             <mc:AlternateContent xmlns:mc="http://schemas.openxmlformats.org/markup-compatibility/2006">
               <mc:Choice xmlns:v="urn:schemas-microsoft-com:vml" Requires="v">
-                <p:oleObj spid="_x0000_s1152" name="Packager Shell Object" showAsIcon="1" r:id="rId4" imgW="1245600" imgH="518400" progId="Package">
+                <p:oleObj spid="_x0000_s1144" name="Packager Shell Object" showAsIcon="1" r:id="rId4" imgW="1245600" imgH="518400" progId="Package">
                   <p:embed/>
                 </p:oleObj>
               </mc:Choice>
@@ -16864,7 +11131,7 @@
                     </p:blipFill>
                     <p:spPr>
                       <a:xfrm>
-                        <a:off x="2057400" y="2362200"/>
+                        <a:off x="2057400" y="3429000"/>
                         <a:ext cx="1752600" cy="519112"/>
                       </a:xfrm>
                       <a:prstGeom prst="rect">
@@ -16878,6 +11145,29 @@
           </a:graphicData>
         </a:graphic>
       </p:graphicFrame>
+      <p:sp>
+        <p:nvSpPr>
+          <p:cNvPr id="3" name="Title 2"/>
+          <p:cNvSpPr>
+            <a:spLocks noGrp="1"/>
+          </p:cNvSpPr>
+          <p:nvPr>
+            <p:ph type="title"/>
+          </p:nvPr>
+        </p:nvSpPr>
+        <p:spPr/>
+        <p:txBody>
+          <a:bodyPr/>
+          <a:lstStyle/>
+          <a:p>
+            <a:r>
+              <a:rPr lang="en-US" dirty="0" smtClean="0"/>
+              <a:t>How to verify optimization</a:t>
+            </a:r>
+            <a:endParaRPr lang="en-US" dirty="0"/>
+          </a:p>
+        </p:txBody>
+      </p:sp>
     </p:spTree>
     <p:extLst>
       <p:ext uri="{BB962C8B-B14F-4D97-AF65-F5344CB8AC3E}">
